--- a/docs/images/MRASCO-adapter-architecture-diagram.pptx
+++ b/docs/images/MRASCO-adapter-architecture-diagram.pptx
@@ -6,6 +6,7 @@
   </p:sldMasterIdLst>
   <p:sldIdLst>
     <p:sldId id="256" r:id="rId2"/>
+    <p:sldId id="257" r:id="rId3"/>
   </p:sldIdLst>
   <p:sldSz cx="12192000" cy="6858000"/>
   <p:notesSz cx="6858000" cy="9144000"/>
@@ -104,6 +105,11 @@
       </a:defRPr>
     </a:lvl9pPr>
   </p:defaultTextStyle>
+  <p:extLst>
+    <p:ext uri="{EFAFB233-063F-42B5-8137-9DF3F51BA10A}">
+      <p15:sldGuideLst xmlns:p15="http://schemas.microsoft.com/office/powerpoint/2012/main"/>
+    </p:ext>
+  </p:extLst>
 </p:presentation>
 </file>
 
@@ -6639,10 +6645,3578 @@
           </a:p>
         </p:txBody>
       </p:sp>
+      <p:sp>
+        <p:nvSpPr>
+          <p:cNvPr id="43" name="TextBox 17">
+            <a:extLst>
+              <a:ext uri="{FF2B5EF4-FFF2-40B4-BE49-F238E27FC236}">
+                <a16:creationId xmlns:a16="http://schemas.microsoft.com/office/drawing/2014/main" id="{23CFC9F2-8418-4120-8E88-F5BDC65F68D4}"/>
+              </a:ext>
+            </a:extLst>
+          </p:cNvPr>
+          <p:cNvSpPr txBox="1">
+            <a:spLocks noChangeArrowheads="1"/>
+          </p:cNvSpPr>
+          <p:nvPr/>
+        </p:nvSpPr>
+        <p:spPr bwMode="auto">
+          <a:xfrm>
+            <a:off x="6737768" y="5933015"/>
+            <a:ext cx="1362074" cy="261610"/>
+          </a:xfrm>
+          <a:prstGeom prst="rect">
+            <a:avLst/>
+          </a:prstGeom>
+          <a:noFill/>
+          <a:ln>
+            <a:noFill/>
+          </a:ln>
+          <a:extLst>
+            <a:ext uri="{909E8E84-426E-40DD-AFC4-6F175D3DCCD1}">
+              <a14:hiddenFill xmlns:a14="http://schemas.microsoft.com/office/drawing/2010/main">
+                <a:solidFill>
+                  <a:srgbClr val="FFFFFF"/>
+                </a:solidFill>
+              </a14:hiddenFill>
+            </a:ext>
+            <a:ext uri="{91240B29-F687-4F45-9708-019B960494DF}">
+              <a14:hiddenLine xmlns:a14="http://schemas.microsoft.com/office/drawing/2010/main" w="9525">
+                <a:solidFill>
+                  <a:srgbClr val="000000"/>
+                </a:solidFill>
+                <a:miter lim="800000"/>
+                <a:headEnd/>
+                <a:tailEnd/>
+              </a14:hiddenLine>
+            </a:ext>
+          </a:extLst>
+        </p:spPr>
+        <p:txBody>
+          <a:bodyPr wrap="square">
+            <a:spAutoFit/>
+          </a:bodyPr>
+          <a:lstStyle>
+            <a:lvl1pPr>
+              <a:defRPr>
+                <a:solidFill>
+                  <a:schemeClr val="tx1"/>
+                </a:solidFill>
+                <a:latin typeface="Calibri" panose="020F0502020204030204" pitchFamily="34" charset="0"/>
+              </a:defRPr>
+            </a:lvl1pPr>
+            <a:lvl2pPr marL="742950" indent="-285750">
+              <a:defRPr>
+                <a:solidFill>
+                  <a:schemeClr val="tx1"/>
+                </a:solidFill>
+                <a:latin typeface="Calibri" panose="020F0502020204030204" pitchFamily="34" charset="0"/>
+              </a:defRPr>
+            </a:lvl2pPr>
+            <a:lvl3pPr marL="1143000" indent="-228600">
+              <a:defRPr>
+                <a:solidFill>
+                  <a:schemeClr val="tx1"/>
+                </a:solidFill>
+                <a:latin typeface="Calibri" panose="020F0502020204030204" pitchFamily="34" charset="0"/>
+              </a:defRPr>
+            </a:lvl3pPr>
+            <a:lvl4pPr marL="1600200" indent="-228600">
+              <a:defRPr>
+                <a:solidFill>
+                  <a:schemeClr val="tx1"/>
+                </a:solidFill>
+                <a:latin typeface="Calibri" panose="020F0502020204030204" pitchFamily="34" charset="0"/>
+              </a:defRPr>
+            </a:lvl4pPr>
+            <a:lvl5pPr marL="2057400" indent="-228600">
+              <a:defRPr>
+                <a:solidFill>
+                  <a:schemeClr val="tx1"/>
+                </a:solidFill>
+                <a:latin typeface="Calibri" panose="020F0502020204030204" pitchFamily="34" charset="0"/>
+              </a:defRPr>
+            </a:lvl5pPr>
+            <a:lvl6pPr marL="2514600" indent="-228600" eaLnBrk="0" fontAlgn="base" hangingPunct="0">
+              <a:spcBef>
+                <a:spcPct val="0"/>
+              </a:spcBef>
+              <a:spcAft>
+                <a:spcPct val="0"/>
+              </a:spcAft>
+              <a:defRPr>
+                <a:solidFill>
+                  <a:schemeClr val="tx1"/>
+                </a:solidFill>
+                <a:latin typeface="Calibri" panose="020F0502020204030204" pitchFamily="34" charset="0"/>
+              </a:defRPr>
+            </a:lvl6pPr>
+            <a:lvl7pPr marL="2971800" indent="-228600" eaLnBrk="0" fontAlgn="base" hangingPunct="0">
+              <a:spcBef>
+                <a:spcPct val="0"/>
+              </a:spcBef>
+              <a:spcAft>
+                <a:spcPct val="0"/>
+              </a:spcAft>
+              <a:defRPr>
+                <a:solidFill>
+                  <a:schemeClr val="tx1"/>
+                </a:solidFill>
+                <a:latin typeface="Calibri" panose="020F0502020204030204" pitchFamily="34" charset="0"/>
+              </a:defRPr>
+            </a:lvl7pPr>
+            <a:lvl8pPr marL="3429000" indent="-228600" eaLnBrk="0" fontAlgn="base" hangingPunct="0">
+              <a:spcBef>
+                <a:spcPct val="0"/>
+              </a:spcBef>
+              <a:spcAft>
+                <a:spcPct val="0"/>
+              </a:spcAft>
+              <a:defRPr>
+                <a:solidFill>
+                  <a:schemeClr val="tx1"/>
+                </a:solidFill>
+                <a:latin typeface="Calibri" panose="020F0502020204030204" pitchFamily="34" charset="0"/>
+              </a:defRPr>
+            </a:lvl8pPr>
+            <a:lvl9pPr marL="3886200" indent="-228600" eaLnBrk="0" fontAlgn="base" hangingPunct="0">
+              <a:spcBef>
+                <a:spcPct val="0"/>
+              </a:spcBef>
+              <a:spcAft>
+                <a:spcPct val="0"/>
+              </a:spcAft>
+              <a:defRPr>
+                <a:solidFill>
+                  <a:schemeClr val="tx1"/>
+                </a:solidFill>
+                <a:latin typeface="Calibri" panose="020F0502020204030204" pitchFamily="34" charset="0"/>
+              </a:defRPr>
+            </a:lvl9pPr>
+          </a:lstStyle>
+          <a:p>
+            <a:pPr algn="ctr" eaLnBrk="1" hangingPunct="1"/>
+            <a:r>
+              <a:rPr lang="en-US" altLang="en-US" sz="1100" dirty="0">
+                <a:latin typeface="Arial" panose="020B0604020202020204" pitchFamily="34" charset="0"/>
+                <a:ea typeface="Amazon Ember" panose="020B0603020204020204" pitchFamily="34" charset="0"/>
+                <a:cs typeface="Arial" panose="020B0604020202020204" pitchFamily="34" charset="0"/>
+              </a:rPr>
+              <a:t>Lambda function</a:t>
+            </a:r>
+          </a:p>
+        </p:txBody>
+      </p:sp>
+      <p:pic>
+        <p:nvPicPr>
+          <p:cNvPr id="45" name="Graphic 13">
+            <a:extLst>
+              <a:ext uri="{FF2B5EF4-FFF2-40B4-BE49-F238E27FC236}">
+                <a16:creationId xmlns:a16="http://schemas.microsoft.com/office/drawing/2014/main" id="{C82E3DCF-57A2-4344-A8A7-72B46BE1F62F}"/>
+              </a:ext>
+            </a:extLst>
+          </p:cNvPr>
+          <p:cNvPicPr>
+            <a:picLocks noChangeAspect="1" noChangeArrowheads="1"/>
+          </p:cNvPicPr>
+          <p:nvPr/>
+        </p:nvPicPr>
+        <p:blipFill>
+          <a:blip r:embed="rId13">
+            <a:extLst>
+              <a:ext uri="{28A0092B-C50C-407E-A947-70E740481C1C}">
+                <a14:useLocalDpi xmlns:a14="http://schemas.microsoft.com/office/drawing/2010/main" val="0"/>
+              </a:ext>
+            </a:extLst>
+          </a:blip>
+          <a:srcRect/>
+          <a:stretch>
+            <a:fillRect/>
+          </a:stretch>
+        </p:blipFill>
+        <p:spPr bwMode="auto">
+          <a:xfrm>
+            <a:off x="7198694" y="5453590"/>
+            <a:ext cx="457200" cy="457200"/>
+          </a:xfrm>
+          <a:prstGeom prst="rect">
+            <a:avLst/>
+          </a:prstGeom>
+          <a:noFill/>
+          <a:ln>
+            <a:noFill/>
+          </a:ln>
+          <a:extLst>
+            <a:ext uri="{909E8E84-426E-40DD-AFC4-6F175D3DCCD1}">
+              <a14:hiddenFill xmlns:a14="http://schemas.microsoft.com/office/drawing/2010/main">
+                <a:solidFill>
+                  <a:srgbClr val="FFFFFF"/>
+                </a:solidFill>
+              </a14:hiddenFill>
+            </a:ext>
+            <a:ext uri="{91240B29-F687-4F45-9708-019B960494DF}">
+              <a14:hiddenLine xmlns:a14="http://schemas.microsoft.com/office/drawing/2010/main" w="9525">
+                <a:solidFill>
+                  <a:srgbClr val="000000"/>
+                </a:solidFill>
+                <a:miter lim="800000"/>
+                <a:headEnd/>
+                <a:tailEnd/>
+              </a14:hiddenLine>
+            </a:ext>
+          </a:extLst>
+        </p:spPr>
+      </p:pic>
     </p:spTree>
     <p:extLst>
       <p:ext uri="{BB962C8B-B14F-4D97-AF65-F5344CB8AC3E}">
         <p14:creationId xmlns:p14="http://schemas.microsoft.com/office/powerpoint/2010/main" val="2277199719"/>
+      </p:ext>
+    </p:extLst>
+  </p:cSld>
+  <p:clrMapOvr>
+    <a:masterClrMapping/>
+  </p:clrMapOvr>
+</p:sld>
+</file>
+
+<file path=ppt/slides/slide2.xml><?xml version="1.0" encoding="utf-8"?>
+<p:sld xmlns:a="http://schemas.openxmlformats.org/drawingml/2006/main" xmlns:r="http://schemas.openxmlformats.org/officeDocument/2006/relationships" xmlns:p="http://schemas.openxmlformats.org/presentationml/2006/main">
+  <p:cSld>
+    <p:spTree>
+      <p:nvGrpSpPr>
+        <p:cNvPr id="1" name=""/>
+        <p:cNvGrpSpPr/>
+        <p:nvPr/>
+      </p:nvGrpSpPr>
+      <p:grpSpPr>
+        <a:xfrm>
+          <a:off x="0" y="0"/>
+          <a:ext cx="0" cy="0"/>
+          <a:chOff x="0" y="0"/>
+          <a:chExt cx="0" cy="0"/>
+        </a:xfrm>
+      </p:grpSpPr>
+      <p:sp>
+        <p:nvSpPr>
+          <p:cNvPr id="4" name="Rectangle 3">
+            <a:extLst>
+              <a:ext uri="{FF2B5EF4-FFF2-40B4-BE49-F238E27FC236}">
+                <a16:creationId xmlns:a16="http://schemas.microsoft.com/office/drawing/2014/main" id="{78F37984-4FAA-43B6-916D-EA7A082725EA}"/>
+              </a:ext>
+            </a:extLst>
+          </p:cNvPr>
+          <p:cNvSpPr/>
+          <p:nvPr/>
+        </p:nvSpPr>
+        <p:spPr>
+          <a:xfrm>
+            <a:off x="745318" y="891818"/>
+            <a:ext cx="9900223" cy="4161445"/>
+          </a:xfrm>
+          <a:prstGeom prst="rect">
+            <a:avLst/>
+          </a:prstGeom>
+          <a:noFill/>
+          <a:ln w="12700">
+            <a:solidFill>
+              <a:schemeClr val="tx1"/>
+            </a:solidFill>
+          </a:ln>
+        </p:spPr>
+        <p:style>
+          <a:lnRef idx="2">
+            <a:schemeClr val="accent1">
+              <a:shade val="50000"/>
+            </a:schemeClr>
+          </a:lnRef>
+          <a:fillRef idx="1">
+            <a:schemeClr val="accent1"/>
+          </a:fillRef>
+          <a:effectRef idx="0">
+            <a:schemeClr val="accent1"/>
+          </a:effectRef>
+          <a:fontRef idx="minor">
+            <a:schemeClr val="lt1"/>
+          </a:fontRef>
+        </p:style>
+        <p:txBody>
+          <a:bodyPr lIns="502920" tIns="91440"/>
+          <a:lstStyle/>
+          <a:p>
+            <a:pPr eaLnBrk="1" fontAlgn="auto" hangingPunct="1">
+              <a:spcBef>
+                <a:spcPts val="0"/>
+              </a:spcBef>
+              <a:spcAft>
+                <a:spcPts val="0"/>
+              </a:spcAft>
+              <a:defRPr/>
+            </a:pPr>
+            <a:r>
+              <a:rPr lang="en-US" sz="1200" dirty="0">
+                <a:solidFill>
+                  <a:sysClr val="windowText" lastClr="000000"/>
+                </a:solidFill>
+                <a:latin typeface="Arial" panose="020B0604020202020204" pitchFamily="34" charset="0"/>
+                <a:cs typeface="Arial" panose="020B0604020202020204" pitchFamily="34" charset="0"/>
+              </a:rPr>
+              <a:t>AWS Cloud</a:t>
+            </a:r>
+          </a:p>
+        </p:txBody>
+      </p:sp>
+      <p:pic>
+        <p:nvPicPr>
+          <p:cNvPr id="5" name="Graphic 4">
+            <a:extLst>
+              <a:ext uri="{FF2B5EF4-FFF2-40B4-BE49-F238E27FC236}">
+                <a16:creationId xmlns:a16="http://schemas.microsoft.com/office/drawing/2014/main" id="{4A9BF625-81C3-442A-9C4E-2A0BDC1EB215}"/>
+              </a:ext>
+            </a:extLst>
+          </p:cNvPr>
+          <p:cNvPicPr>
+            <a:picLocks noChangeAspect="1"/>
+          </p:cNvPicPr>
+          <p:nvPr/>
+        </p:nvPicPr>
+        <p:blipFill>
+          <a:blip r:embed="rId2">
+            <a:extLst>
+              <a:ext uri="{96DAC541-7B7A-43D3-8B79-37D633B846F1}">
+                <asvg:svgBlip xmlns:asvg="http://schemas.microsoft.com/office/drawing/2016/SVG/main" r:embed="rId3"/>
+              </a:ext>
+            </a:extLst>
+          </a:blip>
+          <a:srcRect/>
+          <a:stretch/>
+        </p:blipFill>
+        <p:spPr>
+          <a:xfrm>
+            <a:off x="745319" y="891817"/>
+            <a:ext cx="381000" cy="381000"/>
+          </a:xfrm>
+          <a:prstGeom prst="rect">
+            <a:avLst/>
+          </a:prstGeom>
+        </p:spPr>
+      </p:pic>
+      <p:sp>
+        <p:nvSpPr>
+          <p:cNvPr id="6" name="Rectangle 5">
+            <a:extLst>
+              <a:ext uri="{FF2B5EF4-FFF2-40B4-BE49-F238E27FC236}">
+                <a16:creationId xmlns:a16="http://schemas.microsoft.com/office/drawing/2014/main" id="{CF97B6B8-BDDE-4B85-BB2E-9BEF73855BCF}"/>
+              </a:ext>
+            </a:extLst>
+          </p:cNvPr>
+          <p:cNvSpPr/>
+          <p:nvPr/>
+        </p:nvSpPr>
+        <p:spPr>
+          <a:xfrm>
+            <a:off x="4193079" y="1435497"/>
+            <a:ext cx="2926080" cy="3290507"/>
+          </a:xfrm>
+          <a:prstGeom prst="rect">
+            <a:avLst/>
+          </a:prstGeom>
+          <a:noFill/>
+          <a:ln w="12700">
+            <a:solidFill>
+              <a:srgbClr val="5A6B86"/>
+            </a:solidFill>
+            <a:prstDash val="dash"/>
+          </a:ln>
+        </p:spPr>
+        <p:style>
+          <a:lnRef idx="2">
+            <a:schemeClr val="accent1">
+              <a:shade val="50000"/>
+            </a:schemeClr>
+          </a:lnRef>
+          <a:fillRef idx="1">
+            <a:schemeClr val="accent1"/>
+          </a:fillRef>
+          <a:effectRef idx="0">
+            <a:schemeClr val="accent1"/>
+          </a:effectRef>
+          <a:fontRef idx="minor">
+            <a:schemeClr val="lt1"/>
+          </a:fontRef>
+        </p:style>
+        <p:txBody>
+          <a:bodyPr lIns="640080" tIns="182880" rIns="548640"/>
+          <a:lstStyle/>
+          <a:p>
+            <a:pPr algn="ctr" eaLnBrk="1" fontAlgn="auto" hangingPunct="1">
+              <a:spcBef>
+                <a:spcPts val="0"/>
+              </a:spcBef>
+              <a:spcAft>
+                <a:spcPts val="0"/>
+              </a:spcAft>
+              <a:defRPr/>
+            </a:pPr>
+            <a:r>
+              <a:rPr lang="en-US" sz="1200" dirty="0">
+                <a:solidFill>
+                  <a:srgbClr val="5A6B86"/>
+                </a:solidFill>
+                <a:latin typeface="Arial" panose="020B0604020202020204" pitchFamily="34" charset="0"/>
+                <a:cs typeface="Arial" panose="020B0604020202020204" pitchFamily="34" charset="0"/>
+              </a:rPr>
+              <a:t>Modular CloudFormation data lake sub-stacks</a:t>
+            </a:r>
+          </a:p>
+        </p:txBody>
+      </p:sp>
+      <p:sp>
+        <p:nvSpPr>
+          <p:cNvPr id="7" name="Rectangle 6">
+            <a:extLst>
+              <a:ext uri="{FF2B5EF4-FFF2-40B4-BE49-F238E27FC236}">
+                <a16:creationId xmlns:a16="http://schemas.microsoft.com/office/drawing/2014/main" id="{E04D69EF-015E-4DE3-9C0A-B6235501EDF9}"/>
+              </a:ext>
+            </a:extLst>
+          </p:cNvPr>
+          <p:cNvSpPr/>
+          <p:nvPr/>
+        </p:nvSpPr>
+        <p:spPr>
+          <a:xfrm>
+            <a:off x="1088745" y="1435499"/>
+            <a:ext cx="2926080" cy="3291840"/>
+          </a:xfrm>
+          <a:prstGeom prst="rect">
+            <a:avLst/>
+          </a:prstGeom>
+          <a:solidFill>
+            <a:srgbClr val="5A6B86">
+              <a:alpha val="9804"/>
+            </a:srgbClr>
+          </a:solidFill>
+          <a:ln w="12700">
+            <a:noFill/>
+            <a:prstDash val="dash"/>
+          </a:ln>
+        </p:spPr>
+        <p:style>
+          <a:lnRef idx="2">
+            <a:schemeClr val="accent1">
+              <a:shade val="50000"/>
+            </a:schemeClr>
+          </a:lnRef>
+          <a:fillRef idx="1">
+            <a:schemeClr val="accent1"/>
+          </a:fillRef>
+          <a:effectRef idx="0">
+            <a:schemeClr val="accent1"/>
+          </a:effectRef>
+          <a:fontRef idx="minor">
+            <a:schemeClr val="lt1"/>
+          </a:fontRef>
+        </p:style>
+        <p:txBody>
+          <a:bodyPr lIns="548640" tIns="182880" rIns="457200"/>
+          <a:lstStyle/>
+          <a:p>
+            <a:pPr algn="ctr" eaLnBrk="1" fontAlgn="auto" hangingPunct="1">
+              <a:spcBef>
+                <a:spcPts val="0"/>
+              </a:spcBef>
+              <a:spcAft>
+                <a:spcPts val="0"/>
+              </a:spcAft>
+              <a:defRPr/>
+            </a:pPr>
+            <a:r>
+              <a:rPr lang="en-US" sz="1200" dirty="0">
+                <a:solidFill>
+                  <a:schemeClr val="tx1"/>
+                </a:solidFill>
+                <a:latin typeface="Arial" panose="020B0604020202020204" pitchFamily="34" charset="0"/>
+                <a:cs typeface="Arial" panose="020B0604020202020204" pitchFamily="34" charset="0"/>
+              </a:rPr>
+              <a:t>Modular CloudFormation adapter sub-stack</a:t>
+            </a:r>
+          </a:p>
+        </p:txBody>
+      </p:sp>
+      <p:pic>
+        <p:nvPicPr>
+          <p:cNvPr id="9" name="Graphic 34">
+            <a:extLst>
+              <a:ext uri="{FF2B5EF4-FFF2-40B4-BE49-F238E27FC236}">
+                <a16:creationId xmlns:a16="http://schemas.microsoft.com/office/drawing/2014/main" id="{4172B016-377E-4180-A84E-8ABA83ACA7C4}"/>
+              </a:ext>
+            </a:extLst>
+          </p:cNvPr>
+          <p:cNvPicPr>
+            <a:picLocks noChangeAspect="1" noChangeArrowheads="1"/>
+          </p:cNvPicPr>
+          <p:nvPr/>
+        </p:nvPicPr>
+        <p:blipFill>
+          <a:blip r:embed="rId4">
+            <a:extLst>
+              <a:ext uri="{28A0092B-C50C-407E-A947-70E740481C1C}">
+                <a14:useLocalDpi xmlns:a14="http://schemas.microsoft.com/office/drawing/2010/main" val="0"/>
+              </a:ext>
+            </a:extLst>
+          </a:blip>
+          <a:srcRect/>
+          <a:stretch>
+            <a:fillRect/>
+          </a:stretch>
+        </p:blipFill>
+        <p:spPr bwMode="auto">
+          <a:xfrm>
+            <a:off x="1222605" y="1563187"/>
+            <a:ext cx="457200" cy="457200"/>
+          </a:xfrm>
+          <a:prstGeom prst="rect">
+            <a:avLst/>
+          </a:prstGeom>
+          <a:noFill/>
+          <a:ln>
+            <a:noFill/>
+          </a:ln>
+          <a:extLst>
+            <a:ext uri="{909E8E84-426E-40DD-AFC4-6F175D3DCCD1}">
+              <a14:hiddenFill xmlns:a14="http://schemas.microsoft.com/office/drawing/2010/main">
+                <a:solidFill>
+                  <a:srgbClr val="FFFFFF"/>
+                </a:solidFill>
+              </a14:hiddenFill>
+            </a:ext>
+            <a:ext uri="{91240B29-F687-4F45-9708-019B960494DF}">
+              <a14:hiddenLine xmlns:a14="http://schemas.microsoft.com/office/drawing/2010/main" w="9525">
+                <a:solidFill>
+                  <a:srgbClr val="000000"/>
+                </a:solidFill>
+                <a:miter lim="800000"/>
+                <a:headEnd/>
+                <a:tailEnd/>
+              </a14:hiddenLine>
+            </a:ext>
+          </a:extLst>
+        </p:spPr>
+      </p:pic>
+      <p:sp>
+        <p:nvSpPr>
+          <p:cNvPr id="10" name="TextBox 20">
+            <a:extLst>
+              <a:ext uri="{FF2B5EF4-FFF2-40B4-BE49-F238E27FC236}">
+                <a16:creationId xmlns:a16="http://schemas.microsoft.com/office/drawing/2014/main" id="{F2124AE6-AC40-49BB-A434-7DA4B7C6BC56}"/>
+              </a:ext>
+            </a:extLst>
+          </p:cNvPr>
+          <p:cNvSpPr txBox="1">
+            <a:spLocks noChangeArrowheads="1"/>
+          </p:cNvSpPr>
+          <p:nvPr/>
+        </p:nvSpPr>
+        <p:spPr bwMode="auto">
+          <a:xfrm>
+            <a:off x="1906465" y="4109421"/>
+            <a:ext cx="1290638" cy="461665"/>
+          </a:xfrm>
+          <a:prstGeom prst="rect">
+            <a:avLst/>
+          </a:prstGeom>
+          <a:noFill/>
+          <a:ln>
+            <a:noFill/>
+          </a:ln>
+          <a:extLst>
+            <a:ext uri="{909E8E84-426E-40DD-AFC4-6F175D3DCCD1}">
+              <a14:hiddenFill xmlns:a14="http://schemas.microsoft.com/office/drawing/2010/main">
+                <a:solidFill>
+                  <a:srgbClr val="FFFFFF"/>
+                </a:solidFill>
+              </a14:hiddenFill>
+            </a:ext>
+            <a:ext uri="{91240B29-F687-4F45-9708-019B960494DF}">
+              <a14:hiddenLine xmlns:a14="http://schemas.microsoft.com/office/drawing/2010/main" w="9525">
+                <a:solidFill>
+                  <a:srgbClr val="000000"/>
+                </a:solidFill>
+                <a:miter lim="800000"/>
+                <a:headEnd/>
+                <a:tailEnd/>
+              </a14:hiddenLine>
+            </a:ext>
+          </a:extLst>
+        </p:spPr>
+        <p:txBody>
+          <a:bodyPr wrap="square">
+            <a:spAutoFit/>
+          </a:bodyPr>
+          <a:lstStyle>
+            <a:lvl1pPr>
+              <a:defRPr>
+                <a:solidFill>
+                  <a:schemeClr val="tx1"/>
+                </a:solidFill>
+                <a:latin typeface="Calibri" panose="020F0502020204030204" pitchFamily="34" charset="0"/>
+              </a:defRPr>
+            </a:lvl1pPr>
+            <a:lvl2pPr marL="742950" indent="-285750">
+              <a:defRPr>
+                <a:solidFill>
+                  <a:schemeClr val="tx1"/>
+                </a:solidFill>
+                <a:latin typeface="Calibri" panose="020F0502020204030204" pitchFamily="34" charset="0"/>
+              </a:defRPr>
+            </a:lvl2pPr>
+            <a:lvl3pPr marL="1143000" indent="-228600">
+              <a:defRPr>
+                <a:solidFill>
+                  <a:schemeClr val="tx1"/>
+                </a:solidFill>
+                <a:latin typeface="Calibri" panose="020F0502020204030204" pitchFamily="34" charset="0"/>
+              </a:defRPr>
+            </a:lvl3pPr>
+            <a:lvl4pPr marL="1600200" indent="-228600">
+              <a:defRPr>
+                <a:solidFill>
+                  <a:schemeClr val="tx1"/>
+                </a:solidFill>
+                <a:latin typeface="Calibri" panose="020F0502020204030204" pitchFamily="34" charset="0"/>
+              </a:defRPr>
+            </a:lvl4pPr>
+            <a:lvl5pPr marL="2057400" indent="-228600">
+              <a:defRPr>
+                <a:solidFill>
+                  <a:schemeClr val="tx1"/>
+                </a:solidFill>
+                <a:latin typeface="Calibri" panose="020F0502020204030204" pitchFamily="34" charset="0"/>
+              </a:defRPr>
+            </a:lvl5pPr>
+            <a:lvl6pPr marL="2514600" indent="-228600" eaLnBrk="0" fontAlgn="base" hangingPunct="0">
+              <a:spcBef>
+                <a:spcPct val="0"/>
+              </a:spcBef>
+              <a:spcAft>
+                <a:spcPct val="0"/>
+              </a:spcAft>
+              <a:defRPr>
+                <a:solidFill>
+                  <a:schemeClr val="tx1"/>
+                </a:solidFill>
+                <a:latin typeface="Calibri" panose="020F0502020204030204" pitchFamily="34" charset="0"/>
+              </a:defRPr>
+            </a:lvl6pPr>
+            <a:lvl7pPr marL="2971800" indent="-228600" eaLnBrk="0" fontAlgn="base" hangingPunct="0">
+              <a:spcBef>
+                <a:spcPct val="0"/>
+              </a:spcBef>
+              <a:spcAft>
+                <a:spcPct val="0"/>
+              </a:spcAft>
+              <a:defRPr>
+                <a:solidFill>
+                  <a:schemeClr val="tx1"/>
+                </a:solidFill>
+                <a:latin typeface="Calibri" panose="020F0502020204030204" pitchFamily="34" charset="0"/>
+              </a:defRPr>
+            </a:lvl7pPr>
+            <a:lvl8pPr marL="3429000" indent="-228600" eaLnBrk="0" fontAlgn="base" hangingPunct="0">
+              <a:spcBef>
+                <a:spcPct val="0"/>
+              </a:spcBef>
+              <a:spcAft>
+                <a:spcPct val="0"/>
+              </a:spcAft>
+              <a:defRPr>
+                <a:solidFill>
+                  <a:schemeClr val="tx1"/>
+                </a:solidFill>
+                <a:latin typeface="Calibri" panose="020F0502020204030204" pitchFamily="34" charset="0"/>
+              </a:defRPr>
+            </a:lvl8pPr>
+            <a:lvl9pPr marL="3886200" indent="-228600" eaLnBrk="0" fontAlgn="base" hangingPunct="0">
+              <a:spcBef>
+                <a:spcPct val="0"/>
+              </a:spcBef>
+              <a:spcAft>
+                <a:spcPct val="0"/>
+              </a:spcAft>
+              <a:defRPr>
+                <a:solidFill>
+                  <a:schemeClr val="tx1"/>
+                </a:solidFill>
+                <a:latin typeface="Calibri" panose="020F0502020204030204" pitchFamily="34" charset="0"/>
+              </a:defRPr>
+            </a:lvl9pPr>
+          </a:lstStyle>
+          <a:p>
+            <a:pPr algn="ctr" eaLnBrk="1" hangingPunct="1"/>
+            <a:r>
+              <a:rPr lang="en-US" altLang="en-US" sz="1200" dirty="0">
+                <a:latin typeface="Arial" panose="020B0604020202020204" pitchFamily="34" charset="0"/>
+                <a:ea typeface="Amazon Ember" panose="020B0603020204020204" pitchFamily="34" charset="0"/>
+                <a:cs typeface="Arial" panose="020B0604020202020204" pitchFamily="34" charset="0"/>
+              </a:rPr>
+              <a:t>MRASCO landing</a:t>
+            </a:r>
+          </a:p>
+        </p:txBody>
+      </p:sp>
+      <p:pic>
+        <p:nvPicPr>
+          <p:cNvPr id="11" name="Graphic 31">
+            <a:extLst>
+              <a:ext uri="{FF2B5EF4-FFF2-40B4-BE49-F238E27FC236}">
+                <a16:creationId xmlns:a16="http://schemas.microsoft.com/office/drawing/2014/main" id="{E4A1A105-3944-4C13-BBCE-C1C0DD70213A}"/>
+              </a:ext>
+            </a:extLst>
+          </p:cNvPr>
+          <p:cNvPicPr>
+            <a:picLocks noChangeAspect="1" noChangeArrowheads="1"/>
+          </p:cNvPicPr>
+          <p:nvPr/>
+        </p:nvPicPr>
+        <p:blipFill>
+          <a:blip r:embed="rId5">
+            <a:extLst>
+              <a:ext uri="{28A0092B-C50C-407E-A947-70E740481C1C}">
+                <a14:useLocalDpi xmlns:a14="http://schemas.microsoft.com/office/drawing/2010/main" val="0"/>
+              </a:ext>
+            </a:extLst>
+          </a:blip>
+          <a:srcRect/>
+          <a:stretch>
+            <a:fillRect/>
+          </a:stretch>
+        </p:blipFill>
+        <p:spPr bwMode="auto">
+          <a:xfrm>
+            <a:off x="2323184" y="3688053"/>
+            <a:ext cx="457200" cy="457200"/>
+          </a:xfrm>
+          <a:prstGeom prst="rect">
+            <a:avLst/>
+          </a:prstGeom>
+          <a:noFill/>
+          <a:ln>
+            <a:noFill/>
+          </a:ln>
+          <a:extLst>
+            <a:ext uri="{909E8E84-426E-40DD-AFC4-6F175D3DCCD1}">
+              <a14:hiddenFill xmlns:a14="http://schemas.microsoft.com/office/drawing/2010/main">
+                <a:solidFill>
+                  <a:srgbClr val="FFFFFF"/>
+                </a:solidFill>
+              </a14:hiddenFill>
+            </a:ext>
+            <a:ext uri="{91240B29-F687-4F45-9708-019B960494DF}">
+              <a14:hiddenLine xmlns:a14="http://schemas.microsoft.com/office/drawing/2010/main" w="9525">
+                <a:solidFill>
+                  <a:srgbClr val="000000"/>
+                </a:solidFill>
+                <a:miter lim="800000"/>
+                <a:headEnd/>
+                <a:tailEnd/>
+              </a14:hiddenLine>
+            </a:ext>
+          </a:extLst>
+        </p:spPr>
+      </p:pic>
+      <p:sp>
+        <p:nvSpPr>
+          <p:cNvPr id="15" name="Rectangle 14">
+            <a:extLst>
+              <a:ext uri="{FF2B5EF4-FFF2-40B4-BE49-F238E27FC236}">
+                <a16:creationId xmlns:a16="http://schemas.microsoft.com/office/drawing/2014/main" id="{28BEC604-EB1A-4CA1-B369-07AE5BB78F3F}"/>
+              </a:ext>
+            </a:extLst>
+          </p:cNvPr>
+          <p:cNvSpPr/>
+          <p:nvPr/>
+        </p:nvSpPr>
+        <p:spPr>
+          <a:xfrm>
+            <a:off x="7304821" y="1435497"/>
+            <a:ext cx="2923429" cy="3290507"/>
+          </a:xfrm>
+          <a:prstGeom prst="rect">
+            <a:avLst/>
+          </a:prstGeom>
+          <a:noFill/>
+          <a:ln w="12700">
+            <a:solidFill>
+              <a:srgbClr val="5A6B86"/>
+            </a:solidFill>
+            <a:prstDash val="dash"/>
+          </a:ln>
+        </p:spPr>
+        <p:style>
+          <a:lnRef idx="2">
+            <a:schemeClr val="accent1">
+              <a:shade val="50000"/>
+            </a:schemeClr>
+          </a:lnRef>
+          <a:fillRef idx="1">
+            <a:schemeClr val="accent1"/>
+          </a:fillRef>
+          <a:effectRef idx="0">
+            <a:schemeClr val="accent1"/>
+          </a:effectRef>
+          <a:fontRef idx="minor">
+            <a:schemeClr val="lt1"/>
+          </a:fontRef>
+        </p:style>
+        <p:txBody>
+          <a:bodyPr lIns="548640" tIns="182880" rIns="457200"/>
+          <a:lstStyle/>
+          <a:p>
+            <a:pPr algn="ctr" eaLnBrk="1" fontAlgn="auto" hangingPunct="1">
+              <a:spcBef>
+                <a:spcPts val="0"/>
+              </a:spcBef>
+              <a:spcAft>
+                <a:spcPts val="0"/>
+              </a:spcAft>
+              <a:tabLst>
+                <a:tab pos="115888" algn="l"/>
+              </a:tabLst>
+              <a:defRPr/>
+            </a:pPr>
+            <a:r>
+              <a:rPr lang="en-US" sz="1200" dirty="0">
+                <a:solidFill>
+                  <a:srgbClr val="5A6B86"/>
+                </a:solidFill>
+                <a:latin typeface="Arial" panose="020B0604020202020204" pitchFamily="34" charset="0"/>
+                <a:cs typeface="Arial" panose="020B0604020202020204" pitchFamily="34" charset="0"/>
+              </a:rPr>
+              <a:t>Modular CloudFormation consumption sub-stacks</a:t>
+            </a:r>
+          </a:p>
+        </p:txBody>
+      </p:sp>
+      <p:pic>
+        <p:nvPicPr>
+          <p:cNvPr id="16" name="Graphic 34">
+            <a:extLst>
+              <a:ext uri="{FF2B5EF4-FFF2-40B4-BE49-F238E27FC236}">
+                <a16:creationId xmlns:a16="http://schemas.microsoft.com/office/drawing/2014/main" id="{FF7D18A2-7C9C-45BC-898D-40E149181AF5}"/>
+              </a:ext>
+            </a:extLst>
+          </p:cNvPr>
+          <p:cNvPicPr>
+            <a:picLocks noChangeAspect="1" noChangeArrowheads="1"/>
+          </p:cNvPicPr>
+          <p:nvPr/>
+        </p:nvPicPr>
+        <p:blipFill>
+          <a:blip r:embed="rId4">
+            <a:extLst>
+              <a:ext uri="{28A0092B-C50C-407E-A947-70E740481C1C}">
+                <a14:useLocalDpi xmlns:a14="http://schemas.microsoft.com/office/drawing/2010/main" val="0"/>
+              </a:ext>
+            </a:extLst>
+          </a:blip>
+          <a:srcRect/>
+          <a:stretch>
+            <a:fillRect/>
+          </a:stretch>
+        </p:blipFill>
+        <p:spPr bwMode="auto">
+          <a:xfrm>
+            <a:off x="4320341" y="1563187"/>
+            <a:ext cx="457200" cy="457200"/>
+          </a:xfrm>
+          <a:prstGeom prst="rect">
+            <a:avLst/>
+          </a:prstGeom>
+          <a:noFill/>
+          <a:ln>
+            <a:noFill/>
+          </a:ln>
+          <a:extLst>
+            <a:ext uri="{909E8E84-426E-40DD-AFC4-6F175D3DCCD1}">
+              <a14:hiddenFill xmlns:a14="http://schemas.microsoft.com/office/drawing/2010/main">
+                <a:solidFill>
+                  <a:srgbClr val="FFFFFF"/>
+                </a:solidFill>
+              </a14:hiddenFill>
+            </a:ext>
+            <a:ext uri="{91240B29-F687-4F45-9708-019B960494DF}">
+              <a14:hiddenLine xmlns:a14="http://schemas.microsoft.com/office/drawing/2010/main" w="9525">
+                <a:solidFill>
+                  <a:srgbClr val="000000"/>
+                </a:solidFill>
+                <a:miter lim="800000"/>
+                <a:headEnd/>
+                <a:tailEnd/>
+              </a14:hiddenLine>
+            </a:ext>
+          </a:extLst>
+        </p:spPr>
+      </p:pic>
+      <p:sp>
+        <p:nvSpPr>
+          <p:cNvPr id="22" name="TextBox 18">
+            <a:extLst>
+              <a:ext uri="{FF2B5EF4-FFF2-40B4-BE49-F238E27FC236}">
+                <a16:creationId xmlns:a16="http://schemas.microsoft.com/office/drawing/2014/main" id="{378160B2-7EC9-4E73-AF38-D5350FE83B4A}"/>
+              </a:ext>
+            </a:extLst>
+          </p:cNvPr>
+          <p:cNvSpPr txBox="1">
+            <a:spLocks noChangeArrowheads="1"/>
+          </p:cNvSpPr>
+          <p:nvPr/>
+        </p:nvSpPr>
+        <p:spPr bwMode="auto">
+          <a:xfrm>
+            <a:off x="5131350" y="3419375"/>
+            <a:ext cx="1166881" cy="261610"/>
+          </a:xfrm>
+          <a:prstGeom prst="rect">
+            <a:avLst/>
+          </a:prstGeom>
+          <a:noFill/>
+          <a:ln>
+            <a:noFill/>
+          </a:ln>
+          <a:extLst>
+            <a:ext uri="{909E8E84-426E-40DD-AFC4-6F175D3DCCD1}">
+              <a14:hiddenFill xmlns:a14="http://schemas.microsoft.com/office/drawing/2010/main">
+                <a:solidFill>
+                  <a:srgbClr val="FFFFFF"/>
+                </a:solidFill>
+              </a14:hiddenFill>
+            </a:ext>
+            <a:ext uri="{91240B29-F687-4F45-9708-019B960494DF}">
+              <a14:hiddenLine xmlns:a14="http://schemas.microsoft.com/office/drawing/2010/main" w="9525">
+                <a:solidFill>
+                  <a:srgbClr val="000000"/>
+                </a:solidFill>
+                <a:miter lim="800000"/>
+                <a:headEnd/>
+                <a:tailEnd/>
+              </a14:hiddenLine>
+            </a:ext>
+          </a:extLst>
+        </p:spPr>
+        <p:txBody>
+          <a:bodyPr wrap="square">
+            <a:spAutoFit/>
+          </a:bodyPr>
+          <a:lstStyle>
+            <a:lvl1pPr>
+              <a:defRPr>
+                <a:solidFill>
+                  <a:schemeClr val="tx1"/>
+                </a:solidFill>
+                <a:latin typeface="Calibri" panose="020F0502020204030204" pitchFamily="34" charset="0"/>
+              </a:defRPr>
+            </a:lvl1pPr>
+            <a:lvl2pPr marL="742950" indent="-285750">
+              <a:defRPr>
+                <a:solidFill>
+                  <a:schemeClr val="tx1"/>
+                </a:solidFill>
+                <a:latin typeface="Calibri" panose="020F0502020204030204" pitchFamily="34" charset="0"/>
+              </a:defRPr>
+            </a:lvl2pPr>
+            <a:lvl3pPr marL="1143000" indent="-228600">
+              <a:defRPr>
+                <a:solidFill>
+                  <a:schemeClr val="tx1"/>
+                </a:solidFill>
+                <a:latin typeface="Calibri" panose="020F0502020204030204" pitchFamily="34" charset="0"/>
+              </a:defRPr>
+            </a:lvl3pPr>
+            <a:lvl4pPr marL="1600200" indent="-228600">
+              <a:defRPr>
+                <a:solidFill>
+                  <a:schemeClr val="tx1"/>
+                </a:solidFill>
+                <a:latin typeface="Calibri" panose="020F0502020204030204" pitchFamily="34" charset="0"/>
+              </a:defRPr>
+            </a:lvl4pPr>
+            <a:lvl5pPr marL="2057400" indent="-228600">
+              <a:defRPr>
+                <a:solidFill>
+                  <a:schemeClr val="tx1"/>
+                </a:solidFill>
+                <a:latin typeface="Calibri" panose="020F0502020204030204" pitchFamily="34" charset="0"/>
+              </a:defRPr>
+            </a:lvl5pPr>
+            <a:lvl6pPr marL="2514600" indent="-228600" eaLnBrk="0" fontAlgn="base" hangingPunct="0">
+              <a:spcBef>
+                <a:spcPct val="0"/>
+              </a:spcBef>
+              <a:spcAft>
+                <a:spcPct val="0"/>
+              </a:spcAft>
+              <a:defRPr>
+                <a:solidFill>
+                  <a:schemeClr val="tx1"/>
+                </a:solidFill>
+                <a:latin typeface="Calibri" panose="020F0502020204030204" pitchFamily="34" charset="0"/>
+              </a:defRPr>
+            </a:lvl6pPr>
+            <a:lvl7pPr marL="2971800" indent="-228600" eaLnBrk="0" fontAlgn="base" hangingPunct="0">
+              <a:spcBef>
+                <a:spcPct val="0"/>
+              </a:spcBef>
+              <a:spcAft>
+                <a:spcPct val="0"/>
+              </a:spcAft>
+              <a:defRPr>
+                <a:solidFill>
+                  <a:schemeClr val="tx1"/>
+                </a:solidFill>
+                <a:latin typeface="Calibri" panose="020F0502020204030204" pitchFamily="34" charset="0"/>
+              </a:defRPr>
+            </a:lvl7pPr>
+            <a:lvl8pPr marL="3429000" indent="-228600" eaLnBrk="0" fontAlgn="base" hangingPunct="0">
+              <a:spcBef>
+                <a:spcPct val="0"/>
+              </a:spcBef>
+              <a:spcAft>
+                <a:spcPct val="0"/>
+              </a:spcAft>
+              <a:defRPr>
+                <a:solidFill>
+                  <a:schemeClr val="tx1"/>
+                </a:solidFill>
+                <a:latin typeface="Calibri" panose="020F0502020204030204" pitchFamily="34" charset="0"/>
+              </a:defRPr>
+            </a:lvl8pPr>
+            <a:lvl9pPr marL="3886200" indent="-228600" eaLnBrk="0" fontAlgn="base" hangingPunct="0">
+              <a:spcBef>
+                <a:spcPct val="0"/>
+              </a:spcBef>
+              <a:spcAft>
+                <a:spcPct val="0"/>
+              </a:spcAft>
+              <a:defRPr>
+                <a:solidFill>
+                  <a:schemeClr val="tx1"/>
+                </a:solidFill>
+                <a:latin typeface="Calibri" panose="020F0502020204030204" pitchFamily="34" charset="0"/>
+              </a:defRPr>
+            </a:lvl9pPr>
+          </a:lstStyle>
+          <a:p>
+            <a:pPr algn="ctr" eaLnBrk="1" hangingPunct="1"/>
+            <a:r>
+              <a:rPr lang="en-US" altLang="en-US" sz="1100" dirty="0">
+                <a:latin typeface="Arial" panose="020B0604020202020204" pitchFamily="34" charset="0"/>
+                <a:ea typeface="Amazon Ember" panose="020B0603020204020204" pitchFamily="34" charset="0"/>
+                <a:cs typeface="Arial" panose="020B0604020202020204" pitchFamily="34" charset="0"/>
+              </a:rPr>
+              <a:t>Data lake</a:t>
+            </a:r>
+          </a:p>
+        </p:txBody>
+      </p:sp>
+      <p:pic>
+        <p:nvPicPr>
+          <p:cNvPr id="23" name="Graphic 6">
+            <a:extLst>
+              <a:ext uri="{FF2B5EF4-FFF2-40B4-BE49-F238E27FC236}">
+                <a16:creationId xmlns:a16="http://schemas.microsoft.com/office/drawing/2014/main" id="{B805C337-8779-4C91-8042-0B502E26E15D}"/>
+              </a:ext>
+            </a:extLst>
+          </p:cNvPr>
+          <p:cNvPicPr>
+            <a:picLocks noChangeAspect="1" noChangeArrowheads="1"/>
+          </p:cNvPicPr>
+          <p:nvPr/>
+        </p:nvPicPr>
+        <p:blipFill>
+          <a:blip r:embed="rId6">
+            <a:extLst>
+              <a:ext uri="{28A0092B-C50C-407E-A947-70E740481C1C}">
+                <a14:useLocalDpi xmlns:a14="http://schemas.microsoft.com/office/drawing/2010/main" val="0"/>
+              </a:ext>
+            </a:extLst>
+          </a:blip>
+          <a:srcRect/>
+          <a:stretch>
+            <a:fillRect/>
+          </a:stretch>
+        </p:blipFill>
+        <p:spPr bwMode="auto">
+          <a:xfrm>
+            <a:off x="5500769" y="2958025"/>
+            <a:ext cx="457200" cy="457200"/>
+          </a:xfrm>
+          <a:prstGeom prst="rect">
+            <a:avLst/>
+          </a:prstGeom>
+          <a:noFill/>
+          <a:ln>
+            <a:noFill/>
+          </a:ln>
+          <a:extLst>
+            <a:ext uri="{909E8E84-426E-40DD-AFC4-6F175D3DCCD1}">
+              <a14:hiddenFill xmlns:a14="http://schemas.microsoft.com/office/drawing/2010/main">
+                <a:solidFill>
+                  <a:srgbClr val="FFFFFF"/>
+                </a:solidFill>
+              </a14:hiddenFill>
+            </a:ext>
+            <a:ext uri="{91240B29-F687-4F45-9708-019B960494DF}">
+              <a14:hiddenLine xmlns:a14="http://schemas.microsoft.com/office/drawing/2010/main" w="9525">
+                <a:solidFill>
+                  <a:srgbClr val="000000"/>
+                </a:solidFill>
+                <a:miter lim="800000"/>
+                <a:headEnd/>
+                <a:tailEnd/>
+              </a14:hiddenLine>
+            </a:ext>
+          </a:extLst>
+        </p:spPr>
+      </p:pic>
+      <p:pic>
+        <p:nvPicPr>
+          <p:cNvPr id="17" name="Graphic 23">
+            <a:extLst>
+              <a:ext uri="{FF2B5EF4-FFF2-40B4-BE49-F238E27FC236}">
+                <a16:creationId xmlns:a16="http://schemas.microsoft.com/office/drawing/2014/main" id="{6A4F6864-E199-43D2-BCAF-727D6D944AC1}"/>
+              </a:ext>
+            </a:extLst>
+          </p:cNvPr>
+          <p:cNvPicPr>
+            <a:picLocks noChangeAspect="1" noChangeArrowheads="1"/>
+          </p:cNvPicPr>
+          <p:nvPr/>
+        </p:nvPicPr>
+        <p:blipFill>
+          <a:blip r:embed="rId7">
+            <a:extLst>
+              <a:ext uri="{28A0092B-C50C-407E-A947-70E740481C1C}">
+                <a14:useLocalDpi xmlns:a14="http://schemas.microsoft.com/office/drawing/2010/main" val="0"/>
+              </a:ext>
+            </a:extLst>
+          </a:blip>
+          <a:srcRect/>
+          <a:stretch>
+            <a:fillRect/>
+          </a:stretch>
+        </p:blipFill>
+        <p:spPr bwMode="auto">
+          <a:xfrm>
+            <a:off x="7876005" y="2393593"/>
+            <a:ext cx="645414" cy="645414"/>
+          </a:xfrm>
+          <a:prstGeom prst="rect">
+            <a:avLst/>
+          </a:prstGeom>
+          <a:noFill/>
+          <a:ln>
+            <a:noFill/>
+          </a:ln>
+          <a:extLst>
+            <a:ext uri="{909E8E84-426E-40DD-AFC4-6F175D3DCCD1}">
+              <a14:hiddenFill xmlns:a14="http://schemas.microsoft.com/office/drawing/2010/main">
+                <a:solidFill>
+                  <a:srgbClr val="FFFFFF"/>
+                </a:solidFill>
+              </a14:hiddenFill>
+            </a:ext>
+            <a:ext uri="{91240B29-F687-4F45-9708-019B960494DF}">
+              <a14:hiddenLine xmlns:a14="http://schemas.microsoft.com/office/drawing/2010/main" w="9525">
+                <a:solidFill>
+                  <a:srgbClr val="000000"/>
+                </a:solidFill>
+                <a:miter lim="800000"/>
+                <a:headEnd/>
+                <a:tailEnd/>
+              </a14:hiddenLine>
+            </a:ext>
+          </a:extLst>
+        </p:spPr>
+      </p:pic>
+      <p:sp>
+        <p:nvSpPr>
+          <p:cNvPr id="18" name="TextBox 34">
+            <a:extLst>
+              <a:ext uri="{FF2B5EF4-FFF2-40B4-BE49-F238E27FC236}">
+                <a16:creationId xmlns:a16="http://schemas.microsoft.com/office/drawing/2014/main" id="{38372529-F8C8-4C81-949A-AAC61DA47274}"/>
+              </a:ext>
+            </a:extLst>
+          </p:cNvPr>
+          <p:cNvSpPr txBox="1">
+            <a:spLocks noChangeArrowheads="1"/>
+          </p:cNvSpPr>
+          <p:nvPr/>
+        </p:nvSpPr>
+        <p:spPr bwMode="auto">
+          <a:xfrm>
+            <a:off x="7456037" y="3048004"/>
+            <a:ext cx="1485351" cy="276999"/>
+          </a:xfrm>
+          <a:prstGeom prst="rect">
+            <a:avLst/>
+          </a:prstGeom>
+          <a:noFill/>
+          <a:ln>
+            <a:noFill/>
+          </a:ln>
+          <a:extLst>
+            <a:ext uri="{909E8E84-426E-40DD-AFC4-6F175D3DCCD1}">
+              <a14:hiddenFill xmlns:a14="http://schemas.microsoft.com/office/drawing/2010/main">
+                <a:solidFill>
+                  <a:srgbClr val="FFFFFF"/>
+                </a:solidFill>
+              </a14:hiddenFill>
+            </a:ext>
+            <a:ext uri="{91240B29-F687-4F45-9708-019B960494DF}">
+              <a14:hiddenLine xmlns:a14="http://schemas.microsoft.com/office/drawing/2010/main" w="9525">
+                <a:solidFill>
+                  <a:srgbClr val="000000"/>
+                </a:solidFill>
+                <a:miter lim="800000"/>
+                <a:headEnd/>
+                <a:tailEnd/>
+              </a14:hiddenLine>
+            </a:ext>
+          </a:extLst>
+        </p:spPr>
+        <p:txBody>
+          <a:bodyPr wrap="square">
+            <a:spAutoFit/>
+          </a:bodyPr>
+          <a:lstStyle>
+            <a:lvl1pPr>
+              <a:defRPr>
+                <a:solidFill>
+                  <a:schemeClr val="tx1"/>
+                </a:solidFill>
+                <a:latin typeface="Calibri" panose="020F0502020204030204" pitchFamily="34" charset="0"/>
+              </a:defRPr>
+            </a:lvl1pPr>
+            <a:lvl2pPr marL="742950" indent="-285750">
+              <a:defRPr>
+                <a:solidFill>
+                  <a:schemeClr val="tx1"/>
+                </a:solidFill>
+                <a:latin typeface="Calibri" panose="020F0502020204030204" pitchFamily="34" charset="0"/>
+              </a:defRPr>
+            </a:lvl2pPr>
+            <a:lvl3pPr marL="1143000" indent="-228600">
+              <a:defRPr>
+                <a:solidFill>
+                  <a:schemeClr val="tx1"/>
+                </a:solidFill>
+                <a:latin typeface="Calibri" panose="020F0502020204030204" pitchFamily="34" charset="0"/>
+              </a:defRPr>
+            </a:lvl3pPr>
+            <a:lvl4pPr marL="1600200" indent="-228600">
+              <a:defRPr>
+                <a:solidFill>
+                  <a:schemeClr val="tx1"/>
+                </a:solidFill>
+                <a:latin typeface="Calibri" panose="020F0502020204030204" pitchFamily="34" charset="0"/>
+              </a:defRPr>
+            </a:lvl4pPr>
+            <a:lvl5pPr marL="2057400" indent="-228600">
+              <a:defRPr>
+                <a:solidFill>
+                  <a:schemeClr val="tx1"/>
+                </a:solidFill>
+                <a:latin typeface="Calibri" panose="020F0502020204030204" pitchFamily="34" charset="0"/>
+              </a:defRPr>
+            </a:lvl5pPr>
+            <a:lvl6pPr marL="2514600" indent="-228600" eaLnBrk="0" fontAlgn="base" hangingPunct="0">
+              <a:spcBef>
+                <a:spcPct val="0"/>
+              </a:spcBef>
+              <a:spcAft>
+                <a:spcPct val="0"/>
+              </a:spcAft>
+              <a:defRPr>
+                <a:solidFill>
+                  <a:schemeClr val="tx1"/>
+                </a:solidFill>
+                <a:latin typeface="Calibri" panose="020F0502020204030204" pitchFamily="34" charset="0"/>
+              </a:defRPr>
+            </a:lvl6pPr>
+            <a:lvl7pPr marL="2971800" indent="-228600" eaLnBrk="0" fontAlgn="base" hangingPunct="0">
+              <a:spcBef>
+                <a:spcPct val="0"/>
+              </a:spcBef>
+              <a:spcAft>
+                <a:spcPct val="0"/>
+              </a:spcAft>
+              <a:defRPr>
+                <a:solidFill>
+                  <a:schemeClr val="tx1"/>
+                </a:solidFill>
+                <a:latin typeface="Calibri" panose="020F0502020204030204" pitchFamily="34" charset="0"/>
+              </a:defRPr>
+            </a:lvl7pPr>
+            <a:lvl8pPr marL="3429000" indent="-228600" eaLnBrk="0" fontAlgn="base" hangingPunct="0">
+              <a:spcBef>
+                <a:spcPct val="0"/>
+              </a:spcBef>
+              <a:spcAft>
+                <a:spcPct val="0"/>
+              </a:spcAft>
+              <a:defRPr>
+                <a:solidFill>
+                  <a:schemeClr val="tx1"/>
+                </a:solidFill>
+                <a:latin typeface="Calibri" panose="020F0502020204030204" pitchFamily="34" charset="0"/>
+              </a:defRPr>
+            </a:lvl8pPr>
+            <a:lvl9pPr marL="3886200" indent="-228600" eaLnBrk="0" fontAlgn="base" hangingPunct="0">
+              <a:spcBef>
+                <a:spcPct val="0"/>
+              </a:spcBef>
+              <a:spcAft>
+                <a:spcPct val="0"/>
+              </a:spcAft>
+              <a:defRPr>
+                <a:solidFill>
+                  <a:schemeClr val="tx1"/>
+                </a:solidFill>
+                <a:latin typeface="Calibri" panose="020F0502020204030204" pitchFamily="34" charset="0"/>
+              </a:defRPr>
+            </a:lvl9pPr>
+          </a:lstStyle>
+          <a:p>
+            <a:pPr algn="ctr" eaLnBrk="1" hangingPunct="1"/>
+            <a:r>
+              <a:rPr lang="en-US" altLang="en-US" sz="1200" dirty="0">
+                <a:latin typeface="Arial" panose="020B0604020202020204" pitchFamily="34" charset="0"/>
+                <a:ea typeface="Amazon Ember" panose="020B0603020204020204" pitchFamily="34" charset="0"/>
+                <a:cs typeface="Arial" panose="020B0604020202020204" pitchFamily="34" charset="0"/>
+              </a:rPr>
+              <a:t>Amazon Redshift</a:t>
+            </a:r>
+          </a:p>
+        </p:txBody>
+      </p:sp>
+      <p:pic>
+        <p:nvPicPr>
+          <p:cNvPr id="19" name="Graphic 17">
+            <a:extLst>
+              <a:ext uri="{FF2B5EF4-FFF2-40B4-BE49-F238E27FC236}">
+                <a16:creationId xmlns:a16="http://schemas.microsoft.com/office/drawing/2014/main" id="{1A21ECF5-48E2-4997-87B5-5CD5EAEE704C}"/>
+              </a:ext>
+            </a:extLst>
+          </p:cNvPr>
+          <p:cNvPicPr>
+            <a:picLocks noChangeAspect="1" noChangeArrowheads="1"/>
+          </p:cNvPicPr>
+          <p:nvPr/>
+        </p:nvPicPr>
+        <p:blipFill>
+          <a:blip r:embed="rId8"/>
+          <a:srcRect/>
+          <a:stretch/>
+        </p:blipFill>
+        <p:spPr bwMode="auto">
+          <a:xfrm>
+            <a:off x="9099158" y="2393593"/>
+            <a:ext cx="645414" cy="645414"/>
+          </a:xfrm>
+          <a:prstGeom prst="rect">
+            <a:avLst/>
+          </a:prstGeom>
+          <a:noFill/>
+          <a:ln>
+            <a:noFill/>
+          </a:ln>
+          <a:extLst>
+            <a:ext uri="{909E8E84-426E-40DD-AFC4-6F175D3DCCD1}">
+              <a14:hiddenFill xmlns:a14="http://schemas.microsoft.com/office/drawing/2010/main">
+                <a:solidFill>
+                  <a:srgbClr val="FFFFFF"/>
+                </a:solidFill>
+              </a14:hiddenFill>
+            </a:ext>
+            <a:ext uri="{91240B29-F687-4F45-9708-019B960494DF}">
+              <a14:hiddenLine xmlns:a14="http://schemas.microsoft.com/office/drawing/2010/main" w="9525">
+                <a:solidFill>
+                  <a:srgbClr val="000000"/>
+                </a:solidFill>
+                <a:miter lim="800000"/>
+                <a:headEnd/>
+                <a:tailEnd/>
+              </a14:hiddenLine>
+            </a:ext>
+          </a:extLst>
+        </p:spPr>
+      </p:pic>
+      <p:sp>
+        <p:nvSpPr>
+          <p:cNvPr id="20" name="TextBox 9">
+            <a:extLst>
+              <a:ext uri="{FF2B5EF4-FFF2-40B4-BE49-F238E27FC236}">
+                <a16:creationId xmlns:a16="http://schemas.microsoft.com/office/drawing/2014/main" id="{D59DD26E-4DEE-471A-A9D9-53D11C932BF0}"/>
+              </a:ext>
+            </a:extLst>
+          </p:cNvPr>
+          <p:cNvSpPr txBox="1">
+            <a:spLocks noChangeArrowheads="1"/>
+          </p:cNvSpPr>
+          <p:nvPr/>
+        </p:nvSpPr>
+        <p:spPr bwMode="auto">
+          <a:xfrm>
+            <a:off x="8898638" y="3048004"/>
+            <a:ext cx="1046455" cy="461665"/>
+          </a:xfrm>
+          <a:prstGeom prst="rect">
+            <a:avLst/>
+          </a:prstGeom>
+          <a:noFill/>
+          <a:ln>
+            <a:noFill/>
+          </a:ln>
+          <a:extLst>
+            <a:ext uri="{909E8E84-426E-40DD-AFC4-6F175D3DCCD1}">
+              <a14:hiddenFill xmlns:a14="http://schemas.microsoft.com/office/drawing/2010/main">
+                <a:solidFill>
+                  <a:srgbClr val="FFFFFF"/>
+                </a:solidFill>
+              </a14:hiddenFill>
+            </a:ext>
+            <a:ext uri="{91240B29-F687-4F45-9708-019B960494DF}">
+              <a14:hiddenLine xmlns:a14="http://schemas.microsoft.com/office/drawing/2010/main" w="9525">
+                <a:solidFill>
+                  <a:srgbClr val="000000"/>
+                </a:solidFill>
+                <a:miter lim="800000"/>
+                <a:headEnd/>
+                <a:tailEnd/>
+              </a14:hiddenLine>
+            </a:ext>
+          </a:extLst>
+        </p:spPr>
+        <p:txBody>
+          <a:bodyPr wrap="square">
+            <a:spAutoFit/>
+          </a:bodyPr>
+          <a:lstStyle>
+            <a:lvl1pPr>
+              <a:defRPr>
+                <a:solidFill>
+                  <a:schemeClr val="tx1"/>
+                </a:solidFill>
+                <a:latin typeface="Calibri" panose="020F0502020204030204" pitchFamily="34" charset="0"/>
+              </a:defRPr>
+            </a:lvl1pPr>
+            <a:lvl2pPr marL="742950" indent="-285750">
+              <a:defRPr>
+                <a:solidFill>
+                  <a:schemeClr val="tx1"/>
+                </a:solidFill>
+                <a:latin typeface="Calibri" panose="020F0502020204030204" pitchFamily="34" charset="0"/>
+              </a:defRPr>
+            </a:lvl2pPr>
+            <a:lvl3pPr marL="1143000" indent="-228600">
+              <a:defRPr>
+                <a:solidFill>
+                  <a:schemeClr val="tx1"/>
+                </a:solidFill>
+                <a:latin typeface="Calibri" panose="020F0502020204030204" pitchFamily="34" charset="0"/>
+              </a:defRPr>
+            </a:lvl3pPr>
+            <a:lvl4pPr marL="1600200" indent="-228600">
+              <a:defRPr>
+                <a:solidFill>
+                  <a:schemeClr val="tx1"/>
+                </a:solidFill>
+                <a:latin typeface="Calibri" panose="020F0502020204030204" pitchFamily="34" charset="0"/>
+              </a:defRPr>
+            </a:lvl4pPr>
+            <a:lvl5pPr marL="2057400" indent="-228600">
+              <a:defRPr>
+                <a:solidFill>
+                  <a:schemeClr val="tx1"/>
+                </a:solidFill>
+                <a:latin typeface="Calibri" panose="020F0502020204030204" pitchFamily="34" charset="0"/>
+              </a:defRPr>
+            </a:lvl5pPr>
+            <a:lvl6pPr marL="2514600" indent="-228600" eaLnBrk="0" fontAlgn="base" hangingPunct="0">
+              <a:spcBef>
+                <a:spcPct val="0"/>
+              </a:spcBef>
+              <a:spcAft>
+                <a:spcPct val="0"/>
+              </a:spcAft>
+              <a:defRPr>
+                <a:solidFill>
+                  <a:schemeClr val="tx1"/>
+                </a:solidFill>
+                <a:latin typeface="Calibri" panose="020F0502020204030204" pitchFamily="34" charset="0"/>
+              </a:defRPr>
+            </a:lvl6pPr>
+            <a:lvl7pPr marL="2971800" indent="-228600" eaLnBrk="0" fontAlgn="base" hangingPunct="0">
+              <a:spcBef>
+                <a:spcPct val="0"/>
+              </a:spcBef>
+              <a:spcAft>
+                <a:spcPct val="0"/>
+              </a:spcAft>
+              <a:defRPr>
+                <a:solidFill>
+                  <a:schemeClr val="tx1"/>
+                </a:solidFill>
+                <a:latin typeface="Calibri" panose="020F0502020204030204" pitchFamily="34" charset="0"/>
+              </a:defRPr>
+            </a:lvl7pPr>
+            <a:lvl8pPr marL="3429000" indent="-228600" eaLnBrk="0" fontAlgn="base" hangingPunct="0">
+              <a:spcBef>
+                <a:spcPct val="0"/>
+              </a:spcBef>
+              <a:spcAft>
+                <a:spcPct val="0"/>
+              </a:spcAft>
+              <a:defRPr>
+                <a:solidFill>
+                  <a:schemeClr val="tx1"/>
+                </a:solidFill>
+                <a:latin typeface="Calibri" panose="020F0502020204030204" pitchFamily="34" charset="0"/>
+              </a:defRPr>
+            </a:lvl8pPr>
+            <a:lvl9pPr marL="3886200" indent="-228600" eaLnBrk="0" fontAlgn="base" hangingPunct="0">
+              <a:spcBef>
+                <a:spcPct val="0"/>
+              </a:spcBef>
+              <a:spcAft>
+                <a:spcPct val="0"/>
+              </a:spcAft>
+              <a:defRPr>
+                <a:solidFill>
+                  <a:schemeClr val="tx1"/>
+                </a:solidFill>
+                <a:latin typeface="Calibri" panose="020F0502020204030204" pitchFamily="34" charset="0"/>
+              </a:defRPr>
+            </a:lvl9pPr>
+          </a:lstStyle>
+          <a:p>
+            <a:pPr algn="ctr" eaLnBrk="1" hangingPunct="1"/>
+            <a:r>
+              <a:rPr lang="en-US" altLang="en-US" sz="1200" dirty="0">
+                <a:latin typeface="Arial" panose="020B0604020202020204" pitchFamily="34" charset="0"/>
+                <a:ea typeface="Amazon Ember" panose="020B0603020204020204" pitchFamily="34" charset="0"/>
+                <a:cs typeface="Arial" panose="020B0604020202020204" pitchFamily="34" charset="0"/>
+              </a:rPr>
+              <a:t>Amazon API </a:t>
+            </a:r>
+          </a:p>
+          <a:p>
+            <a:pPr algn="ctr" eaLnBrk="1" hangingPunct="1"/>
+            <a:r>
+              <a:rPr lang="en-US" altLang="en-US" sz="1200" dirty="0">
+                <a:latin typeface="Arial" panose="020B0604020202020204" pitchFamily="34" charset="0"/>
+                <a:ea typeface="Amazon Ember" panose="020B0603020204020204" pitchFamily="34" charset="0"/>
+                <a:cs typeface="Arial" panose="020B0604020202020204" pitchFamily="34" charset="0"/>
+              </a:rPr>
+              <a:t>Gateway</a:t>
+            </a:r>
+          </a:p>
+        </p:txBody>
+      </p:sp>
+      <p:sp>
+        <p:nvSpPr>
+          <p:cNvPr id="24" name="TextBox 20">
+            <a:extLst>
+              <a:ext uri="{FF2B5EF4-FFF2-40B4-BE49-F238E27FC236}">
+                <a16:creationId xmlns:a16="http://schemas.microsoft.com/office/drawing/2014/main" id="{FB974820-FF54-40C1-861E-26E7374C6D7E}"/>
+              </a:ext>
+            </a:extLst>
+          </p:cNvPr>
+          <p:cNvSpPr txBox="1">
+            <a:spLocks noChangeArrowheads="1"/>
+          </p:cNvSpPr>
+          <p:nvPr/>
+        </p:nvSpPr>
+        <p:spPr bwMode="auto">
+          <a:xfrm>
+            <a:off x="7757708" y="4109421"/>
+            <a:ext cx="882008" cy="461665"/>
+          </a:xfrm>
+          <a:prstGeom prst="rect">
+            <a:avLst/>
+          </a:prstGeom>
+          <a:noFill/>
+          <a:ln>
+            <a:noFill/>
+          </a:ln>
+          <a:extLst>
+            <a:ext uri="{909E8E84-426E-40DD-AFC4-6F175D3DCCD1}">
+              <a14:hiddenFill xmlns:a14="http://schemas.microsoft.com/office/drawing/2010/main">
+                <a:solidFill>
+                  <a:srgbClr val="FFFFFF"/>
+                </a:solidFill>
+              </a14:hiddenFill>
+            </a:ext>
+            <a:ext uri="{91240B29-F687-4F45-9708-019B960494DF}">
+              <a14:hiddenLine xmlns:a14="http://schemas.microsoft.com/office/drawing/2010/main" w="9525">
+                <a:solidFill>
+                  <a:srgbClr val="000000"/>
+                </a:solidFill>
+                <a:miter lim="800000"/>
+                <a:headEnd/>
+                <a:tailEnd/>
+              </a14:hiddenLine>
+            </a:ext>
+          </a:extLst>
+        </p:spPr>
+        <p:txBody>
+          <a:bodyPr wrap="square">
+            <a:spAutoFit/>
+          </a:bodyPr>
+          <a:lstStyle>
+            <a:lvl1pPr>
+              <a:defRPr>
+                <a:solidFill>
+                  <a:schemeClr val="tx1"/>
+                </a:solidFill>
+                <a:latin typeface="Calibri" panose="020F0502020204030204" pitchFamily="34" charset="0"/>
+              </a:defRPr>
+            </a:lvl1pPr>
+            <a:lvl2pPr marL="742950" indent="-285750">
+              <a:defRPr>
+                <a:solidFill>
+                  <a:schemeClr val="tx1"/>
+                </a:solidFill>
+                <a:latin typeface="Calibri" panose="020F0502020204030204" pitchFamily="34" charset="0"/>
+              </a:defRPr>
+            </a:lvl2pPr>
+            <a:lvl3pPr marL="1143000" indent="-228600">
+              <a:defRPr>
+                <a:solidFill>
+                  <a:schemeClr val="tx1"/>
+                </a:solidFill>
+                <a:latin typeface="Calibri" panose="020F0502020204030204" pitchFamily="34" charset="0"/>
+              </a:defRPr>
+            </a:lvl3pPr>
+            <a:lvl4pPr marL="1600200" indent="-228600">
+              <a:defRPr>
+                <a:solidFill>
+                  <a:schemeClr val="tx1"/>
+                </a:solidFill>
+                <a:latin typeface="Calibri" panose="020F0502020204030204" pitchFamily="34" charset="0"/>
+              </a:defRPr>
+            </a:lvl4pPr>
+            <a:lvl5pPr marL="2057400" indent="-228600">
+              <a:defRPr>
+                <a:solidFill>
+                  <a:schemeClr val="tx1"/>
+                </a:solidFill>
+                <a:latin typeface="Calibri" panose="020F0502020204030204" pitchFamily="34" charset="0"/>
+              </a:defRPr>
+            </a:lvl5pPr>
+            <a:lvl6pPr marL="2514600" indent="-228600" eaLnBrk="0" fontAlgn="base" hangingPunct="0">
+              <a:spcBef>
+                <a:spcPct val="0"/>
+              </a:spcBef>
+              <a:spcAft>
+                <a:spcPct val="0"/>
+              </a:spcAft>
+              <a:defRPr>
+                <a:solidFill>
+                  <a:schemeClr val="tx1"/>
+                </a:solidFill>
+                <a:latin typeface="Calibri" panose="020F0502020204030204" pitchFamily="34" charset="0"/>
+              </a:defRPr>
+            </a:lvl6pPr>
+            <a:lvl7pPr marL="2971800" indent="-228600" eaLnBrk="0" fontAlgn="base" hangingPunct="0">
+              <a:spcBef>
+                <a:spcPct val="0"/>
+              </a:spcBef>
+              <a:spcAft>
+                <a:spcPct val="0"/>
+              </a:spcAft>
+              <a:defRPr>
+                <a:solidFill>
+                  <a:schemeClr val="tx1"/>
+                </a:solidFill>
+                <a:latin typeface="Calibri" panose="020F0502020204030204" pitchFamily="34" charset="0"/>
+              </a:defRPr>
+            </a:lvl7pPr>
+            <a:lvl8pPr marL="3429000" indent="-228600" eaLnBrk="0" fontAlgn="base" hangingPunct="0">
+              <a:spcBef>
+                <a:spcPct val="0"/>
+              </a:spcBef>
+              <a:spcAft>
+                <a:spcPct val="0"/>
+              </a:spcAft>
+              <a:defRPr>
+                <a:solidFill>
+                  <a:schemeClr val="tx1"/>
+                </a:solidFill>
+                <a:latin typeface="Calibri" panose="020F0502020204030204" pitchFamily="34" charset="0"/>
+              </a:defRPr>
+            </a:lvl8pPr>
+            <a:lvl9pPr marL="3886200" indent="-228600" eaLnBrk="0" fontAlgn="base" hangingPunct="0">
+              <a:spcBef>
+                <a:spcPct val="0"/>
+              </a:spcBef>
+              <a:spcAft>
+                <a:spcPct val="0"/>
+              </a:spcAft>
+              <a:defRPr>
+                <a:solidFill>
+                  <a:schemeClr val="tx1"/>
+                </a:solidFill>
+                <a:latin typeface="Calibri" panose="020F0502020204030204" pitchFamily="34" charset="0"/>
+              </a:defRPr>
+            </a:lvl9pPr>
+          </a:lstStyle>
+          <a:p>
+            <a:pPr algn="ctr" eaLnBrk="1" hangingPunct="1"/>
+            <a:r>
+              <a:rPr lang="en-US" altLang="en-US" sz="1200" dirty="0">
+                <a:latin typeface="Arial" panose="020B0604020202020204" pitchFamily="34" charset="0"/>
+                <a:ea typeface="Amazon Ember" panose="020B0603020204020204" pitchFamily="34" charset="0"/>
+                <a:cs typeface="Arial" panose="020B0604020202020204" pitchFamily="34" charset="0"/>
+              </a:rPr>
+              <a:t>ML pipelines</a:t>
+            </a:r>
+          </a:p>
+        </p:txBody>
+      </p:sp>
+      <p:pic>
+        <p:nvPicPr>
+          <p:cNvPr id="25" name="Graphic 28">
+            <a:extLst>
+              <a:ext uri="{FF2B5EF4-FFF2-40B4-BE49-F238E27FC236}">
+                <a16:creationId xmlns:a16="http://schemas.microsoft.com/office/drawing/2014/main" id="{D03714F6-9231-4027-B4FD-66BF6D23FFFE}"/>
+              </a:ext>
+            </a:extLst>
+          </p:cNvPr>
+          <p:cNvPicPr>
+            <a:picLocks noChangeAspect="1" noChangeArrowheads="1"/>
+          </p:cNvPicPr>
+          <p:nvPr/>
+        </p:nvPicPr>
+        <p:blipFill>
+          <a:blip r:embed="rId9">
+            <a:extLst>
+              <a:ext uri="{28A0092B-C50C-407E-A947-70E740481C1C}">
+                <a14:useLocalDpi xmlns:a14="http://schemas.microsoft.com/office/drawing/2010/main" val="0"/>
+              </a:ext>
+            </a:extLst>
+          </a:blip>
+          <a:srcRect/>
+          <a:stretch>
+            <a:fillRect/>
+          </a:stretch>
+        </p:blipFill>
+        <p:spPr bwMode="auto">
+          <a:xfrm>
+            <a:off x="7970112" y="3688053"/>
+            <a:ext cx="457200" cy="457200"/>
+          </a:xfrm>
+          <a:prstGeom prst="rect">
+            <a:avLst/>
+          </a:prstGeom>
+          <a:noFill/>
+          <a:ln>
+            <a:noFill/>
+          </a:ln>
+          <a:extLst>
+            <a:ext uri="{909E8E84-426E-40DD-AFC4-6F175D3DCCD1}">
+              <a14:hiddenFill xmlns:a14="http://schemas.microsoft.com/office/drawing/2010/main">
+                <a:solidFill>
+                  <a:srgbClr val="FFFFFF"/>
+                </a:solidFill>
+              </a14:hiddenFill>
+            </a:ext>
+            <a:ext uri="{91240B29-F687-4F45-9708-019B960494DF}">
+              <a14:hiddenLine xmlns:a14="http://schemas.microsoft.com/office/drawing/2010/main" w="9525">
+                <a:solidFill>
+                  <a:srgbClr val="000000"/>
+                </a:solidFill>
+                <a:miter lim="800000"/>
+                <a:headEnd/>
+                <a:tailEnd/>
+              </a14:hiddenLine>
+            </a:ext>
+          </a:extLst>
+        </p:spPr>
+      </p:pic>
+      <p:sp>
+        <p:nvSpPr>
+          <p:cNvPr id="26" name="TextBox 19">
+            <a:extLst>
+              <a:ext uri="{FF2B5EF4-FFF2-40B4-BE49-F238E27FC236}">
+                <a16:creationId xmlns:a16="http://schemas.microsoft.com/office/drawing/2014/main" id="{86040001-B625-478D-9915-4307FD42BB3A}"/>
+              </a:ext>
+            </a:extLst>
+          </p:cNvPr>
+          <p:cNvSpPr txBox="1">
+            <a:spLocks noChangeArrowheads="1"/>
+          </p:cNvSpPr>
+          <p:nvPr/>
+        </p:nvSpPr>
+        <p:spPr bwMode="auto">
+          <a:xfrm>
+            <a:off x="8980861" y="4109421"/>
+            <a:ext cx="882008" cy="461665"/>
+          </a:xfrm>
+          <a:prstGeom prst="rect">
+            <a:avLst/>
+          </a:prstGeom>
+          <a:noFill/>
+          <a:ln>
+            <a:noFill/>
+          </a:ln>
+          <a:extLst>
+            <a:ext uri="{909E8E84-426E-40DD-AFC4-6F175D3DCCD1}">
+              <a14:hiddenFill xmlns:a14="http://schemas.microsoft.com/office/drawing/2010/main">
+                <a:solidFill>
+                  <a:srgbClr val="FFFFFF"/>
+                </a:solidFill>
+              </a14:hiddenFill>
+            </a:ext>
+            <a:ext uri="{91240B29-F687-4F45-9708-019B960494DF}">
+              <a14:hiddenLine xmlns:a14="http://schemas.microsoft.com/office/drawing/2010/main" w="9525">
+                <a:solidFill>
+                  <a:srgbClr val="000000"/>
+                </a:solidFill>
+                <a:miter lim="800000"/>
+                <a:headEnd/>
+                <a:tailEnd/>
+              </a14:hiddenLine>
+            </a:ext>
+          </a:extLst>
+        </p:spPr>
+        <p:txBody>
+          <a:bodyPr wrap="square">
+            <a:spAutoFit/>
+          </a:bodyPr>
+          <a:lstStyle>
+            <a:lvl1pPr>
+              <a:defRPr>
+                <a:solidFill>
+                  <a:schemeClr val="tx1"/>
+                </a:solidFill>
+                <a:latin typeface="Calibri" panose="020F0502020204030204" pitchFamily="34" charset="0"/>
+              </a:defRPr>
+            </a:lvl1pPr>
+            <a:lvl2pPr marL="742950" indent="-285750">
+              <a:defRPr>
+                <a:solidFill>
+                  <a:schemeClr val="tx1"/>
+                </a:solidFill>
+                <a:latin typeface="Calibri" panose="020F0502020204030204" pitchFamily="34" charset="0"/>
+              </a:defRPr>
+            </a:lvl2pPr>
+            <a:lvl3pPr marL="1143000" indent="-228600">
+              <a:defRPr>
+                <a:solidFill>
+                  <a:schemeClr val="tx1"/>
+                </a:solidFill>
+                <a:latin typeface="Calibri" panose="020F0502020204030204" pitchFamily="34" charset="0"/>
+              </a:defRPr>
+            </a:lvl3pPr>
+            <a:lvl4pPr marL="1600200" indent="-228600">
+              <a:defRPr>
+                <a:solidFill>
+                  <a:schemeClr val="tx1"/>
+                </a:solidFill>
+                <a:latin typeface="Calibri" panose="020F0502020204030204" pitchFamily="34" charset="0"/>
+              </a:defRPr>
+            </a:lvl4pPr>
+            <a:lvl5pPr marL="2057400" indent="-228600">
+              <a:defRPr>
+                <a:solidFill>
+                  <a:schemeClr val="tx1"/>
+                </a:solidFill>
+                <a:latin typeface="Calibri" panose="020F0502020204030204" pitchFamily="34" charset="0"/>
+              </a:defRPr>
+            </a:lvl5pPr>
+            <a:lvl6pPr marL="2514600" indent="-228600" eaLnBrk="0" fontAlgn="base" hangingPunct="0">
+              <a:spcBef>
+                <a:spcPct val="0"/>
+              </a:spcBef>
+              <a:spcAft>
+                <a:spcPct val="0"/>
+              </a:spcAft>
+              <a:defRPr>
+                <a:solidFill>
+                  <a:schemeClr val="tx1"/>
+                </a:solidFill>
+                <a:latin typeface="Calibri" panose="020F0502020204030204" pitchFamily="34" charset="0"/>
+              </a:defRPr>
+            </a:lvl6pPr>
+            <a:lvl7pPr marL="2971800" indent="-228600" eaLnBrk="0" fontAlgn="base" hangingPunct="0">
+              <a:spcBef>
+                <a:spcPct val="0"/>
+              </a:spcBef>
+              <a:spcAft>
+                <a:spcPct val="0"/>
+              </a:spcAft>
+              <a:defRPr>
+                <a:solidFill>
+                  <a:schemeClr val="tx1"/>
+                </a:solidFill>
+                <a:latin typeface="Calibri" panose="020F0502020204030204" pitchFamily="34" charset="0"/>
+              </a:defRPr>
+            </a:lvl7pPr>
+            <a:lvl8pPr marL="3429000" indent="-228600" eaLnBrk="0" fontAlgn="base" hangingPunct="0">
+              <a:spcBef>
+                <a:spcPct val="0"/>
+              </a:spcBef>
+              <a:spcAft>
+                <a:spcPct val="0"/>
+              </a:spcAft>
+              <a:defRPr>
+                <a:solidFill>
+                  <a:schemeClr val="tx1"/>
+                </a:solidFill>
+                <a:latin typeface="Calibri" panose="020F0502020204030204" pitchFamily="34" charset="0"/>
+              </a:defRPr>
+            </a:lvl8pPr>
+            <a:lvl9pPr marL="3886200" indent="-228600" eaLnBrk="0" fontAlgn="base" hangingPunct="0">
+              <a:spcBef>
+                <a:spcPct val="0"/>
+              </a:spcBef>
+              <a:spcAft>
+                <a:spcPct val="0"/>
+              </a:spcAft>
+              <a:defRPr>
+                <a:solidFill>
+                  <a:schemeClr val="tx1"/>
+                </a:solidFill>
+                <a:latin typeface="Calibri" panose="020F0502020204030204" pitchFamily="34" charset="0"/>
+              </a:defRPr>
+            </a:lvl9pPr>
+          </a:lstStyle>
+          <a:p>
+            <a:pPr algn="ctr" eaLnBrk="1" hangingPunct="1"/>
+            <a:r>
+              <a:rPr lang="en-US" altLang="en-US" sz="1200" dirty="0" err="1">
+                <a:latin typeface="Arial" panose="020B0604020202020204" pitchFamily="34" charset="0"/>
+                <a:ea typeface="Amazon Ember" panose="020B0603020204020204" pitchFamily="34" charset="0"/>
+                <a:cs typeface="Arial" panose="020B0604020202020204" pitchFamily="34" charset="0"/>
+              </a:rPr>
+              <a:t>Jupyter</a:t>
+            </a:r>
+            <a:r>
+              <a:rPr lang="en-US" altLang="en-US" sz="1200" dirty="0">
+                <a:latin typeface="Arial" panose="020B0604020202020204" pitchFamily="34" charset="0"/>
+                <a:ea typeface="Amazon Ember" panose="020B0603020204020204" pitchFamily="34" charset="0"/>
+                <a:cs typeface="Arial" panose="020B0604020202020204" pitchFamily="34" charset="0"/>
+              </a:rPr>
+              <a:t> notebook</a:t>
+            </a:r>
+          </a:p>
+        </p:txBody>
+      </p:sp>
+      <p:pic>
+        <p:nvPicPr>
+          <p:cNvPr id="27" name="Graphic 26">
+            <a:extLst>
+              <a:ext uri="{FF2B5EF4-FFF2-40B4-BE49-F238E27FC236}">
+                <a16:creationId xmlns:a16="http://schemas.microsoft.com/office/drawing/2014/main" id="{E2A709C3-4342-4FBD-B4AE-2B25319BCB75}"/>
+              </a:ext>
+            </a:extLst>
+          </p:cNvPr>
+          <p:cNvPicPr>
+            <a:picLocks noChangeAspect="1" noChangeArrowheads="1"/>
+          </p:cNvPicPr>
+          <p:nvPr/>
+        </p:nvPicPr>
+        <p:blipFill>
+          <a:blip r:embed="rId10">
+            <a:extLst>
+              <a:ext uri="{28A0092B-C50C-407E-A947-70E740481C1C}">
+                <a14:useLocalDpi xmlns:a14="http://schemas.microsoft.com/office/drawing/2010/main" val="0"/>
+              </a:ext>
+            </a:extLst>
+          </a:blip>
+          <a:srcRect/>
+          <a:stretch>
+            <a:fillRect/>
+          </a:stretch>
+        </p:blipFill>
+        <p:spPr bwMode="auto">
+          <a:xfrm>
+            <a:off x="9193265" y="3688053"/>
+            <a:ext cx="457200" cy="457200"/>
+          </a:xfrm>
+          <a:prstGeom prst="rect">
+            <a:avLst/>
+          </a:prstGeom>
+          <a:noFill/>
+          <a:ln>
+            <a:noFill/>
+          </a:ln>
+          <a:extLst>
+            <a:ext uri="{909E8E84-426E-40DD-AFC4-6F175D3DCCD1}">
+              <a14:hiddenFill xmlns:a14="http://schemas.microsoft.com/office/drawing/2010/main">
+                <a:solidFill>
+                  <a:srgbClr val="FFFFFF"/>
+                </a:solidFill>
+              </a14:hiddenFill>
+            </a:ext>
+            <a:ext uri="{91240B29-F687-4F45-9708-019B960494DF}">
+              <a14:hiddenLine xmlns:a14="http://schemas.microsoft.com/office/drawing/2010/main" w="9525">
+                <a:solidFill>
+                  <a:srgbClr val="000000"/>
+                </a:solidFill>
+                <a:miter lim="800000"/>
+                <a:headEnd/>
+                <a:tailEnd/>
+              </a14:hiddenLine>
+            </a:ext>
+          </a:extLst>
+        </p:spPr>
+      </p:pic>
+      <p:pic>
+        <p:nvPicPr>
+          <p:cNvPr id="30" name="Graphic 34">
+            <a:extLst>
+              <a:ext uri="{FF2B5EF4-FFF2-40B4-BE49-F238E27FC236}">
+                <a16:creationId xmlns:a16="http://schemas.microsoft.com/office/drawing/2014/main" id="{05B7B2CB-B26C-4DAF-8E10-7990FD2B9409}"/>
+              </a:ext>
+            </a:extLst>
+          </p:cNvPr>
+          <p:cNvPicPr>
+            <a:picLocks noChangeAspect="1" noChangeArrowheads="1"/>
+          </p:cNvPicPr>
+          <p:nvPr/>
+        </p:nvPicPr>
+        <p:blipFill>
+          <a:blip r:embed="rId4">
+            <a:extLst>
+              <a:ext uri="{28A0092B-C50C-407E-A947-70E740481C1C}">
+                <a14:useLocalDpi xmlns:a14="http://schemas.microsoft.com/office/drawing/2010/main" val="0"/>
+              </a:ext>
+            </a:extLst>
+          </a:blip>
+          <a:srcRect/>
+          <a:stretch>
+            <a:fillRect/>
+          </a:stretch>
+        </p:blipFill>
+        <p:spPr bwMode="auto">
+          <a:xfrm>
+            <a:off x="7418805" y="1558679"/>
+            <a:ext cx="457200" cy="457200"/>
+          </a:xfrm>
+          <a:prstGeom prst="rect">
+            <a:avLst/>
+          </a:prstGeom>
+          <a:noFill/>
+          <a:ln>
+            <a:noFill/>
+          </a:ln>
+          <a:extLst>
+            <a:ext uri="{909E8E84-426E-40DD-AFC4-6F175D3DCCD1}">
+              <a14:hiddenFill xmlns:a14="http://schemas.microsoft.com/office/drawing/2010/main">
+                <a:solidFill>
+                  <a:srgbClr val="FFFFFF"/>
+                </a:solidFill>
+              </a14:hiddenFill>
+            </a:ext>
+            <a:ext uri="{91240B29-F687-4F45-9708-019B960494DF}">
+              <a14:hiddenLine xmlns:a14="http://schemas.microsoft.com/office/drawing/2010/main" w="9525">
+                <a:solidFill>
+                  <a:srgbClr val="000000"/>
+                </a:solidFill>
+                <a:miter lim="800000"/>
+                <a:headEnd/>
+                <a:tailEnd/>
+              </a14:hiddenLine>
+            </a:ext>
+          </a:extLst>
+        </p:spPr>
+      </p:pic>
+      <p:pic>
+        <p:nvPicPr>
+          <p:cNvPr id="38" name="Graphic 21">
+            <a:extLst>
+              <a:ext uri="{FF2B5EF4-FFF2-40B4-BE49-F238E27FC236}">
+                <a16:creationId xmlns:a16="http://schemas.microsoft.com/office/drawing/2014/main" id="{BF320381-3CB6-451D-8A85-7149D5E562F7}"/>
+              </a:ext>
+            </a:extLst>
+          </p:cNvPr>
+          <p:cNvPicPr>
+            <a:picLocks noChangeAspect="1" noChangeArrowheads="1"/>
+          </p:cNvPicPr>
+          <p:nvPr/>
+        </p:nvPicPr>
+        <p:blipFill>
+          <a:blip r:embed="rId11">
+            <a:extLst>
+              <a:ext uri="{28A0092B-C50C-407E-A947-70E740481C1C}">
+                <a14:useLocalDpi xmlns:a14="http://schemas.microsoft.com/office/drawing/2010/main" val="0"/>
+              </a:ext>
+            </a:extLst>
+          </a:blip>
+          <a:srcRect/>
+          <a:stretch>
+            <a:fillRect/>
+          </a:stretch>
+        </p:blipFill>
+        <p:spPr bwMode="auto">
+          <a:xfrm>
+            <a:off x="2314896" y="5230398"/>
+            <a:ext cx="469900" cy="469900"/>
+          </a:xfrm>
+          <a:prstGeom prst="rect">
+            <a:avLst/>
+          </a:prstGeom>
+          <a:noFill/>
+          <a:ln>
+            <a:noFill/>
+          </a:ln>
+          <a:extLst>
+            <a:ext uri="{909E8E84-426E-40DD-AFC4-6F175D3DCCD1}">
+              <a14:hiddenFill xmlns:a14="http://schemas.microsoft.com/office/drawing/2010/main">
+                <a:solidFill>
+                  <a:srgbClr val="FFFFFF"/>
+                </a:solidFill>
+              </a14:hiddenFill>
+            </a:ext>
+            <a:ext uri="{91240B29-F687-4F45-9708-019B960494DF}">
+              <a14:hiddenLine xmlns:a14="http://schemas.microsoft.com/office/drawing/2010/main" w="9525">
+                <a:solidFill>
+                  <a:srgbClr val="000000"/>
+                </a:solidFill>
+                <a:miter lim="800000"/>
+                <a:headEnd/>
+                <a:tailEnd/>
+              </a14:hiddenLine>
+            </a:ext>
+          </a:extLst>
+        </p:spPr>
+      </p:pic>
+      <p:sp>
+        <p:nvSpPr>
+          <p:cNvPr id="39" name="TextBox 20">
+            <a:extLst>
+              <a:ext uri="{FF2B5EF4-FFF2-40B4-BE49-F238E27FC236}">
+                <a16:creationId xmlns:a16="http://schemas.microsoft.com/office/drawing/2014/main" id="{F4047B65-B88E-471F-B4B8-38904FCB7F38}"/>
+              </a:ext>
+            </a:extLst>
+          </p:cNvPr>
+          <p:cNvSpPr txBox="1">
+            <a:spLocks noChangeArrowheads="1"/>
+          </p:cNvSpPr>
+          <p:nvPr/>
+        </p:nvSpPr>
+        <p:spPr bwMode="auto">
+          <a:xfrm>
+            <a:off x="1906466" y="5706392"/>
+            <a:ext cx="1290638" cy="276999"/>
+          </a:xfrm>
+          <a:prstGeom prst="rect">
+            <a:avLst/>
+          </a:prstGeom>
+          <a:noFill/>
+          <a:ln>
+            <a:noFill/>
+          </a:ln>
+          <a:extLst>
+            <a:ext uri="{909E8E84-426E-40DD-AFC4-6F175D3DCCD1}">
+              <a14:hiddenFill xmlns:a14="http://schemas.microsoft.com/office/drawing/2010/main">
+                <a:solidFill>
+                  <a:srgbClr val="FFFFFF"/>
+                </a:solidFill>
+              </a14:hiddenFill>
+            </a:ext>
+            <a:ext uri="{91240B29-F687-4F45-9708-019B960494DF}">
+              <a14:hiddenLine xmlns:a14="http://schemas.microsoft.com/office/drawing/2010/main" w="9525">
+                <a:solidFill>
+                  <a:srgbClr val="000000"/>
+                </a:solidFill>
+                <a:miter lim="800000"/>
+                <a:headEnd/>
+                <a:tailEnd/>
+              </a14:hiddenLine>
+            </a:ext>
+          </a:extLst>
+        </p:spPr>
+        <p:txBody>
+          <a:bodyPr wrap="square">
+            <a:spAutoFit/>
+          </a:bodyPr>
+          <a:lstStyle>
+            <a:lvl1pPr>
+              <a:defRPr>
+                <a:solidFill>
+                  <a:schemeClr val="tx1"/>
+                </a:solidFill>
+                <a:latin typeface="Calibri" panose="020F0502020204030204" pitchFamily="34" charset="0"/>
+              </a:defRPr>
+            </a:lvl1pPr>
+            <a:lvl2pPr marL="742950" indent="-285750">
+              <a:defRPr>
+                <a:solidFill>
+                  <a:schemeClr val="tx1"/>
+                </a:solidFill>
+                <a:latin typeface="Calibri" panose="020F0502020204030204" pitchFamily="34" charset="0"/>
+              </a:defRPr>
+            </a:lvl2pPr>
+            <a:lvl3pPr marL="1143000" indent="-228600">
+              <a:defRPr>
+                <a:solidFill>
+                  <a:schemeClr val="tx1"/>
+                </a:solidFill>
+                <a:latin typeface="Calibri" panose="020F0502020204030204" pitchFamily="34" charset="0"/>
+              </a:defRPr>
+            </a:lvl3pPr>
+            <a:lvl4pPr marL="1600200" indent="-228600">
+              <a:defRPr>
+                <a:solidFill>
+                  <a:schemeClr val="tx1"/>
+                </a:solidFill>
+                <a:latin typeface="Calibri" panose="020F0502020204030204" pitchFamily="34" charset="0"/>
+              </a:defRPr>
+            </a:lvl4pPr>
+            <a:lvl5pPr marL="2057400" indent="-228600">
+              <a:defRPr>
+                <a:solidFill>
+                  <a:schemeClr val="tx1"/>
+                </a:solidFill>
+                <a:latin typeface="Calibri" panose="020F0502020204030204" pitchFamily="34" charset="0"/>
+              </a:defRPr>
+            </a:lvl5pPr>
+            <a:lvl6pPr marL="2514600" indent="-228600" eaLnBrk="0" fontAlgn="base" hangingPunct="0">
+              <a:spcBef>
+                <a:spcPct val="0"/>
+              </a:spcBef>
+              <a:spcAft>
+                <a:spcPct val="0"/>
+              </a:spcAft>
+              <a:defRPr>
+                <a:solidFill>
+                  <a:schemeClr val="tx1"/>
+                </a:solidFill>
+                <a:latin typeface="Calibri" panose="020F0502020204030204" pitchFamily="34" charset="0"/>
+              </a:defRPr>
+            </a:lvl6pPr>
+            <a:lvl7pPr marL="2971800" indent="-228600" eaLnBrk="0" fontAlgn="base" hangingPunct="0">
+              <a:spcBef>
+                <a:spcPct val="0"/>
+              </a:spcBef>
+              <a:spcAft>
+                <a:spcPct val="0"/>
+              </a:spcAft>
+              <a:defRPr>
+                <a:solidFill>
+                  <a:schemeClr val="tx1"/>
+                </a:solidFill>
+                <a:latin typeface="Calibri" panose="020F0502020204030204" pitchFamily="34" charset="0"/>
+              </a:defRPr>
+            </a:lvl7pPr>
+            <a:lvl8pPr marL="3429000" indent="-228600" eaLnBrk="0" fontAlgn="base" hangingPunct="0">
+              <a:spcBef>
+                <a:spcPct val="0"/>
+              </a:spcBef>
+              <a:spcAft>
+                <a:spcPct val="0"/>
+              </a:spcAft>
+              <a:defRPr>
+                <a:solidFill>
+                  <a:schemeClr val="tx1"/>
+                </a:solidFill>
+                <a:latin typeface="Calibri" panose="020F0502020204030204" pitchFamily="34" charset="0"/>
+              </a:defRPr>
+            </a:lvl8pPr>
+            <a:lvl9pPr marL="3886200" indent="-228600" eaLnBrk="0" fontAlgn="base" hangingPunct="0">
+              <a:spcBef>
+                <a:spcPct val="0"/>
+              </a:spcBef>
+              <a:spcAft>
+                <a:spcPct val="0"/>
+              </a:spcAft>
+              <a:defRPr>
+                <a:solidFill>
+                  <a:schemeClr val="tx1"/>
+                </a:solidFill>
+                <a:latin typeface="Calibri" panose="020F0502020204030204" pitchFamily="34" charset="0"/>
+              </a:defRPr>
+            </a:lvl9pPr>
+          </a:lstStyle>
+          <a:p>
+            <a:pPr algn="ctr" eaLnBrk="1" hangingPunct="1"/>
+            <a:r>
+              <a:rPr lang="en-US" altLang="en-US" sz="1200" dirty="0">
+                <a:latin typeface="Arial" panose="020B0604020202020204" pitchFamily="34" charset="0"/>
+                <a:ea typeface="Amazon Ember" panose="020B0603020204020204" pitchFamily="34" charset="0"/>
+                <a:cs typeface="Arial" panose="020B0604020202020204" pitchFamily="34" charset="0"/>
+              </a:rPr>
+              <a:t>MRASCO files</a:t>
+            </a:r>
+          </a:p>
+        </p:txBody>
+      </p:sp>
+      <p:pic>
+        <p:nvPicPr>
+          <p:cNvPr id="40" name="Graphic 21">
+            <a:extLst>
+              <a:ext uri="{FF2B5EF4-FFF2-40B4-BE49-F238E27FC236}">
+                <a16:creationId xmlns:a16="http://schemas.microsoft.com/office/drawing/2014/main" id="{03D0870C-03A6-4B68-A602-6B72EF019B24}"/>
+              </a:ext>
+            </a:extLst>
+          </p:cNvPr>
+          <p:cNvPicPr>
+            <a:picLocks noChangeAspect="1" noChangeArrowheads="1"/>
+          </p:cNvPicPr>
+          <p:nvPr/>
+        </p:nvPicPr>
+        <p:blipFill>
+          <a:blip r:embed="rId11">
+            <a:extLst>
+              <a:ext uri="{28A0092B-C50C-407E-A947-70E740481C1C}">
+                <a14:useLocalDpi xmlns:a14="http://schemas.microsoft.com/office/drawing/2010/main" val="0"/>
+              </a:ext>
+            </a:extLst>
+          </a:blip>
+          <a:srcRect/>
+          <a:stretch>
+            <a:fillRect/>
+          </a:stretch>
+        </p:blipFill>
+        <p:spPr bwMode="auto">
+          <a:xfrm>
+            <a:off x="5479840" y="5230398"/>
+            <a:ext cx="469900" cy="469900"/>
+          </a:xfrm>
+          <a:prstGeom prst="rect">
+            <a:avLst/>
+          </a:prstGeom>
+          <a:noFill/>
+          <a:ln>
+            <a:noFill/>
+          </a:ln>
+          <a:extLst>
+            <a:ext uri="{909E8E84-426E-40DD-AFC4-6F175D3DCCD1}">
+              <a14:hiddenFill xmlns:a14="http://schemas.microsoft.com/office/drawing/2010/main">
+                <a:solidFill>
+                  <a:srgbClr val="FFFFFF"/>
+                </a:solidFill>
+              </a14:hiddenFill>
+            </a:ext>
+            <a:ext uri="{91240B29-F687-4F45-9708-019B960494DF}">
+              <a14:hiddenLine xmlns:a14="http://schemas.microsoft.com/office/drawing/2010/main" w="9525">
+                <a:solidFill>
+                  <a:srgbClr val="000000"/>
+                </a:solidFill>
+                <a:miter lim="800000"/>
+                <a:headEnd/>
+                <a:tailEnd/>
+              </a14:hiddenLine>
+            </a:ext>
+          </a:extLst>
+        </p:spPr>
+      </p:pic>
+      <p:sp>
+        <p:nvSpPr>
+          <p:cNvPr id="41" name="TextBox 20">
+            <a:extLst>
+              <a:ext uri="{FF2B5EF4-FFF2-40B4-BE49-F238E27FC236}">
+                <a16:creationId xmlns:a16="http://schemas.microsoft.com/office/drawing/2014/main" id="{3C810111-7062-417D-B198-6317F38292C3}"/>
+              </a:ext>
+            </a:extLst>
+          </p:cNvPr>
+          <p:cNvSpPr txBox="1">
+            <a:spLocks noChangeArrowheads="1"/>
+          </p:cNvSpPr>
+          <p:nvPr/>
+        </p:nvSpPr>
+        <p:spPr bwMode="auto">
+          <a:xfrm>
+            <a:off x="5065343" y="5706392"/>
+            <a:ext cx="1290638" cy="276999"/>
+          </a:xfrm>
+          <a:prstGeom prst="rect">
+            <a:avLst/>
+          </a:prstGeom>
+          <a:noFill/>
+          <a:ln>
+            <a:noFill/>
+          </a:ln>
+          <a:extLst>
+            <a:ext uri="{909E8E84-426E-40DD-AFC4-6F175D3DCCD1}">
+              <a14:hiddenFill xmlns:a14="http://schemas.microsoft.com/office/drawing/2010/main">
+                <a:solidFill>
+                  <a:srgbClr val="FFFFFF"/>
+                </a:solidFill>
+              </a14:hiddenFill>
+            </a:ext>
+            <a:ext uri="{91240B29-F687-4F45-9708-019B960494DF}">
+              <a14:hiddenLine xmlns:a14="http://schemas.microsoft.com/office/drawing/2010/main" w="9525">
+                <a:solidFill>
+                  <a:srgbClr val="000000"/>
+                </a:solidFill>
+                <a:miter lim="800000"/>
+                <a:headEnd/>
+                <a:tailEnd/>
+              </a14:hiddenLine>
+            </a:ext>
+          </a:extLst>
+        </p:spPr>
+        <p:txBody>
+          <a:bodyPr wrap="square">
+            <a:spAutoFit/>
+          </a:bodyPr>
+          <a:lstStyle>
+            <a:lvl1pPr>
+              <a:defRPr>
+                <a:solidFill>
+                  <a:schemeClr val="tx1"/>
+                </a:solidFill>
+                <a:latin typeface="Calibri" panose="020F0502020204030204" pitchFamily="34" charset="0"/>
+              </a:defRPr>
+            </a:lvl1pPr>
+            <a:lvl2pPr marL="742950" indent="-285750">
+              <a:defRPr>
+                <a:solidFill>
+                  <a:schemeClr val="tx1"/>
+                </a:solidFill>
+                <a:latin typeface="Calibri" panose="020F0502020204030204" pitchFamily="34" charset="0"/>
+              </a:defRPr>
+            </a:lvl2pPr>
+            <a:lvl3pPr marL="1143000" indent="-228600">
+              <a:defRPr>
+                <a:solidFill>
+                  <a:schemeClr val="tx1"/>
+                </a:solidFill>
+                <a:latin typeface="Calibri" panose="020F0502020204030204" pitchFamily="34" charset="0"/>
+              </a:defRPr>
+            </a:lvl3pPr>
+            <a:lvl4pPr marL="1600200" indent="-228600">
+              <a:defRPr>
+                <a:solidFill>
+                  <a:schemeClr val="tx1"/>
+                </a:solidFill>
+                <a:latin typeface="Calibri" panose="020F0502020204030204" pitchFamily="34" charset="0"/>
+              </a:defRPr>
+            </a:lvl4pPr>
+            <a:lvl5pPr marL="2057400" indent="-228600">
+              <a:defRPr>
+                <a:solidFill>
+                  <a:schemeClr val="tx1"/>
+                </a:solidFill>
+                <a:latin typeface="Calibri" panose="020F0502020204030204" pitchFamily="34" charset="0"/>
+              </a:defRPr>
+            </a:lvl5pPr>
+            <a:lvl6pPr marL="2514600" indent="-228600" eaLnBrk="0" fontAlgn="base" hangingPunct="0">
+              <a:spcBef>
+                <a:spcPct val="0"/>
+              </a:spcBef>
+              <a:spcAft>
+                <a:spcPct val="0"/>
+              </a:spcAft>
+              <a:defRPr>
+                <a:solidFill>
+                  <a:schemeClr val="tx1"/>
+                </a:solidFill>
+                <a:latin typeface="Calibri" panose="020F0502020204030204" pitchFamily="34" charset="0"/>
+              </a:defRPr>
+            </a:lvl6pPr>
+            <a:lvl7pPr marL="2971800" indent="-228600" eaLnBrk="0" fontAlgn="base" hangingPunct="0">
+              <a:spcBef>
+                <a:spcPct val="0"/>
+              </a:spcBef>
+              <a:spcAft>
+                <a:spcPct val="0"/>
+              </a:spcAft>
+              <a:defRPr>
+                <a:solidFill>
+                  <a:schemeClr val="tx1"/>
+                </a:solidFill>
+                <a:latin typeface="Calibri" panose="020F0502020204030204" pitchFamily="34" charset="0"/>
+              </a:defRPr>
+            </a:lvl7pPr>
+            <a:lvl8pPr marL="3429000" indent="-228600" eaLnBrk="0" fontAlgn="base" hangingPunct="0">
+              <a:spcBef>
+                <a:spcPct val="0"/>
+              </a:spcBef>
+              <a:spcAft>
+                <a:spcPct val="0"/>
+              </a:spcAft>
+              <a:defRPr>
+                <a:solidFill>
+                  <a:schemeClr val="tx1"/>
+                </a:solidFill>
+                <a:latin typeface="Calibri" panose="020F0502020204030204" pitchFamily="34" charset="0"/>
+              </a:defRPr>
+            </a:lvl8pPr>
+            <a:lvl9pPr marL="3886200" indent="-228600" eaLnBrk="0" fontAlgn="base" hangingPunct="0">
+              <a:spcBef>
+                <a:spcPct val="0"/>
+              </a:spcBef>
+              <a:spcAft>
+                <a:spcPct val="0"/>
+              </a:spcAft>
+              <a:defRPr>
+                <a:solidFill>
+                  <a:schemeClr val="tx1"/>
+                </a:solidFill>
+                <a:latin typeface="Calibri" panose="020F0502020204030204" pitchFamily="34" charset="0"/>
+              </a:defRPr>
+            </a:lvl9pPr>
+          </a:lstStyle>
+          <a:p>
+            <a:pPr algn="ctr" eaLnBrk="1" hangingPunct="1"/>
+            <a:r>
+              <a:rPr lang="en-US" altLang="en-US" sz="1200" dirty="0">
+                <a:latin typeface="Arial" panose="020B0604020202020204" pitchFamily="34" charset="0"/>
+                <a:ea typeface="Amazon Ember" panose="020B0603020204020204" pitchFamily="34" charset="0"/>
+                <a:cs typeface="Arial" panose="020B0604020202020204" pitchFamily="34" charset="0"/>
+              </a:rPr>
+              <a:t>MDMS</a:t>
+            </a:r>
+          </a:p>
+        </p:txBody>
+      </p:sp>
+      <p:cxnSp>
+        <p:nvCxnSpPr>
+          <p:cNvPr id="42" name="Elbow Connector 10">
+            <a:extLst>
+              <a:ext uri="{FF2B5EF4-FFF2-40B4-BE49-F238E27FC236}">
+                <a16:creationId xmlns:a16="http://schemas.microsoft.com/office/drawing/2014/main" id="{116576AA-EB6A-402E-B604-7C5DB1F51542}"/>
+              </a:ext>
+            </a:extLst>
+          </p:cNvPr>
+          <p:cNvCxnSpPr>
+            <a:cxnSpLocks/>
+            <a:endCxn id="23" idx="1"/>
+          </p:cNvCxnSpPr>
+          <p:nvPr/>
+        </p:nvCxnSpPr>
+        <p:spPr>
+          <a:xfrm>
+            <a:off x="2853633" y="2735222"/>
+            <a:ext cx="2647136" cy="451403"/>
+          </a:xfrm>
+          <a:prstGeom prst="bentConnector3">
+            <a:avLst>
+              <a:gd name="adj1" fmla="val 21406"/>
+            </a:avLst>
+          </a:prstGeom>
+          <a:ln w="12700">
+            <a:solidFill>
+              <a:srgbClr val="545B64"/>
+            </a:solidFill>
+            <a:headEnd type="none" w="med" len="sm"/>
+            <a:tailEnd type="arrow" w="med" len="sm"/>
+          </a:ln>
+        </p:spPr>
+        <p:style>
+          <a:lnRef idx="1">
+            <a:schemeClr val="accent1"/>
+          </a:lnRef>
+          <a:fillRef idx="0">
+            <a:schemeClr val="accent1"/>
+          </a:fillRef>
+          <a:effectRef idx="0">
+            <a:schemeClr val="accent1"/>
+          </a:effectRef>
+          <a:fontRef idx="minor">
+            <a:schemeClr val="tx1"/>
+          </a:fontRef>
+        </p:style>
+      </p:cxnSp>
+      <p:cxnSp>
+        <p:nvCxnSpPr>
+          <p:cNvPr id="44" name="Straight Arrow Connector 43">
+            <a:extLst>
+              <a:ext uri="{FF2B5EF4-FFF2-40B4-BE49-F238E27FC236}">
+                <a16:creationId xmlns:a16="http://schemas.microsoft.com/office/drawing/2014/main" id="{B729B854-F6A6-481D-A7B2-789FC2F95688}"/>
+              </a:ext>
+            </a:extLst>
+          </p:cNvPr>
+          <p:cNvCxnSpPr>
+            <a:cxnSpLocks/>
+            <a:stCxn id="38" idx="0"/>
+            <a:endCxn id="10" idx="2"/>
+          </p:cNvCxnSpPr>
+          <p:nvPr/>
+        </p:nvCxnSpPr>
+        <p:spPr>
+          <a:xfrm flipV="1">
+            <a:off x="2549846" y="4571086"/>
+            <a:ext cx="1938" cy="659312"/>
+          </a:xfrm>
+          <a:prstGeom prst="straightConnector1">
+            <a:avLst/>
+          </a:prstGeom>
+          <a:ln w="12700">
+            <a:solidFill>
+              <a:schemeClr val="tx2"/>
+            </a:solidFill>
+            <a:headEnd type="none" w="med" len="sm"/>
+            <a:tailEnd type="arrow" w="med" len="sm"/>
+          </a:ln>
+        </p:spPr>
+        <p:style>
+          <a:lnRef idx="1">
+            <a:schemeClr val="accent1"/>
+          </a:lnRef>
+          <a:fillRef idx="0">
+            <a:schemeClr val="accent1"/>
+          </a:fillRef>
+          <a:effectRef idx="0">
+            <a:schemeClr val="accent1"/>
+          </a:effectRef>
+          <a:fontRef idx="minor">
+            <a:schemeClr val="tx1"/>
+          </a:fontRef>
+        </p:style>
+      </p:cxnSp>
+      <p:cxnSp>
+        <p:nvCxnSpPr>
+          <p:cNvPr id="47" name="Straight Arrow Connector 46">
+            <a:extLst>
+              <a:ext uri="{FF2B5EF4-FFF2-40B4-BE49-F238E27FC236}">
+                <a16:creationId xmlns:a16="http://schemas.microsoft.com/office/drawing/2014/main" id="{C1C8C397-BC68-4C41-B074-06C08811AA37}"/>
+              </a:ext>
+            </a:extLst>
+          </p:cNvPr>
+          <p:cNvCxnSpPr>
+            <a:cxnSpLocks/>
+            <a:stCxn id="40" idx="0"/>
+            <a:endCxn id="22" idx="2"/>
+          </p:cNvCxnSpPr>
+          <p:nvPr/>
+        </p:nvCxnSpPr>
+        <p:spPr>
+          <a:xfrm flipV="1">
+            <a:off x="5714790" y="3680985"/>
+            <a:ext cx="1" cy="1549413"/>
+          </a:xfrm>
+          <a:prstGeom prst="straightConnector1">
+            <a:avLst/>
+          </a:prstGeom>
+          <a:ln w="12700">
+            <a:solidFill>
+              <a:schemeClr val="tx2"/>
+            </a:solidFill>
+            <a:headEnd type="none" w="med" len="sm"/>
+            <a:tailEnd type="arrow" w="med" len="sm"/>
+          </a:ln>
+        </p:spPr>
+        <p:style>
+          <a:lnRef idx="1">
+            <a:schemeClr val="accent1"/>
+          </a:lnRef>
+          <a:fillRef idx="0">
+            <a:schemeClr val="accent1"/>
+          </a:fillRef>
+          <a:effectRef idx="0">
+            <a:schemeClr val="accent1"/>
+          </a:effectRef>
+          <a:fontRef idx="minor">
+            <a:schemeClr val="tx1"/>
+          </a:fontRef>
+        </p:style>
+      </p:cxnSp>
+      <p:cxnSp>
+        <p:nvCxnSpPr>
+          <p:cNvPr id="57" name="Straight Arrow Connector 56">
+            <a:extLst>
+              <a:ext uri="{FF2B5EF4-FFF2-40B4-BE49-F238E27FC236}">
+                <a16:creationId xmlns:a16="http://schemas.microsoft.com/office/drawing/2014/main" id="{DF176804-512D-48B5-8232-33A181BBA536}"/>
+              </a:ext>
+            </a:extLst>
+          </p:cNvPr>
+          <p:cNvCxnSpPr>
+            <a:cxnSpLocks/>
+            <a:stCxn id="23" idx="3"/>
+          </p:cNvCxnSpPr>
+          <p:nvPr/>
+        </p:nvCxnSpPr>
+        <p:spPr>
+          <a:xfrm>
+            <a:off x="5957969" y="3186625"/>
+            <a:ext cx="1346852" cy="1"/>
+          </a:xfrm>
+          <a:prstGeom prst="straightConnector1">
+            <a:avLst/>
+          </a:prstGeom>
+          <a:ln w="12700">
+            <a:solidFill>
+              <a:srgbClr val="545B64"/>
+            </a:solidFill>
+            <a:headEnd type="arrow" w="med" len="sm"/>
+            <a:tailEnd type="none" w="med" len="sm"/>
+          </a:ln>
+        </p:spPr>
+        <p:style>
+          <a:lnRef idx="1">
+            <a:schemeClr val="accent1"/>
+          </a:lnRef>
+          <a:fillRef idx="0">
+            <a:schemeClr val="accent1"/>
+          </a:fillRef>
+          <a:effectRef idx="0">
+            <a:schemeClr val="accent1"/>
+          </a:effectRef>
+          <a:fontRef idx="minor">
+            <a:schemeClr val="tx1"/>
+          </a:fontRef>
+        </p:style>
+      </p:cxnSp>
+      <p:cxnSp>
+        <p:nvCxnSpPr>
+          <p:cNvPr id="61" name="Elbow Connector 13">
+            <a:extLst>
+              <a:ext uri="{FF2B5EF4-FFF2-40B4-BE49-F238E27FC236}">
+                <a16:creationId xmlns:a16="http://schemas.microsoft.com/office/drawing/2014/main" id="{52A7BF7E-1BCC-45F8-A6CE-EDD784DB98A4}"/>
+              </a:ext>
+            </a:extLst>
+          </p:cNvPr>
+          <p:cNvCxnSpPr>
+            <a:cxnSpLocks/>
+          </p:cNvCxnSpPr>
+          <p:nvPr/>
+        </p:nvCxnSpPr>
+        <p:spPr>
+          <a:xfrm rot="10800000" flipH="1">
+            <a:off x="2222845" y="2415003"/>
+            <a:ext cx="322707" cy="274320"/>
+          </a:xfrm>
+          <a:prstGeom prst="bentConnector4">
+            <a:avLst>
+              <a:gd name="adj1" fmla="val -161617"/>
+              <a:gd name="adj2" fmla="val 206023"/>
+            </a:avLst>
+          </a:prstGeom>
+          <a:ln w="12700">
+            <a:solidFill>
+              <a:srgbClr val="545B64"/>
+            </a:solidFill>
+            <a:headEnd type="arrow" w="med" len="sm"/>
+            <a:tailEnd type="none" w="med" len="sm"/>
+          </a:ln>
+        </p:spPr>
+        <p:style>
+          <a:lnRef idx="1">
+            <a:schemeClr val="accent1"/>
+          </a:lnRef>
+          <a:fillRef idx="0">
+            <a:schemeClr val="accent1"/>
+          </a:fillRef>
+          <a:effectRef idx="0">
+            <a:schemeClr val="accent1"/>
+          </a:effectRef>
+          <a:fontRef idx="minor">
+            <a:schemeClr val="tx1"/>
+          </a:fontRef>
+        </p:style>
+      </p:cxnSp>
+      <p:sp>
+        <p:nvSpPr>
+          <p:cNvPr id="81" name="Freeform 34">
+            <a:extLst>
+              <a:ext uri="{FF2B5EF4-FFF2-40B4-BE49-F238E27FC236}">
+                <a16:creationId xmlns:a16="http://schemas.microsoft.com/office/drawing/2014/main" id="{FBCA56B1-6075-42DD-A075-DF11A2F06C10}"/>
+              </a:ext>
+            </a:extLst>
+          </p:cNvPr>
+          <p:cNvSpPr/>
+          <p:nvPr/>
+        </p:nvSpPr>
+        <p:spPr>
+          <a:xfrm flipH="1">
+            <a:off x="1713302" y="2806134"/>
+            <a:ext cx="515774" cy="1110520"/>
+          </a:xfrm>
+          <a:custGeom>
+            <a:avLst/>
+            <a:gdLst>
+              <a:gd name="connsiteX0" fmla="*/ 1371600 w 1371600"/>
+              <a:gd name="connsiteY0" fmla="*/ 711200 h 711200"/>
+              <a:gd name="connsiteX1" fmla="*/ 1371600 w 1371600"/>
+              <a:gd name="connsiteY1" fmla="*/ 0 h 711200"/>
+              <a:gd name="connsiteX2" fmla="*/ 0 w 1371600"/>
+              <a:gd name="connsiteY2" fmla="*/ 0 h 711200"/>
+            </a:gdLst>
+            <a:ahLst/>
+            <a:cxnLst>
+              <a:cxn ang="0">
+                <a:pos x="connsiteX0" y="connsiteY0"/>
+              </a:cxn>
+              <a:cxn ang="0">
+                <a:pos x="connsiteX1" y="connsiteY1"/>
+              </a:cxn>
+              <a:cxn ang="0">
+                <a:pos x="connsiteX2" y="connsiteY2"/>
+              </a:cxn>
+            </a:cxnLst>
+            <a:rect l="l" t="t" r="r" b="b"/>
+            <a:pathLst>
+              <a:path w="1371600" h="711200">
+                <a:moveTo>
+                  <a:pt x="1371600" y="711200"/>
+                </a:moveTo>
+                <a:lnTo>
+                  <a:pt x="1371600" y="0"/>
+                </a:lnTo>
+                <a:lnTo>
+                  <a:pt x="0" y="0"/>
+                </a:lnTo>
+              </a:path>
+            </a:pathLst>
+          </a:custGeom>
+          <a:noFill/>
+          <a:ln w="12700">
+            <a:solidFill>
+              <a:schemeClr val="tx2"/>
+            </a:solidFill>
+            <a:headEnd type="none" w="med" len="sm"/>
+            <a:tailEnd type="arrow" w="med" len="sm"/>
+          </a:ln>
+        </p:spPr>
+        <p:style>
+          <a:lnRef idx="2">
+            <a:schemeClr val="accent1">
+              <a:shade val="50000"/>
+            </a:schemeClr>
+          </a:lnRef>
+          <a:fillRef idx="1">
+            <a:schemeClr val="accent1"/>
+          </a:fillRef>
+          <a:effectRef idx="0">
+            <a:schemeClr val="accent1"/>
+          </a:effectRef>
+          <a:fontRef idx="minor">
+            <a:schemeClr val="lt1"/>
+          </a:fontRef>
+        </p:style>
+        <p:txBody>
+          <a:bodyPr anchor="ctr"/>
+          <a:lstStyle/>
+          <a:p>
+            <a:pPr algn="ctr" eaLnBrk="1" fontAlgn="auto" hangingPunct="1">
+              <a:spcBef>
+                <a:spcPts val="0"/>
+              </a:spcBef>
+              <a:spcAft>
+                <a:spcPts val="0"/>
+              </a:spcAft>
+              <a:defRPr/>
+            </a:pPr>
+            <a:endParaRPr lang="en-US" dirty="0"/>
+          </a:p>
+        </p:txBody>
+      </p:sp>
+      <p:cxnSp>
+        <p:nvCxnSpPr>
+          <p:cNvPr id="82" name="Straight Arrow Connector 81">
+            <a:extLst>
+              <a:ext uri="{FF2B5EF4-FFF2-40B4-BE49-F238E27FC236}">
+                <a16:creationId xmlns:a16="http://schemas.microsoft.com/office/drawing/2014/main" id="{12596D70-D89E-4259-8F74-F03A25788638}"/>
+              </a:ext>
+            </a:extLst>
+          </p:cNvPr>
+          <p:cNvCxnSpPr>
+            <a:cxnSpLocks/>
+            <a:stCxn id="81" idx="0"/>
+            <a:endCxn id="11" idx="1"/>
+          </p:cNvCxnSpPr>
+          <p:nvPr/>
+        </p:nvCxnSpPr>
+        <p:spPr>
+          <a:xfrm flipV="1">
+            <a:off x="1713302" y="3916653"/>
+            <a:ext cx="609882" cy="1"/>
+          </a:xfrm>
+          <a:prstGeom prst="straightConnector1">
+            <a:avLst/>
+          </a:prstGeom>
+          <a:ln w="12700">
+            <a:solidFill>
+              <a:srgbClr val="545B64"/>
+            </a:solidFill>
+            <a:headEnd type="none" w="med" len="sm"/>
+            <a:tailEnd type="none" w="med" len="sm"/>
+          </a:ln>
+        </p:spPr>
+        <p:style>
+          <a:lnRef idx="1">
+            <a:schemeClr val="accent1"/>
+          </a:lnRef>
+          <a:fillRef idx="0">
+            <a:schemeClr val="accent1"/>
+          </a:fillRef>
+          <a:effectRef idx="0">
+            <a:schemeClr val="accent1"/>
+          </a:effectRef>
+          <a:fontRef idx="minor">
+            <a:schemeClr val="tx1"/>
+          </a:fontRef>
+        </p:style>
+      </p:cxnSp>
+      <p:sp>
+        <p:nvSpPr>
+          <p:cNvPr id="85" name="TextBox 18">
+            <a:extLst>
+              <a:ext uri="{FF2B5EF4-FFF2-40B4-BE49-F238E27FC236}">
+                <a16:creationId xmlns:a16="http://schemas.microsoft.com/office/drawing/2014/main" id="{85658142-3212-45CC-A90E-53FACAE94DBF}"/>
+              </a:ext>
+            </a:extLst>
+          </p:cNvPr>
+          <p:cNvSpPr txBox="1">
+            <a:spLocks noChangeArrowheads="1"/>
+          </p:cNvSpPr>
+          <p:nvPr/>
+        </p:nvSpPr>
+        <p:spPr bwMode="auto">
+          <a:xfrm>
+            <a:off x="1246119" y="3331973"/>
+            <a:ext cx="961405" cy="338554"/>
+          </a:xfrm>
+          <a:prstGeom prst="rect">
+            <a:avLst/>
+          </a:prstGeom>
+          <a:solidFill>
+            <a:schemeClr val="bg1">
+              <a:lumMod val="95000"/>
+            </a:schemeClr>
+          </a:solidFill>
+          <a:ln>
+            <a:noFill/>
+          </a:ln>
+          <a:extLst/>
+        </p:spPr>
+        <p:txBody>
+          <a:bodyPr wrap="square" lIns="0" tIns="0" rIns="0" bIns="0">
+            <a:spAutoFit/>
+          </a:bodyPr>
+          <a:lstStyle>
+            <a:lvl1pPr>
+              <a:defRPr>
+                <a:solidFill>
+                  <a:schemeClr val="tx1"/>
+                </a:solidFill>
+                <a:latin typeface="Calibri" panose="020F0502020204030204" pitchFamily="34" charset="0"/>
+              </a:defRPr>
+            </a:lvl1pPr>
+            <a:lvl2pPr marL="742950" indent="-285750">
+              <a:defRPr>
+                <a:solidFill>
+                  <a:schemeClr val="tx1"/>
+                </a:solidFill>
+                <a:latin typeface="Calibri" panose="020F0502020204030204" pitchFamily="34" charset="0"/>
+              </a:defRPr>
+            </a:lvl2pPr>
+            <a:lvl3pPr marL="1143000" indent="-228600">
+              <a:defRPr>
+                <a:solidFill>
+                  <a:schemeClr val="tx1"/>
+                </a:solidFill>
+                <a:latin typeface="Calibri" panose="020F0502020204030204" pitchFamily="34" charset="0"/>
+              </a:defRPr>
+            </a:lvl3pPr>
+            <a:lvl4pPr marL="1600200" indent="-228600">
+              <a:defRPr>
+                <a:solidFill>
+                  <a:schemeClr val="tx1"/>
+                </a:solidFill>
+                <a:latin typeface="Calibri" panose="020F0502020204030204" pitchFamily="34" charset="0"/>
+              </a:defRPr>
+            </a:lvl4pPr>
+            <a:lvl5pPr marL="2057400" indent="-228600">
+              <a:defRPr>
+                <a:solidFill>
+                  <a:schemeClr val="tx1"/>
+                </a:solidFill>
+                <a:latin typeface="Calibri" panose="020F0502020204030204" pitchFamily="34" charset="0"/>
+              </a:defRPr>
+            </a:lvl5pPr>
+            <a:lvl6pPr marL="2514600" indent="-228600" eaLnBrk="0" fontAlgn="base" hangingPunct="0">
+              <a:spcBef>
+                <a:spcPct val="0"/>
+              </a:spcBef>
+              <a:spcAft>
+                <a:spcPct val="0"/>
+              </a:spcAft>
+              <a:defRPr>
+                <a:solidFill>
+                  <a:schemeClr val="tx1"/>
+                </a:solidFill>
+                <a:latin typeface="Calibri" panose="020F0502020204030204" pitchFamily="34" charset="0"/>
+              </a:defRPr>
+            </a:lvl6pPr>
+            <a:lvl7pPr marL="2971800" indent="-228600" eaLnBrk="0" fontAlgn="base" hangingPunct="0">
+              <a:spcBef>
+                <a:spcPct val="0"/>
+              </a:spcBef>
+              <a:spcAft>
+                <a:spcPct val="0"/>
+              </a:spcAft>
+              <a:defRPr>
+                <a:solidFill>
+                  <a:schemeClr val="tx1"/>
+                </a:solidFill>
+                <a:latin typeface="Calibri" panose="020F0502020204030204" pitchFamily="34" charset="0"/>
+              </a:defRPr>
+            </a:lvl7pPr>
+            <a:lvl8pPr marL="3429000" indent="-228600" eaLnBrk="0" fontAlgn="base" hangingPunct="0">
+              <a:spcBef>
+                <a:spcPct val="0"/>
+              </a:spcBef>
+              <a:spcAft>
+                <a:spcPct val="0"/>
+              </a:spcAft>
+              <a:defRPr>
+                <a:solidFill>
+                  <a:schemeClr val="tx1"/>
+                </a:solidFill>
+                <a:latin typeface="Calibri" panose="020F0502020204030204" pitchFamily="34" charset="0"/>
+              </a:defRPr>
+            </a:lvl8pPr>
+            <a:lvl9pPr marL="3886200" indent="-228600" eaLnBrk="0" fontAlgn="base" hangingPunct="0">
+              <a:spcBef>
+                <a:spcPct val="0"/>
+              </a:spcBef>
+              <a:spcAft>
+                <a:spcPct val="0"/>
+              </a:spcAft>
+              <a:defRPr>
+                <a:solidFill>
+                  <a:schemeClr val="tx1"/>
+                </a:solidFill>
+                <a:latin typeface="Calibri" panose="020F0502020204030204" pitchFamily="34" charset="0"/>
+              </a:defRPr>
+            </a:lvl9pPr>
+          </a:lstStyle>
+          <a:p>
+            <a:pPr algn="ctr" eaLnBrk="1" hangingPunct="1"/>
+            <a:r>
+              <a:rPr lang="en-US" altLang="en-US" sz="1100" i="1" dirty="0">
+                <a:latin typeface="Arial" panose="020B0604020202020204" pitchFamily="34" charset="0"/>
+                <a:ea typeface="Amazon Ember" panose="020B0603020204020204" pitchFamily="34" charset="0"/>
+                <a:cs typeface="Arial" panose="020B0604020202020204" pitchFamily="34" charset="0"/>
+              </a:rPr>
+              <a:t>Object creation monitoring</a:t>
+            </a:r>
+          </a:p>
+        </p:txBody>
+      </p:sp>
+      <p:sp>
+        <p:nvSpPr>
+          <p:cNvPr id="88" name="TextBox 18">
+            <a:extLst>
+              <a:ext uri="{FF2B5EF4-FFF2-40B4-BE49-F238E27FC236}">
+                <a16:creationId xmlns:a16="http://schemas.microsoft.com/office/drawing/2014/main" id="{10FE7990-D172-4BF4-A6D5-09F601EB46C0}"/>
+              </a:ext>
+            </a:extLst>
+          </p:cNvPr>
+          <p:cNvSpPr txBox="1">
+            <a:spLocks noChangeArrowheads="1"/>
+          </p:cNvSpPr>
+          <p:nvPr/>
+        </p:nvSpPr>
+        <p:spPr bwMode="auto">
+          <a:xfrm>
+            <a:off x="1247287" y="2226533"/>
+            <a:ext cx="924503" cy="338554"/>
+          </a:xfrm>
+          <a:prstGeom prst="rect">
+            <a:avLst/>
+          </a:prstGeom>
+          <a:solidFill>
+            <a:schemeClr val="bg1">
+              <a:lumMod val="95000"/>
+            </a:schemeClr>
+          </a:solidFill>
+          <a:ln>
+            <a:noFill/>
+          </a:ln>
+          <a:extLst/>
+        </p:spPr>
+        <p:txBody>
+          <a:bodyPr wrap="square" lIns="0" tIns="0" rIns="0" bIns="0">
+            <a:spAutoFit/>
+          </a:bodyPr>
+          <a:lstStyle>
+            <a:lvl1pPr>
+              <a:defRPr>
+                <a:solidFill>
+                  <a:schemeClr val="tx1"/>
+                </a:solidFill>
+                <a:latin typeface="Calibri" panose="020F0502020204030204" pitchFamily="34" charset="0"/>
+              </a:defRPr>
+            </a:lvl1pPr>
+            <a:lvl2pPr marL="742950" indent="-285750">
+              <a:defRPr>
+                <a:solidFill>
+                  <a:schemeClr val="tx1"/>
+                </a:solidFill>
+                <a:latin typeface="Calibri" panose="020F0502020204030204" pitchFamily="34" charset="0"/>
+              </a:defRPr>
+            </a:lvl2pPr>
+            <a:lvl3pPr marL="1143000" indent="-228600">
+              <a:defRPr>
+                <a:solidFill>
+                  <a:schemeClr val="tx1"/>
+                </a:solidFill>
+                <a:latin typeface="Calibri" panose="020F0502020204030204" pitchFamily="34" charset="0"/>
+              </a:defRPr>
+            </a:lvl3pPr>
+            <a:lvl4pPr marL="1600200" indent="-228600">
+              <a:defRPr>
+                <a:solidFill>
+                  <a:schemeClr val="tx1"/>
+                </a:solidFill>
+                <a:latin typeface="Calibri" panose="020F0502020204030204" pitchFamily="34" charset="0"/>
+              </a:defRPr>
+            </a:lvl4pPr>
+            <a:lvl5pPr marL="2057400" indent="-228600">
+              <a:defRPr>
+                <a:solidFill>
+                  <a:schemeClr val="tx1"/>
+                </a:solidFill>
+                <a:latin typeface="Calibri" panose="020F0502020204030204" pitchFamily="34" charset="0"/>
+              </a:defRPr>
+            </a:lvl5pPr>
+            <a:lvl6pPr marL="2514600" indent="-228600" eaLnBrk="0" fontAlgn="base" hangingPunct="0">
+              <a:spcBef>
+                <a:spcPct val="0"/>
+              </a:spcBef>
+              <a:spcAft>
+                <a:spcPct val="0"/>
+              </a:spcAft>
+              <a:defRPr>
+                <a:solidFill>
+                  <a:schemeClr val="tx1"/>
+                </a:solidFill>
+                <a:latin typeface="Calibri" panose="020F0502020204030204" pitchFamily="34" charset="0"/>
+              </a:defRPr>
+            </a:lvl6pPr>
+            <a:lvl7pPr marL="2971800" indent="-228600" eaLnBrk="0" fontAlgn="base" hangingPunct="0">
+              <a:spcBef>
+                <a:spcPct val="0"/>
+              </a:spcBef>
+              <a:spcAft>
+                <a:spcPct val="0"/>
+              </a:spcAft>
+              <a:defRPr>
+                <a:solidFill>
+                  <a:schemeClr val="tx1"/>
+                </a:solidFill>
+                <a:latin typeface="Calibri" panose="020F0502020204030204" pitchFamily="34" charset="0"/>
+              </a:defRPr>
+            </a:lvl7pPr>
+            <a:lvl8pPr marL="3429000" indent="-228600" eaLnBrk="0" fontAlgn="base" hangingPunct="0">
+              <a:spcBef>
+                <a:spcPct val="0"/>
+              </a:spcBef>
+              <a:spcAft>
+                <a:spcPct val="0"/>
+              </a:spcAft>
+              <a:defRPr>
+                <a:solidFill>
+                  <a:schemeClr val="tx1"/>
+                </a:solidFill>
+                <a:latin typeface="Calibri" panose="020F0502020204030204" pitchFamily="34" charset="0"/>
+              </a:defRPr>
+            </a:lvl8pPr>
+            <a:lvl9pPr marL="3886200" indent="-228600" eaLnBrk="0" fontAlgn="base" hangingPunct="0">
+              <a:spcBef>
+                <a:spcPct val="0"/>
+              </a:spcBef>
+              <a:spcAft>
+                <a:spcPct val="0"/>
+              </a:spcAft>
+              <a:defRPr>
+                <a:solidFill>
+                  <a:schemeClr val="tx1"/>
+                </a:solidFill>
+                <a:latin typeface="Calibri" panose="020F0502020204030204" pitchFamily="34" charset="0"/>
+              </a:defRPr>
+            </a:lvl9pPr>
+          </a:lstStyle>
+          <a:p>
+            <a:pPr algn="ctr" eaLnBrk="1" hangingPunct="1"/>
+            <a:r>
+              <a:rPr lang="en-US" altLang="en-US" sz="1100" i="1" dirty="0">
+                <a:latin typeface="Arial" panose="020B0604020202020204" pitchFamily="34" charset="0"/>
+                <a:ea typeface="Amazon Ember" panose="020B0603020204020204" pitchFamily="34" charset="0"/>
+                <a:cs typeface="Arial" panose="020B0604020202020204" pitchFamily="34" charset="0"/>
+              </a:rPr>
+              <a:t>Adapter transformation</a:t>
+            </a:r>
+          </a:p>
+        </p:txBody>
+      </p:sp>
+      <p:sp>
+        <p:nvSpPr>
+          <p:cNvPr id="89" name="TextBox 18">
+            <a:extLst>
+              <a:ext uri="{FF2B5EF4-FFF2-40B4-BE49-F238E27FC236}">
+                <a16:creationId xmlns:a16="http://schemas.microsoft.com/office/drawing/2014/main" id="{0ABB2441-5B12-4003-96DC-7C9669F06E52}"/>
+              </a:ext>
+            </a:extLst>
+          </p:cNvPr>
+          <p:cNvSpPr txBox="1">
+            <a:spLocks noChangeArrowheads="1"/>
+          </p:cNvSpPr>
+          <p:nvPr/>
+        </p:nvSpPr>
+        <p:spPr bwMode="auto">
+          <a:xfrm>
+            <a:off x="4261188" y="2808982"/>
+            <a:ext cx="1145253" cy="338554"/>
+          </a:xfrm>
+          <a:prstGeom prst="rect">
+            <a:avLst/>
+          </a:prstGeom>
+          <a:solidFill>
+            <a:schemeClr val="bg1"/>
+          </a:solidFill>
+          <a:ln>
+            <a:noFill/>
+          </a:ln>
+          <a:extLst/>
+        </p:spPr>
+        <p:txBody>
+          <a:bodyPr wrap="square" lIns="0" tIns="0" rIns="0" bIns="0">
+            <a:spAutoFit/>
+          </a:bodyPr>
+          <a:lstStyle>
+            <a:lvl1pPr>
+              <a:defRPr>
+                <a:solidFill>
+                  <a:schemeClr val="tx1"/>
+                </a:solidFill>
+                <a:latin typeface="Calibri" panose="020F0502020204030204" pitchFamily="34" charset="0"/>
+              </a:defRPr>
+            </a:lvl1pPr>
+            <a:lvl2pPr marL="742950" indent="-285750">
+              <a:defRPr>
+                <a:solidFill>
+                  <a:schemeClr val="tx1"/>
+                </a:solidFill>
+                <a:latin typeface="Calibri" panose="020F0502020204030204" pitchFamily="34" charset="0"/>
+              </a:defRPr>
+            </a:lvl2pPr>
+            <a:lvl3pPr marL="1143000" indent="-228600">
+              <a:defRPr>
+                <a:solidFill>
+                  <a:schemeClr val="tx1"/>
+                </a:solidFill>
+                <a:latin typeface="Calibri" panose="020F0502020204030204" pitchFamily="34" charset="0"/>
+              </a:defRPr>
+            </a:lvl3pPr>
+            <a:lvl4pPr marL="1600200" indent="-228600">
+              <a:defRPr>
+                <a:solidFill>
+                  <a:schemeClr val="tx1"/>
+                </a:solidFill>
+                <a:latin typeface="Calibri" panose="020F0502020204030204" pitchFamily="34" charset="0"/>
+              </a:defRPr>
+            </a:lvl4pPr>
+            <a:lvl5pPr marL="2057400" indent="-228600">
+              <a:defRPr>
+                <a:solidFill>
+                  <a:schemeClr val="tx1"/>
+                </a:solidFill>
+                <a:latin typeface="Calibri" panose="020F0502020204030204" pitchFamily="34" charset="0"/>
+              </a:defRPr>
+            </a:lvl5pPr>
+            <a:lvl6pPr marL="2514600" indent="-228600" eaLnBrk="0" fontAlgn="base" hangingPunct="0">
+              <a:spcBef>
+                <a:spcPct val="0"/>
+              </a:spcBef>
+              <a:spcAft>
+                <a:spcPct val="0"/>
+              </a:spcAft>
+              <a:defRPr>
+                <a:solidFill>
+                  <a:schemeClr val="tx1"/>
+                </a:solidFill>
+                <a:latin typeface="Calibri" panose="020F0502020204030204" pitchFamily="34" charset="0"/>
+              </a:defRPr>
+            </a:lvl6pPr>
+            <a:lvl7pPr marL="2971800" indent="-228600" eaLnBrk="0" fontAlgn="base" hangingPunct="0">
+              <a:spcBef>
+                <a:spcPct val="0"/>
+              </a:spcBef>
+              <a:spcAft>
+                <a:spcPct val="0"/>
+              </a:spcAft>
+              <a:defRPr>
+                <a:solidFill>
+                  <a:schemeClr val="tx1"/>
+                </a:solidFill>
+                <a:latin typeface="Calibri" panose="020F0502020204030204" pitchFamily="34" charset="0"/>
+              </a:defRPr>
+            </a:lvl7pPr>
+            <a:lvl8pPr marL="3429000" indent="-228600" eaLnBrk="0" fontAlgn="base" hangingPunct="0">
+              <a:spcBef>
+                <a:spcPct val="0"/>
+              </a:spcBef>
+              <a:spcAft>
+                <a:spcPct val="0"/>
+              </a:spcAft>
+              <a:defRPr>
+                <a:solidFill>
+                  <a:schemeClr val="tx1"/>
+                </a:solidFill>
+                <a:latin typeface="Calibri" panose="020F0502020204030204" pitchFamily="34" charset="0"/>
+              </a:defRPr>
+            </a:lvl8pPr>
+            <a:lvl9pPr marL="3886200" indent="-228600" eaLnBrk="0" fontAlgn="base" hangingPunct="0">
+              <a:spcBef>
+                <a:spcPct val="0"/>
+              </a:spcBef>
+              <a:spcAft>
+                <a:spcPct val="0"/>
+              </a:spcAft>
+              <a:defRPr>
+                <a:solidFill>
+                  <a:schemeClr val="tx1"/>
+                </a:solidFill>
+                <a:latin typeface="Calibri" panose="020F0502020204030204" pitchFamily="34" charset="0"/>
+              </a:defRPr>
+            </a:lvl9pPr>
+          </a:lstStyle>
+          <a:p>
+            <a:pPr algn="ctr" eaLnBrk="1" hangingPunct="1"/>
+            <a:r>
+              <a:rPr lang="en-US" altLang="en-US" sz="1100" i="1" dirty="0">
+                <a:latin typeface="Arial" panose="020B0604020202020204" pitchFamily="34" charset="0"/>
+                <a:ea typeface="Amazon Ember" panose="020B0603020204020204" pitchFamily="34" charset="0"/>
+                <a:cs typeface="Arial" panose="020B0604020202020204" pitchFamily="34" charset="0"/>
+              </a:rPr>
+              <a:t>Landing conversion result</a:t>
+            </a:r>
+          </a:p>
+        </p:txBody>
+      </p:sp>
+      <p:sp>
+        <p:nvSpPr>
+          <p:cNvPr id="43" name="TextBox 17">
+            <a:extLst>
+              <a:ext uri="{FF2B5EF4-FFF2-40B4-BE49-F238E27FC236}">
+                <a16:creationId xmlns:a16="http://schemas.microsoft.com/office/drawing/2014/main" id="{23CFC9F2-8418-4120-8E88-F5BDC65F68D4}"/>
+              </a:ext>
+            </a:extLst>
+          </p:cNvPr>
+          <p:cNvSpPr txBox="1">
+            <a:spLocks noChangeArrowheads="1"/>
+          </p:cNvSpPr>
+          <p:nvPr/>
+        </p:nvSpPr>
+        <p:spPr bwMode="auto">
+          <a:xfrm>
+            <a:off x="1870747" y="2968121"/>
+            <a:ext cx="1362074" cy="276999"/>
+          </a:xfrm>
+          <a:prstGeom prst="rect">
+            <a:avLst/>
+          </a:prstGeom>
+          <a:noFill/>
+          <a:ln>
+            <a:noFill/>
+          </a:ln>
+          <a:extLst>
+            <a:ext uri="{909E8E84-426E-40DD-AFC4-6F175D3DCCD1}">
+              <a14:hiddenFill xmlns:a14="http://schemas.microsoft.com/office/drawing/2010/main">
+                <a:solidFill>
+                  <a:srgbClr val="FFFFFF"/>
+                </a:solidFill>
+              </a14:hiddenFill>
+            </a:ext>
+            <a:ext uri="{91240B29-F687-4F45-9708-019B960494DF}">
+              <a14:hiddenLine xmlns:a14="http://schemas.microsoft.com/office/drawing/2010/main" w="9525">
+                <a:solidFill>
+                  <a:srgbClr val="000000"/>
+                </a:solidFill>
+                <a:miter lim="800000"/>
+                <a:headEnd/>
+                <a:tailEnd/>
+              </a14:hiddenLine>
+            </a:ext>
+          </a:extLst>
+        </p:spPr>
+        <p:txBody>
+          <a:bodyPr wrap="square">
+            <a:spAutoFit/>
+          </a:bodyPr>
+          <a:lstStyle>
+            <a:lvl1pPr>
+              <a:defRPr>
+                <a:solidFill>
+                  <a:schemeClr val="tx1"/>
+                </a:solidFill>
+                <a:latin typeface="Calibri" panose="020F0502020204030204" pitchFamily="34" charset="0"/>
+              </a:defRPr>
+            </a:lvl1pPr>
+            <a:lvl2pPr marL="742950" indent="-285750">
+              <a:defRPr>
+                <a:solidFill>
+                  <a:schemeClr val="tx1"/>
+                </a:solidFill>
+                <a:latin typeface="Calibri" panose="020F0502020204030204" pitchFamily="34" charset="0"/>
+              </a:defRPr>
+            </a:lvl2pPr>
+            <a:lvl3pPr marL="1143000" indent="-228600">
+              <a:defRPr>
+                <a:solidFill>
+                  <a:schemeClr val="tx1"/>
+                </a:solidFill>
+                <a:latin typeface="Calibri" panose="020F0502020204030204" pitchFamily="34" charset="0"/>
+              </a:defRPr>
+            </a:lvl3pPr>
+            <a:lvl4pPr marL="1600200" indent="-228600">
+              <a:defRPr>
+                <a:solidFill>
+                  <a:schemeClr val="tx1"/>
+                </a:solidFill>
+                <a:latin typeface="Calibri" panose="020F0502020204030204" pitchFamily="34" charset="0"/>
+              </a:defRPr>
+            </a:lvl4pPr>
+            <a:lvl5pPr marL="2057400" indent="-228600">
+              <a:defRPr>
+                <a:solidFill>
+                  <a:schemeClr val="tx1"/>
+                </a:solidFill>
+                <a:latin typeface="Calibri" panose="020F0502020204030204" pitchFamily="34" charset="0"/>
+              </a:defRPr>
+            </a:lvl5pPr>
+            <a:lvl6pPr marL="2514600" indent="-228600" eaLnBrk="0" fontAlgn="base" hangingPunct="0">
+              <a:spcBef>
+                <a:spcPct val="0"/>
+              </a:spcBef>
+              <a:spcAft>
+                <a:spcPct val="0"/>
+              </a:spcAft>
+              <a:defRPr>
+                <a:solidFill>
+                  <a:schemeClr val="tx1"/>
+                </a:solidFill>
+                <a:latin typeface="Calibri" panose="020F0502020204030204" pitchFamily="34" charset="0"/>
+              </a:defRPr>
+            </a:lvl6pPr>
+            <a:lvl7pPr marL="2971800" indent="-228600" eaLnBrk="0" fontAlgn="base" hangingPunct="0">
+              <a:spcBef>
+                <a:spcPct val="0"/>
+              </a:spcBef>
+              <a:spcAft>
+                <a:spcPct val="0"/>
+              </a:spcAft>
+              <a:defRPr>
+                <a:solidFill>
+                  <a:schemeClr val="tx1"/>
+                </a:solidFill>
+                <a:latin typeface="Calibri" panose="020F0502020204030204" pitchFamily="34" charset="0"/>
+              </a:defRPr>
+            </a:lvl7pPr>
+            <a:lvl8pPr marL="3429000" indent="-228600" eaLnBrk="0" fontAlgn="base" hangingPunct="0">
+              <a:spcBef>
+                <a:spcPct val="0"/>
+              </a:spcBef>
+              <a:spcAft>
+                <a:spcPct val="0"/>
+              </a:spcAft>
+              <a:defRPr>
+                <a:solidFill>
+                  <a:schemeClr val="tx1"/>
+                </a:solidFill>
+                <a:latin typeface="Calibri" panose="020F0502020204030204" pitchFamily="34" charset="0"/>
+              </a:defRPr>
+            </a:lvl8pPr>
+            <a:lvl9pPr marL="3886200" indent="-228600" eaLnBrk="0" fontAlgn="base" hangingPunct="0">
+              <a:spcBef>
+                <a:spcPct val="0"/>
+              </a:spcBef>
+              <a:spcAft>
+                <a:spcPct val="0"/>
+              </a:spcAft>
+              <a:defRPr>
+                <a:solidFill>
+                  <a:schemeClr val="tx1"/>
+                </a:solidFill>
+                <a:latin typeface="Calibri" panose="020F0502020204030204" pitchFamily="34" charset="0"/>
+              </a:defRPr>
+            </a:lvl9pPr>
+          </a:lstStyle>
+          <a:p>
+            <a:pPr algn="ctr" eaLnBrk="1" hangingPunct="1"/>
+            <a:r>
+              <a:rPr lang="en-US" altLang="en-US" sz="1200" dirty="0">
+                <a:latin typeface="Arial" panose="020B0604020202020204" pitchFamily="34" charset="0"/>
+                <a:ea typeface="Amazon Ember" panose="020B0603020204020204" pitchFamily="34" charset="0"/>
+                <a:cs typeface="Arial" panose="020B0604020202020204" pitchFamily="34" charset="0"/>
+              </a:rPr>
+              <a:t>Lambda function</a:t>
+            </a:r>
+          </a:p>
+        </p:txBody>
+      </p:sp>
+      <p:pic>
+        <p:nvPicPr>
+          <p:cNvPr id="45" name="Graphic 13">
+            <a:extLst>
+              <a:ext uri="{FF2B5EF4-FFF2-40B4-BE49-F238E27FC236}">
+                <a16:creationId xmlns:a16="http://schemas.microsoft.com/office/drawing/2014/main" id="{C82E3DCF-57A2-4344-A8A7-72B46BE1F62F}"/>
+              </a:ext>
+            </a:extLst>
+          </p:cNvPr>
+          <p:cNvPicPr>
+            <a:picLocks noChangeAspect="1" noChangeArrowheads="1"/>
+          </p:cNvPicPr>
+          <p:nvPr/>
+        </p:nvPicPr>
+        <p:blipFill>
+          <a:blip r:embed="rId12">
+            <a:extLst>
+              <a:ext uri="{28A0092B-C50C-407E-A947-70E740481C1C}">
+                <a14:useLocalDpi xmlns:a14="http://schemas.microsoft.com/office/drawing/2010/main" val="0"/>
+              </a:ext>
+            </a:extLst>
+          </a:blip>
+          <a:srcRect/>
+          <a:stretch>
+            <a:fillRect/>
+          </a:stretch>
+        </p:blipFill>
+        <p:spPr bwMode="auto">
+          <a:xfrm>
+            <a:off x="2323184" y="2518513"/>
+            <a:ext cx="457200" cy="457200"/>
+          </a:xfrm>
+          <a:prstGeom prst="rect">
+            <a:avLst/>
+          </a:prstGeom>
+          <a:noFill/>
+          <a:ln>
+            <a:noFill/>
+          </a:ln>
+          <a:extLst>
+            <a:ext uri="{909E8E84-426E-40DD-AFC4-6F175D3DCCD1}">
+              <a14:hiddenFill xmlns:a14="http://schemas.microsoft.com/office/drawing/2010/main">
+                <a:solidFill>
+                  <a:srgbClr val="FFFFFF"/>
+                </a:solidFill>
+              </a14:hiddenFill>
+            </a:ext>
+            <a:ext uri="{91240B29-F687-4F45-9708-019B960494DF}">
+              <a14:hiddenLine xmlns:a14="http://schemas.microsoft.com/office/drawing/2010/main" w="9525">
+                <a:solidFill>
+                  <a:srgbClr val="000000"/>
+                </a:solidFill>
+                <a:miter lim="800000"/>
+                <a:headEnd/>
+                <a:tailEnd/>
+              </a14:hiddenLine>
+            </a:ext>
+          </a:extLst>
+        </p:spPr>
+      </p:pic>
+    </p:spTree>
+    <p:extLst>
+      <p:ext uri="{BB962C8B-B14F-4D97-AF65-F5344CB8AC3E}">
+        <p14:creationId xmlns:p14="http://schemas.microsoft.com/office/powerpoint/2010/main" val="1063292042"/>
       </p:ext>
     </p:extLst>
   </p:cSld>

--- a/docs/images/MRASCO-adapter-architecture-diagram.pptx
+++ b/docs/images/MRASCO-adapter-architecture-diagram.pptx
@@ -7,6 +7,8 @@
   <p:sldIdLst>
     <p:sldId id="256" r:id="rId2"/>
     <p:sldId id="257" r:id="rId3"/>
+    <p:sldId id="258" r:id="rId4"/>
+    <p:sldId id="259" r:id="rId5"/>
   </p:sldIdLst>
   <p:sldSz cx="12192000" cy="6858000"/>
   <p:notesSz cx="6858000" cy="9144000"/>
@@ -5246,20 +5248,12 @@
           <a:p>
             <a:pPr algn="ctr" eaLnBrk="1" hangingPunct="1"/>
             <a:r>
-              <a:rPr lang="en-US" altLang="en-US" sz="1200" dirty="0" err="1">
-                <a:latin typeface="Arial" panose="020B0604020202020204" pitchFamily="34" charset="0"/>
-                <a:ea typeface="Amazon Ember" panose="020B0603020204020204" pitchFamily="34" charset="0"/>
-                <a:cs typeface="Arial" panose="020B0604020202020204" pitchFamily="34" charset="0"/>
-              </a:rPr>
-              <a:t>Jupyter</a:t>
-            </a:r>
-            <a:r>
               <a:rPr lang="en-US" altLang="en-US" sz="1200" dirty="0">
                 <a:latin typeface="Arial" panose="020B0604020202020204" pitchFamily="34" charset="0"/>
                 <a:ea typeface="Amazon Ember" panose="020B0603020204020204" pitchFamily="34" charset="0"/>
                 <a:cs typeface="Arial" panose="020B0604020202020204" pitchFamily="34" charset="0"/>
               </a:rPr>
-              <a:t> notebook</a:t>
+              <a:t>Jupyter notebook</a:t>
             </a:r>
           </a:p>
         </p:txBody>
@@ -8594,20 +8588,12 @@
           <a:p>
             <a:pPr algn="ctr" eaLnBrk="1" hangingPunct="1"/>
             <a:r>
-              <a:rPr lang="en-US" altLang="en-US" sz="1200" dirty="0" err="1">
-                <a:latin typeface="Arial" panose="020B0604020202020204" pitchFamily="34" charset="0"/>
-                <a:ea typeface="Amazon Ember" panose="020B0603020204020204" pitchFamily="34" charset="0"/>
-                <a:cs typeface="Arial" panose="020B0604020202020204" pitchFamily="34" charset="0"/>
-              </a:rPr>
-              <a:t>Jupyter</a:t>
-            </a:r>
-            <a:r>
               <a:rPr lang="en-US" altLang="en-US" sz="1200" dirty="0">
                 <a:latin typeface="Arial" panose="020B0604020202020204" pitchFamily="34" charset="0"/>
                 <a:ea typeface="Amazon Ember" panose="020B0603020204020204" pitchFamily="34" charset="0"/>
                 <a:cs typeface="Arial" panose="020B0604020202020204" pitchFamily="34" charset="0"/>
               </a:rPr>
-              <a:t> notebook</a:t>
+              <a:t>Jupyter notebook</a:t>
             </a:r>
           </a:p>
         </p:txBody>
@@ -9383,7 +9369,7 @@
           </a:xfrm>
           <a:prstGeom prst="bentConnector4">
             <a:avLst>
-              <a:gd name="adj1" fmla="val -161617"/>
+              <a:gd name="adj1" fmla="val -160043"/>
               <a:gd name="adj2" fmla="val 206023"/>
             </a:avLst>
           </a:prstGeom>
@@ -9716,7 +9702,7 @@
         </p:nvSpPr>
         <p:spPr bwMode="auto">
           <a:xfrm>
-            <a:off x="1247287" y="2226533"/>
+            <a:off x="1247287" y="2235000"/>
             <a:ext cx="924503" cy="338554"/>
           </a:xfrm>
           <a:prstGeom prst="rect">
@@ -10217,6 +10203,6366 @@
     <p:extLst>
       <p:ext uri="{BB962C8B-B14F-4D97-AF65-F5344CB8AC3E}">
         <p14:creationId xmlns:p14="http://schemas.microsoft.com/office/powerpoint/2010/main" val="1063292042"/>
+      </p:ext>
+    </p:extLst>
+  </p:cSld>
+  <p:clrMapOvr>
+    <a:masterClrMapping/>
+  </p:clrMapOvr>
+</p:sld>
+</file>
+
+<file path=ppt/slides/slide3.xml><?xml version="1.0" encoding="utf-8"?>
+<p:sld xmlns:a="http://schemas.openxmlformats.org/drawingml/2006/main" xmlns:r="http://schemas.openxmlformats.org/officeDocument/2006/relationships" xmlns:p="http://schemas.openxmlformats.org/presentationml/2006/main">
+  <p:cSld>
+    <p:spTree>
+      <p:nvGrpSpPr>
+        <p:cNvPr id="1" name=""/>
+        <p:cNvGrpSpPr/>
+        <p:nvPr/>
+      </p:nvGrpSpPr>
+      <p:grpSpPr>
+        <a:xfrm>
+          <a:off x="0" y="0"/>
+          <a:ext cx="0" cy="0"/>
+          <a:chOff x="0" y="0"/>
+          <a:chExt cx="0" cy="0"/>
+        </a:xfrm>
+      </p:grpSpPr>
+      <p:sp>
+        <p:nvSpPr>
+          <p:cNvPr id="4" name="Rectangle 3">
+            <a:extLst>
+              <a:ext uri="{FF2B5EF4-FFF2-40B4-BE49-F238E27FC236}">
+                <a16:creationId xmlns:a16="http://schemas.microsoft.com/office/drawing/2014/main" id="{78F37984-4FAA-43B6-916D-EA7A082725EA}"/>
+              </a:ext>
+            </a:extLst>
+          </p:cNvPr>
+          <p:cNvSpPr/>
+          <p:nvPr/>
+        </p:nvSpPr>
+        <p:spPr>
+          <a:xfrm>
+            <a:off x="745318" y="891818"/>
+            <a:ext cx="9900223" cy="4161445"/>
+          </a:xfrm>
+          <a:prstGeom prst="rect">
+            <a:avLst/>
+          </a:prstGeom>
+          <a:noFill/>
+          <a:ln w="12700">
+            <a:solidFill>
+              <a:schemeClr val="tx1"/>
+            </a:solidFill>
+          </a:ln>
+        </p:spPr>
+        <p:style>
+          <a:lnRef idx="2">
+            <a:schemeClr val="accent1">
+              <a:shade val="50000"/>
+            </a:schemeClr>
+          </a:lnRef>
+          <a:fillRef idx="1">
+            <a:schemeClr val="accent1"/>
+          </a:fillRef>
+          <a:effectRef idx="0">
+            <a:schemeClr val="accent1"/>
+          </a:effectRef>
+          <a:fontRef idx="minor">
+            <a:schemeClr val="lt1"/>
+          </a:fontRef>
+        </p:style>
+        <p:txBody>
+          <a:bodyPr lIns="502920" tIns="91440"/>
+          <a:lstStyle/>
+          <a:p>
+            <a:pPr eaLnBrk="1" fontAlgn="auto" hangingPunct="1">
+              <a:spcBef>
+                <a:spcPts val="0"/>
+              </a:spcBef>
+              <a:spcAft>
+                <a:spcPts val="0"/>
+              </a:spcAft>
+              <a:defRPr/>
+            </a:pPr>
+            <a:r>
+              <a:rPr lang="en-US" sz="1200" dirty="0">
+                <a:solidFill>
+                  <a:sysClr val="windowText" lastClr="000000"/>
+                </a:solidFill>
+                <a:latin typeface="Arial" panose="020B0604020202020204" pitchFamily="34" charset="0"/>
+                <a:cs typeface="Arial" panose="020B0604020202020204" pitchFamily="34" charset="0"/>
+              </a:rPr>
+              <a:t>AWS Cloud</a:t>
+            </a:r>
+          </a:p>
+        </p:txBody>
+      </p:sp>
+      <p:pic>
+        <p:nvPicPr>
+          <p:cNvPr id="5" name="Graphic 4">
+            <a:extLst>
+              <a:ext uri="{FF2B5EF4-FFF2-40B4-BE49-F238E27FC236}">
+                <a16:creationId xmlns:a16="http://schemas.microsoft.com/office/drawing/2014/main" id="{4A9BF625-81C3-442A-9C4E-2A0BDC1EB215}"/>
+              </a:ext>
+            </a:extLst>
+          </p:cNvPr>
+          <p:cNvPicPr>
+            <a:picLocks noChangeAspect="1"/>
+          </p:cNvPicPr>
+          <p:nvPr/>
+        </p:nvPicPr>
+        <p:blipFill>
+          <a:blip r:embed="rId2">
+            <a:extLst>
+              <a:ext uri="{96DAC541-7B7A-43D3-8B79-37D633B846F1}">
+                <asvg:svgBlip xmlns:asvg="http://schemas.microsoft.com/office/drawing/2016/SVG/main" r:embed="rId3"/>
+              </a:ext>
+            </a:extLst>
+          </a:blip>
+          <a:srcRect/>
+          <a:stretch/>
+        </p:blipFill>
+        <p:spPr>
+          <a:xfrm>
+            <a:off x="745319" y="891817"/>
+            <a:ext cx="381000" cy="381000"/>
+          </a:xfrm>
+          <a:prstGeom prst="rect">
+            <a:avLst/>
+          </a:prstGeom>
+        </p:spPr>
+      </p:pic>
+      <p:sp>
+        <p:nvSpPr>
+          <p:cNvPr id="6" name="Rectangle 5">
+            <a:extLst>
+              <a:ext uri="{FF2B5EF4-FFF2-40B4-BE49-F238E27FC236}">
+                <a16:creationId xmlns:a16="http://schemas.microsoft.com/office/drawing/2014/main" id="{CF97B6B8-BDDE-4B85-BB2E-9BEF73855BCF}"/>
+              </a:ext>
+            </a:extLst>
+          </p:cNvPr>
+          <p:cNvSpPr/>
+          <p:nvPr/>
+        </p:nvSpPr>
+        <p:spPr>
+          <a:xfrm>
+            <a:off x="4193079" y="1435497"/>
+            <a:ext cx="2926080" cy="3290507"/>
+          </a:xfrm>
+          <a:prstGeom prst="rect">
+            <a:avLst/>
+          </a:prstGeom>
+          <a:noFill/>
+          <a:ln w="12700">
+            <a:solidFill>
+              <a:srgbClr val="5A6B86"/>
+            </a:solidFill>
+            <a:prstDash val="dash"/>
+          </a:ln>
+        </p:spPr>
+        <p:style>
+          <a:lnRef idx="2">
+            <a:schemeClr val="accent1">
+              <a:shade val="50000"/>
+            </a:schemeClr>
+          </a:lnRef>
+          <a:fillRef idx="1">
+            <a:schemeClr val="accent1"/>
+          </a:fillRef>
+          <a:effectRef idx="0">
+            <a:schemeClr val="accent1"/>
+          </a:effectRef>
+          <a:fontRef idx="minor">
+            <a:schemeClr val="lt1"/>
+          </a:fontRef>
+        </p:style>
+        <p:txBody>
+          <a:bodyPr lIns="640080" tIns="182880" rIns="548640"/>
+          <a:lstStyle/>
+          <a:p>
+            <a:pPr algn="ctr" eaLnBrk="1" fontAlgn="auto" hangingPunct="1">
+              <a:spcBef>
+                <a:spcPts val="0"/>
+              </a:spcBef>
+              <a:spcAft>
+                <a:spcPts val="0"/>
+              </a:spcAft>
+              <a:defRPr/>
+            </a:pPr>
+            <a:r>
+              <a:rPr lang="en-US" sz="1200" dirty="0">
+                <a:solidFill>
+                  <a:srgbClr val="5A6B86"/>
+                </a:solidFill>
+                <a:latin typeface="Arial" panose="020B0604020202020204" pitchFamily="34" charset="0"/>
+                <a:cs typeface="Arial" panose="020B0604020202020204" pitchFamily="34" charset="0"/>
+              </a:rPr>
+              <a:t>Modular CloudFormation data lake </a:t>
+            </a:r>
+            <a:r>
+              <a:rPr lang="en-US" sz="1200" dirty="0" err="1">
+                <a:solidFill>
+                  <a:srgbClr val="5A6B86"/>
+                </a:solidFill>
+                <a:latin typeface="Arial" panose="020B0604020202020204" pitchFamily="34" charset="0"/>
+                <a:cs typeface="Arial" panose="020B0604020202020204" pitchFamily="34" charset="0"/>
+              </a:rPr>
+              <a:t>substacks</a:t>
+            </a:r>
+            <a:endParaRPr lang="en-US" sz="1200" dirty="0">
+              <a:solidFill>
+                <a:srgbClr val="5A6B86"/>
+              </a:solidFill>
+              <a:latin typeface="Arial" panose="020B0604020202020204" pitchFamily="34" charset="0"/>
+              <a:cs typeface="Arial" panose="020B0604020202020204" pitchFamily="34" charset="0"/>
+            </a:endParaRPr>
+          </a:p>
+        </p:txBody>
+      </p:sp>
+      <p:sp>
+        <p:nvSpPr>
+          <p:cNvPr id="7" name="Rectangle 6">
+            <a:extLst>
+              <a:ext uri="{FF2B5EF4-FFF2-40B4-BE49-F238E27FC236}">
+                <a16:creationId xmlns:a16="http://schemas.microsoft.com/office/drawing/2014/main" id="{E04D69EF-015E-4DE3-9C0A-B6235501EDF9}"/>
+              </a:ext>
+            </a:extLst>
+          </p:cNvPr>
+          <p:cNvSpPr/>
+          <p:nvPr/>
+        </p:nvSpPr>
+        <p:spPr>
+          <a:xfrm>
+            <a:off x="1088745" y="1435499"/>
+            <a:ext cx="2926080" cy="3291840"/>
+          </a:xfrm>
+          <a:prstGeom prst="rect">
+            <a:avLst/>
+          </a:prstGeom>
+          <a:solidFill>
+            <a:srgbClr val="5A6B86">
+              <a:alpha val="9804"/>
+            </a:srgbClr>
+          </a:solidFill>
+          <a:ln w="12700">
+            <a:noFill/>
+            <a:prstDash val="dash"/>
+          </a:ln>
+        </p:spPr>
+        <p:style>
+          <a:lnRef idx="2">
+            <a:schemeClr val="accent1">
+              <a:shade val="50000"/>
+            </a:schemeClr>
+          </a:lnRef>
+          <a:fillRef idx="1">
+            <a:schemeClr val="accent1"/>
+          </a:fillRef>
+          <a:effectRef idx="0">
+            <a:schemeClr val="accent1"/>
+          </a:effectRef>
+          <a:fontRef idx="minor">
+            <a:schemeClr val="lt1"/>
+          </a:fontRef>
+        </p:style>
+        <p:txBody>
+          <a:bodyPr lIns="548640" tIns="182880" rIns="457200"/>
+          <a:lstStyle/>
+          <a:p>
+            <a:pPr algn="ctr" eaLnBrk="1" fontAlgn="auto" hangingPunct="1">
+              <a:spcBef>
+                <a:spcPts val="0"/>
+              </a:spcBef>
+              <a:spcAft>
+                <a:spcPts val="0"/>
+              </a:spcAft>
+              <a:defRPr/>
+            </a:pPr>
+            <a:r>
+              <a:rPr lang="en-US" sz="1200" dirty="0">
+                <a:solidFill>
+                  <a:schemeClr val="tx1"/>
+                </a:solidFill>
+                <a:latin typeface="Arial" panose="020B0604020202020204" pitchFamily="34" charset="0"/>
+                <a:cs typeface="Arial" panose="020B0604020202020204" pitchFamily="34" charset="0"/>
+              </a:rPr>
+              <a:t>Modular CloudFormation adapter </a:t>
+            </a:r>
+            <a:r>
+              <a:rPr lang="en-US" sz="1200" dirty="0" err="1">
+                <a:solidFill>
+                  <a:schemeClr val="tx1"/>
+                </a:solidFill>
+                <a:latin typeface="Arial" panose="020B0604020202020204" pitchFamily="34" charset="0"/>
+                <a:cs typeface="Arial" panose="020B0604020202020204" pitchFamily="34" charset="0"/>
+              </a:rPr>
+              <a:t>substack</a:t>
+            </a:r>
+            <a:endParaRPr lang="en-US" sz="1200" dirty="0">
+              <a:solidFill>
+                <a:schemeClr val="tx1"/>
+              </a:solidFill>
+              <a:latin typeface="Arial" panose="020B0604020202020204" pitchFamily="34" charset="0"/>
+              <a:cs typeface="Arial" panose="020B0604020202020204" pitchFamily="34" charset="0"/>
+            </a:endParaRPr>
+          </a:p>
+        </p:txBody>
+      </p:sp>
+      <p:pic>
+        <p:nvPicPr>
+          <p:cNvPr id="9" name="Graphic 34">
+            <a:extLst>
+              <a:ext uri="{FF2B5EF4-FFF2-40B4-BE49-F238E27FC236}">
+                <a16:creationId xmlns:a16="http://schemas.microsoft.com/office/drawing/2014/main" id="{4172B016-377E-4180-A84E-8ABA83ACA7C4}"/>
+              </a:ext>
+            </a:extLst>
+          </p:cNvPr>
+          <p:cNvPicPr>
+            <a:picLocks noChangeAspect="1" noChangeArrowheads="1"/>
+          </p:cNvPicPr>
+          <p:nvPr/>
+        </p:nvPicPr>
+        <p:blipFill>
+          <a:blip r:embed="rId4">
+            <a:extLst>
+              <a:ext uri="{28A0092B-C50C-407E-A947-70E740481C1C}">
+                <a14:useLocalDpi xmlns:a14="http://schemas.microsoft.com/office/drawing/2010/main" val="0"/>
+              </a:ext>
+            </a:extLst>
+          </a:blip>
+          <a:srcRect/>
+          <a:stretch>
+            <a:fillRect/>
+          </a:stretch>
+        </p:blipFill>
+        <p:spPr bwMode="auto">
+          <a:xfrm>
+            <a:off x="1222605" y="1563187"/>
+            <a:ext cx="457200" cy="457200"/>
+          </a:xfrm>
+          <a:prstGeom prst="rect">
+            <a:avLst/>
+          </a:prstGeom>
+          <a:noFill/>
+          <a:ln>
+            <a:noFill/>
+          </a:ln>
+          <a:extLst>
+            <a:ext uri="{909E8E84-426E-40DD-AFC4-6F175D3DCCD1}">
+              <a14:hiddenFill xmlns:a14="http://schemas.microsoft.com/office/drawing/2010/main">
+                <a:solidFill>
+                  <a:srgbClr val="FFFFFF"/>
+                </a:solidFill>
+              </a14:hiddenFill>
+            </a:ext>
+            <a:ext uri="{91240B29-F687-4F45-9708-019B960494DF}">
+              <a14:hiddenLine xmlns:a14="http://schemas.microsoft.com/office/drawing/2010/main" w="9525">
+                <a:solidFill>
+                  <a:srgbClr val="000000"/>
+                </a:solidFill>
+                <a:miter lim="800000"/>
+                <a:headEnd/>
+                <a:tailEnd/>
+              </a14:hiddenLine>
+            </a:ext>
+          </a:extLst>
+        </p:spPr>
+      </p:pic>
+      <p:sp>
+        <p:nvSpPr>
+          <p:cNvPr id="10" name="TextBox 20">
+            <a:extLst>
+              <a:ext uri="{FF2B5EF4-FFF2-40B4-BE49-F238E27FC236}">
+                <a16:creationId xmlns:a16="http://schemas.microsoft.com/office/drawing/2014/main" id="{F2124AE6-AC40-49BB-A434-7DA4B7C6BC56}"/>
+              </a:ext>
+            </a:extLst>
+          </p:cNvPr>
+          <p:cNvSpPr txBox="1">
+            <a:spLocks noChangeArrowheads="1"/>
+          </p:cNvSpPr>
+          <p:nvPr/>
+        </p:nvSpPr>
+        <p:spPr bwMode="auto">
+          <a:xfrm>
+            <a:off x="1906465" y="4109421"/>
+            <a:ext cx="1290638" cy="276999"/>
+          </a:xfrm>
+          <a:prstGeom prst="rect">
+            <a:avLst/>
+          </a:prstGeom>
+          <a:noFill/>
+          <a:ln>
+            <a:noFill/>
+          </a:ln>
+          <a:extLst>
+            <a:ext uri="{909E8E84-426E-40DD-AFC4-6F175D3DCCD1}">
+              <a14:hiddenFill xmlns:a14="http://schemas.microsoft.com/office/drawing/2010/main">
+                <a:solidFill>
+                  <a:srgbClr val="FFFFFF"/>
+                </a:solidFill>
+              </a14:hiddenFill>
+            </a:ext>
+            <a:ext uri="{91240B29-F687-4F45-9708-019B960494DF}">
+              <a14:hiddenLine xmlns:a14="http://schemas.microsoft.com/office/drawing/2010/main" w="9525">
+                <a:solidFill>
+                  <a:srgbClr val="000000"/>
+                </a:solidFill>
+                <a:miter lim="800000"/>
+                <a:headEnd/>
+                <a:tailEnd/>
+              </a14:hiddenLine>
+            </a:ext>
+          </a:extLst>
+        </p:spPr>
+        <p:txBody>
+          <a:bodyPr wrap="square">
+            <a:spAutoFit/>
+          </a:bodyPr>
+          <a:lstStyle>
+            <a:lvl1pPr>
+              <a:defRPr>
+                <a:solidFill>
+                  <a:schemeClr val="tx1"/>
+                </a:solidFill>
+                <a:latin typeface="Calibri" panose="020F0502020204030204" pitchFamily="34" charset="0"/>
+              </a:defRPr>
+            </a:lvl1pPr>
+            <a:lvl2pPr marL="742950" indent="-285750">
+              <a:defRPr>
+                <a:solidFill>
+                  <a:schemeClr val="tx1"/>
+                </a:solidFill>
+                <a:latin typeface="Calibri" panose="020F0502020204030204" pitchFamily="34" charset="0"/>
+              </a:defRPr>
+            </a:lvl2pPr>
+            <a:lvl3pPr marL="1143000" indent="-228600">
+              <a:defRPr>
+                <a:solidFill>
+                  <a:schemeClr val="tx1"/>
+                </a:solidFill>
+                <a:latin typeface="Calibri" panose="020F0502020204030204" pitchFamily="34" charset="0"/>
+              </a:defRPr>
+            </a:lvl3pPr>
+            <a:lvl4pPr marL="1600200" indent="-228600">
+              <a:defRPr>
+                <a:solidFill>
+                  <a:schemeClr val="tx1"/>
+                </a:solidFill>
+                <a:latin typeface="Calibri" panose="020F0502020204030204" pitchFamily="34" charset="0"/>
+              </a:defRPr>
+            </a:lvl4pPr>
+            <a:lvl5pPr marL="2057400" indent="-228600">
+              <a:defRPr>
+                <a:solidFill>
+                  <a:schemeClr val="tx1"/>
+                </a:solidFill>
+                <a:latin typeface="Calibri" panose="020F0502020204030204" pitchFamily="34" charset="0"/>
+              </a:defRPr>
+            </a:lvl5pPr>
+            <a:lvl6pPr marL="2514600" indent="-228600" eaLnBrk="0" fontAlgn="base" hangingPunct="0">
+              <a:spcBef>
+                <a:spcPct val="0"/>
+              </a:spcBef>
+              <a:spcAft>
+                <a:spcPct val="0"/>
+              </a:spcAft>
+              <a:defRPr>
+                <a:solidFill>
+                  <a:schemeClr val="tx1"/>
+                </a:solidFill>
+                <a:latin typeface="Calibri" panose="020F0502020204030204" pitchFamily="34" charset="0"/>
+              </a:defRPr>
+            </a:lvl6pPr>
+            <a:lvl7pPr marL="2971800" indent="-228600" eaLnBrk="0" fontAlgn="base" hangingPunct="0">
+              <a:spcBef>
+                <a:spcPct val="0"/>
+              </a:spcBef>
+              <a:spcAft>
+                <a:spcPct val="0"/>
+              </a:spcAft>
+              <a:defRPr>
+                <a:solidFill>
+                  <a:schemeClr val="tx1"/>
+                </a:solidFill>
+                <a:latin typeface="Calibri" panose="020F0502020204030204" pitchFamily="34" charset="0"/>
+              </a:defRPr>
+            </a:lvl7pPr>
+            <a:lvl8pPr marL="3429000" indent="-228600" eaLnBrk="0" fontAlgn="base" hangingPunct="0">
+              <a:spcBef>
+                <a:spcPct val="0"/>
+              </a:spcBef>
+              <a:spcAft>
+                <a:spcPct val="0"/>
+              </a:spcAft>
+              <a:defRPr>
+                <a:solidFill>
+                  <a:schemeClr val="tx1"/>
+                </a:solidFill>
+                <a:latin typeface="Calibri" panose="020F0502020204030204" pitchFamily="34" charset="0"/>
+              </a:defRPr>
+            </a:lvl8pPr>
+            <a:lvl9pPr marL="3886200" indent="-228600" eaLnBrk="0" fontAlgn="base" hangingPunct="0">
+              <a:spcBef>
+                <a:spcPct val="0"/>
+              </a:spcBef>
+              <a:spcAft>
+                <a:spcPct val="0"/>
+              </a:spcAft>
+              <a:defRPr>
+                <a:solidFill>
+                  <a:schemeClr val="tx1"/>
+                </a:solidFill>
+                <a:latin typeface="Calibri" panose="020F0502020204030204" pitchFamily="34" charset="0"/>
+              </a:defRPr>
+            </a:lvl9pPr>
+          </a:lstStyle>
+          <a:p>
+            <a:pPr algn="ctr" eaLnBrk="1" hangingPunct="1"/>
+            <a:r>
+              <a:rPr lang="en-US" altLang="en-US" sz="1200" dirty="0">
+                <a:latin typeface="Arial" panose="020B0604020202020204" pitchFamily="34" charset="0"/>
+                <a:ea typeface="Amazon Ember" panose="020B0603020204020204" pitchFamily="34" charset="0"/>
+                <a:cs typeface="Arial" panose="020B0604020202020204" pitchFamily="34" charset="0"/>
+              </a:rPr>
+              <a:t>S3 bucket</a:t>
+            </a:r>
+          </a:p>
+        </p:txBody>
+      </p:sp>
+      <p:pic>
+        <p:nvPicPr>
+          <p:cNvPr id="11" name="Graphic 31">
+            <a:extLst>
+              <a:ext uri="{FF2B5EF4-FFF2-40B4-BE49-F238E27FC236}">
+                <a16:creationId xmlns:a16="http://schemas.microsoft.com/office/drawing/2014/main" id="{E4A1A105-3944-4C13-BBCE-C1C0DD70213A}"/>
+              </a:ext>
+            </a:extLst>
+          </p:cNvPr>
+          <p:cNvPicPr>
+            <a:picLocks noChangeAspect="1" noChangeArrowheads="1"/>
+          </p:cNvPicPr>
+          <p:nvPr/>
+        </p:nvPicPr>
+        <p:blipFill>
+          <a:blip r:embed="rId5">
+            <a:extLst>
+              <a:ext uri="{28A0092B-C50C-407E-A947-70E740481C1C}">
+                <a14:useLocalDpi xmlns:a14="http://schemas.microsoft.com/office/drawing/2010/main" val="0"/>
+              </a:ext>
+            </a:extLst>
+          </a:blip>
+          <a:srcRect/>
+          <a:stretch>
+            <a:fillRect/>
+          </a:stretch>
+        </p:blipFill>
+        <p:spPr bwMode="auto">
+          <a:xfrm>
+            <a:off x="2323184" y="3688053"/>
+            <a:ext cx="457200" cy="457200"/>
+          </a:xfrm>
+          <a:prstGeom prst="rect">
+            <a:avLst/>
+          </a:prstGeom>
+          <a:noFill/>
+          <a:ln>
+            <a:noFill/>
+          </a:ln>
+          <a:extLst>
+            <a:ext uri="{909E8E84-426E-40DD-AFC4-6F175D3DCCD1}">
+              <a14:hiddenFill xmlns:a14="http://schemas.microsoft.com/office/drawing/2010/main">
+                <a:solidFill>
+                  <a:srgbClr val="FFFFFF"/>
+                </a:solidFill>
+              </a14:hiddenFill>
+            </a:ext>
+            <a:ext uri="{91240B29-F687-4F45-9708-019B960494DF}">
+              <a14:hiddenLine xmlns:a14="http://schemas.microsoft.com/office/drawing/2010/main" w="9525">
+                <a:solidFill>
+                  <a:srgbClr val="000000"/>
+                </a:solidFill>
+                <a:miter lim="800000"/>
+                <a:headEnd/>
+                <a:tailEnd/>
+              </a14:hiddenLine>
+            </a:ext>
+          </a:extLst>
+        </p:spPr>
+      </p:pic>
+      <p:sp>
+        <p:nvSpPr>
+          <p:cNvPr id="15" name="Rectangle 14">
+            <a:extLst>
+              <a:ext uri="{FF2B5EF4-FFF2-40B4-BE49-F238E27FC236}">
+                <a16:creationId xmlns:a16="http://schemas.microsoft.com/office/drawing/2014/main" id="{28BEC604-EB1A-4CA1-B369-07AE5BB78F3F}"/>
+              </a:ext>
+            </a:extLst>
+          </p:cNvPr>
+          <p:cNvSpPr/>
+          <p:nvPr/>
+        </p:nvSpPr>
+        <p:spPr>
+          <a:xfrm>
+            <a:off x="7304821" y="1435497"/>
+            <a:ext cx="2923429" cy="3290507"/>
+          </a:xfrm>
+          <a:prstGeom prst="rect">
+            <a:avLst/>
+          </a:prstGeom>
+          <a:noFill/>
+          <a:ln w="12700">
+            <a:solidFill>
+              <a:srgbClr val="5A6B86"/>
+            </a:solidFill>
+            <a:prstDash val="dash"/>
+          </a:ln>
+        </p:spPr>
+        <p:style>
+          <a:lnRef idx="2">
+            <a:schemeClr val="accent1">
+              <a:shade val="50000"/>
+            </a:schemeClr>
+          </a:lnRef>
+          <a:fillRef idx="1">
+            <a:schemeClr val="accent1"/>
+          </a:fillRef>
+          <a:effectRef idx="0">
+            <a:schemeClr val="accent1"/>
+          </a:effectRef>
+          <a:fontRef idx="minor">
+            <a:schemeClr val="lt1"/>
+          </a:fontRef>
+        </p:style>
+        <p:txBody>
+          <a:bodyPr lIns="548640" tIns="182880" rIns="457200"/>
+          <a:lstStyle/>
+          <a:p>
+            <a:pPr algn="ctr" eaLnBrk="1" fontAlgn="auto" hangingPunct="1">
+              <a:spcBef>
+                <a:spcPts val="0"/>
+              </a:spcBef>
+              <a:spcAft>
+                <a:spcPts val="0"/>
+              </a:spcAft>
+              <a:tabLst>
+                <a:tab pos="115888" algn="l"/>
+              </a:tabLst>
+              <a:defRPr/>
+            </a:pPr>
+            <a:r>
+              <a:rPr lang="en-US" sz="1200" dirty="0">
+                <a:solidFill>
+                  <a:srgbClr val="5A6B86"/>
+                </a:solidFill>
+                <a:latin typeface="Arial" panose="020B0604020202020204" pitchFamily="34" charset="0"/>
+                <a:cs typeface="Arial" panose="020B0604020202020204" pitchFamily="34" charset="0"/>
+              </a:rPr>
+              <a:t>Modular CloudFormation consumption </a:t>
+            </a:r>
+            <a:r>
+              <a:rPr lang="en-US" sz="1200" dirty="0" err="1">
+                <a:solidFill>
+                  <a:srgbClr val="5A6B86"/>
+                </a:solidFill>
+                <a:latin typeface="Arial" panose="020B0604020202020204" pitchFamily="34" charset="0"/>
+                <a:cs typeface="Arial" panose="020B0604020202020204" pitchFamily="34" charset="0"/>
+              </a:rPr>
+              <a:t>substacks</a:t>
+            </a:r>
+            <a:endParaRPr lang="en-US" sz="1200" dirty="0">
+              <a:solidFill>
+                <a:srgbClr val="5A6B86"/>
+              </a:solidFill>
+              <a:latin typeface="Arial" panose="020B0604020202020204" pitchFamily="34" charset="0"/>
+              <a:cs typeface="Arial" panose="020B0604020202020204" pitchFamily="34" charset="0"/>
+            </a:endParaRPr>
+          </a:p>
+        </p:txBody>
+      </p:sp>
+      <p:pic>
+        <p:nvPicPr>
+          <p:cNvPr id="16" name="Graphic 34">
+            <a:extLst>
+              <a:ext uri="{FF2B5EF4-FFF2-40B4-BE49-F238E27FC236}">
+                <a16:creationId xmlns:a16="http://schemas.microsoft.com/office/drawing/2014/main" id="{FF7D18A2-7C9C-45BC-898D-40E149181AF5}"/>
+              </a:ext>
+            </a:extLst>
+          </p:cNvPr>
+          <p:cNvPicPr>
+            <a:picLocks noChangeAspect="1" noChangeArrowheads="1"/>
+          </p:cNvPicPr>
+          <p:nvPr/>
+        </p:nvPicPr>
+        <p:blipFill>
+          <a:blip r:embed="rId4">
+            <a:extLst>
+              <a:ext uri="{28A0092B-C50C-407E-A947-70E740481C1C}">
+                <a14:useLocalDpi xmlns:a14="http://schemas.microsoft.com/office/drawing/2010/main" val="0"/>
+              </a:ext>
+            </a:extLst>
+          </a:blip>
+          <a:srcRect/>
+          <a:stretch>
+            <a:fillRect/>
+          </a:stretch>
+        </p:blipFill>
+        <p:spPr bwMode="auto">
+          <a:xfrm>
+            <a:off x="4320341" y="1563187"/>
+            <a:ext cx="457200" cy="457200"/>
+          </a:xfrm>
+          <a:prstGeom prst="rect">
+            <a:avLst/>
+          </a:prstGeom>
+          <a:noFill/>
+          <a:ln>
+            <a:noFill/>
+          </a:ln>
+          <a:extLst>
+            <a:ext uri="{909E8E84-426E-40DD-AFC4-6F175D3DCCD1}">
+              <a14:hiddenFill xmlns:a14="http://schemas.microsoft.com/office/drawing/2010/main">
+                <a:solidFill>
+                  <a:srgbClr val="FFFFFF"/>
+                </a:solidFill>
+              </a14:hiddenFill>
+            </a:ext>
+            <a:ext uri="{91240B29-F687-4F45-9708-019B960494DF}">
+              <a14:hiddenLine xmlns:a14="http://schemas.microsoft.com/office/drawing/2010/main" w="9525">
+                <a:solidFill>
+                  <a:srgbClr val="000000"/>
+                </a:solidFill>
+                <a:miter lim="800000"/>
+                <a:headEnd/>
+                <a:tailEnd/>
+              </a14:hiddenLine>
+            </a:ext>
+          </a:extLst>
+        </p:spPr>
+      </p:pic>
+      <p:sp>
+        <p:nvSpPr>
+          <p:cNvPr id="22" name="TextBox 18">
+            <a:extLst>
+              <a:ext uri="{FF2B5EF4-FFF2-40B4-BE49-F238E27FC236}">
+                <a16:creationId xmlns:a16="http://schemas.microsoft.com/office/drawing/2014/main" id="{378160B2-7EC9-4E73-AF38-D5350FE83B4A}"/>
+              </a:ext>
+            </a:extLst>
+          </p:cNvPr>
+          <p:cNvSpPr txBox="1">
+            <a:spLocks noChangeArrowheads="1"/>
+          </p:cNvSpPr>
+          <p:nvPr/>
+        </p:nvSpPr>
+        <p:spPr bwMode="auto">
+          <a:xfrm>
+            <a:off x="5131350" y="2996042"/>
+            <a:ext cx="1166881" cy="261610"/>
+          </a:xfrm>
+          <a:prstGeom prst="rect">
+            <a:avLst/>
+          </a:prstGeom>
+          <a:noFill/>
+          <a:ln>
+            <a:noFill/>
+          </a:ln>
+          <a:extLst>
+            <a:ext uri="{909E8E84-426E-40DD-AFC4-6F175D3DCCD1}">
+              <a14:hiddenFill xmlns:a14="http://schemas.microsoft.com/office/drawing/2010/main">
+                <a:solidFill>
+                  <a:srgbClr val="FFFFFF"/>
+                </a:solidFill>
+              </a14:hiddenFill>
+            </a:ext>
+            <a:ext uri="{91240B29-F687-4F45-9708-019B960494DF}">
+              <a14:hiddenLine xmlns:a14="http://schemas.microsoft.com/office/drawing/2010/main" w="9525">
+                <a:solidFill>
+                  <a:srgbClr val="000000"/>
+                </a:solidFill>
+                <a:miter lim="800000"/>
+                <a:headEnd/>
+                <a:tailEnd/>
+              </a14:hiddenLine>
+            </a:ext>
+          </a:extLst>
+        </p:spPr>
+        <p:txBody>
+          <a:bodyPr wrap="square">
+            <a:spAutoFit/>
+          </a:bodyPr>
+          <a:lstStyle>
+            <a:lvl1pPr>
+              <a:defRPr>
+                <a:solidFill>
+                  <a:schemeClr val="tx1"/>
+                </a:solidFill>
+                <a:latin typeface="Calibri" panose="020F0502020204030204" pitchFamily="34" charset="0"/>
+              </a:defRPr>
+            </a:lvl1pPr>
+            <a:lvl2pPr marL="742950" indent="-285750">
+              <a:defRPr>
+                <a:solidFill>
+                  <a:schemeClr val="tx1"/>
+                </a:solidFill>
+                <a:latin typeface="Calibri" panose="020F0502020204030204" pitchFamily="34" charset="0"/>
+              </a:defRPr>
+            </a:lvl2pPr>
+            <a:lvl3pPr marL="1143000" indent="-228600">
+              <a:defRPr>
+                <a:solidFill>
+                  <a:schemeClr val="tx1"/>
+                </a:solidFill>
+                <a:latin typeface="Calibri" panose="020F0502020204030204" pitchFamily="34" charset="0"/>
+              </a:defRPr>
+            </a:lvl3pPr>
+            <a:lvl4pPr marL="1600200" indent="-228600">
+              <a:defRPr>
+                <a:solidFill>
+                  <a:schemeClr val="tx1"/>
+                </a:solidFill>
+                <a:latin typeface="Calibri" panose="020F0502020204030204" pitchFamily="34" charset="0"/>
+              </a:defRPr>
+            </a:lvl4pPr>
+            <a:lvl5pPr marL="2057400" indent="-228600">
+              <a:defRPr>
+                <a:solidFill>
+                  <a:schemeClr val="tx1"/>
+                </a:solidFill>
+                <a:latin typeface="Calibri" panose="020F0502020204030204" pitchFamily="34" charset="0"/>
+              </a:defRPr>
+            </a:lvl5pPr>
+            <a:lvl6pPr marL="2514600" indent="-228600" eaLnBrk="0" fontAlgn="base" hangingPunct="0">
+              <a:spcBef>
+                <a:spcPct val="0"/>
+              </a:spcBef>
+              <a:spcAft>
+                <a:spcPct val="0"/>
+              </a:spcAft>
+              <a:defRPr>
+                <a:solidFill>
+                  <a:schemeClr val="tx1"/>
+                </a:solidFill>
+                <a:latin typeface="Calibri" panose="020F0502020204030204" pitchFamily="34" charset="0"/>
+              </a:defRPr>
+            </a:lvl6pPr>
+            <a:lvl7pPr marL="2971800" indent="-228600" eaLnBrk="0" fontAlgn="base" hangingPunct="0">
+              <a:spcBef>
+                <a:spcPct val="0"/>
+              </a:spcBef>
+              <a:spcAft>
+                <a:spcPct val="0"/>
+              </a:spcAft>
+              <a:defRPr>
+                <a:solidFill>
+                  <a:schemeClr val="tx1"/>
+                </a:solidFill>
+                <a:latin typeface="Calibri" panose="020F0502020204030204" pitchFamily="34" charset="0"/>
+              </a:defRPr>
+            </a:lvl7pPr>
+            <a:lvl8pPr marL="3429000" indent="-228600" eaLnBrk="0" fontAlgn="base" hangingPunct="0">
+              <a:spcBef>
+                <a:spcPct val="0"/>
+              </a:spcBef>
+              <a:spcAft>
+                <a:spcPct val="0"/>
+              </a:spcAft>
+              <a:defRPr>
+                <a:solidFill>
+                  <a:schemeClr val="tx1"/>
+                </a:solidFill>
+                <a:latin typeface="Calibri" panose="020F0502020204030204" pitchFamily="34" charset="0"/>
+              </a:defRPr>
+            </a:lvl8pPr>
+            <a:lvl9pPr marL="3886200" indent="-228600" eaLnBrk="0" fontAlgn="base" hangingPunct="0">
+              <a:spcBef>
+                <a:spcPct val="0"/>
+              </a:spcBef>
+              <a:spcAft>
+                <a:spcPct val="0"/>
+              </a:spcAft>
+              <a:defRPr>
+                <a:solidFill>
+                  <a:schemeClr val="tx1"/>
+                </a:solidFill>
+                <a:latin typeface="Calibri" panose="020F0502020204030204" pitchFamily="34" charset="0"/>
+              </a:defRPr>
+            </a:lvl9pPr>
+          </a:lstStyle>
+          <a:p>
+            <a:pPr algn="ctr" eaLnBrk="1" hangingPunct="1"/>
+            <a:r>
+              <a:rPr lang="en-US" altLang="en-US" sz="1100" dirty="0">
+                <a:latin typeface="Arial" panose="020B0604020202020204" pitchFamily="34" charset="0"/>
+                <a:ea typeface="Amazon Ember" panose="020B0603020204020204" pitchFamily="34" charset="0"/>
+                <a:cs typeface="Arial" panose="020B0604020202020204" pitchFamily="34" charset="0"/>
+              </a:rPr>
+              <a:t>Data lake</a:t>
+            </a:r>
+          </a:p>
+        </p:txBody>
+      </p:sp>
+      <p:pic>
+        <p:nvPicPr>
+          <p:cNvPr id="23" name="Graphic 6">
+            <a:extLst>
+              <a:ext uri="{FF2B5EF4-FFF2-40B4-BE49-F238E27FC236}">
+                <a16:creationId xmlns:a16="http://schemas.microsoft.com/office/drawing/2014/main" id="{B805C337-8779-4C91-8042-0B502E26E15D}"/>
+              </a:ext>
+            </a:extLst>
+          </p:cNvPr>
+          <p:cNvPicPr>
+            <a:picLocks noChangeAspect="1" noChangeArrowheads="1"/>
+          </p:cNvPicPr>
+          <p:nvPr/>
+        </p:nvPicPr>
+        <p:blipFill>
+          <a:blip r:embed="rId6">
+            <a:extLst>
+              <a:ext uri="{28A0092B-C50C-407E-A947-70E740481C1C}">
+                <a14:useLocalDpi xmlns:a14="http://schemas.microsoft.com/office/drawing/2010/main" val="0"/>
+              </a:ext>
+            </a:extLst>
+          </a:blip>
+          <a:srcRect/>
+          <a:stretch>
+            <a:fillRect/>
+          </a:stretch>
+        </p:blipFill>
+        <p:spPr bwMode="auto">
+          <a:xfrm>
+            <a:off x="5500769" y="2487700"/>
+            <a:ext cx="457200" cy="457200"/>
+          </a:xfrm>
+          <a:prstGeom prst="rect">
+            <a:avLst/>
+          </a:prstGeom>
+          <a:noFill/>
+          <a:ln>
+            <a:noFill/>
+          </a:ln>
+          <a:extLst>
+            <a:ext uri="{909E8E84-426E-40DD-AFC4-6F175D3DCCD1}">
+              <a14:hiddenFill xmlns:a14="http://schemas.microsoft.com/office/drawing/2010/main">
+                <a:solidFill>
+                  <a:srgbClr val="FFFFFF"/>
+                </a:solidFill>
+              </a14:hiddenFill>
+            </a:ext>
+            <a:ext uri="{91240B29-F687-4F45-9708-019B960494DF}">
+              <a14:hiddenLine xmlns:a14="http://schemas.microsoft.com/office/drawing/2010/main" w="9525">
+                <a:solidFill>
+                  <a:srgbClr val="000000"/>
+                </a:solidFill>
+                <a:miter lim="800000"/>
+                <a:headEnd/>
+                <a:tailEnd/>
+              </a14:hiddenLine>
+            </a:ext>
+          </a:extLst>
+        </p:spPr>
+      </p:pic>
+      <p:pic>
+        <p:nvPicPr>
+          <p:cNvPr id="17" name="Graphic 23">
+            <a:extLst>
+              <a:ext uri="{FF2B5EF4-FFF2-40B4-BE49-F238E27FC236}">
+                <a16:creationId xmlns:a16="http://schemas.microsoft.com/office/drawing/2014/main" id="{6A4F6864-E199-43D2-BCAF-727D6D944AC1}"/>
+              </a:ext>
+            </a:extLst>
+          </p:cNvPr>
+          <p:cNvPicPr>
+            <a:picLocks noChangeAspect="1" noChangeArrowheads="1"/>
+          </p:cNvPicPr>
+          <p:nvPr/>
+        </p:nvPicPr>
+        <p:blipFill>
+          <a:blip r:embed="rId7">
+            <a:extLst>
+              <a:ext uri="{28A0092B-C50C-407E-A947-70E740481C1C}">
+                <a14:useLocalDpi xmlns:a14="http://schemas.microsoft.com/office/drawing/2010/main" val="0"/>
+              </a:ext>
+            </a:extLst>
+          </a:blip>
+          <a:srcRect/>
+          <a:stretch>
+            <a:fillRect/>
+          </a:stretch>
+        </p:blipFill>
+        <p:spPr bwMode="auto">
+          <a:xfrm>
+            <a:off x="7876005" y="2393593"/>
+            <a:ext cx="645414" cy="645414"/>
+          </a:xfrm>
+          <a:prstGeom prst="rect">
+            <a:avLst/>
+          </a:prstGeom>
+          <a:noFill/>
+          <a:ln>
+            <a:noFill/>
+          </a:ln>
+          <a:extLst>
+            <a:ext uri="{909E8E84-426E-40DD-AFC4-6F175D3DCCD1}">
+              <a14:hiddenFill xmlns:a14="http://schemas.microsoft.com/office/drawing/2010/main">
+                <a:solidFill>
+                  <a:srgbClr val="FFFFFF"/>
+                </a:solidFill>
+              </a14:hiddenFill>
+            </a:ext>
+            <a:ext uri="{91240B29-F687-4F45-9708-019B960494DF}">
+              <a14:hiddenLine xmlns:a14="http://schemas.microsoft.com/office/drawing/2010/main" w="9525">
+                <a:solidFill>
+                  <a:srgbClr val="000000"/>
+                </a:solidFill>
+                <a:miter lim="800000"/>
+                <a:headEnd/>
+                <a:tailEnd/>
+              </a14:hiddenLine>
+            </a:ext>
+          </a:extLst>
+        </p:spPr>
+      </p:pic>
+      <p:sp>
+        <p:nvSpPr>
+          <p:cNvPr id="18" name="TextBox 34">
+            <a:extLst>
+              <a:ext uri="{FF2B5EF4-FFF2-40B4-BE49-F238E27FC236}">
+                <a16:creationId xmlns:a16="http://schemas.microsoft.com/office/drawing/2014/main" id="{38372529-F8C8-4C81-949A-AAC61DA47274}"/>
+              </a:ext>
+            </a:extLst>
+          </p:cNvPr>
+          <p:cNvSpPr txBox="1">
+            <a:spLocks noChangeArrowheads="1"/>
+          </p:cNvSpPr>
+          <p:nvPr/>
+        </p:nvSpPr>
+        <p:spPr bwMode="auto">
+          <a:xfrm>
+            <a:off x="7456037" y="3048004"/>
+            <a:ext cx="1485351" cy="276999"/>
+          </a:xfrm>
+          <a:prstGeom prst="rect">
+            <a:avLst/>
+          </a:prstGeom>
+          <a:noFill/>
+          <a:ln>
+            <a:noFill/>
+          </a:ln>
+          <a:extLst>
+            <a:ext uri="{909E8E84-426E-40DD-AFC4-6F175D3DCCD1}">
+              <a14:hiddenFill xmlns:a14="http://schemas.microsoft.com/office/drawing/2010/main">
+                <a:solidFill>
+                  <a:srgbClr val="FFFFFF"/>
+                </a:solidFill>
+              </a14:hiddenFill>
+            </a:ext>
+            <a:ext uri="{91240B29-F687-4F45-9708-019B960494DF}">
+              <a14:hiddenLine xmlns:a14="http://schemas.microsoft.com/office/drawing/2010/main" w="9525">
+                <a:solidFill>
+                  <a:srgbClr val="000000"/>
+                </a:solidFill>
+                <a:miter lim="800000"/>
+                <a:headEnd/>
+                <a:tailEnd/>
+              </a14:hiddenLine>
+            </a:ext>
+          </a:extLst>
+        </p:spPr>
+        <p:txBody>
+          <a:bodyPr wrap="square">
+            <a:spAutoFit/>
+          </a:bodyPr>
+          <a:lstStyle>
+            <a:lvl1pPr>
+              <a:defRPr>
+                <a:solidFill>
+                  <a:schemeClr val="tx1"/>
+                </a:solidFill>
+                <a:latin typeface="Calibri" panose="020F0502020204030204" pitchFamily="34" charset="0"/>
+              </a:defRPr>
+            </a:lvl1pPr>
+            <a:lvl2pPr marL="742950" indent="-285750">
+              <a:defRPr>
+                <a:solidFill>
+                  <a:schemeClr val="tx1"/>
+                </a:solidFill>
+                <a:latin typeface="Calibri" panose="020F0502020204030204" pitchFamily="34" charset="0"/>
+              </a:defRPr>
+            </a:lvl2pPr>
+            <a:lvl3pPr marL="1143000" indent="-228600">
+              <a:defRPr>
+                <a:solidFill>
+                  <a:schemeClr val="tx1"/>
+                </a:solidFill>
+                <a:latin typeface="Calibri" panose="020F0502020204030204" pitchFamily="34" charset="0"/>
+              </a:defRPr>
+            </a:lvl3pPr>
+            <a:lvl4pPr marL="1600200" indent="-228600">
+              <a:defRPr>
+                <a:solidFill>
+                  <a:schemeClr val="tx1"/>
+                </a:solidFill>
+                <a:latin typeface="Calibri" panose="020F0502020204030204" pitchFamily="34" charset="0"/>
+              </a:defRPr>
+            </a:lvl4pPr>
+            <a:lvl5pPr marL="2057400" indent="-228600">
+              <a:defRPr>
+                <a:solidFill>
+                  <a:schemeClr val="tx1"/>
+                </a:solidFill>
+                <a:latin typeface="Calibri" panose="020F0502020204030204" pitchFamily="34" charset="0"/>
+              </a:defRPr>
+            </a:lvl5pPr>
+            <a:lvl6pPr marL="2514600" indent="-228600" eaLnBrk="0" fontAlgn="base" hangingPunct="0">
+              <a:spcBef>
+                <a:spcPct val="0"/>
+              </a:spcBef>
+              <a:spcAft>
+                <a:spcPct val="0"/>
+              </a:spcAft>
+              <a:defRPr>
+                <a:solidFill>
+                  <a:schemeClr val="tx1"/>
+                </a:solidFill>
+                <a:latin typeface="Calibri" panose="020F0502020204030204" pitchFamily="34" charset="0"/>
+              </a:defRPr>
+            </a:lvl6pPr>
+            <a:lvl7pPr marL="2971800" indent="-228600" eaLnBrk="0" fontAlgn="base" hangingPunct="0">
+              <a:spcBef>
+                <a:spcPct val="0"/>
+              </a:spcBef>
+              <a:spcAft>
+                <a:spcPct val="0"/>
+              </a:spcAft>
+              <a:defRPr>
+                <a:solidFill>
+                  <a:schemeClr val="tx1"/>
+                </a:solidFill>
+                <a:latin typeface="Calibri" panose="020F0502020204030204" pitchFamily="34" charset="0"/>
+              </a:defRPr>
+            </a:lvl7pPr>
+            <a:lvl8pPr marL="3429000" indent="-228600" eaLnBrk="0" fontAlgn="base" hangingPunct="0">
+              <a:spcBef>
+                <a:spcPct val="0"/>
+              </a:spcBef>
+              <a:spcAft>
+                <a:spcPct val="0"/>
+              </a:spcAft>
+              <a:defRPr>
+                <a:solidFill>
+                  <a:schemeClr val="tx1"/>
+                </a:solidFill>
+                <a:latin typeface="Calibri" panose="020F0502020204030204" pitchFamily="34" charset="0"/>
+              </a:defRPr>
+            </a:lvl8pPr>
+            <a:lvl9pPr marL="3886200" indent="-228600" eaLnBrk="0" fontAlgn="base" hangingPunct="0">
+              <a:spcBef>
+                <a:spcPct val="0"/>
+              </a:spcBef>
+              <a:spcAft>
+                <a:spcPct val="0"/>
+              </a:spcAft>
+              <a:defRPr>
+                <a:solidFill>
+                  <a:schemeClr val="tx1"/>
+                </a:solidFill>
+                <a:latin typeface="Calibri" panose="020F0502020204030204" pitchFamily="34" charset="0"/>
+              </a:defRPr>
+            </a:lvl9pPr>
+          </a:lstStyle>
+          <a:p>
+            <a:pPr algn="ctr" eaLnBrk="1" hangingPunct="1"/>
+            <a:r>
+              <a:rPr lang="en-US" altLang="en-US" sz="1200" dirty="0">
+                <a:latin typeface="Arial" panose="020B0604020202020204" pitchFamily="34" charset="0"/>
+                <a:ea typeface="Amazon Ember" panose="020B0603020204020204" pitchFamily="34" charset="0"/>
+                <a:cs typeface="Arial" panose="020B0604020202020204" pitchFamily="34" charset="0"/>
+              </a:rPr>
+              <a:t>Amazon Redshift</a:t>
+            </a:r>
+          </a:p>
+        </p:txBody>
+      </p:sp>
+      <p:pic>
+        <p:nvPicPr>
+          <p:cNvPr id="19" name="Graphic 17">
+            <a:extLst>
+              <a:ext uri="{FF2B5EF4-FFF2-40B4-BE49-F238E27FC236}">
+                <a16:creationId xmlns:a16="http://schemas.microsoft.com/office/drawing/2014/main" id="{1A21ECF5-48E2-4997-87B5-5CD5EAEE704C}"/>
+              </a:ext>
+            </a:extLst>
+          </p:cNvPr>
+          <p:cNvPicPr>
+            <a:picLocks noChangeAspect="1" noChangeArrowheads="1"/>
+          </p:cNvPicPr>
+          <p:nvPr/>
+        </p:nvPicPr>
+        <p:blipFill>
+          <a:blip r:embed="rId8"/>
+          <a:srcRect/>
+          <a:stretch/>
+        </p:blipFill>
+        <p:spPr bwMode="auto">
+          <a:xfrm>
+            <a:off x="9099158" y="2393593"/>
+            <a:ext cx="645414" cy="645414"/>
+          </a:xfrm>
+          <a:prstGeom prst="rect">
+            <a:avLst/>
+          </a:prstGeom>
+          <a:noFill/>
+          <a:ln>
+            <a:noFill/>
+          </a:ln>
+          <a:extLst>
+            <a:ext uri="{909E8E84-426E-40DD-AFC4-6F175D3DCCD1}">
+              <a14:hiddenFill xmlns:a14="http://schemas.microsoft.com/office/drawing/2010/main">
+                <a:solidFill>
+                  <a:srgbClr val="FFFFFF"/>
+                </a:solidFill>
+              </a14:hiddenFill>
+            </a:ext>
+            <a:ext uri="{91240B29-F687-4F45-9708-019B960494DF}">
+              <a14:hiddenLine xmlns:a14="http://schemas.microsoft.com/office/drawing/2010/main" w="9525">
+                <a:solidFill>
+                  <a:srgbClr val="000000"/>
+                </a:solidFill>
+                <a:miter lim="800000"/>
+                <a:headEnd/>
+                <a:tailEnd/>
+              </a14:hiddenLine>
+            </a:ext>
+          </a:extLst>
+        </p:spPr>
+      </p:pic>
+      <p:sp>
+        <p:nvSpPr>
+          <p:cNvPr id="20" name="TextBox 9">
+            <a:extLst>
+              <a:ext uri="{FF2B5EF4-FFF2-40B4-BE49-F238E27FC236}">
+                <a16:creationId xmlns:a16="http://schemas.microsoft.com/office/drawing/2014/main" id="{D59DD26E-4DEE-471A-A9D9-53D11C932BF0}"/>
+              </a:ext>
+            </a:extLst>
+          </p:cNvPr>
+          <p:cNvSpPr txBox="1">
+            <a:spLocks noChangeArrowheads="1"/>
+          </p:cNvSpPr>
+          <p:nvPr/>
+        </p:nvSpPr>
+        <p:spPr bwMode="auto">
+          <a:xfrm>
+            <a:off x="8898638" y="3048004"/>
+            <a:ext cx="1046455" cy="461665"/>
+          </a:xfrm>
+          <a:prstGeom prst="rect">
+            <a:avLst/>
+          </a:prstGeom>
+          <a:noFill/>
+          <a:ln>
+            <a:noFill/>
+          </a:ln>
+          <a:extLst>
+            <a:ext uri="{909E8E84-426E-40DD-AFC4-6F175D3DCCD1}">
+              <a14:hiddenFill xmlns:a14="http://schemas.microsoft.com/office/drawing/2010/main">
+                <a:solidFill>
+                  <a:srgbClr val="FFFFFF"/>
+                </a:solidFill>
+              </a14:hiddenFill>
+            </a:ext>
+            <a:ext uri="{91240B29-F687-4F45-9708-019B960494DF}">
+              <a14:hiddenLine xmlns:a14="http://schemas.microsoft.com/office/drawing/2010/main" w="9525">
+                <a:solidFill>
+                  <a:srgbClr val="000000"/>
+                </a:solidFill>
+                <a:miter lim="800000"/>
+                <a:headEnd/>
+                <a:tailEnd/>
+              </a14:hiddenLine>
+            </a:ext>
+          </a:extLst>
+        </p:spPr>
+        <p:txBody>
+          <a:bodyPr wrap="square">
+            <a:spAutoFit/>
+          </a:bodyPr>
+          <a:lstStyle>
+            <a:lvl1pPr>
+              <a:defRPr>
+                <a:solidFill>
+                  <a:schemeClr val="tx1"/>
+                </a:solidFill>
+                <a:latin typeface="Calibri" panose="020F0502020204030204" pitchFamily="34" charset="0"/>
+              </a:defRPr>
+            </a:lvl1pPr>
+            <a:lvl2pPr marL="742950" indent="-285750">
+              <a:defRPr>
+                <a:solidFill>
+                  <a:schemeClr val="tx1"/>
+                </a:solidFill>
+                <a:latin typeface="Calibri" panose="020F0502020204030204" pitchFamily="34" charset="0"/>
+              </a:defRPr>
+            </a:lvl2pPr>
+            <a:lvl3pPr marL="1143000" indent="-228600">
+              <a:defRPr>
+                <a:solidFill>
+                  <a:schemeClr val="tx1"/>
+                </a:solidFill>
+                <a:latin typeface="Calibri" panose="020F0502020204030204" pitchFamily="34" charset="0"/>
+              </a:defRPr>
+            </a:lvl3pPr>
+            <a:lvl4pPr marL="1600200" indent="-228600">
+              <a:defRPr>
+                <a:solidFill>
+                  <a:schemeClr val="tx1"/>
+                </a:solidFill>
+                <a:latin typeface="Calibri" panose="020F0502020204030204" pitchFamily="34" charset="0"/>
+              </a:defRPr>
+            </a:lvl4pPr>
+            <a:lvl5pPr marL="2057400" indent="-228600">
+              <a:defRPr>
+                <a:solidFill>
+                  <a:schemeClr val="tx1"/>
+                </a:solidFill>
+                <a:latin typeface="Calibri" panose="020F0502020204030204" pitchFamily="34" charset="0"/>
+              </a:defRPr>
+            </a:lvl5pPr>
+            <a:lvl6pPr marL="2514600" indent="-228600" eaLnBrk="0" fontAlgn="base" hangingPunct="0">
+              <a:spcBef>
+                <a:spcPct val="0"/>
+              </a:spcBef>
+              <a:spcAft>
+                <a:spcPct val="0"/>
+              </a:spcAft>
+              <a:defRPr>
+                <a:solidFill>
+                  <a:schemeClr val="tx1"/>
+                </a:solidFill>
+                <a:latin typeface="Calibri" panose="020F0502020204030204" pitchFamily="34" charset="0"/>
+              </a:defRPr>
+            </a:lvl6pPr>
+            <a:lvl7pPr marL="2971800" indent="-228600" eaLnBrk="0" fontAlgn="base" hangingPunct="0">
+              <a:spcBef>
+                <a:spcPct val="0"/>
+              </a:spcBef>
+              <a:spcAft>
+                <a:spcPct val="0"/>
+              </a:spcAft>
+              <a:defRPr>
+                <a:solidFill>
+                  <a:schemeClr val="tx1"/>
+                </a:solidFill>
+                <a:latin typeface="Calibri" panose="020F0502020204030204" pitchFamily="34" charset="0"/>
+              </a:defRPr>
+            </a:lvl7pPr>
+            <a:lvl8pPr marL="3429000" indent="-228600" eaLnBrk="0" fontAlgn="base" hangingPunct="0">
+              <a:spcBef>
+                <a:spcPct val="0"/>
+              </a:spcBef>
+              <a:spcAft>
+                <a:spcPct val="0"/>
+              </a:spcAft>
+              <a:defRPr>
+                <a:solidFill>
+                  <a:schemeClr val="tx1"/>
+                </a:solidFill>
+                <a:latin typeface="Calibri" panose="020F0502020204030204" pitchFamily="34" charset="0"/>
+              </a:defRPr>
+            </a:lvl8pPr>
+            <a:lvl9pPr marL="3886200" indent="-228600" eaLnBrk="0" fontAlgn="base" hangingPunct="0">
+              <a:spcBef>
+                <a:spcPct val="0"/>
+              </a:spcBef>
+              <a:spcAft>
+                <a:spcPct val="0"/>
+              </a:spcAft>
+              <a:defRPr>
+                <a:solidFill>
+                  <a:schemeClr val="tx1"/>
+                </a:solidFill>
+                <a:latin typeface="Calibri" panose="020F0502020204030204" pitchFamily="34" charset="0"/>
+              </a:defRPr>
+            </a:lvl9pPr>
+          </a:lstStyle>
+          <a:p>
+            <a:pPr algn="ctr" eaLnBrk="1" hangingPunct="1"/>
+            <a:r>
+              <a:rPr lang="en-US" altLang="en-US" sz="1200" dirty="0">
+                <a:latin typeface="Arial" panose="020B0604020202020204" pitchFamily="34" charset="0"/>
+                <a:ea typeface="Amazon Ember" panose="020B0603020204020204" pitchFamily="34" charset="0"/>
+                <a:cs typeface="Arial" panose="020B0604020202020204" pitchFamily="34" charset="0"/>
+              </a:rPr>
+              <a:t>Amazon API </a:t>
+            </a:r>
+          </a:p>
+          <a:p>
+            <a:pPr algn="ctr" eaLnBrk="1" hangingPunct="1"/>
+            <a:r>
+              <a:rPr lang="en-US" altLang="en-US" sz="1200" dirty="0">
+                <a:latin typeface="Arial" panose="020B0604020202020204" pitchFamily="34" charset="0"/>
+                <a:ea typeface="Amazon Ember" panose="020B0603020204020204" pitchFamily="34" charset="0"/>
+                <a:cs typeface="Arial" panose="020B0604020202020204" pitchFamily="34" charset="0"/>
+              </a:rPr>
+              <a:t>Gateway</a:t>
+            </a:r>
+          </a:p>
+        </p:txBody>
+      </p:sp>
+      <p:sp>
+        <p:nvSpPr>
+          <p:cNvPr id="24" name="TextBox 20">
+            <a:extLst>
+              <a:ext uri="{FF2B5EF4-FFF2-40B4-BE49-F238E27FC236}">
+                <a16:creationId xmlns:a16="http://schemas.microsoft.com/office/drawing/2014/main" id="{FB974820-FF54-40C1-861E-26E7374C6D7E}"/>
+              </a:ext>
+            </a:extLst>
+          </p:cNvPr>
+          <p:cNvSpPr txBox="1">
+            <a:spLocks noChangeArrowheads="1"/>
+          </p:cNvSpPr>
+          <p:nvPr/>
+        </p:nvSpPr>
+        <p:spPr bwMode="auto">
+          <a:xfrm>
+            <a:off x="7757708" y="4109421"/>
+            <a:ext cx="882008" cy="461665"/>
+          </a:xfrm>
+          <a:prstGeom prst="rect">
+            <a:avLst/>
+          </a:prstGeom>
+          <a:noFill/>
+          <a:ln>
+            <a:noFill/>
+          </a:ln>
+          <a:extLst>
+            <a:ext uri="{909E8E84-426E-40DD-AFC4-6F175D3DCCD1}">
+              <a14:hiddenFill xmlns:a14="http://schemas.microsoft.com/office/drawing/2010/main">
+                <a:solidFill>
+                  <a:srgbClr val="FFFFFF"/>
+                </a:solidFill>
+              </a14:hiddenFill>
+            </a:ext>
+            <a:ext uri="{91240B29-F687-4F45-9708-019B960494DF}">
+              <a14:hiddenLine xmlns:a14="http://schemas.microsoft.com/office/drawing/2010/main" w="9525">
+                <a:solidFill>
+                  <a:srgbClr val="000000"/>
+                </a:solidFill>
+                <a:miter lim="800000"/>
+                <a:headEnd/>
+                <a:tailEnd/>
+              </a14:hiddenLine>
+            </a:ext>
+          </a:extLst>
+        </p:spPr>
+        <p:txBody>
+          <a:bodyPr wrap="square">
+            <a:spAutoFit/>
+          </a:bodyPr>
+          <a:lstStyle>
+            <a:lvl1pPr>
+              <a:defRPr>
+                <a:solidFill>
+                  <a:schemeClr val="tx1"/>
+                </a:solidFill>
+                <a:latin typeface="Calibri" panose="020F0502020204030204" pitchFamily="34" charset="0"/>
+              </a:defRPr>
+            </a:lvl1pPr>
+            <a:lvl2pPr marL="742950" indent="-285750">
+              <a:defRPr>
+                <a:solidFill>
+                  <a:schemeClr val="tx1"/>
+                </a:solidFill>
+                <a:latin typeface="Calibri" panose="020F0502020204030204" pitchFamily="34" charset="0"/>
+              </a:defRPr>
+            </a:lvl2pPr>
+            <a:lvl3pPr marL="1143000" indent="-228600">
+              <a:defRPr>
+                <a:solidFill>
+                  <a:schemeClr val="tx1"/>
+                </a:solidFill>
+                <a:latin typeface="Calibri" panose="020F0502020204030204" pitchFamily="34" charset="0"/>
+              </a:defRPr>
+            </a:lvl3pPr>
+            <a:lvl4pPr marL="1600200" indent="-228600">
+              <a:defRPr>
+                <a:solidFill>
+                  <a:schemeClr val="tx1"/>
+                </a:solidFill>
+                <a:latin typeface="Calibri" panose="020F0502020204030204" pitchFamily="34" charset="0"/>
+              </a:defRPr>
+            </a:lvl4pPr>
+            <a:lvl5pPr marL="2057400" indent="-228600">
+              <a:defRPr>
+                <a:solidFill>
+                  <a:schemeClr val="tx1"/>
+                </a:solidFill>
+                <a:latin typeface="Calibri" panose="020F0502020204030204" pitchFamily="34" charset="0"/>
+              </a:defRPr>
+            </a:lvl5pPr>
+            <a:lvl6pPr marL="2514600" indent="-228600" eaLnBrk="0" fontAlgn="base" hangingPunct="0">
+              <a:spcBef>
+                <a:spcPct val="0"/>
+              </a:spcBef>
+              <a:spcAft>
+                <a:spcPct val="0"/>
+              </a:spcAft>
+              <a:defRPr>
+                <a:solidFill>
+                  <a:schemeClr val="tx1"/>
+                </a:solidFill>
+                <a:latin typeface="Calibri" panose="020F0502020204030204" pitchFamily="34" charset="0"/>
+              </a:defRPr>
+            </a:lvl6pPr>
+            <a:lvl7pPr marL="2971800" indent="-228600" eaLnBrk="0" fontAlgn="base" hangingPunct="0">
+              <a:spcBef>
+                <a:spcPct val="0"/>
+              </a:spcBef>
+              <a:spcAft>
+                <a:spcPct val="0"/>
+              </a:spcAft>
+              <a:defRPr>
+                <a:solidFill>
+                  <a:schemeClr val="tx1"/>
+                </a:solidFill>
+                <a:latin typeface="Calibri" panose="020F0502020204030204" pitchFamily="34" charset="0"/>
+              </a:defRPr>
+            </a:lvl7pPr>
+            <a:lvl8pPr marL="3429000" indent="-228600" eaLnBrk="0" fontAlgn="base" hangingPunct="0">
+              <a:spcBef>
+                <a:spcPct val="0"/>
+              </a:spcBef>
+              <a:spcAft>
+                <a:spcPct val="0"/>
+              </a:spcAft>
+              <a:defRPr>
+                <a:solidFill>
+                  <a:schemeClr val="tx1"/>
+                </a:solidFill>
+                <a:latin typeface="Calibri" panose="020F0502020204030204" pitchFamily="34" charset="0"/>
+              </a:defRPr>
+            </a:lvl8pPr>
+            <a:lvl9pPr marL="3886200" indent="-228600" eaLnBrk="0" fontAlgn="base" hangingPunct="0">
+              <a:spcBef>
+                <a:spcPct val="0"/>
+              </a:spcBef>
+              <a:spcAft>
+                <a:spcPct val="0"/>
+              </a:spcAft>
+              <a:defRPr>
+                <a:solidFill>
+                  <a:schemeClr val="tx1"/>
+                </a:solidFill>
+                <a:latin typeface="Calibri" panose="020F0502020204030204" pitchFamily="34" charset="0"/>
+              </a:defRPr>
+            </a:lvl9pPr>
+          </a:lstStyle>
+          <a:p>
+            <a:pPr algn="ctr" eaLnBrk="1" hangingPunct="1"/>
+            <a:r>
+              <a:rPr lang="en-US" altLang="en-US" sz="1200" dirty="0">
+                <a:latin typeface="Arial" panose="020B0604020202020204" pitchFamily="34" charset="0"/>
+                <a:ea typeface="Amazon Ember" panose="020B0603020204020204" pitchFamily="34" charset="0"/>
+                <a:cs typeface="Arial" panose="020B0604020202020204" pitchFamily="34" charset="0"/>
+              </a:rPr>
+              <a:t>ML pipelines</a:t>
+            </a:r>
+          </a:p>
+        </p:txBody>
+      </p:sp>
+      <p:pic>
+        <p:nvPicPr>
+          <p:cNvPr id="25" name="Graphic 28">
+            <a:extLst>
+              <a:ext uri="{FF2B5EF4-FFF2-40B4-BE49-F238E27FC236}">
+                <a16:creationId xmlns:a16="http://schemas.microsoft.com/office/drawing/2014/main" id="{D03714F6-9231-4027-B4FD-66BF6D23FFFE}"/>
+              </a:ext>
+            </a:extLst>
+          </p:cNvPr>
+          <p:cNvPicPr>
+            <a:picLocks noChangeAspect="1" noChangeArrowheads="1"/>
+          </p:cNvPicPr>
+          <p:nvPr/>
+        </p:nvPicPr>
+        <p:blipFill>
+          <a:blip r:embed="rId9">
+            <a:extLst>
+              <a:ext uri="{28A0092B-C50C-407E-A947-70E740481C1C}">
+                <a14:useLocalDpi xmlns:a14="http://schemas.microsoft.com/office/drawing/2010/main" val="0"/>
+              </a:ext>
+            </a:extLst>
+          </a:blip>
+          <a:srcRect/>
+          <a:stretch>
+            <a:fillRect/>
+          </a:stretch>
+        </p:blipFill>
+        <p:spPr bwMode="auto">
+          <a:xfrm>
+            <a:off x="7970112" y="3688053"/>
+            <a:ext cx="457200" cy="457200"/>
+          </a:xfrm>
+          <a:prstGeom prst="rect">
+            <a:avLst/>
+          </a:prstGeom>
+          <a:noFill/>
+          <a:ln>
+            <a:noFill/>
+          </a:ln>
+          <a:extLst>
+            <a:ext uri="{909E8E84-426E-40DD-AFC4-6F175D3DCCD1}">
+              <a14:hiddenFill xmlns:a14="http://schemas.microsoft.com/office/drawing/2010/main">
+                <a:solidFill>
+                  <a:srgbClr val="FFFFFF"/>
+                </a:solidFill>
+              </a14:hiddenFill>
+            </a:ext>
+            <a:ext uri="{91240B29-F687-4F45-9708-019B960494DF}">
+              <a14:hiddenLine xmlns:a14="http://schemas.microsoft.com/office/drawing/2010/main" w="9525">
+                <a:solidFill>
+                  <a:srgbClr val="000000"/>
+                </a:solidFill>
+                <a:miter lim="800000"/>
+                <a:headEnd/>
+                <a:tailEnd/>
+              </a14:hiddenLine>
+            </a:ext>
+          </a:extLst>
+        </p:spPr>
+      </p:pic>
+      <p:sp>
+        <p:nvSpPr>
+          <p:cNvPr id="26" name="TextBox 19">
+            <a:extLst>
+              <a:ext uri="{FF2B5EF4-FFF2-40B4-BE49-F238E27FC236}">
+                <a16:creationId xmlns:a16="http://schemas.microsoft.com/office/drawing/2014/main" id="{86040001-B625-478D-9915-4307FD42BB3A}"/>
+              </a:ext>
+            </a:extLst>
+          </p:cNvPr>
+          <p:cNvSpPr txBox="1">
+            <a:spLocks noChangeArrowheads="1"/>
+          </p:cNvSpPr>
+          <p:nvPr/>
+        </p:nvSpPr>
+        <p:spPr bwMode="auto">
+          <a:xfrm>
+            <a:off x="8980861" y="4109421"/>
+            <a:ext cx="882008" cy="461665"/>
+          </a:xfrm>
+          <a:prstGeom prst="rect">
+            <a:avLst/>
+          </a:prstGeom>
+          <a:noFill/>
+          <a:ln>
+            <a:noFill/>
+          </a:ln>
+          <a:extLst>
+            <a:ext uri="{909E8E84-426E-40DD-AFC4-6F175D3DCCD1}">
+              <a14:hiddenFill xmlns:a14="http://schemas.microsoft.com/office/drawing/2010/main">
+                <a:solidFill>
+                  <a:srgbClr val="FFFFFF"/>
+                </a:solidFill>
+              </a14:hiddenFill>
+            </a:ext>
+            <a:ext uri="{91240B29-F687-4F45-9708-019B960494DF}">
+              <a14:hiddenLine xmlns:a14="http://schemas.microsoft.com/office/drawing/2010/main" w="9525">
+                <a:solidFill>
+                  <a:srgbClr val="000000"/>
+                </a:solidFill>
+                <a:miter lim="800000"/>
+                <a:headEnd/>
+                <a:tailEnd/>
+              </a14:hiddenLine>
+            </a:ext>
+          </a:extLst>
+        </p:spPr>
+        <p:txBody>
+          <a:bodyPr wrap="square">
+            <a:spAutoFit/>
+          </a:bodyPr>
+          <a:lstStyle>
+            <a:lvl1pPr>
+              <a:defRPr>
+                <a:solidFill>
+                  <a:schemeClr val="tx1"/>
+                </a:solidFill>
+                <a:latin typeface="Calibri" panose="020F0502020204030204" pitchFamily="34" charset="0"/>
+              </a:defRPr>
+            </a:lvl1pPr>
+            <a:lvl2pPr marL="742950" indent="-285750">
+              <a:defRPr>
+                <a:solidFill>
+                  <a:schemeClr val="tx1"/>
+                </a:solidFill>
+                <a:latin typeface="Calibri" panose="020F0502020204030204" pitchFamily="34" charset="0"/>
+              </a:defRPr>
+            </a:lvl2pPr>
+            <a:lvl3pPr marL="1143000" indent="-228600">
+              <a:defRPr>
+                <a:solidFill>
+                  <a:schemeClr val="tx1"/>
+                </a:solidFill>
+                <a:latin typeface="Calibri" panose="020F0502020204030204" pitchFamily="34" charset="0"/>
+              </a:defRPr>
+            </a:lvl3pPr>
+            <a:lvl4pPr marL="1600200" indent="-228600">
+              <a:defRPr>
+                <a:solidFill>
+                  <a:schemeClr val="tx1"/>
+                </a:solidFill>
+                <a:latin typeface="Calibri" panose="020F0502020204030204" pitchFamily="34" charset="0"/>
+              </a:defRPr>
+            </a:lvl4pPr>
+            <a:lvl5pPr marL="2057400" indent="-228600">
+              <a:defRPr>
+                <a:solidFill>
+                  <a:schemeClr val="tx1"/>
+                </a:solidFill>
+                <a:latin typeface="Calibri" panose="020F0502020204030204" pitchFamily="34" charset="0"/>
+              </a:defRPr>
+            </a:lvl5pPr>
+            <a:lvl6pPr marL="2514600" indent="-228600" eaLnBrk="0" fontAlgn="base" hangingPunct="0">
+              <a:spcBef>
+                <a:spcPct val="0"/>
+              </a:spcBef>
+              <a:spcAft>
+                <a:spcPct val="0"/>
+              </a:spcAft>
+              <a:defRPr>
+                <a:solidFill>
+                  <a:schemeClr val="tx1"/>
+                </a:solidFill>
+                <a:latin typeface="Calibri" panose="020F0502020204030204" pitchFamily="34" charset="0"/>
+              </a:defRPr>
+            </a:lvl6pPr>
+            <a:lvl7pPr marL="2971800" indent="-228600" eaLnBrk="0" fontAlgn="base" hangingPunct="0">
+              <a:spcBef>
+                <a:spcPct val="0"/>
+              </a:spcBef>
+              <a:spcAft>
+                <a:spcPct val="0"/>
+              </a:spcAft>
+              <a:defRPr>
+                <a:solidFill>
+                  <a:schemeClr val="tx1"/>
+                </a:solidFill>
+                <a:latin typeface="Calibri" panose="020F0502020204030204" pitchFamily="34" charset="0"/>
+              </a:defRPr>
+            </a:lvl7pPr>
+            <a:lvl8pPr marL="3429000" indent="-228600" eaLnBrk="0" fontAlgn="base" hangingPunct="0">
+              <a:spcBef>
+                <a:spcPct val="0"/>
+              </a:spcBef>
+              <a:spcAft>
+                <a:spcPct val="0"/>
+              </a:spcAft>
+              <a:defRPr>
+                <a:solidFill>
+                  <a:schemeClr val="tx1"/>
+                </a:solidFill>
+                <a:latin typeface="Calibri" panose="020F0502020204030204" pitchFamily="34" charset="0"/>
+              </a:defRPr>
+            </a:lvl8pPr>
+            <a:lvl9pPr marL="3886200" indent="-228600" eaLnBrk="0" fontAlgn="base" hangingPunct="0">
+              <a:spcBef>
+                <a:spcPct val="0"/>
+              </a:spcBef>
+              <a:spcAft>
+                <a:spcPct val="0"/>
+              </a:spcAft>
+              <a:defRPr>
+                <a:solidFill>
+                  <a:schemeClr val="tx1"/>
+                </a:solidFill>
+                <a:latin typeface="Calibri" panose="020F0502020204030204" pitchFamily="34" charset="0"/>
+              </a:defRPr>
+            </a:lvl9pPr>
+          </a:lstStyle>
+          <a:p>
+            <a:pPr algn="ctr" eaLnBrk="1" hangingPunct="1"/>
+            <a:r>
+              <a:rPr lang="en-US" altLang="en-US" sz="1200" dirty="0">
+                <a:latin typeface="Arial" panose="020B0604020202020204" pitchFamily="34" charset="0"/>
+                <a:ea typeface="Amazon Ember" panose="020B0603020204020204" pitchFamily="34" charset="0"/>
+                <a:cs typeface="Arial" panose="020B0604020202020204" pitchFamily="34" charset="0"/>
+              </a:rPr>
+              <a:t>Jupyter notebook</a:t>
+            </a:r>
+          </a:p>
+        </p:txBody>
+      </p:sp>
+      <p:pic>
+        <p:nvPicPr>
+          <p:cNvPr id="27" name="Graphic 26">
+            <a:extLst>
+              <a:ext uri="{FF2B5EF4-FFF2-40B4-BE49-F238E27FC236}">
+                <a16:creationId xmlns:a16="http://schemas.microsoft.com/office/drawing/2014/main" id="{E2A709C3-4342-4FBD-B4AE-2B25319BCB75}"/>
+              </a:ext>
+            </a:extLst>
+          </p:cNvPr>
+          <p:cNvPicPr>
+            <a:picLocks noChangeAspect="1" noChangeArrowheads="1"/>
+          </p:cNvPicPr>
+          <p:nvPr/>
+        </p:nvPicPr>
+        <p:blipFill>
+          <a:blip r:embed="rId10">
+            <a:extLst>
+              <a:ext uri="{28A0092B-C50C-407E-A947-70E740481C1C}">
+                <a14:useLocalDpi xmlns:a14="http://schemas.microsoft.com/office/drawing/2010/main" val="0"/>
+              </a:ext>
+            </a:extLst>
+          </a:blip>
+          <a:srcRect/>
+          <a:stretch>
+            <a:fillRect/>
+          </a:stretch>
+        </p:blipFill>
+        <p:spPr bwMode="auto">
+          <a:xfrm>
+            <a:off x="9193265" y="3688053"/>
+            <a:ext cx="457200" cy="457200"/>
+          </a:xfrm>
+          <a:prstGeom prst="rect">
+            <a:avLst/>
+          </a:prstGeom>
+          <a:noFill/>
+          <a:ln>
+            <a:noFill/>
+          </a:ln>
+          <a:extLst>
+            <a:ext uri="{909E8E84-426E-40DD-AFC4-6F175D3DCCD1}">
+              <a14:hiddenFill xmlns:a14="http://schemas.microsoft.com/office/drawing/2010/main">
+                <a:solidFill>
+                  <a:srgbClr val="FFFFFF"/>
+                </a:solidFill>
+              </a14:hiddenFill>
+            </a:ext>
+            <a:ext uri="{91240B29-F687-4F45-9708-019B960494DF}">
+              <a14:hiddenLine xmlns:a14="http://schemas.microsoft.com/office/drawing/2010/main" w="9525">
+                <a:solidFill>
+                  <a:srgbClr val="000000"/>
+                </a:solidFill>
+                <a:miter lim="800000"/>
+                <a:headEnd/>
+                <a:tailEnd/>
+              </a14:hiddenLine>
+            </a:ext>
+          </a:extLst>
+        </p:spPr>
+      </p:pic>
+      <p:pic>
+        <p:nvPicPr>
+          <p:cNvPr id="30" name="Graphic 34">
+            <a:extLst>
+              <a:ext uri="{FF2B5EF4-FFF2-40B4-BE49-F238E27FC236}">
+                <a16:creationId xmlns:a16="http://schemas.microsoft.com/office/drawing/2014/main" id="{05B7B2CB-B26C-4DAF-8E10-7990FD2B9409}"/>
+              </a:ext>
+            </a:extLst>
+          </p:cNvPr>
+          <p:cNvPicPr>
+            <a:picLocks noChangeAspect="1" noChangeArrowheads="1"/>
+          </p:cNvPicPr>
+          <p:nvPr/>
+        </p:nvPicPr>
+        <p:blipFill>
+          <a:blip r:embed="rId4">
+            <a:extLst>
+              <a:ext uri="{28A0092B-C50C-407E-A947-70E740481C1C}">
+                <a14:useLocalDpi xmlns:a14="http://schemas.microsoft.com/office/drawing/2010/main" val="0"/>
+              </a:ext>
+            </a:extLst>
+          </a:blip>
+          <a:srcRect/>
+          <a:stretch>
+            <a:fillRect/>
+          </a:stretch>
+        </p:blipFill>
+        <p:spPr bwMode="auto">
+          <a:xfrm>
+            <a:off x="7418805" y="1558679"/>
+            <a:ext cx="457200" cy="457200"/>
+          </a:xfrm>
+          <a:prstGeom prst="rect">
+            <a:avLst/>
+          </a:prstGeom>
+          <a:noFill/>
+          <a:ln>
+            <a:noFill/>
+          </a:ln>
+          <a:extLst>
+            <a:ext uri="{909E8E84-426E-40DD-AFC4-6F175D3DCCD1}">
+              <a14:hiddenFill xmlns:a14="http://schemas.microsoft.com/office/drawing/2010/main">
+                <a:solidFill>
+                  <a:srgbClr val="FFFFFF"/>
+                </a:solidFill>
+              </a14:hiddenFill>
+            </a:ext>
+            <a:ext uri="{91240B29-F687-4F45-9708-019B960494DF}">
+              <a14:hiddenLine xmlns:a14="http://schemas.microsoft.com/office/drawing/2010/main" w="9525">
+                <a:solidFill>
+                  <a:srgbClr val="000000"/>
+                </a:solidFill>
+                <a:miter lim="800000"/>
+                <a:headEnd/>
+                <a:tailEnd/>
+              </a14:hiddenLine>
+            </a:ext>
+          </a:extLst>
+        </p:spPr>
+      </p:pic>
+      <p:pic>
+        <p:nvPicPr>
+          <p:cNvPr id="38" name="Graphic 21">
+            <a:extLst>
+              <a:ext uri="{FF2B5EF4-FFF2-40B4-BE49-F238E27FC236}">
+                <a16:creationId xmlns:a16="http://schemas.microsoft.com/office/drawing/2014/main" id="{BF320381-3CB6-451D-8A85-7149D5E562F7}"/>
+              </a:ext>
+            </a:extLst>
+          </p:cNvPr>
+          <p:cNvPicPr>
+            <a:picLocks noChangeAspect="1" noChangeArrowheads="1"/>
+          </p:cNvPicPr>
+          <p:nvPr/>
+        </p:nvPicPr>
+        <p:blipFill>
+          <a:blip r:embed="rId11">
+            <a:extLst>
+              <a:ext uri="{28A0092B-C50C-407E-A947-70E740481C1C}">
+                <a14:useLocalDpi xmlns:a14="http://schemas.microsoft.com/office/drawing/2010/main" val="0"/>
+              </a:ext>
+            </a:extLst>
+          </a:blip>
+          <a:srcRect/>
+          <a:stretch>
+            <a:fillRect/>
+          </a:stretch>
+        </p:blipFill>
+        <p:spPr bwMode="auto">
+          <a:xfrm>
+            <a:off x="2314896" y="5230398"/>
+            <a:ext cx="469900" cy="469900"/>
+          </a:xfrm>
+          <a:prstGeom prst="rect">
+            <a:avLst/>
+          </a:prstGeom>
+          <a:noFill/>
+          <a:ln>
+            <a:noFill/>
+          </a:ln>
+          <a:extLst>
+            <a:ext uri="{909E8E84-426E-40DD-AFC4-6F175D3DCCD1}">
+              <a14:hiddenFill xmlns:a14="http://schemas.microsoft.com/office/drawing/2010/main">
+                <a:solidFill>
+                  <a:srgbClr val="FFFFFF"/>
+                </a:solidFill>
+              </a14:hiddenFill>
+            </a:ext>
+            <a:ext uri="{91240B29-F687-4F45-9708-019B960494DF}">
+              <a14:hiddenLine xmlns:a14="http://schemas.microsoft.com/office/drawing/2010/main" w="9525">
+                <a:solidFill>
+                  <a:srgbClr val="000000"/>
+                </a:solidFill>
+                <a:miter lim="800000"/>
+                <a:headEnd/>
+                <a:tailEnd/>
+              </a14:hiddenLine>
+            </a:ext>
+          </a:extLst>
+        </p:spPr>
+      </p:pic>
+      <p:sp>
+        <p:nvSpPr>
+          <p:cNvPr id="39" name="TextBox 20">
+            <a:extLst>
+              <a:ext uri="{FF2B5EF4-FFF2-40B4-BE49-F238E27FC236}">
+                <a16:creationId xmlns:a16="http://schemas.microsoft.com/office/drawing/2014/main" id="{F4047B65-B88E-471F-B4B8-38904FCB7F38}"/>
+              </a:ext>
+            </a:extLst>
+          </p:cNvPr>
+          <p:cNvSpPr txBox="1">
+            <a:spLocks noChangeArrowheads="1"/>
+          </p:cNvSpPr>
+          <p:nvPr/>
+        </p:nvSpPr>
+        <p:spPr bwMode="auto">
+          <a:xfrm>
+            <a:off x="1906466" y="5706392"/>
+            <a:ext cx="1290638" cy="276999"/>
+          </a:xfrm>
+          <a:prstGeom prst="rect">
+            <a:avLst/>
+          </a:prstGeom>
+          <a:noFill/>
+          <a:ln>
+            <a:noFill/>
+          </a:ln>
+          <a:extLst>
+            <a:ext uri="{909E8E84-426E-40DD-AFC4-6F175D3DCCD1}">
+              <a14:hiddenFill xmlns:a14="http://schemas.microsoft.com/office/drawing/2010/main">
+                <a:solidFill>
+                  <a:srgbClr val="FFFFFF"/>
+                </a:solidFill>
+              </a14:hiddenFill>
+            </a:ext>
+            <a:ext uri="{91240B29-F687-4F45-9708-019B960494DF}">
+              <a14:hiddenLine xmlns:a14="http://schemas.microsoft.com/office/drawing/2010/main" w="9525">
+                <a:solidFill>
+                  <a:srgbClr val="000000"/>
+                </a:solidFill>
+                <a:miter lim="800000"/>
+                <a:headEnd/>
+                <a:tailEnd/>
+              </a14:hiddenLine>
+            </a:ext>
+          </a:extLst>
+        </p:spPr>
+        <p:txBody>
+          <a:bodyPr wrap="square">
+            <a:spAutoFit/>
+          </a:bodyPr>
+          <a:lstStyle>
+            <a:lvl1pPr>
+              <a:defRPr>
+                <a:solidFill>
+                  <a:schemeClr val="tx1"/>
+                </a:solidFill>
+                <a:latin typeface="Calibri" panose="020F0502020204030204" pitchFamily="34" charset="0"/>
+              </a:defRPr>
+            </a:lvl1pPr>
+            <a:lvl2pPr marL="742950" indent="-285750">
+              <a:defRPr>
+                <a:solidFill>
+                  <a:schemeClr val="tx1"/>
+                </a:solidFill>
+                <a:latin typeface="Calibri" panose="020F0502020204030204" pitchFamily="34" charset="0"/>
+              </a:defRPr>
+            </a:lvl2pPr>
+            <a:lvl3pPr marL="1143000" indent="-228600">
+              <a:defRPr>
+                <a:solidFill>
+                  <a:schemeClr val="tx1"/>
+                </a:solidFill>
+                <a:latin typeface="Calibri" panose="020F0502020204030204" pitchFamily="34" charset="0"/>
+              </a:defRPr>
+            </a:lvl3pPr>
+            <a:lvl4pPr marL="1600200" indent="-228600">
+              <a:defRPr>
+                <a:solidFill>
+                  <a:schemeClr val="tx1"/>
+                </a:solidFill>
+                <a:latin typeface="Calibri" panose="020F0502020204030204" pitchFamily="34" charset="0"/>
+              </a:defRPr>
+            </a:lvl4pPr>
+            <a:lvl5pPr marL="2057400" indent="-228600">
+              <a:defRPr>
+                <a:solidFill>
+                  <a:schemeClr val="tx1"/>
+                </a:solidFill>
+                <a:latin typeface="Calibri" panose="020F0502020204030204" pitchFamily="34" charset="0"/>
+              </a:defRPr>
+            </a:lvl5pPr>
+            <a:lvl6pPr marL="2514600" indent="-228600" eaLnBrk="0" fontAlgn="base" hangingPunct="0">
+              <a:spcBef>
+                <a:spcPct val="0"/>
+              </a:spcBef>
+              <a:spcAft>
+                <a:spcPct val="0"/>
+              </a:spcAft>
+              <a:defRPr>
+                <a:solidFill>
+                  <a:schemeClr val="tx1"/>
+                </a:solidFill>
+                <a:latin typeface="Calibri" panose="020F0502020204030204" pitchFamily="34" charset="0"/>
+              </a:defRPr>
+            </a:lvl6pPr>
+            <a:lvl7pPr marL="2971800" indent="-228600" eaLnBrk="0" fontAlgn="base" hangingPunct="0">
+              <a:spcBef>
+                <a:spcPct val="0"/>
+              </a:spcBef>
+              <a:spcAft>
+                <a:spcPct val="0"/>
+              </a:spcAft>
+              <a:defRPr>
+                <a:solidFill>
+                  <a:schemeClr val="tx1"/>
+                </a:solidFill>
+                <a:latin typeface="Calibri" panose="020F0502020204030204" pitchFamily="34" charset="0"/>
+              </a:defRPr>
+            </a:lvl7pPr>
+            <a:lvl8pPr marL="3429000" indent="-228600" eaLnBrk="0" fontAlgn="base" hangingPunct="0">
+              <a:spcBef>
+                <a:spcPct val="0"/>
+              </a:spcBef>
+              <a:spcAft>
+                <a:spcPct val="0"/>
+              </a:spcAft>
+              <a:defRPr>
+                <a:solidFill>
+                  <a:schemeClr val="tx1"/>
+                </a:solidFill>
+                <a:latin typeface="Calibri" panose="020F0502020204030204" pitchFamily="34" charset="0"/>
+              </a:defRPr>
+            </a:lvl8pPr>
+            <a:lvl9pPr marL="3886200" indent="-228600" eaLnBrk="0" fontAlgn="base" hangingPunct="0">
+              <a:spcBef>
+                <a:spcPct val="0"/>
+              </a:spcBef>
+              <a:spcAft>
+                <a:spcPct val="0"/>
+              </a:spcAft>
+              <a:defRPr>
+                <a:solidFill>
+                  <a:schemeClr val="tx1"/>
+                </a:solidFill>
+                <a:latin typeface="Calibri" panose="020F0502020204030204" pitchFamily="34" charset="0"/>
+              </a:defRPr>
+            </a:lvl9pPr>
+          </a:lstStyle>
+          <a:p>
+            <a:pPr algn="ctr" eaLnBrk="1" hangingPunct="1"/>
+            <a:r>
+              <a:rPr lang="en-US" altLang="en-US" sz="1200" dirty="0" err="1">
+                <a:latin typeface="Arial" panose="020B0604020202020204" pitchFamily="34" charset="0"/>
+                <a:ea typeface="Amazon Ember" panose="020B0603020204020204" pitchFamily="34" charset="0"/>
+                <a:cs typeface="Arial" panose="020B0604020202020204" pitchFamily="34" charset="0"/>
+              </a:rPr>
+              <a:t>MRASCo</a:t>
+            </a:r>
+            <a:r>
+              <a:rPr lang="en-US" altLang="en-US" sz="1200" dirty="0">
+                <a:latin typeface="Arial" panose="020B0604020202020204" pitchFamily="34" charset="0"/>
+                <a:ea typeface="Amazon Ember" panose="020B0603020204020204" pitchFamily="34" charset="0"/>
+                <a:cs typeface="Arial" panose="020B0604020202020204" pitchFamily="34" charset="0"/>
+              </a:rPr>
+              <a:t> files</a:t>
+            </a:r>
+          </a:p>
+        </p:txBody>
+      </p:sp>
+      <p:pic>
+        <p:nvPicPr>
+          <p:cNvPr id="40" name="Graphic 21">
+            <a:extLst>
+              <a:ext uri="{FF2B5EF4-FFF2-40B4-BE49-F238E27FC236}">
+                <a16:creationId xmlns:a16="http://schemas.microsoft.com/office/drawing/2014/main" id="{03D0870C-03A6-4B68-A602-6B72EF019B24}"/>
+              </a:ext>
+            </a:extLst>
+          </p:cNvPr>
+          <p:cNvPicPr>
+            <a:picLocks noChangeAspect="1" noChangeArrowheads="1"/>
+          </p:cNvPicPr>
+          <p:nvPr/>
+        </p:nvPicPr>
+        <p:blipFill>
+          <a:blip r:embed="rId11">
+            <a:extLst>
+              <a:ext uri="{28A0092B-C50C-407E-A947-70E740481C1C}">
+                <a14:useLocalDpi xmlns:a14="http://schemas.microsoft.com/office/drawing/2010/main" val="0"/>
+              </a:ext>
+            </a:extLst>
+          </a:blip>
+          <a:srcRect/>
+          <a:stretch>
+            <a:fillRect/>
+          </a:stretch>
+        </p:blipFill>
+        <p:spPr bwMode="auto">
+          <a:xfrm>
+            <a:off x="5479840" y="5230398"/>
+            <a:ext cx="469900" cy="469900"/>
+          </a:xfrm>
+          <a:prstGeom prst="rect">
+            <a:avLst/>
+          </a:prstGeom>
+          <a:noFill/>
+          <a:ln>
+            <a:noFill/>
+          </a:ln>
+          <a:extLst>
+            <a:ext uri="{909E8E84-426E-40DD-AFC4-6F175D3DCCD1}">
+              <a14:hiddenFill xmlns:a14="http://schemas.microsoft.com/office/drawing/2010/main">
+                <a:solidFill>
+                  <a:srgbClr val="FFFFFF"/>
+                </a:solidFill>
+              </a14:hiddenFill>
+            </a:ext>
+            <a:ext uri="{91240B29-F687-4F45-9708-019B960494DF}">
+              <a14:hiddenLine xmlns:a14="http://schemas.microsoft.com/office/drawing/2010/main" w="9525">
+                <a:solidFill>
+                  <a:srgbClr val="000000"/>
+                </a:solidFill>
+                <a:miter lim="800000"/>
+                <a:headEnd/>
+                <a:tailEnd/>
+              </a14:hiddenLine>
+            </a:ext>
+          </a:extLst>
+        </p:spPr>
+      </p:pic>
+      <p:sp>
+        <p:nvSpPr>
+          <p:cNvPr id="41" name="TextBox 20">
+            <a:extLst>
+              <a:ext uri="{FF2B5EF4-FFF2-40B4-BE49-F238E27FC236}">
+                <a16:creationId xmlns:a16="http://schemas.microsoft.com/office/drawing/2014/main" id="{3C810111-7062-417D-B198-6317F38292C3}"/>
+              </a:ext>
+            </a:extLst>
+          </p:cNvPr>
+          <p:cNvSpPr txBox="1">
+            <a:spLocks noChangeArrowheads="1"/>
+          </p:cNvSpPr>
+          <p:nvPr/>
+        </p:nvSpPr>
+        <p:spPr bwMode="auto">
+          <a:xfrm>
+            <a:off x="5065343" y="5706392"/>
+            <a:ext cx="1290638" cy="276999"/>
+          </a:xfrm>
+          <a:prstGeom prst="rect">
+            <a:avLst/>
+          </a:prstGeom>
+          <a:noFill/>
+          <a:ln>
+            <a:noFill/>
+          </a:ln>
+          <a:extLst>
+            <a:ext uri="{909E8E84-426E-40DD-AFC4-6F175D3DCCD1}">
+              <a14:hiddenFill xmlns:a14="http://schemas.microsoft.com/office/drawing/2010/main">
+                <a:solidFill>
+                  <a:srgbClr val="FFFFFF"/>
+                </a:solidFill>
+              </a14:hiddenFill>
+            </a:ext>
+            <a:ext uri="{91240B29-F687-4F45-9708-019B960494DF}">
+              <a14:hiddenLine xmlns:a14="http://schemas.microsoft.com/office/drawing/2010/main" w="9525">
+                <a:solidFill>
+                  <a:srgbClr val="000000"/>
+                </a:solidFill>
+                <a:miter lim="800000"/>
+                <a:headEnd/>
+                <a:tailEnd/>
+              </a14:hiddenLine>
+            </a:ext>
+          </a:extLst>
+        </p:spPr>
+        <p:txBody>
+          <a:bodyPr wrap="square">
+            <a:spAutoFit/>
+          </a:bodyPr>
+          <a:lstStyle>
+            <a:lvl1pPr>
+              <a:defRPr>
+                <a:solidFill>
+                  <a:schemeClr val="tx1"/>
+                </a:solidFill>
+                <a:latin typeface="Calibri" panose="020F0502020204030204" pitchFamily="34" charset="0"/>
+              </a:defRPr>
+            </a:lvl1pPr>
+            <a:lvl2pPr marL="742950" indent="-285750">
+              <a:defRPr>
+                <a:solidFill>
+                  <a:schemeClr val="tx1"/>
+                </a:solidFill>
+                <a:latin typeface="Calibri" panose="020F0502020204030204" pitchFamily="34" charset="0"/>
+              </a:defRPr>
+            </a:lvl2pPr>
+            <a:lvl3pPr marL="1143000" indent="-228600">
+              <a:defRPr>
+                <a:solidFill>
+                  <a:schemeClr val="tx1"/>
+                </a:solidFill>
+                <a:latin typeface="Calibri" panose="020F0502020204030204" pitchFamily="34" charset="0"/>
+              </a:defRPr>
+            </a:lvl3pPr>
+            <a:lvl4pPr marL="1600200" indent="-228600">
+              <a:defRPr>
+                <a:solidFill>
+                  <a:schemeClr val="tx1"/>
+                </a:solidFill>
+                <a:latin typeface="Calibri" panose="020F0502020204030204" pitchFamily="34" charset="0"/>
+              </a:defRPr>
+            </a:lvl4pPr>
+            <a:lvl5pPr marL="2057400" indent="-228600">
+              <a:defRPr>
+                <a:solidFill>
+                  <a:schemeClr val="tx1"/>
+                </a:solidFill>
+                <a:latin typeface="Calibri" panose="020F0502020204030204" pitchFamily="34" charset="0"/>
+              </a:defRPr>
+            </a:lvl5pPr>
+            <a:lvl6pPr marL="2514600" indent="-228600" eaLnBrk="0" fontAlgn="base" hangingPunct="0">
+              <a:spcBef>
+                <a:spcPct val="0"/>
+              </a:spcBef>
+              <a:spcAft>
+                <a:spcPct val="0"/>
+              </a:spcAft>
+              <a:defRPr>
+                <a:solidFill>
+                  <a:schemeClr val="tx1"/>
+                </a:solidFill>
+                <a:latin typeface="Calibri" panose="020F0502020204030204" pitchFamily="34" charset="0"/>
+              </a:defRPr>
+            </a:lvl6pPr>
+            <a:lvl7pPr marL="2971800" indent="-228600" eaLnBrk="0" fontAlgn="base" hangingPunct="0">
+              <a:spcBef>
+                <a:spcPct val="0"/>
+              </a:spcBef>
+              <a:spcAft>
+                <a:spcPct val="0"/>
+              </a:spcAft>
+              <a:defRPr>
+                <a:solidFill>
+                  <a:schemeClr val="tx1"/>
+                </a:solidFill>
+                <a:latin typeface="Calibri" panose="020F0502020204030204" pitchFamily="34" charset="0"/>
+              </a:defRPr>
+            </a:lvl7pPr>
+            <a:lvl8pPr marL="3429000" indent="-228600" eaLnBrk="0" fontAlgn="base" hangingPunct="0">
+              <a:spcBef>
+                <a:spcPct val="0"/>
+              </a:spcBef>
+              <a:spcAft>
+                <a:spcPct val="0"/>
+              </a:spcAft>
+              <a:defRPr>
+                <a:solidFill>
+                  <a:schemeClr val="tx1"/>
+                </a:solidFill>
+                <a:latin typeface="Calibri" panose="020F0502020204030204" pitchFamily="34" charset="0"/>
+              </a:defRPr>
+            </a:lvl8pPr>
+            <a:lvl9pPr marL="3886200" indent="-228600" eaLnBrk="0" fontAlgn="base" hangingPunct="0">
+              <a:spcBef>
+                <a:spcPct val="0"/>
+              </a:spcBef>
+              <a:spcAft>
+                <a:spcPct val="0"/>
+              </a:spcAft>
+              <a:defRPr>
+                <a:solidFill>
+                  <a:schemeClr val="tx1"/>
+                </a:solidFill>
+                <a:latin typeface="Calibri" panose="020F0502020204030204" pitchFamily="34" charset="0"/>
+              </a:defRPr>
+            </a:lvl9pPr>
+          </a:lstStyle>
+          <a:p>
+            <a:pPr algn="ctr" eaLnBrk="1" hangingPunct="1"/>
+            <a:r>
+              <a:rPr lang="en-US" altLang="en-US" sz="1200" dirty="0">
+                <a:latin typeface="Arial" panose="020B0604020202020204" pitchFamily="34" charset="0"/>
+                <a:ea typeface="Amazon Ember" panose="020B0603020204020204" pitchFamily="34" charset="0"/>
+                <a:cs typeface="Arial" panose="020B0604020202020204" pitchFamily="34" charset="0"/>
+              </a:rPr>
+              <a:t>MDMS</a:t>
+            </a:r>
+          </a:p>
+        </p:txBody>
+      </p:sp>
+      <p:cxnSp>
+        <p:nvCxnSpPr>
+          <p:cNvPr id="44" name="Straight Arrow Connector 43">
+            <a:extLst>
+              <a:ext uri="{FF2B5EF4-FFF2-40B4-BE49-F238E27FC236}">
+                <a16:creationId xmlns:a16="http://schemas.microsoft.com/office/drawing/2014/main" id="{B729B854-F6A6-481D-A7B2-789FC2F95688}"/>
+              </a:ext>
+            </a:extLst>
+          </p:cNvPr>
+          <p:cNvCxnSpPr>
+            <a:cxnSpLocks/>
+            <a:stCxn id="38" idx="0"/>
+            <a:endCxn id="10" idx="2"/>
+          </p:cNvCxnSpPr>
+          <p:nvPr/>
+        </p:nvCxnSpPr>
+        <p:spPr>
+          <a:xfrm flipV="1">
+            <a:off x="2549846" y="4386420"/>
+            <a:ext cx="1938" cy="843978"/>
+          </a:xfrm>
+          <a:prstGeom prst="straightConnector1">
+            <a:avLst/>
+          </a:prstGeom>
+          <a:ln w="12700">
+            <a:solidFill>
+              <a:schemeClr val="tx2"/>
+            </a:solidFill>
+            <a:headEnd type="none" w="med" len="sm"/>
+            <a:tailEnd type="arrow" w="med" len="sm"/>
+          </a:ln>
+        </p:spPr>
+        <p:style>
+          <a:lnRef idx="1">
+            <a:schemeClr val="accent1"/>
+          </a:lnRef>
+          <a:fillRef idx="0">
+            <a:schemeClr val="accent1"/>
+          </a:fillRef>
+          <a:effectRef idx="0">
+            <a:schemeClr val="accent1"/>
+          </a:effectRef>
+          <a:fontRef idx="minor">
+            <a:schemeClr val="tx1"/>
+          </a:fontRef>
+        </p:style>
+      </p:cxnSp>
+      <p:cxnSp>
+        <p:nvCxnSpPr>
+          <p:cNvPr id="47" name="Straight Arrow Connector 46">
+            <a:extLst>
+              <a:ext uri="{FF2B5EF4-FFF2-40B4-BE49-F238E27FC236}">
+                <a16:creationId xmlns:a16="http://schemas.microsoft.com/office/drawing/2014/main" id="{C1C8C397-BC68-4C41-B074-06C08811AA37}"/>
+              </a:ext>
+            </a:extLst>
+          </p:cNvPr>
+          <p:cNvCxnSpPr>
+            <a:cxnSpLocks/>
+            <a:stCxn id="40" idx="0"/>
+            <a:endCxn id="22" idx="2"/>
+          </p:cNvCxnSpPr>
+          <p:nvPr/>
+        </p:nvCxnSpPr>
+        <p:spPr>
+          <a:xfrm flipV="1">
+            <a:off x="5714790" y="3257652"/>
+            <a:ext cx="1" cy="1972746"/>
+          </a:xfrm>
+          <a:prstGeom prst="straightConnector1">
+            <a:avLst/>
+          </a:prstGeom>
+          <a:ln w="12700">
+            <a:solidFill>
+              <a:schemeClr val="tx2"/>
+            </a:solidFill>
+            <a:headEnd type="none" w="med" len="sm"/>
+            <a:tailEnd type="arrow" w="med" len="sm"/>
+          </a:ln>
+        </p:spPr>
+        <p:style>
+          <a:lnRef idx="1">
+            <a:schemeClr val="accent1"/>
+          </a:lnRef>
+          <a:fillRef idx="0">
+            <a:schemeClr val="accent1"/>
+          </a:fillRef>
+          <a:effectRef idx="0">
+            <a:schemeClr val="accent1"/>
+          </a:effectRef>
+          <a:fontRef idx="minor">
+            <a:schemeClr val="tx1"/>
+          </a:fontRef>
+        </p:style>
+      </p:cxnSp>
+      <p:cxnSp>
+        <p:nvCxnSpPr>
+          <p:cNvPr id="57" name="Straight Arrow Connector 56">
+            <a:extLst>
+              <a:ext uri="{FF2B5EF4-FFF2-40B4-BE49-F238E27FC236}">
+                <a16:creationId xmlns:a16="http://schemas.microsoft.com/office/drawing/2014/main" id="{DF176804-512D-48B5-8232-33A181BBA536}"/>
+              </a:ext>
+            </a:extLst>
+          </p:cNvPr>
+          <p:cNvCxnSpPr>
+            <a:cxnSpLocks/>
+            <a:stCxn id="23" idx="3"/>
+          </p:cNvCxnSpPr>
+          <p:nvPr/>
+        </p:nvCxnSpPr>
+        <p:spPr>
+          <a:xfrm>
+            <a:off x="5957969" y="2716300"/>
+            <a:ext cx="1339444" cy="0"/>
+          </a:xfrm>
+          <a:prstGeom prst="straightConnector1">
+            <a:avLst/>
+          </a:prstGeom>
+          <a:ln w="12700">
+            <a:solidFill>
+              <a:srgbClr val="545B64"/>
+            </a:solidFill>
+            <a:headEnd type="arrow" w="med" len="sm"/>
+            <a:tailEnd type="none" w="med" len="sm"/>
+          </a:ln>
+        </p:spPr>
+        <p:style>
+          <a:lnRef idx="1">
+            <a:schemeClr val="accent1"/>
+          </a:lnRef>
+          <a:fillRef idx="0">
+            <a:schemeClr val="accent1"/>
+          </a:fillRef>
+          <a:effectRef idx="0">
+            <a:schemeClr val="accent1"/>
+          </a:effectRef>
+          <a:fontRef idx="minor">
+            <a:schemeClr val="tx1"/>
+          </a:fontRef>
+        </p:style>
+      </p:cxnSp>
+      <p:cxnSp>
+        <p:nvCxnSpPr>
+          <p:cNvPr id="61" name="Elbow Connector 13">
+            <a:extLst>
+              <a:ext uri="{FF2B5EF4-FFF2-40B4-BE49-F238E27FC236}">
+                <a16:creationId xmlns:a16="http://schemas.microsoft.com/office/drawing/2014/main" id="{52A7BF7E-1BCC-45F8-A6CE-EDD784DB98A4}"/>
+              </a:ext>
+            </a:extLst>
+          </p:cNvPr>
+          <p:cNvCxnSpPr>
+            <a:cxnSpLocks/>
+          </p:cNvCxnSpPr>
+          <p:nvPr/>
+        </p:nvCxnSpPr>
+        <p:spPr>
+          <a:xfrm rot="10800000" flipH="1">
+            <a:off x="2222845" y="2415003"/>
+            <a:ext cx="322707" cy="274320"/>
+          </a:xfrm>
+          <a:prstGeom prst="bentConnector4">
+            <a:avLst>
+              <a:gd name="adj1" fmla="val -160043"/>
+              <a:gd name="adj2" fmla="val 206023"/>
+            </a:avLst>
+          </a:prstGeom>
+          <a:ln w="12700">
+            <a:solidFill>
+              <a:srgbClr val="545B64"/>
+            </a:solidFill>
+            <a:headEnd type="arrow" w="med" len="sm"/>
+            <a:tailEnd type="none" w="med" len="sm"/>
+          </a:ln>
+        </p:spPr>
+        <p:style>
+          <a:lnRef idx="1">
+            <a:schemeClr val="accent1"/>
+          </a:lnRef>
+          <a:fillRef idx="0">
+            <a:schemeClr val="accent1"/>
+          </a:fillRef>
+          <a:effectRef idx="0">
+            <a:schemeClr val="accent1"/>
+          </a:effectRef>
+          <a:fontRef idx="minor">
+            <a:schemeClr val="tx1"/>
+          </a:fontRef>
+        </p:style>
+      </p:cxnSp>
+      <p:sp>
+        <p:nvSpPr>
+          <p:cNvPr id="81" name="Freeform 34">
+            <a:extLst>
+              <a:ext uri="{FF2B5EF4-FFF2-40B4-BE49-F238E27FC236}">
+                <a16:creationId xmlns:a16="http://schemas.microsoft.com/office/drawing/2014/main" id="{FBCA56B1-6075-42DD-A075-DF11A2F06C10}"/>
+              </a:ext>
+            </a:extLst>
+          </p:cNvPr>
+          <p:cNvSpPr/>
+          <p:nvPr/>
+        </p:nvSpPr>
+        <p:spPr>
+          <a:xfrm flipH="1">
+            <a:off x="1713302" y="2806134"/>
+            <a:ext cx="515774" cy="1110520"/>
+          </a:xfrm>
+          <a:custGeom>
+            <a:avLst/>
+            <a:gdLst>
+              <a:gd name="connsiteX0" fmla="*/ 1371600 w 1371600"/>
+              <a:gd name="connsiteY0" fmla="*/ 711200 h 711200"/>
+              <a:gd name="connsiteX1" fmla="*/ 1371600 w 1371600"/>
+              <a:gd name="connsiteY1" fmla="*/ 0 h 711200"/>
+              <a:gd name="connsiteX2" fmla="*/ 0 w 1371600"/>
+              <a:gd name="connsiteY2" fmla="*/ 0 h 711200"/>
+            </a:gdLst>
+            <a:ahLst/>
+            <a:cxnLst>
+              <a:cxn ang="0">
+                <a:pos x="connsiteX0" y="connsiteY0"/>
+              </a:cxn>
+              <a:cxn ang="0">
+                <a:pos x="connsiteX1" y="connsiteY1"/>
+              </a:cxn>
+              <a:cxn ang="0">
+                <a:pos x="connsiteX2" y="connsiteY2"/>
+              </a:cxn>
+            </a:cxnLst>
+            <a:rect l="l" t="t" r="r" b="b"/>
+            <a:pathLst>
+              <a:path w="1371600" h="711200">
+                <a:moveTo>
+                  <a:pt x="1371600" y="711200"/>
+                </a:moveTo>
+                <a:lnTo>
+                  <a:pt x="1371600" y="0"/>
+                </a:lnTo>
+                <a:lnTo>
+                  <a:pt x="0" y="0"/>
+                </a:lnTo>
+              </a:path>
+            </a:pathLst>
+          </a:custGeom>
+          <a:noFill/>
+          <a:ln w="12700">
+            <a:solidFill>
+              <a:schemeClr val="tx2"/>
+            </a:solidFill>
+            <a:headEnd type="none" w="med" len="sm"/>
+            <a:tailEnd type="arrow" w="med" len="sm"/>
+          </a:ln>
+        </p:spPr>
+        <p:style>
+          <a:lnRef idx="2">
+            <a:schemeClr val="accent1">
+              <a:shade val="50000"/>
+            </a:schemeClr>
+          </a:lnRef>
+          <a:fillRef idx="1">
+            <a:schemeClr val="accent1"/>
+          </a:fillRef>
+          <a:effectRef idx="0">
+            <a:schemeClr val="accent1"/>
+          </a:effectRef>
+          <a:fontRef idx="minor">
+            <a:schemeClr val="lt1"/>
+          </a:fontRef>
+        </p:style>
+        <p:txBody>
+          <a:bodyPr anchor="ctr"/>
+          <a:lstStyle/>
+          <a:p>
+            <a:pPr algn="ctr" eaLnBrk="1" fontAlgn="auto" hangingPunct="1">
+              <a:spcBef>
+                <a:spcPts val="0"/>
+              </a:spcBef>
+              <a:spcAft>
+                <a:spcPts val="0"/>
+              </a:spcAft>
+              <a:defRPr/>
+            </a:pPr>
+            <a:endParaRPr lang="en-US" dirty="0"/>
+          </a:p>
+        </p:txBody>
+      </p:sp>
+      <p:cxnSp>
+        <p:nvCxnSpPr>
+          <p:cNvPr id="82" name="Straight Arrow Connector 81">
+            <a:extLst>
+              <a:ext uri="{FF2B5EF4-FFF2-40B4-BE49-F238E27FC236}">
+                <a16:creationId xmlns:a16="http://schemas.microsoft.com/office/drawing/2014/main" id="{12596D70-D89E-4259-8F74-F03A25788638}"/>
+              </a:ext>
+            </a:extLst>
+          </p:cNvPr>
+          <p:cNvCxnSpPr>
+            <a:cxnSpLocks/>
+            <a:stCxn id="81" idx="0"/>
+            <a:endCxn id="11" idx="1"/>
+          </p:cNvCxnSpPr>
+          <p:nvPr/>
+        </p:nvCxnSpPr>
+        <p:spPr>
+          <a:xfrm flipV="1">
+            <a:off x="1713302" y="3916653"/>
+            <a:ext cx="609882" cy="1"/>
+          </a:xfrm>
+          <a:prstGeom prst="straightConnector1">
+            <a:avLst/>
+          </a:prstGeom>
+          <a:ln w="12700">
+            <a:solidFill>
+              <a:srgbClr val="545B64"/>
+            </a:solidFill>
+            <a:headEnd type="none" w="med" len="sm"/>
+            <a:tailEnd type="none" w="med" len="sm"/>
+          </a:ln>
+        </p:spPr>
+        <p:style>
+          <a:lnRef idx="1">
+            <a:schemeClr val="accent1"/>
+          </a:lnRef>
+          <a:fillRef idx="0">
+            <a:schemeClr val="accent1"/>
+          </a:fillRef>
+          <a:effectRef idx="0">
+            <a:schemeClr val="accent1"/>
+          </a:effectRef>
+          <a:fontRef idx="minor">
+            <a:schemeClr val="tx1"/>
+          </a:fontRef>
+        </p:style>
+      </p:cxnSp>
+      <p:sp>
+        <p:nvSpPr>
+          <p:cNvPr id="85" name="TextBox 18">
+            <a:extLst>
+              <a:ext uri="{FF2B5EF4-FFF2-40B4-BE49-F238E27FC236}">
+                <a16:creationId xmlns:a16="http://schemas.microsoft.com/office/drawing/2014/main" id="{85658142-3212-45CC-A90E-53FACAE94DBF}"/>
+              </a:ext>
+            </a:extLst>
+          </p:cNvPr>
+          <p:cNvSpPr txBox="1">
+            <a:spLocks noChangeArrowheads="1"/>
+          </p:cNvSpPr>
+          <p:nvPr/>
+        </p:nvSpPr>
+        <p:spPr bwMode="auto">
+          <a:xfrm>
+            <a:off x="1246119" y="3331973"/>
+            <a:ext cx="961405" cy="338554"/>
+          </a:xfrm>
+          <a:prstGeom prst="rect">
+            <a:avLst/>
+          </a:prstGeom>
+          <a:solidFill>
+            <a:schemeClr val="bg1">
+              <a:lumMod val="95000"/>
+            </a:schemeClr>
+          </a:solidFill>
+          <a:ln>
+            <a:noFill/>
+          </a:ln>
+          <a:extLst/>
+        </p:spPr>
+        <p:txBody>
+          <a:bodyPr wrap="square" lIns="0" tIns="0" rIns="0" bIns="0">
+            <a:spAutoFit/>
+          </a:bodyPr>
+          <a:lstStyle>
+            <a:lvl1pPr>
+              <a:defRPr>
+                <a:solidFill>
+                  <a:schemeClr val="tx1"/>
+                </a:solidFill>
+                <a:latin typeface="Calibri" panose="020F0502020204030204" pitchFamily="34" charset="0"/>
+              </a:defRPr>
+            </a:lvl1pPr>
+            <a:lvl2pPr marL="742950" indent="-285750">
+              <a:defRPr>
+                <a:solidFill>
+                  <a:schemeClr val="tx1"/>
+                </a:solidFill>
+                <a:latin typeface="Calibri" panose="020F0502020204030204" pitchFamily="34" charset="0"/>
+              </a:defRPr>
+            </a:lvl2pPr>
+            <a:lvl3pPr marL="1143000" indent="-228600">
+              <a:defRPr>
+                <a:solidFill>
+                  <a:schemeClr val="tx1"/>
+                </a:solidFill>
+                <a:latin typeface="Calibri" panose="020F0502020204030204" pitchFamily="34" charset="0"/>
+              </a:defRPr>
+            </a:lvl3pPr>
+            <a:lvl4pPr marL="1600200" indent="-228600">
+              <a:defRPr>
+                <a:solidFill>
+                  <a:schemeClr val="tx1"/>
+                </a:solidFill>
+                <a:latin typeface="Calibri" panose="020F0502020204030204" pitchFamily="34" charset="0"/>
+              </a:defRPr>
+            </a:lvl4pPr>
+            <a:lvl5pPr marL="2057400" indent="-228600">
+              <a:defRPr>
+                <a:solidFill>
+                  <a:schemeClr val="tx1"/>
+                </a:solidFill>
+                <a:latin typeface="Calibri" panose="020F0502020204030204" pitchFamily="34" charset="0"/>
+              </a:defRPr>
+            </a:lvl5pPr>
+            <a:lvl6pPr marL="2514600" indent="-228600" eaLnBrk="0" fontAlgn="base" hangingPunct="0">
+              <a:spcBef>
+                <a:spcPct val="0"/>
+              </a:spcBef>
+              <a:spcAft>
+                <a:spcPct val="0"/>
+              </a:spcAft>
+              <a:defRPr>
+                <a:solidFill>
+                  <a:schemeClr val="tx1"/>
+                </a:solidFill>
+                <a:latin typeface="Calibri" panose="020F0502020204030204" pitchFamily="34" charset="0"/>
+              </a:defRPr>
+            </a:lvl6pPr>
+            <a:lvl7pPr marL="2971800" indent="-228600" eaLnBrk="0" fontAlgn="base" hangingPunct="0">
+              <a:spcBef>
+                <a:spcPct val="0"/>
+              </a:spcBef>
+              <a:spcAft>
+                <a:spcPct val="0"/>
+              </a:spcAft>
+              <a:defRPr>
+                <a:solidFill>
+                  <a:schemeClr val="tx1"/>
+                </a:solidFill>
+                <a:latin typeface="Calibri" panose="020F0502020204030204" pitchFamily="34" charset="0"/>
+              </a:defRPr>
+            </a:lvl7pPr>
+            <a:lvl8pPr marL="3429000" indent="-228600" eaLnBrk="0" fontAlgn="base" hangingPunct="0">
+              <a:spcBef>
+                <a:spcPct val="0"/>
+              </a:spcBef>
+              <a:spcAft>
+                <a:spcPct val="0"/>
+              </a:spcAft>
+              <a:defRPr>
+                <a:solidFill>
+                  <a:schemeClr val="tx1"/>
+                </a:solidFill>
+                <a:latin typeface="Calibri" panose="020F0502020204030204" pitchFamily="34" charset="0"/>
+              </a:defRPr>
+            </a:lvl8pPr>
+            <a:lvl9pPr marL="3886200" indent="-228600" eaLnBrk="0" fontAlgn="base" hangingPunct="0">
+              <a:spcBef>
+                <a:spcPct val="0"/>
+              </a:spcBef>
+              <a:spcAft>
+                <a:spcPct val="0"/>
+              </a:spcAft>
+              <a:defRPr>
+                <a:solidFill>
+                  <a:schemeClr val="tx1"/>
+                </a:solidFill>
+                <a:latin typeface="Calibri" panose="020F0502020204030204" pitchFamily="34" charset="0"/>
+              </a:defRPr>
+            </a:lvl9pPr>
+          </a:lstStyle>
+          <a:p>
+            <a:pPr algn="ctr" eaLnBrk="1" hangingPunct="1"/>
+            <a:r>
+              <a:rPr lang="en-US" altLang="en-US" sz="1100" i="1" dirty="0">
+                <a:latin typeface="Arial" panose="020B0604020202020204" pitchFamily="34" charset="0"/>
+                <a:ea typeface="Amazon Ember" panose="020B0603020204020204" pitchFamily="34" charset="0"/>
+                <a:cs typeface="Arial" panose="020B0604020202020204" pitchFamily="34" charset="0"/>
+              </a:rPr>
+              <a:t>Object creation monitoring</a:t>
+            </a:r>
+          </a:p>
+        </p:txBody>
+      </p:sp>
+      <p:sp>
+        <p:nvSpPr>
+          <p:cNvPr id="88" name="TextBox 18">
+            <a:extLst>
+              <a:ext uri="{FF2B5EF4-FFF2-40B4-BE49-F238E27FC236}">
+                <a16:creationId xmlns:a16="http://schemas.microsoft.com/office/drawing/2014/main" id="{10FE7990-D172-4BF4-A6D5-09F601EB46C0}"/>
+              </a:ext>
+            </a:extLst>
+          </p:cNvPr>
+          <p:cNvSpPr txBox="1">
+            <a:spLocks noChangeArrowheads="1"/>
+          </p:cNvSpPr>
+          <p:nvPr/>
+        </p:nvSpPr>
+        <p:spPr bwMode="auto">
+          <a:xfrm>
+            <a:off x="1247287" y="2235000"/>
+            <a:ext cx="924503" cy="338554"/>
+          </a:xfrm>
+          <a:prstGeom prst="rect">
+            <a:avLst/>
+          </a:prstGeom>
+          <a:solidFill>
+            <a:schemeClr val="bg1">
+              <a:lumMod val="95000"/>
+            </a:schemeClr>
+          </a:solidFill>
+          <a:ln>
+            <a:noFill/>
+          </a:ln>
+          <a:extLst/>
+        </p:spPr>
+        <p:txBody>
+          <a:bodyPr wrap="square" lIns="0" tIns="0" rIns="0" bIns="0">
+            <a:spAutoFit/>
+          </a:bodyPr>
+          <a:lstStyle>
+            <a:lvl1pPr>
+              <a:defRPr>
+                <a:solidFill>
+                  <a:schemeClr val="tx1"/>
+                </a:solidFill>
+                <a:latin typeface="Calibri" panose="020F0502020204030204" pitchFamily="34" charset="0"/>
+              </a:defRPr>
+            </a:lvl1pPr>
+            <a:lvl2pPr marL="742950" indent="-285750">
+              <a:defRPr>
+                <a:solidFill>
+                  <a:schemeClr val="tx1"/>
+                </a:solidFill>
+                <a:latin typeface="Calibri" panose="020F0502020204030204" pitchFamily="34" charset="0"/>
+              </a:defRPr>
+            </a:lvl2pPr>
+            <a:lvl3pPr marL="1143000" indent="-228600">
+              <a:defRPr>
+                <a:solidFill>
+                  <a:schemeClr val="tx1"/>
+                </a:solidFill>
+                <a:latin typeface="Calibri" panose="020F0502020204030204" pitchFamily="34" charset="0"/>
+              </a:defRPr>
+            </a:lvl3pPr>
+            <a:lvl4pPr marL="1600200" indent="-228600">
+              <a:defRPr>
+                <a:solidFill>
+                  <a:schemeClr val="tx1"/>
+                </a:solidFill>
+                <a:latin typeface="Calibri" panose="020F0502020204030204" pitchFamily="34" charset="0"/>
+              </a:defRPr>
+            </a:lvl4pPr>
+            <a:lvl5pPr marL="2057400" indent="-228600">
+              <a:defRPr>
+                <a:solidFill>
+                  <a:schemeClr val="tx1"/>
+                </a:solidFill>
+                <a:latin typeface="Calibri" panose="020F0502020204030204" pitchFamily="34" charset="0"/>
+              </a:defRPr>
+            </a:lvl5pPr>
+            <a:lvl6pPr marL="2514600" indent="-228600" eaLnBrk="0" fontAlgn="base" hangingPunct="0">
+              <a:spcBef>
+                <a:spcPct val="0"/>
+              </a:spcBef>
+              <a:spcAft>
+                <a:spcPct val="0"/>
+              </a:spcAft>
+              <a:defRPr>
+                <a:solidFill>
+                  <a:schemeClr val="tx1"/>
+                </a:solidFill>
+                <a:latin typeface="Calibri" panose="020F0502020204030204" pitchFamily="34" charset="0"/>
+              </a:defRPr>
+            </a:lvl6pPr>
+            <a:lvl7pPr marL="2971800" indent="-228600" eaLnBrk="0" fontAlgn="base" hangingPunct="0">
+              <a:spcBef>
+                <a:spcPct val="0"/>
+              </a:spcBef>
+              <a:spcAft>
+                <a:spcPct val="0"/>
+              </a:spcAft>
+              <a:defRPr>
+                <a:solidFill>
+                  <a:schemeClr val="tx1"/>
+                </a:solidFill>
+                <a:latin typeface="Calibri" panose="020F0502020204030204" pitchFamily="34" charset="0"/>
+              </a:defRPr>
+            </a:lvl7pPr>
+            <a:lvl8pPr marL="3429000" indent="-228600" eaLnBrk="0" fontAlgn="base" hangingPunct="0">
+              <a:spcBef>
+                <a:spcPct val="0"/>
+              </a:spcBef>
+              <a:spcAft>
+                <a:spcPct val="0"/>
+              </a:spcAft>
+              <a:defRPr>
+                <a:solidFill>
+                  <a:schemeClr val="tx1"/>
+                </a:solidFill>
+                <a:latin typeface="Calibri" panose="020F0502020204030204" pitchFamily="34" charset="0"/>
+              </a:defRPr>
+            </a:lvl8pPr>
+            <a:lvl9pPr marL="3886200" indent="-228600" eaLnBrk="0" fontAlgn="base" hangingPunct="0">
+              <a:spcBef>
+                <a:spcPct val="0"/>
+              </a:spcBef>
+              <a:spcAft>
+                <a:spcPct val="0"/>
+              </a:spcAft>
+              <a:defRPr>
+                <a:solidFill>
+                  <a:schemeClr val="tx1"/>
+                </a:solidFill>
+                <a:latin typeface="Calibri" panose="020F0502020204030204" pitchFamily="34" charset="0"/>
+              </a:defRPr>
+            </a:lvl9pPr>
+          </a:lstStyle>
+          <a:p>
+            <a:pPr algn="ctr" eaLnBrk="1" hangingPunct="1"/>
+            <a:r>
+              <a:rPr lang="en-US" altLang="en-US" sz="1100" i="1" dirty="0">
+                <a:latin typeface="Arial" panose="020B0604020202020204" pitchFamily="34" charset="0"/>
+                <a:ea typeface="Amazon Ember" panose="020B0603020204020204" pitchFamily="34" charset="0"/>
+                <a:cs typeface="Arial" panose="020B0604020202020204" pitchFamily="34" charset="0"/>
+              </a:rPr>
+              <a:t>Adapter transformation</a:t>
+            </a:r>
+          </a:p>
+        </p:txBody>
+      </p:sp>
+      <p:sp>
+        <p:nvSpPr>
+          <p:cNvPr id="89" name="TextBox 18">
+            <a:extLst>
+              <a:ext uri="{FF2B5EF4-FFF2-40B4-BE49-F238E27FC236}">
+                <a16:creationId xmlns:a16="http://schemas.microsoft.com/office/drawing/2014/main" id="{0ABB2441-5B12-4003-96DC-7C9669F06E52}"/>
+              </a:ext>
+            </a:extLst>
+          </p:cNvPr>
+          <p:cNvSpPr txBox="1">
+            <a:spLocks noChangeArrowheads="1"/>
+          </p:cNvSpPr>
+          <p:nvPr/>
+        </p:nvSpPr>
+        <p:spPr bwMode="auto">
+          <a:xfrm>
+            <a:off x="2797507" y="2328560"/>
+            <a:ext cx="1145253" cy="338554"/>
+          </a:xfrm>
+          <a:prstGeom prst="rect">
+            <a:avLst/>
+          </a:prstGeom>
+          <a:solidFill>
+            <a:schemeClr val="bg1">
+              <a:lumMod val="95000"/>
+            </a:schemeClr>
+          </a:solidFill>
+          <a:ln>
+            <a:noFill/>
+          </a:ln>
+          <a:extLst/>
+        </p:spPr>
+        <p:txBody>
+          <a:bodyPr wrap="square" lIns="0" tIns="0" rIns="0" bIns="0">
+            <a:spAutoFit/>
+          </a:bodyPr>
+          <a:lstStyle>
+            <a:lvl1pPr>
+              <a:defRPr>
+                <a:solidFill>
+                  <a:schemeClr val="tx1"/>
+                </a:solidFill>
+                <a:latin typeface="Calibri" panose="020F0502020204030204" pitchFamily="34" charset="0"/>
+              </a:defRPr>
+            </a:lvl1pPr>
+            <a:lvl2pPr marL="742950" indent="-285750">
+              <a:defRPr>
+                <a:solidFill>
+                  <a:schemeClr val="tx1"/>
+                </a:solidFill>
+                <a:latin typeface="Calibri" panose="020F0502020204030204" pitchFamily="34" charset="0"/>
+              </a:defRPr>
+            </a:lvl2pPr>
+            <a:lvl3pPr marL="1143000" indent="-228600">
+              <a:defRPr>
+                <a:solidFill>
+                  <a:schemeClr val="tx1"/>
+                </a:solidFill>
+                <a:latin typeface="Calibri" panose="020F0502020204030204" pitchFamily="34" charset="0"/>
+              </a:defRPr>
+            </a:lvl3pPr>
+            <a:lvl4pPr marL="1600200" indent="-228600">
+              <a:defRPr>
+                <a:solidFill>
+                  <a:schemeClr val="tx1"/>
+                </a:solidFill>
+                <a:latin typeface="Calibri" panose="020F0502020204030204" pitchFamily="34" charset="0"/>
+              </a:defRPr>
+            </a:lvl4pPr>
+            <a:lvl5pPr marL="2057400" indent="-228600">
+              <a:defRPr>
+                <a:solidFill>
+                  <a:schemeClr val="tx1"/>
+                </a:solidFill>
+                <a:latin typeface="Calibri" panose="020F0502020204030204" pitchFamily="34" charset="0"/>
+              </a:defRPr>
+            </a:lvl5pPr>
+            <a:lvl6pPr marL="2514600" indent="-228600" eaLnBrk="0" fontAlgn="base" hangingPunct="0">
+              <a:spcBef>
+                <a:spcPct val="0"/>
+              </a:spcBef>
+              <a:spcAft>
+                <a:spcPct val="0"/>
+              </a:spcAft>
+              <a:defRPr>
+                <a:solidFill>
+                  <a:schemeClr val="tx1"/>
+                </a:solidFill>
+                <a:latin typeface="Calibri" panose="020F0502020204030204" pitchFamily="34" charset="0"/>
+              </a:defRPr>
+            </a:lvl6pPr>
+            <a:lvl7pPr marL="2971800" indent="-228600" eaLnBrk="0" fontAlgn="base" hangingPunct="0">
+              <a:spcBef>
+                <a:spcPct val="0"/>
+              </a:spcBef>
+              <a:spcAft>
+                <a:spcPct val="0"/>
+              </a:spcAft>
+              <a:defRPr>
+                <a:solidFill>
+                  <a:schemeClr val="tx1"/>
+                </a:solidFill>
+                <a:latin typeface="Calibri" panose="020F0502020204030204" pitchFamily="34" charset="0"/>
+              </a:defRPr>
+            </a:lvl7pPr>
+            <a:lvl8pPr marL="3429000" indent="-228600" eaLnBrk="0" fontAlgn="base" hangingPunct="0">
+              <a:spcBef>
+                <a:spcPct val="0"/>
+              </a:spcBef>
+              <a:spcAft>
+                <a:spcPct val="0"/>
+              </a:spcAft>
+              <a:defRPr>
+                <a:solidFill>
+                  <a:schemeClr val="tx1"/>
+                </a:solidFill>
+                <a:latin typeface="Calibri" panose="020F0502020204030204" pitchFamily="34" charset="0"/>
+              </a:defRPr>
+            </a:lvl8pPr>
+            <a:lvl9pPr marL="3886200" indent="-228600" eaLnBrk="0" fontAlgn="base" hangingPunct="0">
+              <a:spcBef>
+                <a:spcPct val="0"/>
+              </a:spcBef>
+              <a:spcAft>
+                <a:spcPct val="0"/>
+              </a:spcAft>
+              <a:defRPr>
+                <a:solidFill>
+                  <a:schemeClr val="tx1"/>
+                </a:solidFill>
+                <a:latin typeface="Calibri" panose="020F0502020204030204" pitchFamily="34" charset="0"/>
+              </a:defRPr>
+            </a:lvl9pPr>
+          </a:lstStyle>
+          <a:p>
+            <a:pPr algn="ctr" eaLnBrk="1" hangingPunct="1"/>
+            <a:r>
+              <a:rPr lang="en-US" altLang="en-US" sz="1100" i="1" dirty="0">
+                <a:latin typeface="Arial" panose="020B0604020202020204" pitchFamily="34" charset="0"/>
+                <a:ea typeface="Amazon Ember" panose="020B0603020204020204" pitchFamily="34" charset="0"/>
+                <a:cs typeface="Arial" panose="020B0604020202020204" pitchFamily="34" charset="0"/>
+              </a:rPr>
+              <a:t>MDA landing zone files</a:t>
+            </a:r>
+          </a:p>
+        </p:txBody>
+      </p:sp>
+      <p:sp>
+        <p:nvSpPr>
+          <p:cNvPr id="43" name="TextBox 17">
+            <a:extLst>
+              <a:ext uri="{FF2B5EF4-FFF2-40B4-BE49-F238E27FC236}">
+                <a16:creationId xmlns:a16="http://schemas.microsoft.com/office/drawing/2014/main" id="{23CFC9F2-8418-4120-8E88-F5BDC65F68D4}"/>
+              </a:ext>
+            </a:extLst>
+          </p:cNvPr>
+          <p:cNvSpPr txBox="1">
+            <a:spLocks noChangeArrowheads="1"/>
+          </p:cNvSpPr>
+          <p:nvPr/>
+        </p:nvSpPr>
+        <p:spPr bwMode="auto">
+          <a:xfrm>
+            <a:off x="1870747" y="2968121"/>
+            <a:ext cx="1362074" cy="276999"/>
+          </a:xfrm>
+          <a:prstGeom prst="rect">
+            <a:avLst/>
+          </a:prstGeom>
+          <a:noFill/>
+          <a:ln>
+            <a:noFill/>
+          </a:ln>
+          <a:extLst>
+            <a:ext uri="{909E8E84-426E-40DD-AFC4-6F175D3DCCD1}">
+              <a14:hiddenFill xmlns:a14="http://schemas.microsoft.com/office/drawing/2010/main">
+                <a:solidFill>
+                  <a:srgbClr val="FFFFFF"/>
+                </a:solidFill>
+              </a14:hiddenFill>
+            </a:ext>
+            <a:ext uri="{91240B29-F687-4F45-9708-019B960494DF}">
+              <a14:hiddenLine xmlns:a14="http://schemas.microsoft.com/office/drawing/2010/main" w="9525">
+                <a:solidFill>
+                  <a:srgbClr val="000000"/>
+                </a:solidFill>
+                <a:miter lim="800000"/>
+                <a:headEnd/>
+                <a:tailEnd/>
+              </a14:hiddenLine>
+            </a:ext>
+          </a:extLst>
+        </p:spPr>
+        <p:txBody>
+          <a:bodyPr wrap="square">
+            <a:spAutoFit/>
+          </a:bodyPr>
+          <a:lstStyle>
+            <a:lvl1pPr>
+              <a:defRPr>
+                <a:solidFill>
+                  <a:schemeClr val="tx1"/>
+                </a:solidFill>
+                <a:latin typeface="Calibri" panose="020F0502020204030204" pitchFamily="34" charset="0"/>
+              </a:defRPr>
+            </a:lvl1pPr>
+            <a:lvl2pPr marL="742950" indent="-285750">
+              <a:defRPr>
+                <a:solidFill>
+                  <a:schemeClr val="tx1"/>
+                </a:solidFill>
+                <a:latin typeface="Calibri" panose="020F0502020204030204" pitchFamily="34" charset="0"/>
+              </a:defRPr>
+            </a:lvl2pPr>
+            <a:lvl3pPr marL="1143000" indent="-228600">
+              <a:defRPr>
+                <a:solidFill>
+                  <a:schemeClr val="tx1"/>
+                </a:solidFill>
+                <a:latin typeface="Calibri" panose="020F0502020204030204" pitchFamily="34" charset="0"/>
+              </a:defRPr>
+            </a:lvl3pPr>
+            <a:lvl4pPr marL="1600200" indent="-228600">
+              <a:defRPr>
+                <a:solidFill>
+                  <a:schemeClr val="tx1"/>
+                </a:solidFill>
+                <a:latin typeface="Calibri" panose="020F0502020204030204" pitchFamily="34" charset="0"/>
+              </a:defRPr>
+            </a:lvl4pPr>
+            <a:lvl5pPr marL="2057400" indent="-228600">
+              <a:defRPr>
+                <a:solidFill>
+                  <a:schemeClr val="tx1"/>
+                </a:solidFill>
+                <a:latin typeface="Calibri" panose="020F0502020204030204" pitchFamily="34" charset="0"/>
+              </a:defRPr>
+            </a:lvl5pPr>
+            <a:lvl6pPr marL="2514600" indent="-228600" eaLnBrk="0" fontAlgn="base" hangingPunct="0">
+              <a:spcBef>
+                <a:spcPct val="0"/>
+              </a:spcBef>
+              <a:spcAft>
+                <a:spcPct val="0"/>
+              </a:spcAft>
+              <a:defRPr>
+                <a:solidFill>
+                  <a:schemeClr val="tx1"/>
+                </a:solidFill>
+                <a:latin typeface="Calibri" panose="020F0502020204030204" pitchFamily="34" charset="0"/>
+              </a:defRPr>
+            </a:lvl6pPr>
+            <a:lvl7pPr marL="2971800" indent="-228600" eaLnBrk="0" fontAlgn="base" hangingPunct="0">
+              <a:spcBef>
+                <a:spcPct val="0"/>
+              </a:spcBef>
+              <a:spcAft>
+                <a:spcPct val="0"/>
+              </a:spcAft>
+              <a:defRPr>
+                <a:solidFill>
+                  <a:schemeClr val="tx1"/>
+                </a:solidFill>
+                <a:latin typeface="Calibri" panose="020F0502020204030204" pitchFamily="34" charset="0"/>
+              </a:defRPr>
+            </a:lvl7pPr>
+            <a:lvl8pPr marL="3429000" indent="-228600" eaLnBrk="0" fontAlgn="base" hangingPunct="0">
+              <a:spcBef>
+                <a:spcPct val="0"/>
+              </a:spcBef>
+              <a:spcAft>
+                <a:spcPct val="0"/>
+              </a:spcAft>
+              <a:defRPr>
+                <a:solidFill>
+                  <a:schemeClr val="tx1"/>
+                </a:solidFill>
+                <a:latin typeface="Calibri" panose="020F0502020204030204" pitchFamily="34" charset="0"/>
+              </a:defRPr>
+            </a:lvl8pPr>
+            <a:lvl9pPr marL="3886200" indent="-228600" eaLnBrk="0" fontAlgn="base" hangingPunct="0">
+              <a:spcBef>
+                <a:spcPct val="0"/>
+              </a:spcBef>
+              <a:spcAft>
+                <a:spcPct val="0"/>
+              </a:spcAft>
+              <a:defRPr>
+                <a:solidFill>
+                  <a:schemeClr val="tx1"/>
+                </a:solidFill>
+                <a:latin typeface="Calibri" panose="020F0502020204030204" pitchFamily="34" charset="0"/>
+              </a:defRPr>
+            </a:lvl9pPr>
+          </a:lstStyle>
+          <a:p>
+            <a:pPr algn="ctr" eaLnBrk="1" hangingPunct="1"/>
+            <a:r>
+              <a:rPr lang="en-US" altLang="en-US" sz="1200" dirty="0">
+                <a:latin typeface="Arial" panose="020B0604020202020204" pitchFamily="34" charset="0"/>
+                <a:ea typeface="Amazon Ember" panose="020B0603020204020204" pitchFamily="34" charset="0"/>
+                <a:cs typeface="Arial" panose="020B0604020202020204" pitchFamily="34" charset="0"/>
+              </a:rPr>
+              <a:t>Lambda function</a:t>
+            </a:r>
+          </a:p>
+        </p:txBody>
+      </p:sp>
+      <p:pic>
+        <p:nvPicPr>
+          <p:cNvPr id="45" name="Graphic 13">
+            <a:extLst>
+              <a:ext uri="{FF2B5EF4-FFF2-40B4-BE49-F238E27FC236}">
+                <a16:creationId xmlns:a16="http://schemas.microsoft.com/office/drawing/2014/main" id="{C82E3DCF-57A2-4344-A8A7-72B46BE1F62F}"/>
+              </a:ext>
+            </a:extLst>
+          </p:cNvPr>
+          <p:cNvPicPr>
+            <a:picLocks noChangeAspect="1" noChangeArrowheads="1"/>
+          </p:cNvPicPr>
+          <p:nvPr/>
+        </p:nvPicPr>
+        <p:blipFill>
+          <a:blip r:embed="rId12">
+            <a:extLst>
+              <a:ext uri="{28A0092B-C50C-407E-A947-70E740481C1C}">
+                <a14:useLocalDpi xmlns:a14="http://schemas.microsoft.com/office/drawing/2010/main" val="0"/>
+              </a:ext>
+            </a:extLst>
+          </a:blip>
+          <a:srcRect/>
+          <a:stretch>
+            <a:fillRect/>
+          </a:stretch>
+        </p:blipFill>
+        <p:spPr bwMode="auto">
+          <a:xfrm>
+            <a:off x="2323184" y="2487700"/>
+            <a:ext cx="457200" cy="457200"/>
+          </a:xfrm>
+          <a:prstGeom prst="rect">
+            <a:avLst/>
+          </a:prstGeom>
+          <a:noFill/>
+          <a:ln>
+            <a:noFill/>
+          </a:ln>
+          <a:extLst>
+            <a:ext uri="{909E8E84-426E-40DD-AFC4-6F175D3DCCD1}">
+              <a14:hiddenFill xmlns:a14="http://schemas.microsoft.com/office/drawing/2010/main">
+                <a:solidFill>
+                  <a:srgbClr val="FFFFFF"/>
+                </a:solidFill>
+              </a14:hiddenFill>
+            </a:ext>
+            <a:ext uri="{91240B29-F687-4F45-9708-019B960494DF}">
+              <a14:hiddenLine xmlns:a14="http://schemas.microsoft.com/office/drawing/2010/main" w="9525">
+                <a:solidFill>
+                  <a:srgbClr val="000000"/>
+                </a:solidFill>
+                <a:miter lim="800000"/>
+                <a:headEnd/>
+                <a:tailEnd/>
+              </a14:hiddenLine>
+            </a:ext>
+          </a:extLst>
+        </p:spPr>
+      </p:pic>
+      <p:cxnSp>
+        <p:nvCxnSpPr>
+          <p:cNvPr id="46" name="Straight Arrow Connector 45">
+            <a:extLst>
+              <a:ext uri="{FF2B5EF4-FFF2-40B4-BE49-F238E27FC236}">
+                <a16:creationId xmlns:a16="http://schemas.microsoft.com/office/drawing/2014/main" id="{130DB627-A718-4C8C-8E51-8C74FC3D38E8}"/>
+              </a:ext>
+            </a:extLst>
+          </p:cNvPr>
+          <p:cNvCxnSpPr>
+            <a:cxnSpLocks/>
+            <a:stCxn id="23" idx="1"/>
+            <a:endCxn id="45" idx="3"/>
+          </p:cNvCxnSpPr>
+          <p:nvPr/>
+        </p:nvCxnSpPr>
+        <p:spPr>
+          <a:xfrm flipH="1">
+            <a:off x="2780384" y="2716300"/>
+            <a:ext cx="2720385" cy="0"/>
+          </a:xfrm>
+          <a:prstGeom prst="straightConnector1">
+            <a:avLst/>
+          </a:prstGeom>
+          <a:ln w="12700">
+            <a:solidFill>
+              <a:srgbClr val="545B64"/>
+            </a:solidFill>
+            <a:headEnd type="arrow" w="med" len="sm"/>
+            <a:tailEnd type="none" w="med" len="sm"/>
+          </a:ln>
+        </p:spPr>
+        <p:style>
+          <a:lnRef idx="1">
+            <a:schemeClr val="accent1"/>
+          </a:lnRef>
+          <a:fillRef idx="0">
+            <a:schemeClr val="accent1"/>
+          </a:fillRef>
+          <a:effectRef idx="0">
+            <a:schemeClr val="accent1"/>
+          </a:effectRef>
+          <a:fontRef idx="minor">
+            <a:schemeClr val="tx1"/>
+          </a:fontRef>
+        </p:style>
+      </p:cxnSp>
+    </p:spTree>
+    <p:extLst>
+      <p:ext uri="{BB962C8B-B14F-4D97-AF65-F5344CB8AC3E}">
+        <p14:creationId xmlns:p14="http://schemas.microsoft.com/office/powerpoint/2010/main" val="2830493419"/>
+      </p:ext>
+    </p:extLst>
+  </p:cSld>
+  <p:clrMapOvr>
+    <a:masterClrMapping/>
+  </p:clrMapOvr>
+</p:sld>
+</file>
+
+<file path=ppt/slides/slide4.xml><?xml version="1.0" encoding="utf-8"?>
+<p:sld xmlns:a="http://schemas.openxmlformats.org/drawingml/2006/main" xmlns:r="http://schemas.openxmlformats.org/officeDocument/2006/relationships" xmlns:p="http://schemas.openxmlformats.org/presentationml/2006/main">
+  <p:cSld>
+    <p:spTree>
+      <p:nvGrpSpPr>
+        <p:cNvPr id="1" name=""/>
+        <p:cNvGrpSpPr/>
+        <p:nvPr/>
+      </p:nvGrpSpPr>
+      <p:grpSpPr>
+        <a:xfrm>
+          <a:off x="0" y="0"/>
+          <a:ext cx="0" cy="0"/>
+          <a:chOff x="0" y="0"/>
+          <a:chExt cx="0" cy="0"/>
+        </a:xfrm>
+      </p:grpSpPr>
+      <p:sp>
+        <p:nvSpPr>
+          <p:cNvPr id="4" name="Rectangle 3">
+            <a:extLst>
+              <a:ext uri="{FF2B5EF4-FFF2-40B4-BE49-F238E27FC236}">
+                <a16:creationId xmlns:a16="http://schemas.microsoft.com/office/drawing/2014/main" id="{78F37984-4FAA-43B6-916D-EA7A082725EA}"/>
+              </a:ext>
+            </a:extLst>
+          </p:cNvPr>
+          <p:cNvSpPr/>
+          <p:nvPr/>
+        </p:nvSpPr>
+        <p:spPr>
+          <a:xfrm>
+            <a:off x="745318" y="891818"/>
+            <a:ext cx="9900223" cy="4161445"/>
+          </a:xfrm>
+          <a:prstGeom prst="rect">
+            <a:avLst/>
+          </a:prstGeom>
+          <a:noFill/>
+          <a:ln w="12700">
+            <a:solidFill>
+              <a:schemeClr val="tx1"/>
+            </a:solidFill>
+          </a:ln>
+        </p:spPr>
+        <p:style>
+          <a:lnRef idx="2">
+            <a:schemeClr val="accent1">
+              <a:shade val="50000"/>
+            </a:schemeClr>
+          </a:lnRef>
+          <a:fillRef idx="1">
+            <a:schemeClr val="accent1"/>
+          </a:fillRef>
+          <a:effectRef idx="0">
+            <a:schemeClr val="accent1"/>
+          </a:effectRef>
+          <a:fontRef idx="minor">
+            <a:schemeClr val="lt1"/>
+          </a:fontRef>
+        </p:style>
+        <p:txBody>
+          <a:bodyPr lIns="502920" tIns="91440"/>
+          <a:lstStyle/>
+          <a:p>
+            <a:pPr eaLnBrk="1" fontAlgn="auto" hangingPunct="1">
+              <a:spcBef>
+                <a:spcPts val="0"/>
+              </a:spcBef>
+              <a:spcAft>
+                <a:spcPts val="0"/>
+              </a:spcAft>
+              <a:defRPr/>
+            </a:pPr>
+            <a:r>
+              <a:rPr lang="en-US" sz="1200" dirty="0">
+                <a:solidFill>
+                  <a:sysClr val="windowText" lastClr="000000"/>
+                </a:solidFill>
+                <a:latin typeface="Arial" panose="020B0604020202020204" pitchFamily="34" charset="0"/>
+                <a:cs typeface="Arial" panose="020B0604020202020204" pitchFamily="34" charset="0"/>
+              </a:rPr>
+              <a:t>AWS Cloud</a:t>
+            </a:r>
+          </a:p>
+        </p:txBody>
+      </p:sp>
+      <p:pic>
+        <p:nvPicPr>
+          <p:cNvPr id="5" name="Graphic 4">
+            <a:extLst>
+              <a:ext uri="{FF2B5EF4-FFF2-40B4-BE49-F238E27FC236}">
+                <a16:creationId xmlns:a16="http://schemas.microsoft.com/office/drawing/2014/main" id="{4A9BF625-81C3-442A-9C4E-2A0BDC1EB215}"/>
+              </a:ext>
+            </a:extLst>
+          </p:cNvPr>
+          <p:cNvPicPr>
+            <a:picLocks noChangeAspect="1"/>
+          </p:cNvPicPr>
+          <p:nvPr/>
+        </p:nvPicPr>
+        <p:blipFill>
+          <a:blip r:embed="rId2">
+            <a:extLst>
+              <a:ext uri="{96DAC541-7B7A-43D3-8B79-37D633B846F1}">
+                <asvg:svgBlip xmlns:asvg="http://schemas.microsoft.com/office/drawing/2016/SVG/main" r:embed="rId3"/>
+              </a:ext>
+            </a:extLst>
+          </a:blip>
+          <a:srcRect/>
+          <a:stretch/>
+        </p:blipFill>
+        <p:spPr>
+          <a:xfrm>
+            <a:off x="745319" y="891817"/>
+            <a:ext cx="381000" cy="381000"/>
+          </a:xfrm>
+          <a:prstGeom prst="rect">
+            <a:avLst/>
+          </a:prstGeom>
+        </p:spPr>
+      </p:pic>
+      <p:sp>
+        <p:nvSpPr>
+          <p:cNvPr id="6" name="Rectangle 5">
+            <a:extLst>
+              <a:ext uri="{FF2B5EF4-FFF2-40B4-BE49-F238E27FC236}">
+                <a16:creationId xmlns:a16="http://schemas.microsoft.com/office/drawing/2014/main" id="{CF97B6B8-BDDE-4B85-BB2E-9BEF73855BCF}"/>
+              </a:ext>
+            </a:extLst>
+          </p:cNvPr>
+          <p:cNvSpPr/>
+          <p:nvPr/>
+        </p:nvSpPr>
+        <p:spPr>
+          <a:xfrm>
+            <a:off x="4193079" y="1435497"/>
+            <a:ext cx="2926080" cy="3290507"/>
+          </a:xfrm>
+          <a:prstGeom prst="rect">
+            <a:avLst/>
+          </a:prstGeom>
+          <a:noFill/>
+          <a:ln w="12700">
+            <a:solidFill>
+              <a:srgbClr val="5A6B86"/>
+            </a:solidFill>
+            <a:prstDash val="dash"/>
+          </a:ln>
+        </p:spPr>
+        <p:style>
+          <a:lnRef idx="2">
+            <a:schemeClr val="accent1">
+              <a:shade val="50000"/>
+            </a:schemeClr>
+          </a:lnRef>
+          <a:fillRef idx="1">
+            <a:schemeClr val="accent1"/>
+          </a:fillRef>
+          <a:effectRef idx="0">
+            <a:schemeClr val="accent1"/>
+          </a:effectRef>
+          <a:fontRef idx="minor">
+            <a:schemeClr val="lt1"/>
+          </a:fontRef>
+        </p:style>
+        <p:txBody>
+          <a:bodyPr lIns="640080" tIns="182880" rIns="548640"/>
+          <a:lstStyle/>
+          <a:p>
+            <a:pPr algn="ctr" eaLnBrk="1" fontAlgn="auto" hangingPunct="1">
+              <a:spcBef>
+                <a:spcPts val="0"/>
+              </a:spcBef>
+              <a:spcAft>
+                <a:spcPts val="0"/>
+              </a:spcAft>
+              <a:defRPr/>
+            </a:pPr>
+            <a:r>
+              <a:rPr lang="en-US" sz="1200" dirty="0">
+                <a:solidFill>
+                  <a:srgbClr val="5A6B86"/>
+                </a:solidFill>
+                <a:latin typeface="Arial" panose="020B0604020202020204" pitchFamily="34" charset="0"/>
+                <a:cs typeface="Arial" panose="020B0604020202020204" pitchFamily="34" charset="0"/>
+              </a:rPr>
+              <a:t>Modular CloudFormation data lake </a:t>
+            </a:r>
+            <a:r>
+              <a:rPr lang="en-US" sz="1200" dirty="0" err="1">
+                <a:solidFill>
+                  <a:srgbClr val="5A6B86"/>
+                </a:solidFill>
+                <a:latin typeface="Arial" panose="020B0604020202020204" pitchFamily="34" charset="0"/>
+                <a:cs typeface="Arial" panose="020B0604020202020204" pitchFamily="34" charset="0"/>
+              </a:rPr>
+              <a:t>substacks</a:t>
+            </a:r>
+            <a:endParaRPr lang="en-US" sz="1200" dirty="0">
+              <a:solidFill>
+                <a:srgbClr val="5A6B86"/>
+              </a:solidFill>
+              <a:latin typeface="Arial" panose="020B0604020202020204" pitchFamily="34" charset="0"/>
+              <a:cs typeface="Arial" panose="020B0604020202020204" pitchFamily="34" charset="0"/>
+            </a:endParaRPr>
+          </a:p>
+        </p:txBody>
+      </p:sp>
+      <p:sp>
+        <p:nvSpPr>
+          <p:cNvPr id="7" name="Rectangle 6">
+            <a:extLst>
+              <a:ext uri="{FF2B5EF4-FFF2-40B4-BE49-F238E27FC236}">
+                <a16:creationId xmlns:a16="http://schemas.microsoft.com/office/drawing/2014/main" id="{E04D69EF-015E-4DE3-9C0A-B6235501EDF9}"/>
+              </a:ext>
+            </a:extLst>
+          </p:cNvPr>
+          <p:cNvSpPr/>
+          <p:nvPr/>
+        </p:nvSpPr>
+        <p:spPr>
+          <a:xfrm>
+            <a:off x="1088745" y="1435499"/>
+            <a:ext cx="2926080" cy="3291840"/>
+          </a:xfrm>
+          <a:prstGeom prst="rect">
+            <a:avLst/>
+          </a:prstGeom>
+          <a:solidFill>
+            <a:srgbClr val="5A6B86">
+              <a:alpha val="9804"/>
+            </a:srgbClr>
+          </a:solidFill>
+          <a:ln w="12700">
+            <a:noFill/>
+            <a:prstDash val="dash"/>
+          </a:ln>
+        </p:spPr>
+        <p:style>
+          <a:lnRef idx="2">
+            <a:schemeClr val="accent1">
+              <a:shade val="50000"/>
+            </a:schemeClr>
+          </a:lnRef>
+          <a:fillRef idx="1">
+            <a:schemeClr val="accent1"/>
+          </a:fillRef>
+          <a:effectRef idx="0">
+            <a:schemeClr val="accent1"/>
+          </a:effectRef>
+          <a:fontRef idx="minor">
+            <a:schemeClr val="lt1"/>
+          </a:fontRef>
+        </p:style>
+        <p:txBody>
+          <a:bodyPr lIns="548640" tIns="182880" rIns="457200"/>
+          <a:lstStyle/>
+          <a:p>
+            <a:pPr algn="ctr" eaLnBrk="1" fontAlgn="auto" hangingPunct="1">
+              <a:spcBef>
+                <a:spcPts val="0"/>
+              </a:spcBef>
+              <a:spcAft>
+                <a:spcPts val="0"/>
+              </a:spcAft>
+              <a:defRPr/>
+            </a:pPr>
+            <a:r>
+              <a:rPr lang="en-US" sz="1200" dirty="0">
+                <a:solidFill>
+                  <a:schemeClr val="tx1"/>
+                </a:solidFill>
+                <a:latin typeface="Arial" panose="020B0604020202020204" pitchFamily="34" charset="0"/>
+                <a:cs typeface="Arial" panose="020B0604020202020204" pitchFamily="34" charset="0"/>
+              </a:rPr>
+              <a:t>Modular CloudFormation adapter </a:t>
+            </a:r>
+            <a:r>
+              <a:rPr lang="en-US" sz="1200" dirty="0" err="1">
+                <a:solidFill>
+                  <a:schemeClr val="tx1"/>
+                </a:solidFill>
+                <a:latin typeface="Arial" panose="020B0604020202020204" pitchFamily="34" charset="0"/>
+                <a:cs typeface="Arial" panose="020B0604020202020204" pitchFamily="34" charset="0"/>
+              </a:rPr>
+              <a:t>substack</a:t>
+            </a:r>
+            <a:endParaRPr lang="en-US" sz="1200" dirty="0">
+              <a:solidFill>
+                <a:schemeClr val="tx1"/>
+              </a:solidFill>
+              <a:latin typeface="Arial" panose="020B0604020202020204" pitchFamily="34" charset="0"/>
+              <a:cs typeface="Arial" panose="020B0604020202020204" pitchFamily="34" charset="0"/>
+            </a:endParaRPr>
+          </a:p>
+        </p:txBody>
+      </p:sp>
+      <p:pic>
+        <p:nvPicPr>
+          <p:cNvPr id="9" name="Graphic 34">
+            <a:extLst>
+              <a:ext uri="{FF2B5EF4-FFF2-40B4-BE49-F238E27FC236}">
+                <a16:creationId xmlns:a16="http://schemas.microsoft.com/office/drawing/2014/main" id="{4172B016-377E-4180-A84E-8ABA83ACA7C4}"/>
+              </a:ext>
+            </a:extLst>
+          </p:cNvPr>
+          <p:cNvPicPr>
+            <a:picLocks noChangeAspect="1" noChangeArrowheads="1"/>
+          </p:cNvPicPr>
+          <p:nvPr/>
+        </p:nvPicPr>
+        <p:blipFill>
+          <a:blip r:embed="rId4">
+            <a:extLst>
+              <a:ext uri="{28A0092B-C50C-407E-A947-70E740481C1C}">
+                <a14:useLocalDpi xmlns:a14="http://schemas.microsoft.com/office/drawing/2010/main" val="0"/>
+              </a:ext>
+            </a:extLst>
+          </a:blip>
+          <a:srcRect/>
+          <a:stretch>
+            <a:fillRect/>
+          </a:stretch>
+        </p:blipFill>
+        <p:spPr bwMode="auto">
+          <a:xfrm>
+            <a:off x="1222605" y="1563187"/>
+            <a:ext cx="457200" cy="457200"/>
+          </a:xfrm>
+          <a:prstGeom prst="rect">
+            <a:avLst/>
+          </a:prstGeom>
+          <a:noFill/>
+          <a:ln>
+            <a:noFill/>
+          </a:ln>
+          <a:extLst>
+            <a:ext uri="{909E8E84-426E-40DD-AFC4-6F175D3DCCD1}">
+              <a14:hiddenFill xmlns:a14="http://schemas.microsoft.com/office/drawing/2010/main">
+                <a:solidFill>
+                  <a:srgbClr val="FFFFFF"/>
+                </a:solidFill>
+              </a14:hiddenFill>
+            </a:ext>
+            <a:ext uri="{91240B29-F687-4F45-9708-019B960494DF}">
+              <a14:hiddenLine xmlns:a14="http://schemas.microsoft.com/office/drawing/2010/main" w="9525">
+                <a:solidFill>
+                  <a:srgbClr val="000000"/>
+                </a:solidFill>
+                <a:miter lim="800000"/>
+                <a:headEnd/>
+                <a:tailEnd/>
+              </a14:hiddenLine>
+            </a:ext>
+          </a:extLst>
+        </p:spPr>
+      </p:pic>
+      <p:sp>
+        <p:nvSpPr>
+          <p:cNvPr id="10" name="TextBox 20">
+            <a:extLst>
+              <a:ext uri="{FF2B5EF4-FFF2-40B4-BE49-F238E27FC236}">
+                <a16:creationId xmlns:a16="http://schemas.microsoft.com/office/drawing/2014/main" id="{F2124AE6-AC40-49BB-A434-7DA4B7C6BC56}"/>
+              </a:ext>
+            </a:extLst>
+          </p:cNvPr>
+          <p:cNvSpPr txBox="1">
+            <a:spLocks noChangeArrowheads="1"/>
+          </p:cNvSpPr>
+          <p:nvPr/>
+        </p:nvSpPr>
+        <p:spPr bwMode="auto">
+          <a:xfrm>
+            <a:off x="1906465" y="4079604"/>
+            <a:ext cx="1290638" cy="276999"/>
+          </a:xfrm>
+          <a:prstGeom prst="rect">
+            <a:avLst/>
+          </a:prstGeom>
+          <a:noFill/>
+          <a:ln>
+            <a:noFill/>
+          </a:ln>
+          <a:extLst>
+            <a:ext uri="{909E8E84-426E-40DD-AFC4-6F175D3DCCD1}">
+              <a14:hiddenFill xmlns:a14="http://schemas.microsoft.com/office/drawing/2010/main">
+                <a:solidFill>
+                  <a:srgbClr val="FFFFFF"/>
+                </a:solidFill>
+              </a14:hiddenFill>
+            </a:ext>
+            <a:ext uri="{91240B29-F687-4F45-9708-019B960494DF}">
+              <a14:hiddenLine xmlns:a14="http://schemas.microsoft.com/office/drawing/2010/main" w="9525">
+                <a:solidFill>
+                  <a:srgbClr val="000000"/>
+                </a:solidFill>
+                <a:miter lim="800000"/>
+                <a:headEnd/>
+                <a:tailEnd/>
+              </a14:hiddenLine>
+            </a:ext>
+          </a:extLst>
+        </p:spPr>
+        <p:txBody>
+          <a:bodyPr wrap="square">
+            <a:spAutoFit/>
+          </a:bodyPr>
+          <a:lstStyle>
+            <a:lvl1pPr>
+              <a:defRPr>
+                <a:solidFill>
+                  <a:schemeClr val="tx1"/>
+                </a:solidFill>
+                <a:latin typeface="Calibri" panose="020F0502020204030204" pitchFamily="34" charset="0"/>
+              </a:defRPr>
+            </a:lvl1pPr>
+            <a:lvl2pPr marL="742950" indent="-285750">
+              <a:defRPr>
+                <a:solidFill>
+                  <a:schemeClr val="tx1"/>
+                </a:solidFill>
+                <a:latin typeface="Calibri" panose="020F0502020204030204" pitchFamily="34" charset="0"/>
+              </a:defRPr>
+            </a:lvl2pPr>
+            <a:lvl3pPr marL="1143000" indent="-228600">
+              <a:defRPr>
+                <a:solidFill>
+                  <a:schemeClr val="tx1"/>
+                </a:solidFill>
+                <a:latin typeface="Calibri" panose="020F0502020204030204" pitchFamily="34" charset="0"/>
+              </a:defRPr>
+            </a:lvl3pPr>
+            <a:lvl4pPr marL="1600200" indent="-228600">
+              <a:defRPr>
+                <a:solidFill>
+                  <a:schemeClr val="tx1"/>
+                </a:solidFill>
+                <a:latin typeface="Calibri" panose="020F0502020204030204" pitchFamily="34" charset="0"/>
+              </a:defRPr>
+            </a:lvl4pPr>
+            <a:lvl5pPr marL="2057400" indent="-228600">
+              <a:defRPr>
+                <a:solidFill>
+                  <a:schemeClr val="tx1"/>
+                </a:solidFill>
+                <a:latin typeface="Calibri" panose="020F0502020204030204" pitchFamily="34" charset="0"/>
+              </a:defRPr>
+            </a:lvl5pPr>
+            <a:lvl6pPr marL="2514600" indent="-228600" eaLnBrk="0" fontAlgn="base" hangingPunct="0">
+              <a:spcBef>
+                <a:spcPct val="0"/>
+              </a:spcBef>
+              <a:spcAft>
+                <a:spcPct val="0"/>
+              </a:spcAft>
+              <a:defRPr>
+                <a:solidFill>
+                  <a:schemeClr val="tx1"/>
+                </a:solidFill>
+                <a:latin typeface="Calibri" panose="020F0502020204030204" pitchFamily="34" charset="0"/>
+              </a:defRPr>
+            </a:lvl6pPr>
+            <a:lvl7pPr marL="2971800" indent="-228600" eaLnBrk="0" fontAlgn="base" hangingPunct="0">
+              <a:spcBef>
+                <a:spcPct val="0"/>
+              </a:spcBef>
+              <a:spcAft>
+                <a:spcPct val="0"/>
+              </a:spcAft>
+              <a:defRPr>
+                <a:solidFill>
+                  <a:schemeClr val="tx1"/>
+                </a:solidFill>
+                <a:latin typeface="Calibri" panose="020F0502020204030204" pitchFamily="34" charset="0"/>
+              </a:defRPr>
+            </a:lvl7pPr>
+            <a:lvl8pPr marL="3429000" indent="-228600" eaLnBrk="0" fontAlgn="base" hangingPunct="0">
+              <a:spcBef>
+                <a:spcPct val="0"/>
+              </a:spcBef>
+              <a:spcAft>
+                <a:spcPct val="0"/>
+              </a:spcAft>
+              <a:defRPr>
+                <a:solidFill>
+                  <a:schemeClr val="tx1"/>
+                </a:solidFill>
+                <a:latin typeface="Calibri" panose="020F0502020204030204" pitchFamily="34" charset="0"/>
+              </a:defRPr>
+            </a:lvl8pPr>
+            <a:lvl9pPr marL="3886200" indent="-228600" eaLnBrk="0" fontAlgn="base" hangingPunct="0">
+              <a:spcBef>
+                <a:spcPct val="0"/>
+              </a:spcBef>
+              <a:spcAft>
+                <a:spcPct val="0"/>
+              </a:spcAft>
+              <a:defRPr>
+                <a:solidFill>
+                  <a:schemeClr val="tx1"/>
+                </a:solidFill>
+                <a:latin typeface="Calibri" panose="020F0502020204030204" pitchFamily="34" charset="0"/>
+              </a:defRPr>
+            </a:lvl9pPr>
+          </a:lstStyle>
+          <a:p>
+            <a:pPr algn="ctr" eaLnBrk="1" hangingPunct="1"/>
+            <a:r>
+              <a:rPr lang="en-US" altLang="en-US" sz="1200" dirty="0">
+                <a:latin typeface="Arial" panose="020B0604020202020204" pitchFamily="34" charset="0"/>
+                <a:ea typeface="Amazon Ember" panose="020B0603020204020204" pitchFamily="34" charset="0"/>
+                <a:cs typeface="Arial" panose="020B0604020202020204" pitchFamily="34" charset="0"/>
+              </a:rPr>
+              <a:t>S3 bucket</a:t>
+            </a:r>
+          </a:p>
+        </p:txBody>
+      </p:sp>
+      <p:pic>
+        <p:nvPicPr>
+          <p:cNvPr id="11" name="Graphic 31">
+            <a:extLst>
+              <a:ext uri="{FF2B5EF4-FFF2-40B4-BE49-F238E27FC236}">
+                <a16:creationId xmlns:a16="http://schemas.microsoft.com/office/drawing/2014/main" id="{E4A1A105-3944-4C13-BBCE-C1C0DD70213A}"/>
+              </a:ext>
+            </a:extLst>
+          </p:cNvPr>
+          <p:cNvPicPr>
+            <a:picLocks noChangeAspect="1" noChangeArrowheads="1"/>
+          </p:cNvPicPr>
+          <p:nvPr/>
+        </p:nvPicPr>
+        <p:blipFill>
+          <a:blip r:embed="rId5">
+            <a:extLst>
+              <a:ext uri="{28A0092B-C50C-407E-A947-70E740481C1C}">
+                <a14:useLocalDpi xmlns:a14="http://schemas.microsoft.com/office/drawing/2010/main" val="0"/>
+              </a:ext>
+            </a:extLst>
+          </a:blip>
+          <a:srcRect/>
+          <a:stretch>
+            <a:fillRect/>
+          </a:stretch>
+        </p:blipFill>
+        <p:spPr bwMode="auto">
+          <a:xfrm>
+            <a:off x="2323184" y="3658236"/>
+            <a:ext cx="457200" cy="457200"/>
+          </a:xfrm>
+          <a:prstGeom prst="rect">
+            <a:avLst/>
+          </a:prstGeom>
+          <a:noFill/>
+          <a:ln>
+            <a:noFill/>
+          </a:ln>
+          <a:extLst>
+            <a:ext uri="{909E8E84-426E-40DD-AFC4-6F175D3DCCD1}">
+              <a14:hiddenFill xmlns:a14="http://schemas.microsoft.com/office/drawing/2010/main">
+                <a:solidFill>
+                  <a:srgbClr val="FFFFFF"/>
+                </a:solidFill>
+              </a14:hiddenFill>
+            </a:ext>
+            <a:ext uri="{91240B29-F687-4F45-9708-019B960494DF}">
+              <a14:hiddenLine xmlns:a14="http://schemas.microsoft.com/office/drawing/2010/main" w="9525">
+                <a:solidFill>
+                  <a:srgbClr val="000000"/>
+                </a:solidFill>
+                <a:miter lim="800000"/>
+                <a:headEnd/>
+                <a:tailEnd/>
+              </a14:hiddenLine>
+            </a:ext>
+          </a:extLst>
+        </p:spPr>
+      </p:pic>
+      <p:sp>
+        <p:nvSpPr>
+          <p:cNvPr id="15" name="Rectangle 14">
+            <a:extLst>
+              <a:ext uri="{FF2B5EF4-FFF2-40B4-BE49-F238E27FC236}">
+                <a16:creationId xmlns:a16="http://schemas.microsoft.com/office/drawing/2014/main" id="{28BEC604-EB1A-4CA1-B369-07AE5BB78F3F}"/>
+              </a:ext>
+            </a:extLst>
+          </p:cNvPr>
+          <p:cNvSpPr/>
+          <p:nvPr/>
+        </p:nvSpPr>
+        <p:spPr>
+          <a:xfrm>
+            <a:off x="7304821" y="1435497"/>
+            <a:ext cx="2923429" cy="3290507"/>
+          </a:xfrm>
+          <a:prstGeom prst="rect">
+            <a:avLst/>
+          </a:prstGeom>
+          <a:noFill/>
+          <a:ln w="12700">
+            <a:solidFill>
+              <a:srgbClr val="5A6B86"/>
+            </a:solidFill>
+            <a:prstDash val="dash"/>
+          </a:ln>
+        </p:spPr>
+        <p:style>
+          <a:lnRef idx="2">
+            <a:schemeClr val="accent1">
+              <a:shade val="50000"/>
+            </a:schemeClr>
+          </a:lnRef>
+          <a:fillRef idx="1">
+            <a:schemeClr val="accent1"/>
+          </a:fillRef>
+          <a:effectRef idx="0">
+            <a:schemeClr val="accent1"/>
+          </a:effectRef>
+          <a:fontRef idx="minor">
+            <a:schemeClr val="lt1"/>
+          </a:fontRef>
+        </p:style>
+        <p:txBody>
+          <a:bodyPr lIns="548640" tIns="182880" rIns="457200"/>
+          <a:lstStyle/>
+          <a:p>
+            <a:pPr algn="ctr" eaLnBrk="1" fontAlgn="auto" hangingPunct="1">
+              <a:spcBef>
+                <a:spcPts val="0"/>
+              </a:spcBef>
+              <a:spcAft>
+                <a:spcPts val="0"/>
+              </a:spcAft>
+              <a:tabLst>
+                <a:tab pos="115888" algn="l"/>
+              </a:tabLst>
+              <a:defRPr/>
+            </a:pPr>
+            <a:r>
+              <a:rPr lang="en-US" sz="1200" dirty="0">
+                <a:solidFill>
+                  <a:srgbClr val="5A6B86"/>
+                </a:solidFill>
+                <a:latin typeface="Arial" panose="020B0604020202020204" pitchFamily="34" charset="0"/>
+                <a:cs typeface="Arial" panose="020B0604020202020204" pitchFamily="34" charset="0"/>
+              </a:rPr>
+              <a:t>Modular CloudFormation consumption </a:t>
+            </a:r>
+            <a:r>
+              <a:rPr lang="en-US" sz="1200" dirty="0" err="1">
+                <a:solidFill>
+                  <a:srgbClr val="5A6B86"/>
+                </a:solidFill>
+                <a:latin typeface="Arial" panose="020B0604020202020204" pitchFamily="34" charset="0"/>
+                <a:cs typeface="Arial" panose="020B0604020202020204" pitchFamily="34" charset="0"/>
+              </a:rPr>
+              <a:t>substacks</a:t>
+            </a:r>
+            <a:endParaRPr lang="en-US" sz="1200" dirty="0">
+              <a:solidFill>
+                <a:srgbClr val="5A6B86"/>
+              </a:solidFill>
+              <a:latin typeface="Arial" panose="020B0604020202020204" pitchFamily="34" charset="0"/>
+              <a:cs typeface="Arial" panose="020B0604020202020204" pitchFamily="34" charset="0"/>
+            </a:endParaRPr>
+          </a:p>
+        </p:txBody>
+      </p:sp>
+      <p:pic>
+        <p:nvPicPr>
+          <p:cNvPr id="16" name="Graphic 34">
+            <a:extLst>
+              <a:ext uri="{FF2B5EF4-FFF2-40B4-BE49-F238E27FC236}">
+                <a16:creationId xmlns:a16="http://schemas.microsoft.com/office/drawing/2014/main" id="{FF7D18A2-7C9C-45BC-898D-40E149181AF5}"/>
+              </a:ext>
+            </a:extLst>
+          </p:cNvPr>
+          <p:cNvPicPr>
+            <a:picLocks noChangeAspect="1" noChangeArrowheads="1"/>
+          </p:cNvPicPr>
+          <p:nvPr/>
+        </p:nvPicPr>
+        <p:blipFill>
+          <a:blip r:embed="rId4">
+            <a:extLst>
+              <a:ext uri="{28A0092B-C50C-407E-A947-70E740481C1C}">
+                <a14:useLocalDpi xmlns:a14="http://schemas.microsoft.com/office/drawing/2010/main" val="0"/>
+              </a:ext>
+            </a:extLst>
+          </a:blip>
+          <a:srcRect/>
+          <a:stretch>
+            <a:fillRect/>
+          </a:stretch>
+        </p:blipFill>
+        <p:spPr bwMode="auto">
+          <a:xfrm>
+            <a:off x="4320341" y="1563187"/>
+            <a:ext cx="457200" cy="457200"/>
+          </a:xfrm>
+          <a:prstGeom prst="rect">
+            <a:avLst/>
+          </a:prstGeom>
+          <a:noFill/>
+          <a:ln>
+            <a:noFill/>
+          </a:ln>
+          <a:extLst>
+            <a:ext uri="{909E8E84-426E-40DD-AFC4-6F175D3DCCD1}">
+              <a14:hiddenFill xmlns:a14="http://schemas.microsoft.com/office/drawing/2010/main">
+                <a:solidFill>
+                  <a:srgbClr val="FFFFFF"/>
+                </a:solidFill>
+              </a14:hiddenFill>
+            </a:ext>
+            <a:ext uri="{91240B29-F687-4F45-9708-019B960494DF}">
+              <a14:hiddenLine xmlns:a14="http://schemas.microsoft.com/office/drawing/2010/main" w="9525">
+                <a:solidFill>
+                  <a:srgbClr val="000000"/>
+                </a:solidFill>
+                <a:miter lim="800000"/>
+                <a:headEnd/>
+                <a:tailEnd/>
+              </a14:hiddenLine>
+            </a:ext>
+          </a:extLst>
+        </p:spPr>
+      </p:pic>
+      <p:sp>
+        <p:nvSpPr>
+          <p:cNvPr id="22" name="TextBox 18">
+            <a:extLst>
+              <a:ext uri="{FF2B5EF4-FFF2-40B4-BE49-F238E27FC236}">
+                <a16:creationId xmlns:a16="http://schemas.microsoft.com/office/drawing/2014/main" id="{378160B2-7EC9-4E73-AF38-D5350FE83B4A}"/>
+              </a:ext>
+            </a:extLst>
+          </p:cNvPr>
+          <p:cNvSpPr txBox="1">
+            <a:spLocks noChangeArrowheads="1"/>
+          </p:cNvSpPr>
+          <p:nvPr/>
+        </p:nvSpPr>
+        <p:spPr bwMode="auto">
+          <a:xfrm>
+            <a:off x="5131350" y="2966225"/>
+            <a:ext cx="1166881" cy="261610"/>
+          </a:xfrm>
+          <a:prstGeom prst="rect">
+            <a:avLst/>
+          </a:prstGeom>
+          <a:noFill/>
+          <a:ln>
+            <a:noFill/>
+          </a:ln>
+          <a:extLst>
+            <a:ext uri="{909E8E84-426E-40DD-AFC4-6F175D3DCCD1}">
+              <a14:hiddenFill xmlns:a14="http://schemas.microsoft.com/office/drawing/2010/main">
+                <a:solidFill>
+                  <a:srgbClr val="FFFFFF"/>
+                </a:solidFill>
+              </a14:hiddenFill>
+            </a:ext>
+            <a:ext uri="{91240B29-F687-4F45-9708-019B960494DF}">
+              <a14:hiddenLine xmlns:a14="http://schemas.microsoft.com/office/drawing/2010/main" w="9525">
+                <a:solidFill>
+                  <a:srgbClr val="000000"/>
+                </a:solidFill>
+                <a:miter lim="800000"/>
+                <a:headEnd/>
+                <a:tailEnd/>
+              </a14:hiddenLine>
+            </a:ext>
+          </a:extLst>
+        </p:spPr>
+        <p:txBody>
+          <a:bodyPr wrap="square">
+            <a:spAutoFit/>
+          </a:bodyPr>
+          <a:lstStyle>
+            <a:lvl1pPr>
+              <a:defRPr>
+                <a:solidFill>
+                  <a:schemeClr val="tx1"/>
+                </a:solidFill>
+                <a:latin typeface="Calibri" panose="020F0502020204030204" pitchFamily="34" charset="0"/>
+              </a:defRPr>
+            </a:lvl1pPr>
+            <a:lvl2pPr marL="742950" indent="-285750">
+              <a:defRPr>
+                <a:solidFill>
+                  <a:schemeClr val="tx1"/>
+                </a:solidFill>
+                <a:latin typeface="Calibri" panose="020F0502020204030204" pitchFamily="34" charset="0"/>
+              </a:defRPr>
+            </a:lvl2pPr>
+            <a:lvl3pPr marL="1143000" indent="-228600">
+              <a:defRPr>
+                <a:solidFill>
+                  <a:schemeClr val="tx1"/>
+                </a:solidFill>
+                <a:latin typeface="Calibri" panose="020F0502020204030204" pitchFamily="34" charset="0"/>
+              </a:defRPr>
+            </a:lvl3pPr>
+            <a:lvl4pPr marL="1600200" indent="-228600">
+              <a:defRPr>
+                <a:solidFill>
+                  <a:schemeClr val="tx1"/>
+                </a:solidFill>
+                <a:latin typeface="Calibri" panose="020F0502020204030204" pitchFamily="34" charset="0"/>
+              </a:defRPr>
+            </a:lvl4pPr>
+            <a:lvl5pPr marL="2057400" indent="-228600">
+              <a:defRPr>
+                <a:solidFill>
+                  <a:schemeClr val="tx1"/>
+                </a:solidFill>
+                <a:latin typeface="Calibri" panose="020F0502020204030204" pitchFamily="34" charset="0"/>
+              </a:defRPr>
+            </a:lvl5pPr>
+            <a:lvl6pPr marL="2514600" indent="-228600" eaLnBrk="0" fontAlgn="base" hangingPunct="0">
+              <a:spcBef>
+                <a:spcPct val="0"/>
+              </a:spcBef>
+              <a:spcAft>
+                <a:spcPct val="0"/>
+              </a:spcAft>
+              <a:defRPr>
+                <a:solidFill>
+                  <a:schemeClr val="tx1"/>
+                </a:solidFill>
+                <a:latin typeface="Calibri" panose="020F0502020204030204" pitchFamily="34" charset="0"/>
+              </a:defRPr>
+            </a:lvl6pPr>
+            <a:lvl7pPr marL="2971800" indent="-228600" eaLnBrk="0" fontAlgn="base" hangingPunct="0">
+              <a:spcBef>
+                <a:spcPct val="0"/>
+              </a:spcBef>
+              <a:spcAft>
+                <a:spcPct val="0"/>
+              </a:spcAft>
+              <a:defRPr>
+                <a:solidFill>
+                  <a:schemeClr val="tx1"/>
+                </a:solidFill>
+                <a:latin typeface="Calibri" panose="020F0502020204030204" pitchFamily="34" charset="0"/>
+              </a:defRPr>
+            </a:lvl7pPr>
+            <a:lvl8pPr marL="3429000" indent="-228600" eaLnBrk="0" fontAlgn="base" hangingPunct="0">
+              <a:spcBef>
+                <a:spcPct val="0"/>
+              </a:spcBef>
+              <a:spcAft>
+                <a:spcPct val="0"/>
+              </a:spcAft>
+              <a:defRPr>
+                <a:solidFill>
+                  <a:schemeClr val="tx1"/>
+                </a:solidFill>
+                <a:latin typeface="Calibri" panose="020F0502020204030204" pitchFamily="34" charset="0"/>
+              </a:defRPr>
+            </a:lvl8pPr>
+            <a:lvl9pPr marL="3886200" indent="-228600" eaLnBrk="0" fontAlgn="base" hangingPunct="0">
+              <a:spcBef>
+                <a:spcPct val="0"/>
+              </a:spcBef>
+              <a:spcAft>
+                <a:spcPct val="0"/>
+              </a:spcAft>
+              <a:defRPr>
+                <a:solidFill>
+                  <a:schemeClr val="tx1"/>
+                </a:solidFill>
+                <a:latin typeface="Calibri" panose="020F0502020204030204" pitchFamily="34" charset="0"/>
+              </a:defRPr>
+            </a:lvl9pPr>
+          </a:lstStyle>
+          <a:p>
+            <a:pPr algn="ctr" eaLnBrk="1" hangingPunct="1"/>
+            <a:r>
+              <a:rPr lang="en-US" altLang="en-US" sz="1100" dirty="0">
+                <a:latin typeface="Arial" panose="020B0604020202020204" pitchFamily="34" charset="0"/>
+                <a:ea typeface="Amazon Ember" panose="020B0603020204020204" pitchFamily="34" charset="0"/>
+                <a:cs typeface="Arial" panose="020B0604020202020204" pitchFamily="34" charset="0"/>
+              </a:rPr>
+              <a:t>Data lake</a:t>
+            </a:r>
+          </a:p>
+        </p:txBody>
+      </p:sp>
+      <p:pic>
+        <p:nvPicPr>
+          <p:cNvPr id="23" name="Graphic 6">
+            <a:extLst>
+              <a:ext uri="{FF2B5EF4-FFF2-40B4-BE49-F238E27FC236}">
+                <a16:creationId xmlns:a16="http://schemas.microsoft.com/office/drawing/2014/main" id="{B805C337-8779-4C91-8042-0B502E26E15D}"/>
+              </a:ext>
+            </a:extLst>
+          </p:cNvPr>
+          <p:cNvPicPr>
+            <a:picLocks noChangeAspect="1" noChangeArrowheads="1"/>
+          </p:cNvPicPr>
+          <p:nvPr/>
+        </p:nvPicPr>
+        <p:blipFill>
+          <a:blip r:embed="rId6">
+            <a:extLst>
+              <a:ext uri="{28A0092B-C50C-407E-A947-70E740481C1C}">
+                <a14:useLocalDpi xmlns:a14="http://schemas.microsoft.com/office/drawing/2010/main" val="0"/>
+              </a:ext>
+            </a:extLst>
+          </a:blip>
+          <a:srcRect/>
+          <a:stretch>
+            <a:fillRect/>
+          </a:stretch>
+        </p:blipFill>
+        <p:spPr bwMode="auto">
+          <a:xfrm>
+            <a:off x="5500769" y="2457883"/>
+            <a:ext cx="457200" cy="457200"/>
+          </a:xfrm>
+          <a:prstGeom prst="rect">
+            <a:avLst/>
+          </a:prstGeom>
+          <a:noFill/>
+          <a:ln>
+            <a:noFill/>
+          </a:ln>
+          <a:extLst>
+            <a:ext uri="{909E8E84-426E-40DD-AFC4-6F175D3DCCD1}">
+              <a14:hiddenFill xmlns:a14="http://schemas.microsoft.com/office/drawing/2010/main">
+                <a:solidFill>
+                  <a:srgbClr val="FFFFFF"/>
+                </a:solidFill>
+              </a14:hiddenFill>
+            </a:ext>
+            <a:ext uri="{91240B29-F687-4F45-9708-019B960494DF}">
+              <a14:hiddenLine xmlns:a14="http://schemas.microsoft.com/office/drawing/2010/main" w="9525">
+                <a:solidFill>
+                  <a:srgbClr val="000000"/>
+                </a:solidFill>
+                <a:miter lim="800000"/>
+                <a:headEnd/>
+                <a:tailEnd/>
+              </a14:hiddenLine>
+            </a:ext>
+          </a:extLst>
+        </p:spPr>
+      </p:pic>
+      <p:pic>
+        <p:nvPicPr>
+          <p:cNvPr id="17" name="Graphic 23">
+            <a:extLst>
+              <a:ext uri="{FF2B5EF4-FFF2-40B4-BE49-F238E27FC236}">
+                <a16:creationId xmlns:a16="http://schemas.microsoft.com/office/drawing/2014/main" id="{6A4F6864-E199-43D2-BCAF-727D6D944AC1}"/>
+              </a:ext>
+            </a:extLst>
+          </p:cNvPr>
+          <p:cNvPicPr>
+            <a:picLocks noChangeAspect="1" noChangeArrowheads="1"/>
+          </p:cNvPicPr>
+          <p:nvPr/>
+        </p:nvPicPr>
+        <p:blipFill>
+          <a:blip r:embed="rId7">
+            <a:extLst>
+              <a:ext uri="{28A0092B-C50C-407E-A947-70E740481C1C}">
+                <a14:useLocalDpi xmlns:a14="http://schemas.microsoft.com/office/drawing/2010/main" val="0"/>
+              </a:ext>
+            </a:extLst>
+          </a:blip>
+          <a:srcRect/>
+          <a:stretch>
+            <a:fillRect/>
+          </a:stretch>
+        </p:blipFill>
+        <p:spPr bwMode="auto">
+          <a:xfrm>
+            <a:off x="7876005" y="2393593"/>
+            <a:ext cx="645414" cy="645414"/>
+          </a:xfrm>
+          <a:prstGeom prst="rect">
+            <a:avLst/>
+          </a:prstGeom>
+          <a:noFill/>
+          <a:ln>
+            <a:noFill/>
+          </a:ln>
+          <a:extLst>
+            <a:ext uri="{909E8E84-426E-40DD-AFC4-6F175D3DCCD1}">
+              <a14:hiddenFill xmlns:a14="http://schemas.microsoft.com/office/drawing/2010/main">
+                <a:solidFill>
+                  <a:srgbClr val="FFFFFF"/>
+                </a:solidFill>
+              </a14:hiddenFill>
+            </a:ext>
+            <a:ext uri="{91240B29-F687-4F45-9708-019B960494DF}">
+              <a14:hiddenLine xmlns:a14="http://schemas.microsoft.com/office/drawing/2010/main" w="9525">
+                <a:solidFill>
+                  <a:srgbClr val="000000"/>
+                </a:solidFill>
+                <a:miter lim="800000"/>
+                <a:headEnd/>
+                <a:tailEnd/>
+              </a14:hiddenLine>
+            </a:ext>
+          </a:extLst>
+        </p:spPr>
+      </p:pic>
+      <p:sp>
+        <p:nvSpPr>
+          <p:cNvPr id="18" name="TextBox 34">
+            <a:extLst>
+              <a:ext uri="{FF2B5EF4-FFF2-40B4-BE49-F238E27FC236}">
+                <a16:creationId xmlns:a16="http://schemas.microsoft.com/office/drawing/2014/main" id="{38372529-F8C8-4C81-949A-AAC61DA47274}"/>
+              </a:ext>
+            </a:extLst>
+          </p:cNvPr>
+          <p:cNvSpPr txBox="1">
+            <a:spLocks noChangeArrowheads="1"/>
+          </p:cNvSpPr>
+          <p:nvPr/>
+        </p:nvSpPr>
+        <p:spPr bwMode="auto">
+          <a:xfrm>
+            <a:off x="7456037" y="3048004"/>
+            <a:ext cx="1485351" cy="276999"/>
+          </a:xfrm>
+          <a:prstGeom prst="rect">
+            <a:avLst/>
+          </a:prstGeom>
+          <a:noFill/>
+          <a:ln>
+            <a:noFill/>
+          </a:ln>
+          <a:extLst>
+            <a:ext uri="{909E8E84-426E-40DD-AFC4-6F175D3DCCD1}">
+              <a14:hiddenFill xmlns:a14="http://schemas.microsoft.com/office/drawing/2010/main">
+                <a:solidFill>
+                  <a:srgbClr val="FFFFFF"/>
+                </a:solidFill>
+              </a14:hiddenFill>
+            </a:ext>
+            <a:ext uri="{91240B29-F687-4F45-9708-019B960494DF}">
+              <a14:hiddenLine xmlns:a14="http://schemas.microsoft.com/office/drawing/2010/main" w="9525">
+                <a:solidFill>
+                  <a:srgbClr val="000000"/>
+                </a:solidFill>
+                <a:miter lim="800000"/>
+                <a:headEnd/>
+                <a:tailEnd/>
+              </a14:hiddenLine>
+            </a:ext>
+          </a:extLst>
+        </p:spPr>
+        <p:txBody>
+          <a:bodyPr wrap="square">
+            <a:spAutoFit/>
+          </a:bodyPr>
+          <a:lstStyle>
+            <a:lvl1pPr>
+              <a:defRPr>
+                <a:solidFill>
+                  <a:schemeClr val="tx1"/>
+                </a:solidFill>
+                <a:latin typeface="Calibri" panose="020F0502020204030204" pitchFamily="34" charset="0"/>
+              </a:defRPr>
+            </a:lvl1pPr>
+            <a:lvl2pPr marL="742950" indent="-285750">
+              <a:defRPr>
+                <a:solidFill>
+                  <a:schemeClr val="tx1"/>
+                </a:solidFill>
+                <a:latin typeface="Calibri" panose="020F0502020204030204" pitchFamily="34" charset="0"/>
+              </a:defRPr>
+            </a:lvl2pPr>
+            <a:lvl3pPr marL="1143000" indent="-228600">
+              <a:defRPr>
+                <a:solidFill>
+                  <a:schemeClr val="tx1"/>
+                </a:solidFill>
+                <a:latin typeface="Calibri" panose="020F0502020204030204" pitchFamily="34" charset="0"/>
+              </a:defRPr>
+            </a:lvl3pPr>
+            <a:lvl4pPr marL="1600200" indent="-228600">
+              <a:defRPr>
+                <a:solidFill>
+                  <a:schemeClr val="tx1"/>
+                </a:solidFill>
+                <a:latin typeface="Calibri" panose="020F0502020204030204" pitchFamily="34" charset="0"/>
+              </a:defRPr>
+            </a:lvl4pPr>
+            <a:lvl5pPr marL="2057400" indent="-228600">
+              <a:defRPr>
+                <a:solidFill>
+                  <a:schemeClr val="tx1"/>
+                </a:solidFill>
+                <a:latin typeface="Calibri" panose="020F0502020204030204" pitchFamily="34" charset="0"/>
+              </a:defRPr>
+            </a:lvl5pPr>
+            <a:lvl6pPr marL="2514600" indent="-228600" eaLnBrk="0" fontAlgn="base" hangingPunct="0">
+              <a:spcBef>
+                <a:spcPct val="0"/>
+              </a:spcBef>
+              <a:spcAft>
+                <a:spcPct val="0"/>
+              </a:spcAft>
+              <a:defRPr>
+                <a:solidFill>
+                  <a:schemeClr val="tx1"/>
+                </a:solidFill>
+                <a:latin typeface="Calibri" panose="020F0502020204030204" pitchFamily="34" charset="0"/>
+              </a:defRPr>
+            </a:lvl6pPr>
+            <a:lvl7pPr marL="2971800" indent="-228600" eaLnBrk="0" fontAlgn="base" hangingPunct="0">
+              <a:spcBef>
+                <a:spcPct val="0"/>
+              </a:spcBef>
+              <a:spcAft>
+                <a:spcPct val="0"/>
+              </a:spcAft>
+              <a:defRPr>
+                <a:solidFill>
+                  <a:schemeClr val="tx1"/>
+                </a:solidFill>
+                <a:latin typeface="Calibri" panose="020F0502020204030204" pitchFamily="34" charset="0"/>
+              </a:defRPr>
+            </a:lvl7pPr>
+            <a:lvl8pPr marL="3429000" indent="-228600" eaLnBrk="0" fontAlgn="base" hangingPunct="0">
+              <a:spcBef>
+                <a:spcPct val="0"/>
+              </a:spcBef>
+              <a:spcAft>
+                <a:spcPct val="0"/>
+              </a:spcAft>
+              <a:defRPr>
+                <a:solidFill>
+                  <a:schemeClr val="tx1"/>
+                </a:solidFill>
+                <a:latin typeface="Calibri" panose="020F0502020204030204" pitchFamily="34" charset="0"/>
+              </a:defRPr>
+            </a:lvl8pPr>
+            <a:lvl9pPr marL="3886200" indent="-228600" eaLnBrk="0" fontAlgn="base" hangingPunct="0">
+              <a:spcBef>
+                <a:spcPct val="0"/>
+              </a:spcBef>
+              <a:spcAft>
+                <a:spcPct val="0"/>
+              </a:spcAft>
+              <a:defRPr>
+                <a:solidFill>
+                  <a:schemeClr val="tx1"/>
+                </a:solidFill>
+                <a:latin typeface="Calibri" panose="020F0502020204030204" pitchFamily="34" charset="0"/>
+              </a:defRPr>
+            </a:lvl9pPr>
+          </a:lstStyle>
+          <a:p>
+            <a:pPr algn="ctr" eaLnBrk="1" hangingPunct="1"/>
+            <a:r>
+              <a:rPr lang="en-US" altLang="en-US" sz="1200" dirty="0">
+                <a:latin typeface="Arial" panose="020B0604020202020204" pitchFamily="34" charset="0"/>
+                <a:ea typeface="Amazon Ember" panose="020B0603020204020204" pitchFamily="34" charset="0"/>
+                <a:cs typeface="Arial" panose="020B0604020202020204" pitchFamily="34" charset="0"/>
+              </a:rPr>
+              <a:t>Amazon Redshift</a:t>
+            </a:r>
+          </a:p>
+        </p:txBody>
+      </p:sp>
+      <p:pic>
+        <p:nvPicPr>
+          <p:cNvPr id="19" name="Graphic 17">
+            <a:extLst>
+              <a:ext uri="{FF2B5EF4-FFF2-40B4-BE49-F238E27FC236}">
+                <a16:creationId xmlns:a16="http://schemas.microsoft.com/office/drawing/2014/main" id="{1A21ECF5-48E2-4997-87B5-5CD5EAEE704C}"/>
+              </a:ext>
+            </a:extLst>
+          </p:cNvPr>
+          <p:cNvPicPr>
+            <a:picLocks noChangeAspect="1" noChangeArrowheads="1"/>
+          </p:cNvPicPr>
+          <p:nvPr/>
+        </p:nvPicPr>
+        <p:blipFill>
+          <a:blip r:embed="rId8"/>
+          <a:srcRect/>
+          <a:stretch/>
+        </p:blipFill>
+        <p:spPr bwMode="auto">
+          <a:xfrm>
+            <a:off x="9099158" y="2393593"/>
+            <a:ext cx="645414" cy="645414"/>
+          </a:xfrm>
+          <a:prstGeom prst="rect">
+            <a:avLst/>
+          </a:prstGeom>
+          <a:noFill/>
+          <a:ln>
+            <a:noFill/>
+          </a:ln>
+          <a:extLst>
+            <a:ext uri="{909E8E84-426E-40DD-AFC4-6F175D3DCCD1}">
+              <a14:hiddenFill xmlns:a14="http://schemas.microsoft.com/office/drawing/2010/main">
+                <a:solidFill>
+                  <a:srgbClr val="FFFFFF"/>
+                </a:solidFill>
+              </a14:hiddenFill>
+            </a:ext>
+            <a:ext uri="{91240B29-F687-4F45-9708-019B960494DF}">
+              <a14:hiddenLine xmlns:a14="http://schemas.microsoft.com/office/drawing/2010/main" w="9525">
+                <a:solidFill>
+                  <a:srgbClr val="000000"/>
+                </a:solidFill>
+                <a:miter lim="800000"/>
+                <a:headEnd/>
+                <a:tailEnd/>
+              </a14:hiddenLine>
+            </a:ext>
+          </a:extLst>
+        </p:spPr>
+      </p:pic>
+      <p:sp>
+        <p:nvSpPr>
+          <p:cNvPr id="20" name="TextBox 9">
+            <a:extLst>
+              <a:ext uri="{FF2B5EF4-FFF2-40B4-BE49-F238E27FC236}">
+                <a16:creationId xmlns:a16="http://schemas.microsoft.com/office/drawing/2014/main" id="{D59DD26E-4DEE-471A-A9D9-53D11C932BF0}"/>
+              </a:ext>
+            </a:extLst>
+          </p:cNvPr>
+          <p:cNvSpPr txBox="1">
+            <a:spLocks noChangeArrowheads="1"/>
+          </p:cNvSpPr>
+          <p:nvPr/>
+        </p:nvSpPr>
+        <p:spPr bwMode="auto">
+          <a:xfrm>
+            <a:off x="8898638" y="3048004"/>
+            <a:ext cx="1046455" cy="461665"/>
+          </a:xfrm>
+          <a:prstGeom prst="rect">
+            <a:avLst/>
+          </a:prstGeom>
+          <a:noFill/>
+          <a:ln>
+            <a:noFill/>
+          </a:ln>
+          <a:extLst>
+            <a:ext uri="{909E8E84-426E-40DD-AFC4-6F175D3DCCD1}">
+              <a14:hiddenFill xmlns:a14="http://schemas.microsoft.com/office/drawing/2010/main">
+                <a:solidFill>
+                  <a:srgbClr val="FFFFFF"/>
+                </a:solidFill>
+              </a14:hiddenFill>
+            </a:ext>
+            <a:ext uri="{91240B29-F687-4F45-9708-019B960494DF}">
+              <a14:hiddenLine xmlns:a14="http://schemas.microsoft.com/office/drawing/2010/main" w="9525">
+                <a:solidFill>
+                  <a:srgbClr val="000000"/>
+                </a:solidFill>
+                <a:miter lim="800000"/>
+                <a:headEnd/>
+                <a:tailEnd/>
+              </a14:hiddenLine>
+            </a:ext>
+          </a:extLst>
+        </p:spPr>
+        <p:txBody>
+          <a:bodyPr wrap="square">
+            <a:spAutoFit/>
+          </a:bodyPr>
+          <a:lstStyle>
+            <a:lvl1pPr>
+              <a:defRPr>
+                <a:solidFill>
+                  <a:schemeClr val="tx1"/>
+                </a:solidFill>
+                <a:latin typeface="Calibri" panose="020F0502020204030204" pitchFamily="34" charset="0"/>
+              </a:defRPr>
+            </a:lvl1pPr>
+            <a:lvl2pPr marL="742950" indent="-285750">
+              <a:defRPr>
+                <a:solidFill>
+                  <a:schemeClr val="tx1"/>
+                </a:solidFill>
+                <a:latin typeface="Calibri" panose="020F0502020204030204" pitchFamily="34" charset="0"/>
+              </a:defRPr>
+            </a:lvl2pPr>
+            <a:lvl3pPr marL="1143000" indent="-228600">
+              <a:defRPr>
+                <a:solidFill>
+                  <a:schemeClr val="tx1"/>
+                </a:solidFill>
+                <a:latin typeface="Calibri" panose="020F0502020204030204" pitchFamily="34" charset="0"/>
+              </a:defRPr>
+            </a:lvl3pPr>
+            <a:lvl4pPr marL="1600200" indent="-228600">
+              <a:defRPr>
+                <a:solidFill>
+                  <a:schemeClr val="tx1"/>
+                </a:solidFill>
+                <a:latin typeface="Calibri" panose="020F0502020204030204" pitchFamily="34" charset="0"/>
+              </a:defRPr>
+            </a:lvl4pPr>
+            <a:lvl5pPr marL="2057400" indent="-228600">
+              <a:defRPr>
+                <a:solidFill>
+                  <a:schemeClr val="tx1"/>
+                </a:solidFill>
+                <a:latin typeface="Calibri" panose="020F0502020204030204" pitchFamily="34" charset="0"/>
+              </a:defRPr>
+            </a:lvl5pPr>
+            <a:lvl6pPr marL="2514600" indent="-228600" eaLnBrk="0" fontAlgn="base" hangingPunct="0">
+              <a:spcBef>
+                <a:spcPct val="0"/>
+              </a:spcBef>
+              <a:spcAft>
+                <a:spcPct val="0"/>
+              </a:spcAft>
+              <a:defRPr>
+                <a:solidFill>
+                  <a:schemeClr val="tx1"/>
+                </a:solidFill>
+                <a:latin typeface="Calibri" panose="020F0502020204030204" pitchFamily="34" charset="0"/>
+              </a:defRPr>
+            </a:lvl6pPr>
+            <a:lvl7pPr marL="2971800" indent="-228600" eaLnBrk="0" fontAlgn="base" hangingPunct="0">
+              <a:spcBef>
+                <a:spcPct val="0"/>
+              </a:spcBef>
+              <a:spcAft>
+                <a:spcPct val="0"/>
+              </a:spcAft>
+              <a:defRPr>
+                <a:solidFill>
+                  <a:schemeClr val="tx1"/>
+                </a:solidFill>
+                <a:latin typeface="Calibri" panose="020F0502020204030204" pitchFamily="34" charset="0"/>
+              </a:defRPr>
+            </a:lvl7pPr>
+            <a:lvl8pPr marL="3429000" indent="-228600" eaLnBrk="0" fontAlgn="base" hangingPunct="0">
+              <a:spcBef>
+                <a:spcPct val="0"/>
+              </a:spcBef>
+              <a:spcAft>
+                <a:spcPct val="0"/>
+              </a:spcAft>
+              <a:defRPr>
+                <a:solidFill>
+                  <a:schemeClr val="tx1"/>
+                </a:solidFill>
+                <a:latin typeface="Calibri" panose="020F0502020204030204" pitchFamily="34" charset="0"/>
+              </a:defRPr>
+            </a:lvl8pPr>
+            <a:lvl9pPr marL="3886200" indent="-228600" eaLnBrk="0" fontAlgn="base" hangingPunct="0">
+              <a:spcBef>
+                <a:spcPct val="0"/>
+              </a:spcBef>
+              <a:spcAft>
+                <a:spcPct val="0"/>
+              </a:spcAft>
+              <a:defRPr>
+                <a:solidFill>
+                  <a:schemeClr val="tx1"/>
+                </a:solidFill>
+                <a:latin typeface="Calibri" panose="020F0502020204030204" pitchFamily="34" charset="0"/>
+              </a:defRPr>
+            </a:lvl9pPr>
+          </a:lstStyle>
+          <a:p>
+            <a:pPr algn="ctr" eaLnBrk="1" hangingPunct="1"/>
+            <a:r>
+              <a:rPr lang="en-US" altLang="en-US" sz="1200" dirty="0">
+                <a:latin typeface="Arial" panose="020B0604020202020204" pitchFamily="34" charset="0"/>
+                <a:ea typeface="Amazon Ember" panose="020B0603020204020204" pitchFamily="34" charset="0"/>
+                <a:cs typeface="Arial" panose="020B0604020202020204" pitchFamily="34" charset="0"/>
+              </a:rPr>
+              <a:t>Amazon API </a:t>
+            </a:r>
+          </a:p>
+          <a:p>
+            <a:pPr algn="ctr" eaLnBrk="1" hangingPunct="1"/>
+            <a:r>
+              <a:rPr lang="en-US" altLang="en-US" sz="1200" dirty="0">
+                <a:latin typeface="Arial" panose="020B0604020202020204" pitchFamily="34" charset="0"/>
+                <a:ea typeface="Amazon Ember" panose="020B0603020204020204" pitchFamily="34" charset="0"/>
+                <a:cs typeface="Arial" panose="020B0604020202020204" pitchFamily="34" charset="0"/>
+              </a:rPr>
+              <a:t>Gateway</a:t>
+            </a:r>
+          </a:p>
+        </p:txBody>
+      </p:sp>
+      <p:sp>
+        <p:nvSpPr>
+          <p:cNvPr id="24" name="TextBox 20">
+            <a:extLst>
+              <a:ext uri="{FF2B5EF4-FFF2-40B4-BE49-F238E27FC236}">
+                <a16:creationId xmlns:a16="http://schemas.microsoft.com/office/drawing/2014/main" id="{FB974820-FF54-40C1-861E-26E7374C6D7E}"/>
+              </a:ext>
+            </a:extLst>
+          </p:cNvPr>
+          <p:cNvSpPr txBox="1">
+            <a:spLocks noChangeArrowheads="1"/>
+          </p:cNvSpPr>
+          <p:nvPr/>
+        </p:nvSpPr>
+        <p:spPr bwMode="auto">
+          <a:xfrm>
+            <a:off x="7757708" y="4109421"/>
+            <a:ext cx="882008" cy="461665"/>
+          </a:xfrm>
+          <a:prstGeom prst="rect">
+            <a:avLst/>
+          </a:prstGeom>
+          <a:noFill/>
+          <a:ln>
+            <a:noFill/>
+          </a:ln>
+          <a:extLst>
+            <a:ext uri="{909E8E84-426E-40DD-AFC4-6F175D3DCCD1}">
+              <a14:hiddenFill xmlns:a14="http://schemas.microsoft.com/office/drawing/2010/main">
+                <a:solidFill>
+                  <a:srgbClr val="FFFFFF"/>
+                </a:solidFill>
+              </a14:hiddenFill>
+            </a:ext>
+            <a:ext uri="{91240B29-F687-4F45-9708-019B960494DF}">
+              <a14:hiddenLine xmlns:a14="http://schemas.microsoft.com/office/drawing/2010/main" w="9525">
+                <a:solidFill>
+                  <a:srgbClr val="000000"/>
+                </a:solidFill>
+                <a:miter lim="800000"/>
+                <a:headEnd/>
+                <a:tailEnd/>
+              </a14:hiddenLine>
+            </a:ext>
+          </a:extLst>
+        </p:spPr>
+        <p:txBody>
+          <a:bodyPr wrap="square">
+            <a:spAutoFit/>
+          </a:bodyPr>
+          <a:lstStyle>
+            <a:lvl1pPr>
+              <a:defRPr>
+                <a:solidFill>
+                  <a:schemeClr val="tx1"/>
+                </a:solidFill>
+                <a:latin typeface="Calibri" panose="020F0502020204030204" pitchFamily="34" charset="0"/>
+              </a:defRPr>
+            </a:lvl1pPr>
+            <a:lvl2pPr marL="742950" indent="-285750">
+              <a:defRPr>
+                <a:solidFill>
+                  <a:schemeClr val="tx1"/>
+                </a:solidFill>
+                <a:latin typeface="Calibri" panose="020F0502020204030204" pitchFamily="34" charset="0"/>
+              </a:defRPr>
+            </a:lvl2pPr>
+            <a:lvl3pPr marL="1143000" indent="-228600">
+              <a:defRPr>
+                <a:solidFill>
+                  <a:schemeClr val="tx1"/>
+                </a:solidFill>
+                <a:latin typeface="Calibri" panose="020F0502020204030204" pitchFamily="34" charset="0"/>
+              </a:defRPr>
+            </a:lvl3pPr>
+            <a:lvl4pPr marL="1600200" indent="-228600">
+              <a:defRPr>
+                <a:solidFill>
+                  <a:schemeClr val="tx1"/>
+                </a:solidFill>
+                <a:latin typeface="Calibri" panose="020F0502020204030204" pitchFamily="34" charset="0"/>
+              </a:defRPr>
+            </a:lvl4pPr>
+            <a:lvl5pPr marL="2057400" indent="-228600">
+              <a:defRPr>
+                <a:solidFill>
+                  <a:schemeClr val="tx1"/>
+                </a:solidFill>
+                <a:latin typeface="Calibri" panose="020F0502020204030204" pitchFamily="34" charset="0"/>
+              </a:defRPr>
+            </a:lvl5pPr>
+            <a:lvl6pPr marL="2514600" indent="-228600" eaLnBrk="0" fontAlgn="base" hangingPunct="0">
+              <a:spcBef>
+                <a:spcPct val="0"/>
+              </a:spcBef>
+              <a:spcAft>
+                <a:spcPct val="0"/>
+              </a:spcAft>
+              <a:defRPr>
+                <a:solidFill>
+                  <a:schemeClr val="tx1"/>
+                </a:solidFill>
+                <a:latin typeface="Calibri" panose="020F0502020204030204" pitchFamily="34" charset="0"/>
+              </a:defRPr>
+            </a:lvl6pPr>
+            <a:lvl7pPr marL="2971800" indent="-228600" eaLnBrk="0" fontAlgn="base" hangingPunct="0">
+              <a:spcBef>
+                <a:spcPct val="0"/>
+              </a:spcBef>
+              <a:spcAft>
+                <a:spcPct val="0"/>
+              </a:spcAft>
+              <a:defRPr>
+                <a:solidFill>
+                  <a:schemeClr val="tx1"/>
+                </a:solidFill>
+                <a:latin typeface="Calibri" panose="020F0502020204030204" pitchFamily="34" charset="0"/>
+              </a:defRPr>
+            </a:lvl7pPr>
+            <a:lvl8pPr marL="3429000" indent="-228600" eaLnBrk="0" fontAlgn="base" hangingPunct="0">
+              <a:spcBef>
+                <a:spcPct val="0"/>
+              </a:spcBef>
+              <a:spcAft>
+                <a:spcPct val="0"/>
+              </a:spcAft>
+              <a:defRPr>
+                <a:solidFill>
+                  <a:schemeClr val="tx1"/>
+                </a:solidFill>
+                <a:latin typeface="Calibri" panose="020F0502020204030204" pitchFamily="34" charset="0"/>
+              </a:defRPr>
+            </a:lvl8pPr>
+            <a:lvl9pPr marL="3886200" indent="-228600" eaLnBrk="0" fontAlgn="base" hangingPunct="0">
+              <a:spcBef>
+                <a:spcPct val="0"/>
+              </a:spcBef>
+              <a:spcAft>
+                <a:spcPct val="0"/>
+              </a:spcAft>
+              <a:defRPr>
+                <a:solidFill>
+                  <a:schemeClr val="tx1"/>
+                </a:solidFill>
+                <a:latin typeface="Calibri" panose="020F0502020204030204" pitchFamily="34" charset="0"/>
+              </a:defRPr>
+            </a:lvl9pPr>
+          </a:lstStyle>
+          <a:p>
+            <a:pPr algn="ctr" eaLnBrk="1" hangingPunct="1"/>
+            <a:r>
+              <a:rPr lang="en-US" altLang="en-US" sz="1200" dirty="0">
+                <a:latin typeface="Arial" panose="020B0604020202020204" pitchFamily="34" charset="0"/>
+                <a:ea typeface="Amazon Ember" panose="020B0603020204020204" pitchFamily="34" charset="0"/>
+                <a:cs typeface="Arial" panose="020B0604020202020204" pitchFamily="34" charset="0"/>
+              </a:rPr>
+              <a:t>ML pipelines</a:t>
+            </a:r>
+          </a:p>
+        </p:txBody>
+      </p:sp>
+      <p:pic>
+        <p:nvPicPr>
+          <p:cNvPr id="25" name="Graphic 28">
+            <a:extLst>
+              <a:ext uri="{FF2B5EF4-FFF2-40B4-BE49-F238E27FC236}">
+                <a16:creationId xmlns:a16="http://schemas.microsoft.com/office/drawing/2014/main" id="{D03714F6-9231-4027-B4FD-66BF6D23FFFE}"/>
+              </a:ext>
+            </a:extLst>
+          </p:cNvPr>
+          <p:cNvPicPr>
+            <a:picLocks noChangeAspect="1" noChangeArrowheads="1"/>
+          </p:cNvPicPr>
+          <p:nvPr/>
+        </p:nvPicPr>
+        <p:blipFill>
+          <a:blip r:embed="rId9">
+            <a:extLst>
+              <a:ext uri="{28A0092B-C50C-407E-A947-70E740481C1C}">
+                <a14:useLocalDpi xmlns:a14="http://schemas.microsoft.com/office/drawing/2010/main" val="0"/>
+              </a:ext>
+            </a:extLst>
+          </a:blip>
+          <a:srcRect/>
+          <a:stretch>
+            <a:fillRect/>
+          </a:stretch>
+        </p:blipFill>
+        <p:spPr bwMode="auto">
+          <a:xfrm>
+            <a:off x="7970112" y="3688053"/>
+            <a:ext cx="457200" cy="457200"/>
+          </a:xfrm>
+          <a:prstGeom prst="rect">
+            <a:avLst/>
+          </a:prstGeom>
+          <a:noFill/>
+          <a:ln>
+            <a:noFill/>
+          </a:ln>
+          <a:extLst>
+            <a:ext uri="{909E8E84-426E-40DD-AFC4-6F175D3DCCD1}">
+              <a14:hiddenFill xmlns:a14="http://schemas.microsoft.com/office/drawing/2010/main">
+                <a:solidFill>
+                  <a:srgbClr val="FFFFFF"/>
+                </a:solidFill>
+              </a14:hiddenFill>
+            </a:ext>
+            <a:ext uri="{91240B29-F687-4F45-9708-019B960494DF}">
+              <a14:hiddenLine xmlns:a14="http://schemas.microsoft.com/office/drawing/2010/main" w="9525">
+                <a:solidFill>
+                  <a:srgbClr val="000000"/>
+                </a:solidFill>
+                <a:miter lim="800000"/>
+                <a:headEnd/>
+                <a:tailEnd/>
+              </a14:hiddenLine>
+            </a:ext>
+          </a:extLst>
+        </p:spPr>
+      </p:pic>
+      <p:sp>
+        <p:nvSpPr>
+          <p:cNvPr id="26" name="TextBox 19">
+            <a:extLst>
+              <a:ext uri="{FF2B5EF4-FFF2-40B4-BE49-F238E27FC236}">
+                <a16:creationId xmlns:a16="http://schemas.microsoft.com/office/drawing/2014/main" id="{86040001-B625-478D-9915-4307FD42BB3A}"/>
+              </a:ext>
+            </a:extLst>
+          </p:cNvPr>
+          <p:cNvSpPr txBox="1">
+            <a:spLocks noChangeArrowheads="1"/>
+          </p:cNvSpPr>
+          <p:nvPr/>
+        </p:nvSpPr>
+        <p:spPr bwMode="auto">
+          <a:xfrm>
+            <a:off x="8980861" y="4109421"/>
+            <a:ext cx="882008" cy="461665"/>
+          </a:xfrm>
+          <a:prstGeom prst="rect">
+            <a:avLst/>
+          </a:prstGeom>
+          <a:noFill/>
+          <a:ln>
+            <a:noFill/>
+          </a:ln>
+          <a:extLst>
+            <a:ext uri="{909E8E84-426E-40DD-AFC4-6F175D3DCCD1}">
+              <a14:hiddenFill xmlns:a14="http://schemas.microsoft.com/office/drawing/2010/main">
+                <a:solidFill>
+                  <a:srgbClr val="FFFFFF"/>
+                </a:solidFill>
+              </a14:hiddenFill>
+            </a:ext>
+            <a:ext uri="{91240B29-F687-4F45-9708-019B960494DF}">
+              <a14:hiddenLine xmlns:a14="http://schemas.microsoft.com/office/drawing/2010/main" w="9525">
+                <a:solidFill>
+                  <a:srgbClr val="000000"/>
+                </a:solidFill>
+                <a:miter lim="800000"/>
+                <a:headEnd/>
+                <a:tailEnd/>
+              </a14:hiddenLine>
+            </a:ext>
+          </a:extLst>
+        </p:spPr>
+        <p:txBody>
+          <a:bodyPr wrap="square">
+            <a:spAutoFit/>
+          </a:bodyPr>
+          <a:lstStyle>
+            <a:lvl1pPr>
+              <a:defRPr>
+                <a:solidFill>
+                  <a:schemeClr val="tx1"/>
+                </a:solidFill>
+                <a:latin typeface="Calibri" panose="020F0502020204030204" pitchFamily="34" charset="0"/>
+              </a:defRPr>
+            </a:lvl1pPr>
+            <a:lvl2pPr marL="742950" indent="-285750">
+              <a:defRPr>
+                <a:solidFill>
+                  <a:schemeClr val="tx1"/>
+                </a:solidFill>
+                <a:latin typeface="Calibri" panose="020F0502020204030204" pitchFamily="34" charset="0"/>
+              </a:defRPr>
+            </a:lvl2pPr>
+            <a:lvl3pPr marL="1143000" indent="-228600">
+              <a:defRPr>
+                <a:solidFill>
+                  <a:schemeClr val="tx1"/>
+                </a:solidFill>
+                <a:latin typeface="Calibri" panose="020F0502020204030204" pitchFamily="34" charset="0"/>
+              </a:defRPr>
+            </a:lvl3pPr>
+            <a:lvl4pPr marL="1600200" indent="-228600">
+              <a:defRPr>
+                <a:solidFill>
+                  <a:schemeClr val="tx1"/>
+                </a:solidFill>
+                <a:latin typeface="Calibri" panose="020F0502020204030204" pitchFamily="34" charset="0"/>
+              </a:defRPr>
+            </a:lvl4pPr>
+            <a:lvl5pPr marL="2057400" indent="-228600">
+              <a:defRPr>
+                <a:solidFill>
+                  <a:schemeClr val="tx1"/>
+                </a:solidFill>
+                <a:latin typeface="Calibri" panose="020F0502020204030204" pitchFamily="34" charset="0"/>
+              </a:defRPr>
+            </a:lvl5pPr>
+            <a:lvl6pPr marL="2514600" indent="-228600" eaLnBrk="0" fontAlgn="base" hangingPunct="0">
+              <a:spcBef>
+                <a:spcPct val="0"/>
+              </a:spcBef>
+              <a:spcAft>
+                <a:spcPct val="0"/>
+              </a:spcAft>
+              <a:defRPr>
+                <a:solidFill>
+                  <a:schemeClr val="tx1"/>
+                </a:solidFill>
+                <a:latin typeface="Calibri" panose="020F0502020204030204" pitchFamily="34" charset="0"/>
+              </a:defRPr>
+            </a:lvl6pPr>
+            <a:lvl7pPr marL="2971800" indent="-228600" eaLnBrk="0" fontAlgn="base" hangingPunct="0">
+              <a:spcBef>
+                <a:spcPct val="0"/>
+              </a:spcBef>
+              <a:spcAft>
+                <a:spcPct val="0"/>
+              </a:spcAft>
+              <a:defRPr>
+                <a:solidFill>
+                  <a:schemeClr val="tx1"/>
+                </a:solidFill>
+                <a:latin typeface="Calibri" panose="020F0502020204030204" pitchFamily="34" charset="0"/>
+              </a:defRPr>
+            </a:lvl7pPr>
+            <a:lvl8pPr marL="3429000" indent="-228600" eaLnBrk="0" fontAlgn="base" hangingPunct="0">
+              <a:spcBef>
+                <a:spcPct val="0"/>
+              </a:spcBef>
+              <a:spcAft>
+                <a:spcPct val="0"/>
+              </a:spcAft>
+              <a:defRPr>
+                <a:solidFill>
+                  <a:schemeClr val="tx1"/>
+                </a:solidFill>
+                <a:latin typeface="Calibri" panose="020F0502020204030204" pitchFamily="34" charset="0"/>
+              </a:defRPr>
+            </a:lvl8pPr>
+            <a:lvl9pPr marL="3886200" indent="-228600" eaLnBrk="0" fontAlgn="base" hangingPunct="0">
+              <a:spcBef>
+                <a:spcPct val="0"/>
+              </a:spcBef>
+              <a:spcAft>
+                <a:spcPct val="0"/>
+              </a:spcAft>
+              <a:defRPr>
+                <a:solidFill>
+                  <a:schemeClr val="tx1"/>
+                </a:solidFill>
+                <a:latin typeface="Calibri" panose="020F0502020204030204" pitchFamily="34" charset="0"/>
+              </a:defRPr>
+            </a:lvl9pPr>
+          </a:lstStyle>
+          <a:p>
+            <a:pPr algn="ctr" eaLnBrk="1" hangingPunct="1"/>
+            <a:r>
+              <a:rPr lang="en-US" altLang="en-US" sz="1200" dirty="0">
+                <a:latin typeface="Arial" panose="020B0604020202020204" pitchFamily="34" charset="0"/>
+                <a:ea typeface="Amazon Ember" panose="020B0603020204020204" pitchFamily="34" charset="0"/>
+                <a:cs typeface="Arial" panose="020B0604020202020204" pitchFamily="34" charset="0"/>
+              </a:rPr>
+              <a:t>Jupyter notebook</a:t>
+            </a:r>
+          </a:p>
+        </p:txBody>
+      </p:sp>
+      <p:pic>
+        <p:nvPicPr>
+          <p:cNvPr id="27" name="Graphic 26">
+            <a:extLst>
+              <a:ext uri="{FF2B5EF4-FFF2-40B4-BE49-F238E27FC236}">
+                <a16:creationId xmlns:a16="http://schemas.microsoft.com/office/drawing/2014/main" id="{E2A709C3-4342-4FBD-B4AE-2B25319BCB75}"/>
+              </a:ext>
+            </a:extLst>
+          </p:cNvPr>
+          <p:cNvPicPr>
+            <a:picLocks noChangeAspect="1" noChangeArrowheads="1"/>
+          </p:cNvPicPr>
+          <p:nvPr/>
+        </p:nvPicPr>
+        <p:blipFill>
+          <a:blip r:embed="rId10">
+            <a:extLst>
+              <a:ext uri="{28A0092B-C50C-407E-A947-70E740481C1C}">
+                <a14:useLocalDpi xmlns:a14="http://schemas.microsoft.com/office/drawing/2010/main" val="0"/>
+              </a:ext>
+            </a:extLst>
+          </a:blip>
+          <a:srcRect/>
+          <a:stretch>
+            <a:fillRect/>
+          </a:stretch>
+        </p:blipFill>
+        <p:spPr bwMode="auto">
+          <a:xfrm>
+            <a:off x="9193265" y="3688053"/>
+            <a:ext cx="457200" cy="457200"/>
+          </a:xfrm>
+          <a:prstGeom prst="rect">
+            <a:avLst/>
+          </a:prstGeom>
+          <a:noFill/>
+          <a:ln>
+            <a:noFill/>
+          </a:ln>
+          <a:extLst>
+            <a:ext uri="{909E8E84-426E-40DD-AFC4-6F175D3DCCD1}">
+              <a14:hiddenFill xmlns:a14="http://schemas.microsoft.com/office/drawing/2010/main">
+                <a:solidFill>
+                  <a:srgbClr val="FFFFFF"/>
+                </a:solidFill>
+              </a14:hiddenFill>
+            </a:ext>
+            <a:ext uri="{91240B29-F687-4F45-9708-019B960494DF}">
+              <a14:hiddenLine xmlns:a14="http://schemas.microsoft.com/office/drawing/2010/main" w="9525">
+                <a:solidFill>
+                  <a:srgbClr val="000000"/>
+                </a:solidFill>
+                <a:miter lim="800000"/>
+                <a:headEnd/>
+                <a:tailEnd/>
+              </a14:hiddenLine>
+            </a:ext>
+          </a:extLst>
+        </p:spPr>
+      </p:pic>
+      <p:pic>
+        <p:nvPicPr>
+          <p:cNvPr id="30" name="Graphic 34">
+            <a:extLst>
+              <a:ext uri="{FF2B5EF4-FFF2-40B4-BE49-F238E27FC236}">
+                <a16:creationId xmlns:a16="http://schemas.microsoft.com/office/drawing/2014/main" id="{05B7B2CB-B26C-4DAF-8E10-7990FD2B9409}"/>
+              </a:ext>
+            </a:extLst>
+          </p:cNvPr>
+          <p:cNvPicPr>
+            <a:picLocks noChangeAspect="1" noChangeArrowheads="1"/>
+          </p:cNvPicPr>
+          <p:nvPr/>
+        </p:nvPicPr>
+        <p:blipFill>
+          <a:blip r:embed="rId4">
+            <a:extLst>
+              <a:ext uri="{28A0092B-C50C-407E-A947-70E740481C1C}">
+                <a14:useLocalDpi xmlns:a14="http://schemas.microsoft.com/office/drawing/2010/main" val="0"/>
+              </a:ext>
+            </a:extLst>
+          </a:blip>
+          <a:srcRect/>
+          <a:stretch>
+            <a:fillRect/>
+          </a:stretch>
+        </p:blipFill>
+        <p:spPr bwMode="auto">
+          <a:xfrm>
+            <a:off x="7418805" y="1558679"/>
+            <a:ext cx="457200" cy="457200"/>
+          </a:xfrm>
+          <a:prstGeom prst="rect">
+            <a:avLst/>
+          </a:prstGeom>
+          <a:noFill/>
+          <a:ln>
+            <a:noFill/>
+          </a:ln>
+          <a:extLst>
+            <a:ext uri="{909E8E84-426E-40DD-AFC4-6F175D3DCCD1}">
+              <a14:hiddenFill xmlns:a14="http://schemas.microsoft.com/office/drawing/2010/main">
+                <a:solidFill>
+                  <a:srgbClr val="FFFFFF"/>
+                </a:solidFill>
+              </a14:hiddenFill>
+            </a:ext>
+            <a:ext uri="{91240B29-F687-4F45-9708-019B960494DF}">
+              <a14:hiddenLine xmlns:a14="http://schemas.microsoft.com/office/drawing/2010/main" w="9525">
+                <a:solidFill>
+                  <a:srgbClr val="000000"/>
+                </a:solidFill>
+                <a:miter lim="800000"/>
+                <a:headEnd/>
+                <a:tailEnd/>
+              </a14:hiddenLine>
+            </a:ext>
+          </a:extLst>
+        </p:spPr>
+      </p:pic>
+      <p:pic>
+        <p:nvPicPr>
+          <p:cNvPr id="38" name="Graphic 21">
+            <a:extLst>
+              <a:ext uri="{FF2B5EF4-FFF2-40B4-BE49-F238E27FC236}">
+                <a16:creationId xmlns:a16="http://schemas.microsoft.com/office/drawing/2014/main" id="{BF320381-3CB6-451D-8A85-7149D5E562F7}"/>
+              </a:ext>
+            </a:extLst>
+          </p:cNvPr>
+          <p:cNvPicPr>
+            <a:picLocks noChangeAspect="1" noChangeArrowheads="1"/>
+          </p:cNvPicPr>
+          <p:nvPr/>
+        </p:nvPicPr>
+        <p:blipFill>
+          <a:blip r:embed="rId11">
+            <a:extLst>
+              <a:ext uri="{28A0092B-C50C-407E-A947-70E740481C1C}">
+                <a14:useLocalDpi xmlns:a14="http://schemas.microsoft.com/office/drawing/2010/main" val="0"/>
+              </a:ext>
+            </a:extLst>
+          </a:blip>
+          <a:srcRect/>
+          <a:stretch>
+            <a:fillRect/>
+          </a:stretch>
+        </p:blipFill>
+        <p:spPr bwMode="auto">
+          <a:xfrm>
+            <a:off x="2314896" y="5230398"/>
+            <a:ext cx="469900" cy="469900"/>
+          </a:xfrm>
+          <a:prstGeom prst="rect">
+            <a:avLst/>
+          </a:prstGeom>
+          <a:noFill/>
+          <a:ln>
+            <a:noFill/>
+          </a:ln>
+          <a:extLst>
+            <a:ext uri="{909E8E84-426E-40DD-AFC4-6F175D3DCCD1}">
+              <a14:hiddenFill xmlns:a14="http://schemas.microsoft.com/office/drawing/2010/main">
+                <a:solidFill>
+                  <a:srgbClr val="FFFFFF"/>
+                </a:solidFill>
+              </a14:hiddenFill>
+            </a:ext>
+            <a:ext uri="{91240B29-F687-4F45-9708-019B960494DF}">
+              <a14:hiddenLine xmlns:a14="http://schemas.microsoft.com/office/drawing/2010/main" w="9525">
+                <a:solidFill>
+                  <a:srgbClr val="000000"/>
+                </a:solidFill>
+                <a:miter lim="800000"/>
+                <a:headEnd/>
+                <a:tailEnd/>
+              </a14:hiddenLine>
+            </a:ext>
+          </a:extLst>
+        </p:spPr>
+      </p:pic>
+      <p:sp>
+        <p:nvSpPr>
+          <p:cNvPr id="39" name="TextBox 20">
+            <a:extLst>
+              <a:ext uri="{FF2B5EF4-FFF2-40B4-BE49-F238E27FC236}">
+                <a16:creationId xmlns:a16="http://schemas.microsoft.com/office/drawing/2014/main" id="{F4047B65-B88E-471F-B4B8-38904FCB7F38}"/>
+              </a:ext>
+            </a:extLst>
+          </p:cNvPr>
+          <p:cNvSpPr txBox="1">
+            <a:spLocks noChangeArrowheads="1"/>
+          </p:cNvSpPr>
+          <p:nvPr/>
+        </p:nvSpPr>
+        <p:spPr bwMode="auto">
+          <a:xfrm>
+            <a:off x="1906466" y="5706392"/>
+            <a:ext cx="1290638" cy="276999"/>
+          </a:xfrm>
+          <a:prstGeom prst="rect">
+            <a:avLst/>
+          </a:prstGeom>
+          <a:noFill/>
+          <a:ln>
+            <a:noFill/>
+          </a:ln>
+          <a:extLst>
+            <a:ext uri="{909E8E84-426E-40DD-AFC4-6F175D3DCCD1}">
+              <a14:hiddenFill xmlns:a14="http://schemas.microsoft.com/office/drawing/2010/main">
+                <a:solidFill>
+                  <a:srgbClr val="FFFFFF"/>
+                </a:solidFill>
+              </a14:hiddenFill>
+            </a:ext>
+            <a:ext uri="{91240B29-F687-4F45-9708-019B960494DF}">
+              <a14:hiddenLine xmlns:a14="http://schemas.microsoft.com/office/drawing/2010/main" w="9525">
+                <a:solidFill>
+                  <a:srgbClr val="000000"/>
+                </a:solidFill>
+                <a:miter lim="800000"/>
+                <a:headEnd/>
+                <a:tailEnd/>
+              </a14:hiddenLine>
+            </a:ext>
+          </a:extLst>
+        </p:spPr>
+        <p:txBody>
+          <a:bodyPr wrap="square">
+            <a:spAutoFit/>
+          </a:bodyPr>
+          <a:lstStyle>
+            <a:lvl1pPr>
+              <a:defRPr>
+                <a:solidFill>
+                  <a:schemeClr val="tx1"/>
+                </a:solidFill>
+                <a:latin typeface="Calibri" panose="020F0502020204030204" pitchFamily="34" charset="0"/>
+              </a:defRPr>
+            </a:lvl1pPr>
+            <a:lvl2pPr marL="742950" indent="-285750">
+              <a:defRPr>
+                <a:solidFill>
+                  <a:schemeClr val="tx1"/>
+                </a:solidFill>
+                <a:latin typeface="Calibri" panose="020F0502020204030204" pitchFamily="34" charset="0"/>
+              </a:defRPr>
+            </a:lvl2pPr>
+            <a:lvl3pPr marL="1143000" indent="-228600">
+              <a:defRPr>
+                <a:solidFill>
+                  <a:schemeClr val="tx1"/>
+                </a:solidFill>
+                <a:latin typeface="Calibri" panose="020F0502020204030204" pitchFamily="34" charset="0"/>
+              </a:defRPr>
+            </a:lvl3pPr>
+            <a:lvl4pPr marL="1600200" indent="-228600">
+              <a:defRPr>
+                <a:solidFill>
+                  <a:schemeClr val="tx1"/>
+                </a:solidFill>
+                <a:latin typeface="Calibri" panose="020F0502020204030204" pitchFamily="34" charset="0"/>
+              </a:defRPr>
+            </a:lvl4pPr>
+            <a:lvl5pPr marL="2057400" indent="-228600">
+              <a:defRPr>
+                <a:solidFill>
+                  <a:schemeClr val="tx1"/>
+                </a:solidFill>
+                <a:latin typeface="Calibri" panose="020F0502020204030204" pitchFamily="34" charset="0"/>
+              </a:defRPr>
+            </a:lvl5pPr>
+            <a:lvl6pPr marL="2514600" indent="-228600" eaLnBrk="0" fontAlgn="base" hangingPunct="0">
+              <a:spcBef>
+                <a:spcPct val="0"/>
+              </a:spcBef>
+              <a:spcAft>
+                <a:spcPct val="0"/>
+              </a:spcAft>
+              <a:defRPr>
+                <a:solidFill>
+                  <a:schemeClr val="tx1"/>
+                </a:solidFill>
+                <a:latin typeface="Calibri" panose="020F0502020204030204" pitchFamily="34" charset="0"/>
+              </a:defRPr>
+            </a:lvl6pPr>
+            <a:lvl7pPr marL="2971800" indent="-228600" eaLnBrk="0" fontAlgn="base" hangingPunct="0">
+              <a:spcBef>
+                <a:spcPct val="0"/>
+              </a:spcBef>
+              <a:spcAft>
+                <a:spcPct val="0"/>
+              </a:spcAft>
+              <a:defRPr>
+                <a:solidFill>
+                  <a:schemeClr val="tx1"/>
+                </a:solidFill>
+                <a:latin typeface="Calibri" panose="020F0502020204030204" pitchFamily="34" charset="0"/>
+              </a:defRPr>
+            </a:lvl7pPr>
+            <a:lvl8pPr marL="3429000" indent="-228600" eaLnBrk="0" fontAlgn="base" hangingPunct="0">
+              <a:spcBef>
+                <a:spcPct val="0"/>
+              </a:spcBef>
+              <a:spcAft>
+                <a:spcPct val="0"/>
+              </a:spcAft>
+              <a:defRPr>
+                <a:solidFill>
+                  <a:schemeClr val="tx1"/>
+                </a:solidFill>
+                <a:latin typeface="Calibri" panose="020F0502020204030204" pitchFamily="34" charset="0"/>
+              </a:defRPr>
+            </a:lvl8pPr>
+            <a:lvl9pPr marL="3886200" indent="-228600" eaLnBrk="0" fontAlgn="base" hangingPunct="0">
+              <a:spcBef>
+                <a:spcPct val="0"/>
+              </a:spcBef>
+              <a:spcAft>
+                <a:spcPct val="0"/>
+              </a:spcAft>
+              <a:defRPr>
+                <a:solidFill>
+                  <a:schemeClr val="tx1"/>
+                </a:solidFill>
+                <a:latin typeface="Calibri" panose="020F0502020204030204" pitchFamily="34" charset="0"/>
+              </a:defRPr>
+            </a:lvl9pPr>
+          </a:lstStyle>
+          <a:p>
+            <a:pPr algn="ctr" eaLnBrk="1" hangingPunct="1"/>
+            <a:r>
+              <a:rPr lang="en-US" altLang="en-US" sz="1200" dirty="0" err="1">
+                <a:latin typeface="Arial" panose="020B0604020202020204" pitchFamily="34" charset="0"/>
+                <a:ea typeface="Amazon Ember" panose="020B0603020204020204" pitchFamily="34" charset="0"/>
+                <a:cs typeface="Arial" panose="020B0604020202020204" pitchFamily="34" charset="0"/>
+              </a:rPr>
+              <a:t>MRASCo</a:t>
+            </a:r>
+            <a:r>
+              <a:rPr lang="en-US" altLang="en-US" sz="1200" dirty="0">
+                <a:latin typeface="Arial" panose="020B0604020202020204" pitchFamily="34" charset="0"/>
+                <a:ea typeface="Amazon Ember" panose="020B0603020204020204" pitchFamily="34" charset="0"/>
+                <a:cs typeface="Arial" panose="020B0604020202020204" pitchFamily="34" charset="0"/>
+              </a:rPr>
+              <a:t> files</a:t>
+            </a:r>
+          </a:p>
+        </p:txBody>
+      </p:sp>
+      <p:pic>
+        <p:nvPicPr>
+          <p:cNvPr id="40" name="Graphic 21">
+            <a:extLst>
+              <a:ext uri="{FF2B5EF4-FFF2-40B4-BE49-F238E27FC236}">
+                <a16:creationId xmlns:a16="http://schemas.microsoft.com/office/drawing/2014/main" id="{03D0870C-03A6-4B68-A602-6B72EF019B24}"/>
+              </a:ext>
+            </a:extLst>
+          </p:cNvPr>
+          <p:cNvPicPr>
+            <a:picLocks noChangeAspect="1" noChangeArrowheads="1"/>
+          </p:cNvPicPr>
+          <p:nvPr/>
+        </p:nvPicPr>
+        <p:blipFill>
+          <a:blip r:embed="rId11">
+            <a:extLst>
+              <a:ext uri="{28A0092B-C50C-407E-A947-70E740481C1C}">
+                <a14:useLocalDpi xmlns:a14="http://schemas.microsoft.com/office/drawing/2010/main" val="0"/>
+              </a:ext>
+            </a:extLst>
+          </a:blip>
+          <a:srcRect/>
+          <a:stretch>
+            <a:fillRect/>
+          </a:stretch>
+        </p:blipFill>
+        <p:spPr bwMode="auto">
+          <a:xfrm>
+            <a:off x="5479840" y="5230398"/>
+            <a:ext cx="469900" cy="469900"/>
+          </a:xfrm>
+          <a:prstGeom prst="rect">
+            <a:avLst/>
+          </a:prstGeom>
+          <a:noFill/>
+          <a:ln>
+            <a:noFill/>
+          </a:ln>
+          <a:extLst>
+            <a:ext uri="{909E8E84-426E-40DD-AFC4-6F175D3DCCD1}">
+              <a14:hiddenFill xmlns:a14="http://schemas.microsoft.com/office/drawing/2010/main">
+                <a:solidFill>
+                  <a:srgbClr val="FFFFFF"/>
+                </a:solidFill>
+              </a14:hiddenFill>
+            </a:ext>
+            <a:ext uri="{91240B29-F687-4F45-9708-019B960494DF}">
+              <a14:hiddenLine xmlns:a14="http://schemas.microsoft.com/office/drawing/2010/main" w="9525">
+                <a:solidFill>
+                  <a:srgbClr val="000000"/>
+                </a:solidFill>
+                <a:miter lim="800000"/>
+                <a:headEnd/>
+                <a:tailEnd/>
+              </a14:hiddenLine>
+            </a:ext>
+          </a:extLst>
+        </p:spPr>
+      </p:pic>
+      <p:sp>
+        <p:nvSpPr>
+          <p:cNvPr id="41" name="TextBox 20">
+            <a:extLst>
+              <a:ext uri="{FF2B5EF4-FFF2-40B4-BE49-F238E27FC236}">
+                <a16:creationId xmlns:a16="http://schemas.microsoft.com/office/drawing/2014/main" id="{3C810111-7062-417D-B198-6317F38292C3}"/>
+              </a:ext>
+            </a:extLst>
+          </p:cNvPr>
+          <p:cNvSpPr txBox="1">
+            <a:spLocks noChangeArrowheads="1"/>
+          </p:cNvSpPr>
+          <p:nvPr/>
+        </p:nvSpPr>
+        <p:spPr bwMode="auto">
+          <a:xfrm>
+            <a:off x="5065343" y="5706392"/>
+            <a:ext cx="1290638" cy="276999"/>
+          </a:xfrm>
+          <a:prstGeom prst="rect">
+            <a:avLst/>
+          </a:prstGeom>
+          <a:noFill/>
+          <a:ln>
+            <a:noFill/>
+          </a:ln>
+          <a:extLst>
+            <a:ext uri="{909E8E84-426E-40DD-AFC4-6F175D3DCCD1}">
+              <a14:hiddenFill xmlns:a14="http://schemas.microsoft.com/office/drawing/2010/main">
+                <a:solidFill>
+                  <a:srgbClr val="FFFFFF"/>
+                </a:solidFill>
+              </a14:hiddenFill>
+            </a:ext>
+            <a:ext uri="{91240B29-F687-4F45-9708-019B960494DF}">
+              <a14:hiddenLine xmlns:a14="http://schemas.microsoft.com/office/drawing/2010/main" w="9525">
+                <a:solidFill>
+                  <a:srgbClr val="000000"/>
+                </a:solidFill>
+                <a:miter lim="800000"/>
+                <a:headEnd/>
+                <a:tailEnd/>
+              </a14:hiddenLine>
+            </a:ext>
+          </a:extLst>
+        </p:spPr>
+        <p:txBody>
+          <a:bodyPr wrap="square">
+            <a:spAutoFit/>
+          </a:bodyPr>
+          <a:lstStyle>
+            <a:lvl1pPr>
+              <a:defRPr>
+                <a:solidFill>
+                  <a:schemeClr val="tx1"/>
+                </a:solidFill>
+                <a:latin typeface="Calibri" panose="020F0502020204030204" pitchFamily="34" charset="0"/>
+              </a:defRPr>
+            </a:lvl1pPr>
+            <a:lvl2pPr marL="742950" indent="-285750">
+              <a:defRPr>
+                <a:solidFill>
+                  <a:schemeClr val="tx1"/>
+                </a:solidFill>
+                <a:latin typeface="Calibri" panose="020F0502020204030204" pitchFamily="34" charset="0"/>
+              </a:defRPr>
+            </a:lvl2pPr>
+            <a:lvl3pPr marL="1143000" indent="-228600">
+              <a:defRPr>
+                <a:solidFill>
+                  <a:schemeClr val="tx1"/>
+                </a:solidFill>
+                <a:latin typeface="Calibri" panose="020F0502020204030204" pitchFamily="34" charset="0"/>
+              </a:defRPr>
+            </a:lvl3pPr>
+            <a:lvl4pPr marL="1600200" indent="-228600">
+              <a:defRPr>
+                <a:solidFill>
+                  <a:schemeClr val="tx1"/>
+                </a:solidFill>
+                <a:latin typeface="Calibri" panose="020F0502020204030204" pitchFamily="34" charset="0"/>
+              </a:defRPr>
+            </a:lvl4pPr>
+            <a:lvl5pPr marL="2057400" indent="-228600">
+              <a:defRPr>
+                <a:solidFill>
+                  <a:schemeClr val="tx1"/>
+                </a:solidFill>
+                <a:latin typeface="Calibri" panose="020F0502020204030204" pitchFamily="34" charset="0"/>
+              </a:defRPr>
+            </a:lvl5pPr>
+            <a:lvl6pPr marL="2514600" indent="-228600" eaLnBrk="0" fontAlgn="base" hangingPunct="0">
+              <a:spcBef>
+                <a:spcPct val="0"/>
+              </a:spcBef>
+              <a:spcAft>
+                <a:spcPct val="0"/>
+              </a:spcAft>
+              <a:defRPr>
+                <a:solidFill>
+                  <a:schemeClr val="tx1"/>
+                </a:solidFill>
+                <a:latin typeface="Calibri" panose="020F0502020204030204" pitchFamily="34" charset="0"/>
+              </a:defRPr>
+            </a:lvl6pPr>
+            <a:lvl7pPr marL="2971800" indent="-228600" eaLnBrk="0" fontAlgn="base" hangingPunct="0">
+              <a:spcBef>
+                <a:spcPct val="0"/>
+              </a:spcBef>
+              <a:spcAft>
+                <a:spcPct val="0"/>
+              </a:spcAft>
+              <a:defRPr>
+                <a:solidFill>
+                  <a:schemeClr val="tx1"/>
+                </a:solidFill>
+                <a:latin typeface="Calibri" panose="020F0502020204030204" pitchFamily="34" charset="0"/>
+              </a:defRPr>
+            </a:lvl7pPr>
+            <a:lvl8pPr marL="3429000" indent="-228600" eaLnBrk="0" fontAlgn="base" hangingPunct="0">
+              <a:spcBef>
+                <a:spcPct val="0"/>
+              </a:spcBef>
+              <a:spcAft>
+                <a:spcPct val="0"/>
+              </a:spcAft>
+              <a:defRPr>
+                <a:solidFill>
+                  <a:schemeClr val="tx1"/>
+                </a:solidFill>
+                <a:latin typeface="Calibri" panose="020F0502020204030204" pitchFamily="34" charset="0"/>
+              </a:defRPr>
+            </a:lvl8pPr>
+            <a:lvl9pPr marL="3886200" indent="-228600" eaLnBrk="0" fontAlgn="base" hangingPunct="0">
+              <a:spcBef>
+                <a:spcPct val="0"/>
+              </a:spcBef>
+              <a:spcAft>
+                <a:spcPct val="0"/>
+              </a:spcAft>
+              <a:defRPr>
+                <a:solidFill>
+                  <a:schemeClr val="tx1"/>
+                </a:solidFill>
+                <a:latin typeface="Calibri" panose="020F0502020204030204" pitchFamily="34" charset="0"/>
+              </a:defRPr>
+            </a:lvl9pPr>
+          </a:lstStyle>
+          <a:p>
+            <a:pPr algn="ctr" eaLnBrk="1" hangingPunct="1"/>
+            <a:r>
+              <a:rPr lang="en-US" altLang="en-US" sz="1200" dirty="0">
+                <a:latin typeface="Arial" panose="020B0604020202020204" pitchFamily="34" charset="0"/>
+                <a:ea typeface="Amazon Ember" panose="020B0603020204020204" pitchFamily="34" charset="0"/>
+                <a:cs typeface="Arial" panose="020B0604020202020204" pitchFamily="34" charset="0"/>
+              </a:rPr>
+              <a:t>MDMS</a:t>
+            </a:r>
+          </a:p>
+        </p:txBody>
+      </p:sp>
+      <p:cxnSp>
+        <p:nvCxnSpPr>
+          <p:cNvPr id="44" name="Straight Arrow Connector 43">
+            <a:extLst>
+              <a:ext uri="{FF2B5EF4-FFF2-40B4-BE49-F238E27FC236}">
+                <a16:creationId xmlns:a16="http://schemas.microsoft.com/office/drawing/2014/main" id="{B729B854-F6A6-481D-A7B2-789FC2F95688}"/>
+              </a:ext>
+            </a:extLst>
+          </p:cNvPr>
+          <p:cNvCxnSpPr>
+            <a:cxnSpLocks/>
+            <a:stCxn id="38" idx="0"/>
+            <a:endCxn id="10" idx="2"/>
+          </p:cNvCxnSpPr>
+          <p:nvPr/>
+        </p:nvCxnSpPr>
+        <p:spPr>
+          <a:xfrm flipV="1">
+            <a:off x="2549846" y="4356603"/>
+            <a:ext cx="1938" cy="873795"/>
+          </a:xfrm>
+          <a:prstGeom prst="straightConnector1">
+            <a:avLst/>
+          </a:prstGeom>
+          <a:ln w="12700">
+            <a:solidFill>
+              <a:schemeClr val="tx2"/>
+            </a:solidFill>
+            <a:headEnd type="none" w="med" len="sm"/>
+            <a:tailEnd type="arrow" w="med" len="sm"/>
+          </a:ln>
+        </p:spPr>
+        <p:style>
+          <a:lnRef idx="1">
+            <a:schemeClr val="accent1"/>
+          </a:lnRef>
+          <a:fillRef idx="0">
+            <a:schemeClr val="accent1"/>
+          </a:fillRef>
+          <a:effectRef idx="0">
+            <a:schemeClr val="accent1"/>
+          </a:effectRef>
+          <a:fontRef idx="minor">
+            <a:schemeClr val="tx1"/>
+          </a:fontRef>
+        </p:style>
+      </p:cxnSp>
+      <p:cxnSp>
+        <p:nvCxnSpPr>
+          <p:cNvPr id="47" name="Straight Arrow Connector 46">
+            <a:extLst>
+              <a:ext uri="{FF2B5EF4-FFF2-40B4-BE49-F238E27FC236}">
+                <a16:creationId xmlns:a16="http://schemas.microsoft.com/office/drawing/2014/main" id="{C1C8C397-BC68-4C41-B074-06C08811AA37}"/>
+              </a:ext>
+            </a:extLst>
+          </p:cNvPr>
+          <p:cNvCxnSpPr>
+            <a:cxnSpLocks/>
+            <a:stCxn id="40" idx="0"/>
+            <a:endCxn id="22" idx="2"/>
+          </p:cNvCxnSpPr>
+          <p:nvPr/>
+        </p:nvCxnSpPr>
+        <p:spPr>
+          <a:xfrm flipV="1">
+            <a:off x="5714790" y="3227835"/>
+            <a:ext cx="1" cy="2002563"/>
+          </a:xfrm>
+          <a:prstGeom prst="straightConnector1">
+            <a:avLst/>
+          </a:prstGeom>
+          <a:ln w="12700">
+            <a:solidFill>
+              <a:schemeClr val="tx2"/>
+            </a:solidFill>
+            <a:headEnd type="none" w="med" len="sm"/>
+            <a:tailEnd type="arrow" w="med" len="sm"/>
+          </a:ln>
+        </p:spPr>
+        <p:style>
+          <a:lnRef idx="1">
+            <a:schemeClr val="accent1"/>
+          </a:lnRef>
+          <a:fillRef idx="0">
+            <a:schemeClr val="accent1"/>
+          </a:fillRef>
+          <a:effectRef idx="0">
+            <a:schemeClr val="accent1"/>
+          </a:effectRef>
+          <a:fontRef idx="minor">
+            <a:schemeClr val="tx1"/>
+          </a:fontRef>
+        </p:style>
+      </p:cxnSp>
+      <p:cxnSp>
+        <p:nvCxnSpPr>
+          <p:cNvPr id="57" name="Straight Arrow Connector 56">
+            <a:extLst>
+              <a:ext uri="{FF2B5EF4-FFF2-40B4-BE49-F238E27FC236}">
+                <a16:creationId xmlns:a16="http://schemas.microsoft.com/office/drawing/2014/main" id="{DF176804-512D-48B5-8232-33A181BBA536}"/>
+              </a:ext>
+            </a:extLst>
+          </p:cNvPr>
+          <p:cNvCxnSpPr>
+            <a:cxnSpLocks/>
+            <a:stCxn id="23" idx="3"/>
+          </p:cNvCxnSpPr>
+          <p:nvPr/>
+        </p:nvCxnSpPr>
+        <p:spPr>
+          <a:xfrm>
+            <a:off x="5957969" y="2686483"/>
+            <a:ext cx="1339444" cy="0"/>
+          </a:xfrm>
+          <a:prstGeom prst="straightConnector1">
+            <a:avLst/>
+          </a:prstGeom>
+          <a:ln w="12700">
+            <a:solidFill>
+              <a:srgbClr val="545B64"/>
+            </a:solidFill>
+            <a:headEnd type="arrow" w="med" len="sm"/>
+            <a:tailEnd type="none" w="med" len="sm"/>
+          </a:ln>
+        </p:spPr>
+        <p:style>
+          <a:lnRef idx="1">
+            <a:schemeClr val="accent1"/>
+          </a:lnRef>
+          <a:fillRef idx="0">
+            <a:schemeClr val="accent1"/>
+          </a:fillRef>
+          <a:effectRef idx="0">
+            <a:schemeClr val="accent1"/>
+          </a:effectRef>
+          <a:fontRef idx="minor">
+            <a:schemeClr val="tx1"/>
+          </a:fontRef>
+        </p:style>
+      </p:cxnSp>
+      <p:sp>
+        <p:nvSpPr>
+          <p:cNvPr id="43" name="TextBox 17">
+            <a:extLst>
+              <a:ext uri="{FF2B5EF4-FFF2-40B4-BE49-F238E27FC236}">
+                <a16:creationId xmlns:a16="http://schemas.microsoft.com/office/drawing/2014/main" id="{23CFC9F2-8418-4120-8E88-F5BDC65F68D4}"/>
+              </a:ext>
+            </a:extLst>
+          </p:cNvPr>
+          <p:cNvSpPr txBox="1">
+            <a:spLocks noChangeArrowheads="1"/>
+          </p:cNvSpPr>
+          <p:nvPr/>
+        </p:nvSpPr>
+        <p:spPr bwMode="auto">
+          <a:xfrm>
+            <a:off x="1870747" y="2938304"/>
+            <a:ext cx="1362074" cy="276999"/>
+          </a:xfrm>
+          <a:prstGeom prst="rect">
+            <a:avLst/>
+          </a:prstGeom>
+          <a:noFill/>
+          <a:ln>
+            <a:noFill/>
+          </a:ln>
+          <a:extLst>
+            <a:ext uri="{909E8E84-426E-40DD-AFC4-6F175D3DCCD1}">
+              <a14:hiddenFill xmlns:a14="http://schemas.microsoft.com/office/drawing/2010/main">
+                <a:solidFill>
+                  <a:srgbClr val="FFFFFF"/>
+                </a:solidFill>
+              </a14:hiddenFill>
+            </a:ext>
+            <a:ext uri="{91240B29-F687-4F45-9708-019B960494DF}">
+              <a14:hiddenLine xmlns:a14="http://schemas.microsoft.com/office/drawing/2010/main" w="9525">
+                <a:solidFill>
+                  <a:srgbClr val="000000"/>
+                </a:solidFill>
+                <a:miter lim="800000"/>
+                <a:headEnd/>
+                <a:tailEnd/>
+              </a14:hiddenLine>
+            </a:ext>
+          </a:extLst>
+        </p:spPr>
+        <p:txBody>
+          <a:bodyPr wrap="square">
+            <a:spAutoFit/>
+          </a:bodyPr>
+          <a:lstStyle>
+            <a:lvl1pPr>
+              <a:defRPr>
+                <a:solidFill>
+                  <a:schemeClr val="tx1"/>
+                </a:solidFill>
+                <a:latin typeface="Calibri" panose="020F0502020204030204" pitchFamily="34" charset="0"/>
+              </a:defRPr>
+            </a:lvl1pPr>
+            <a:lvl2pPr marL="742950" indent="-285750">
+              <a:defRPr>
+                <a:solidFill>
+                  <a:schemeClr val="tx1"/>
+                </a:solidFill>
+                <a:latin typeface="Calibri" panose="020F0502020204030204" pitchFamily="34" charset="0"/>
+              </a:defRPr>
+            </a:lvl2pPr>
+            <a:lvl3pPr marL="1143000" indent="-228600">
+              <a:defRPr>
+                <a:solidFill>
+                  <a:schemeClr val="tx1"/>
+                </a:solidFill>
+                <a:latin typeface="Calibri" panose="020F0502020204030204" pitchFamily="34" charset="0"/>
+              </a:defRPr>
+            </a:lvl3pPr>
+            <a:lvl4pPr marL="1600200" indent="-228600">
+              <a:defRPr>
+                <a:solidFill>
+                  <a:schemeClr val="tx1"/>
+                </a:solidFill>
+                <a:latin typeface="Calibri" panose="020F0502020204030204" pitchFamily="34" charset="0"/>
+              </a:defRPr>
+            </a:lvl4pPr>
+            <a:lvl5pPr marL="2057400" indent="-228600">
+              <a:defRPr>
+                <a:solidFill>
+                  <a:schemeClr val="tx1"/>
+                </a:solidFill>
+                <a:latin typeface="Calibri" panose="020F0502020204030204" pitchFamily="34" charset="0"/>
+              </a:defRPr>
+            </a:lvl5pPr>
+            <a:lvl6pPr marL="2514600" indent="-228600" eaLnBrk="0" fontAlgn="base" hangingPunct="0">
+              <a:spcBef>
+                <a:spcPct val="0"/>
+              </a:spcBef>
+              <a:spcAft>
+                <a:spcPct val="0"/>
+              </a:spcAft>
+              <a:defRPr>
+                <a:solidFill>
+                  <a:schemeClr val="tx1"/>
+                </a:solidFill>
+                <a:latin typeface="Calibri" panose="020F0502020204030204" pitchFamily="34" charset="0"/>
+              </a:defRPr>
+            </a:lvl6pPr>
+            <a:lvl7pPr marL="2971800" indent="-228600" eaLnBrk="0" fontAlgn="base" hangingPunct="0">
+              <a:spcBef>
+                <a:spcPct val="0"/>
+              </a:spcBef>
+              <a:spcAft>
+                <a:spcPct val="0"/>
+              </a:spcAft>
+              <a:defRPr>
+                <a:solidFill>
+                  <a:schemeClr val="tx1"/>
+                </a:solidFill>
+                <a:latin typeface="Calibri" panose="020F0502020204030204" pitchFamily="34" charset="0"/>
+              </a:defRPr>
+            </a:lvl7pPr>
+            <a:lvl8pPr marL="3429000" indent="-228600" eaLnBrk="0" fontAlgn="base" hangingPunct="0">
+              <a:spcBef>
+                <a:spcPct val="0"/>
+              </a:spcBef>
+              <a:spcAft>
+                <a:spcPct val="0"/>
+              </a:spcAft>
+              <a:defRPr>
+                <a:solidFill>
+                  <a:schemeClr val="tx1"/>
+                </a:solidFill>
+                <a:latin typeface="Calibri" panose="020F0502020204030204" pitchFamily="34" charset="0"/>
+              </a:defRPr>
+            </a:lvl8pPr>
+            <a:lvl9pPr marL="3886200" indent="-228600" eaLnBrk="0" fontAlgn="base" hangingPunct="0">
+              <a:spcBef>
+                <a:spcPct val="0"/>
+              </a:spcBef>
+              <a:spcAft>
+                <a:spcPct val="0"/>
+              </a:spcAft>
+              <a:defRPr>
+                <a:solidFill>
+                  <a:schemeClr val="tx1"/>
+                </a:solidFill>
+                <a:latin typeface="Calibri" panose="020F0502020204030204" pitchFamily="34" charset="0"/>
+              </a:defRPr>
+            </a:lvl9pPr>
+          </a:lstStyle>
+          <a:p>
+            <a:pPr algn="ctr" eaLnBrk="1" hangingPunct="1"/>
+            <a:r>
+              <a:rPr lang="en-US" altLang="en-US" sz="1200" dirty="0">
+                <a:latin typeface="Arial" panose="020B0604020202020204" pitchFamily="34" charset="0"/>
+                <a:ea typeface="Amazon Ember" panose="020B0603020204020204" pitchFamily="34" charset="0"/>
+                <a:cs typeface="Arial" panose="020B0604020202020204" pitchFamily="34" charset="0"/>
+              </a:rPr>
+              <a:t>Lambda function</a:t>
+            </a:r>
+          </a:p>
+        </p:txBody>
+      </p:sp>
+      <p:pic>
+        <p:nvPicPr>
+          <p:cNvPr id="45" name="Graphic 13">
+            <a:extLst>
+              <a:ext uri="{FF2B5EF4-FFF2-40B4-BE49-F238E27FC236}">
+                <a16:creationId xmlns:a16="http://schemas.microsoft.com/office/drawing/2014/main" id="{C82E3DCF-57A2-4344-A8A7-72B46BE1F62F}"/>
+              </a:ext>
+            </a:extLst>
+          </p:cNvPr>
+          <p:cNvPicPr>
+            <a:picLocks noChangeAspect="1" noChangeArrowheads="1"/>
+          </p:cNvPicPr>
+          <p:nvPr/>
+        </p:nvPicPr>
+        <p:blipFill>
+          <a:blip r:embed="rId12">
+            <a:extLst>
+              <a:ext uri="{28A0092B-C50C-407E-A947-70E740481C1C}">
+                <a14:useLocalDpi xmlns:a14="http://schemas.microsoft.com/office/drawing/2010/main" val="0"/>
+              </a:ext>
+            </a:extLst>
+          </a:blip>
+          <a:srcRect/>
+          <a:stretch>
+            <a:fillRect/>
+          </a:stretch>
+        </p:blipFill>
+        <p:spPr bwMode="auto">
+          <a:xfrm>
+            <a:off x="2323184" y="2457883"/>
+            <a:ext cx="457200" cy="457200"/>
+          </a:xfrm>
+          <a:prstGeom prst="rect">
+            <a:avLst/>
+          </a:prstGeom>
+          <a:noFill/>
+          <a:ln>
+            <a:noFill/>
+          </a:ln>
+          <a:extLst>
+            <a:ext uri="{909E8E84-426E-40DD-AFC4-6F175D3DCCD1}">
+              <a14:hiddenFill xmlns:a14="http://schemas.microsoft.com/office/drawing/2010/main">
+                <a:solidFill>
+                  <a:srgbClr val="FFFFFF"/>
+                </a:solidFill>
+              </a14:hiddenFill>
+            </a:ext>
+            <a:ext uri="{91240B29-F687-4F45-9708-019B960494DF}">
+              <a14:hiddenLine xmlns:a14="http://schemas.microsoft.com/office/drawing/2010/main" w="9525">
+                <a:solidFill>
+                  <a:srgbClr val="000000"/>
+                </a:solidFill>
+                <a:miter lim="800000"/>
+                <a:headEnd/>
+                <a:tailEnd/>
+              </a14:hiddenLine>
+            </a:ext>
+          </a:extLst>
+        </p:spPr>
+      </p:pic>
+      <p:cxnSp>
+        <p:nvCxnSpPr>
+          <p:cNvPr id="46" name="Straight Arrow Connector 45">
+            <a:extLst>
+              <a:ext uri="{FF2B5EF4-FFF2-40B4-BE49-F238E27FC236}">
+                <a16:creationId xmlns:a16="http://schemas.microsoft.com/office/drawing/2014/main" id="{130DB627-A718-4C8C-8E51-8C74FC3D38E8}"/>
+              </a:ext>
+            </a:extLst>
+          </p:cNvPr>
+          <p:cNvCxnSpPr>
+            <a:cxnSpLocks/>
+            <a:stCxn id="23" idx="1"/>
+            <a:endCxn id="45" idx="3"/>
+          </p:cNvCxnSpPr>
+          <p:nvPr/>
+        </p:nvCxnSpPr>
+        <p:spPr>
+          <a:xfrm flipH="1">
+            <a:off x="2780384" y="2686483"/>
+            <a:ext cx="2720385" cy="0"/>
+          </a:xfrm>
+          <a:prstGeom prst="straightConnector1">
+            <a:avLst/>
+          </a:prstGeom>
+          <a:ln w="12700">
+            <a:solidFill>
+              <a:srgbClr val="545B64"/>
+            </a:solidFill>
+            <a:headEnd type="arrow" w="med" len="sm"/>
+            <a:tailEnd type="none" w="med" len="sm"/>
+          </a:ln>
+        </p:spPr>
+        <p:style>
+          <a:lnRef idx="1">
+            <a:schemeClr val="accent1"/>
+          </a:lnRef>
+          <a:fillRef idx="0">
+            <a:schemeClr val="accent1"/>
+          </a:fillRef>
+          <a:effectRef idx="0">
+            <a:schemeClr val="accent1"/>
+          </a:effectRef>
+          <a:fontRef idx="minor">
+            <a:schemeClr val="tx1"/>
+          </a:fontRef>
+        </p:style>
+      </p:cxnSp>
+      <p:cxnSp>
+        <p:nvCxnSpPr>
+          <p:cNvPr id="42" name="Straight Arrow Connector 41">
+            <a:extLst>
+              <a:ext uri="{FF2B5EF4-FFF2-40B4-BE49-F238E27FC236}">
+                <a16:creationId xmlns:a16="http://schemas.microsoft.com/office/drawing/2014/main" id="{D34A88EF-501E-427B-B0FE-F83305EC5A2A}"/>
+              </a:ext>
+            </a:extLst>
+          </p:cNvPr>
+          <p:cNvCxnSpPr>
+            <a:cxnSpLocks/>
+            <a:stCxn id="11" idx="0"/>
+            <a:endCxn id="43" idx="2"/>
+          </p:cNvCxnSpPr>
+          <p:nvPr/>
+        </p:nvCxnSpPr>
+        <p:spPr>
+          <a:xfrm flipV="1">
+            <a:off x="2551784" y="3215303"/>
+            <a:ext cx="0" cy="442933"/>
+          </a:xfrm>
+          <a:prstGeom prst="straightConnector1">
+            <a:avLst/>
+          </a:prstGeom>
+          <a:ln w="12700">
+            <a:solidFill>
+              <a:schemeClr val="tx2"/>
+            </a:solidFill>
+            <a:headEnd type="none" w="med" len="sm"/>
+            <a:tailEnd type="arrow" w="med" len="sm"/>
+          </a:ln>
+        </p:spPr>
+        <p:style>
+          <a:lnRef idx="1">
+            <a:schemeClr val="accent1"/>
+          </a:lnRef>
+          <a:fillRef idx="0">
+            <a:schemeClr val="accent1"/>
+          </a:fillRef>
+          <a:effectRef idx="0">
+            <a:schemeClr val="accent1"/>
+          </a:effectRef>
+          <a:fontRef idx="minor">
+            <a:schemeClr val="tx1"/>
+          </a:fontRef>
+        </p:style>
+      </p:cxnSp>
+      <p:sp>
+        <p:nvSpPr>
+          <p:cNvPr id="48" name="TextBox 18">
+            <a:extLst>
+              <a:ext uri="{FF2B5EF4-FFF2-40B4-BE49-F238E27FC236}">
+                <a16:creationId xmlns:a16="http://schemas.microsoft.com/office/drawing/2014/main" id="{43C43A23-195E-4233-B876-FA6A57F1D9C2}"/>
+              </a:ext>
+            </a:extLst>
+          </p:cNvPr>
+          <p:cNvSpPr txBox="1">
+            <a:spLocks noChangeArrowheads="1"/>
+          </p:cNvSpPr>
+          <p:nvPr/>
+        </p:nvSpPr>
+        <p:spPr bwMode="auto">
+          <a:xfrm>
+            <a:off x="2797507" y="2328560"/>
+            <a:ext cx="1145253" cy="338554"/>
+          </a:xfrm>
+          <a:prstGeom prst="rect">
+            <a:avLst/>
+          </a:prstGeom>
+          <a:solidFill>
+            <a:schemeClr val="bg1">
+              <a:lumMod val="95000"/>
+            </a:schemeClr>
+          </a:solidFill>
+          <a:ln>
+            <a:noFill/>
+          </a:ln>
+          <a:extLst/>
+        </p:spPr>
+        <p:txBody>
+          <a:bodyPr wrap="square" lIns="0" tIns="0" rIns="0" bIns="0">
+            <a:spAutoFit/>
+          </a:bodyPr>
+          <a:lstStyle>
+            <a:lvl1pPr>
+              <a:defRPr>
+                <a:solidFill>
+                  <a:schemeClr val="tx1"/>
+                </a:solidFill>
+                <a:latin typeface="Calibri" panose="020F0502020204030204" pitchFamily="34" charset="0"/>
+              </a:defRPr>
+            </a:lvl1pPr>
+            <a:lvl2pPr marL="742950" indent="-285750">
+              <a:defRPr>
+                <a:solidFill>
+                  <a:schemeClr val="tx1"/>
+                </a:solidFill>
+                <a:latin typeface="Calibri" panose="020F0502020204030204" pitchFamily="34" charset="0"/>
+              </a:defRPr>
+            </a:lvl2pPr>
+            <a:lvl3pPr marL="1143000" indent="-228600">
+              <a:defRPr>
+                <a:solidFill>
+                  <a:schemeClr val="tx1"/>
+                </a:solidFill>
+                <a:latin typeface="Calibri" panose="020F0502020204030204" pitchFamily="34" charset="0"/>
+              </a:defRPr>
+            </a:lvl3pPr>
+            <a:lvl4pPr marL="1600200" indent="-228600">
+              <a:defRPr>
+                <a:solidFill>
+                  <a:schemeClr val="tx1"/>
+                </a:solidFill>
+                <a:latin typeface="Calibri" panose="020F0502020204030204" pitchFamily="34" charset="0"/>
+              </a:defRPr>
+            </a:lvl4pPr>
+            <a:lvl5pPr marL="2057400" indent="-228600">
+              <a:defRPr>
+                <a:solidFill>
+                  <a:schemeClr val="tx1"/>
+                </a:solidFill>
+                <a:latin typeface="Calibri" panose="020F0502020204030204" pitchFamily="34" charset="0"/>
+              </a:defRPr>
+            </a:lvl5pPr>
+            <a:lvl6pPr marL="2514600" indent="-228600" eaLnBrk="0" fontAlgn="base" hangingPunct="0">
+              <a:spcBef>
+                <a:spcPct val="0"/>
+              </a:spcBef>
+              <a:spcAft>
+                <a:spcPct val="0"/>
+              </a:spcAft>
+              <a:defRPr>
+                <a:solidFill>
+                  <a:schemeClr val="tx1"/>
+                </a:solidFill>
+                <a:latin typeface="Calibri" panose="020F0502020204030204" pitchFamily="34" charset="0"/>
+              </a:defRPr>
+            </a:lvl6pPr>
+            <a:lvl7pPr marL="2971800" indent="-228600" eaLnBrk="0" fontAlgn="base" hangingPunct="0">
+              <a:spcBef>
+                <a:spcPct val="0"/>
+              </a:spcBef>
+              <a:spcAft>
+                <a:spcPct val="0"/>
+              </a:spcAft>
+              <a:defRPr>
+                <a:solidFill>
+                  <a:schemeClr val="tx1"/>
+                </a:solidFill>
+                <a:latin typeface="Calibri" panose="020F0502020204030204" pitchFamily="34" charset="0"/>
+              </a:defRPr>
+            </a:lvl7pPr>
+            <a:lvl8pPr marL="3429000" indent="-228600" eaLnBrk="0" fontAlgn="base" hangingPunct="0">
+              <a:spcBef>
+                <a:spcPct val="0"/>
+              </a:spcBef>
+              <a:spcAft>
+                <a:spcPct val="0"/>
+              </a:spcAft>
+              <a:defRPr>
+                <a:solidFill>
+                  <a:schemeClr val="tx1"/>
+                </a:solidFill>
+                <a:latin typeface="Calibri" panose="020F0502020204030204" pitchFamily="34" charset="0"/>
+              </a:defRPr>
+            </a:lvl8pPr>
+            <a:lvl9pPr marL="3886200" indent="-228600" eaLnBrk="0" fontAlgn="base" hangingPunct="0">
+              <a:spcBef>
+                <a:spcPct val="0"/>
+              </a:spcBef>
+              <a:spcAft>
+                <a:spcPct val="0"/>
+              </a:spcAft>
+              <a:defRPr>
+                <a:solidFill>
+                  <a:schemeClr val="tx1"/>
+                </a:solidFill>
+                <a:latin typeface="Calibri" panose="020F0502020204030204" pitchFamily="34" charset="0"/>
+              </a:defRPr>
+            </a:lvl9pPr>
+          </a:lstStyle>
+          <a:p>
+            <a:pPr algn="ctr" eaLnBrk="1" hangingPunct="1"/>
+            <a:r>
+              <a:rPr lang="en-US" altLang="en-US" sz="1100" i="1" dirty="0">
+                <a:latin typeface="Arial" panose="020B0604020202020204" pitchFamily="34" charset="0"/>
+                <a:ea typeface="Amazon Ember" panose="020B0603020204020204" pitchFamily="34" charset="0"/>
+                <a:cs typeface="Arial" panose="020B0604020202020204" pitchFamily="34" charset="0"/>
+              </a:rPr>
+              <a:t>MDA landing zone files</a:t>
+            </a:r>
+          </a:p>
+        </p:txBody>
+      </p:sp>
+    </p:spTree>
+    <p:extLst>
+      <p:ext uri="{BB962C8B-B14F-4D97-AF65-F5344CB8AC3E}">
+        <p14:creationId xmlns:p14="http://schemas.microsoft.com/office/powerpoint/2010/main" val="3678243539"/>
       </p:ext>
     </p:extLst>
   </p:cSld>
